--- a/Slides/4 - Making Server Calls and Persisting Data.pptx
+++ b/Slides/4 - Making Server Calls and Persisting Data.pptx
@@ -5,15 +5,25 @@
     <p:sldMasterId id="2147483660" r:id="rId1"/>
   </p:sldMasterIdLst>
   <p:notesMasterIdLst>
-    <p:notesMasterId r:id="rId8"/>
+    <p:notesMasterId r:id="rId18"/>
   </p:notesMasterIdLst>
   <p:sldIdLst>
     <p:sldId id="451" r:id="rId2"/>
     <p:sldId id="455" r:id="rId3"/>
     <p:sldId id="463" r:id="rId4"/>
-    <p:sldId id="464" r:id="rId5"/>
-    <p:sldId id="465" r:id="rId6"/>
-    <p:sldId id="450" r:id="rId7"/>
+    <p:sldId id="466" r:id="rId5"/>
+    <p:sldId id="467" r:id="rId6"/>
+    <p:sldId id="468" r:id="rId7"/>
+    <p:sldId id="464" r:id="rId8"/>
+    <p:sldId id="469" r:id="rId9"/>
+    <p:sldId id="470" r:id="rId10"/>
+    <p:sldId id="465" r:id="rId11"/>
+    <p:sldId id="473" r:id="rId12"/>
+    <p:sldId id="474" r:id="rId13"/>
+    <p:sldId id="475" r:id="rId14"/>
+    <p:sldId id="476" r:id="rId15"/>
+    <p:sldId id="472" r:id="rId16"/>
+    <p:sldId id="450" r:id="rId17"/>
   </p:sldIdLst>
   <p:sldSz cx="12192000" cy="6858000"/>
   <p:notesSz cx="6858000" cy="9144000"/>
@@ -120,8 +130,18 @@
             <p14:sldId id="451"/>
             <p14:sldId id="455"/>
             <p14:sldId id="463"/>
+            <p14:sldId id="466"/>
+            <p14:sldId id="467"/>
+            <p14:sldId id="468"/>
             <p14:sldId id="464"/>
+            <p14:sldId id="469"/>
+            <p14:sldId id="470"/>
             <p14:sldId id="465"/>
+            <p14:sldId id="473"/>
+            <p14:sldId id="474"/>
+            <p14:sldId id="475"/>
+            <p14:sldId id="476"/>
+            <p14:sldId id="472"/>
             <p14:sldId id="450"/>
           </p14:sldIdLst>
         </p14:section>
@@ -138,6 +158,4208 @@
     </p:ext>
   </p:extLst>
 </p:presentation>
+</file>
+
+<file path=ppt/diagrams/colors1.xml><?xml version="1.0" encoding="utf-8"?>
+<dgm:colorsDef xmlns:dgm="http://schemas.openxmlformats.org/drawingml/2006/diagram" xmlns:a="http://schemas.openxmlformats.org/drawingml/2006/main" uniqueId="urn:microsoft.com/office/officeart/2005/8/colors/accent0_3">
+  <dgm:title val=""/>
+  <dgm:desc val=""/>
+  <dgm:catLst>
+    <dgm:cat type="mainScheme" pri="10300"/>
+  </dgm:catLst>
+  <dgm:styleLbl name="node0">
+    <dgm:fillClrLst meth="repeat">
+      <a:schemeClr val="dk2"/>
+    </dgm:fillClrLst>
+    <dgm:linClrLst meth="repeat">
+      <a:schemeClr val="lt2"/>
+    </dgm:linClrLst>
+    <dgm:effectClrLst/>
+    <dgm:txLinClrLst/>
+    <dgm:txFillClrLst/>
+    <dgm:txEffectClrLst/>
+  </dgm:styleLbl>
+  <dgm:styleLbl name="alignNode1">
+    <dgm:fillClrLst meth="repeat">
+      <a:schemeClr val="dk2"/>
+    </dgm:fillClrLst>
+    <dgm:linClrLst meth="repeat">
+      <a:schemeClr val="dk2"/>
+    </dgm:linClrLst>
+    <dgm:effectClrLst/>
+    <dgm:txLinClrLst/>
+    <dgm:txFillClrLst/>
+    <dgm:txEffectClrLst/>
+  </dgm:styleLbl>
+  <dgm:styleLbl name="node1">
+    <dgm:fillClrLst meth="repeat">
+      <a:schemeClr val="dk2"/>
+    </dgm:fillClrLst>
+    <dgm:linClrLst meth="repeat">
+      <a:schemeClr val="lt2"/>
+    </dgm:linClrLst>
+    <dgm:effectClrLst/>
+    <dgm:txLinClrLst/>
+    <dgm:txFillClrLst/>
+    <dgm:txEffectClrLst/>
+  </dgm:styleLbl>
+  <dgm:styleLbl name="lnNode1">
+    <dgm:fillClrLst meth="repeat">
+      <a:schemeClr val="dk2"/>
+    </dgm:fillClrLst>
+    <dgm:linClrLst meth="repeat">
+      <a:schemeClr val="lt2"/>
+    </dgm:linClrLst>
+    <dgm:effectClrLst/>
+    <dgm:txLinClrLst/>
+    <dgm:txFillClrLst/>
+    <dgm:txEffectClrLst/>
+  </dgm:styleLbl>
+  <dgm:styleLbl name="vennNode1">
+    <dgm:fillClrLst meth="repeat">
+      <a:schemeClr val="dk2">
+        <a:alpha val="50000"/>
+      </a:schemeClr>
+    </dgm:fillClrLst>
+    <dgm:linClrLst meth="repeat">
+      <a:schemeClr val="lt2"/>
+    </dgm:linClrLst>
+    <dgm:effectClrLst/>
+    <dgm:txLinClrLst/>
+    <dgm:txFillClrLst/>
+    <dgm:txEffectClrLst/>
+  </dgm:styleLbl>
+  <dgm:styleLbl name="node2">
+    <dgm:fillClrLst meth="repeat">
+      <a:schemeClr val="dk2"/>
+    </dgm:fillClrLst>
+    <dgm:linClrLst meth="repeat">
+      <a:schemeClr val="lt2"/>
+    </dgm:linClrLst>
+    <dgm:effectClrLst/>
+    <dgm:txLinClrLst/>
+    <dgm:txFillClrLst/>
+    <dgm:txEffectClrLst/>
+  </dgm:styleLbl>
+  <dgm:styleLbl name="node3">
+    <dgm:fillClrLst meth="repeat">
+      <a:schemeClr val="dk2"/>
+    </dgm:fillClrLst>
+    <dgm:linClrLst meth="repeat">
+      <a:schemeClr val="lt2"/>
+    </dgm:linClrLst>
+    <dgm:effectClrLst/>
+    <dgm:txLinClrLst/>
+    <dgm:txFillClrLst/>
+    <dgm:txEffectClrLst/>
+  </dgm:styleLbl>
+  <dgm:styleLbl name="node4">
+    <dgm:fillClrLst meth="repeat">
+      <a:schemeClr val="dk2"/>
+    </dgm:fillClrLst>
+    <dgm:linClrLst meth="repeat">
+      <a:schemeClr val="lt2"/>
+    </dgm:linClrLst>
+    <dgm:effectClrLst/>
+    <dgm:txLinClrLst/>
+    <dgm:txFillClrLst/>
+    <dgm:txEffectClrLst/>
+  </dgm:styleLbl>
+  <dgm:styleLbl name="fgImgPlace1">
+    <dgm:fillClrLst meth="repeat">
+      <a:schemeClr val="dk2">
+        <a:tint val="50000"/>
+      </a:schemeClr>
+    </dgm:fillClrLst>
+    <dgm:linClrLst meth="repeat">
+      <a:schemeClr val="lt2"/>
+    </dgm:linClrLst>
+    <dgm:effectClrLst/>
+    <dgm:txLinClrLst/>
+    <dgm:txFillClrLst meth="repeat">
+      <a:schemeClr val="lt2"/>
+    </dgm:txFillClrLst>
+    <dgm:txEffectClrLst/>
+  </dgm:styleLbl>
+  <dgm:styleLbl name="alignImgPlace1">
+    <dgm:fillClrLst meth="repeat">
+      <a:schemeClr val="dk2">
+        <a:tint val="50000"/>
+      </a:schemeClr>
+    </dgm:fillClrLst>
+    <dgm:linClrLst meth="repeat">
+      <a:schemeClr val="dk2">
+        <a:shade val="80000"/>
+      </a:schemeClr>
+    </dgm:linClrLst>
+    <dgm:effectClrLst/>
+    <dgm:txLinClrLst/>
+    <dgm:txFillClrLst meth="repeat">
+      <a:schemeClr val="lt2"/>
+    </dgm:txFillClrLst>
+    <dgm:txEffectClrLst/>
+  </dgm:styleLbl>
+  <dgm:styleLbl name="bgImgPlace1">
+    <dgm:fillClrLst meth="repeat">
+      <a:schemeClr val="dk2">
+        <a:tint val="50000"/>
+      </a:schemeClr>
+    </dgm:fillClrLst>
+    <dgm:linClrLst meth="repeat">
+      <a:schemeClr val="dk2">
+        <a:shade val="80000"/>
+      </a:schemeClr>
+    </dgm:linClrLst>
+    <dgm:effectClrLst/>
+    <dgm:txLinClrLst/>
+    <dgm:txFillClrLst meth="repeat">
+      <a:schemeClr val="lt2"/>
+    </dgm:txFillClrLst>
+    <dgm:txEffectClrLst/>
+  </dgm:styleLbl>
+  <dgm:styleLbl name="sibTrans2D1">
+    <dgm:fillClrLst meth="repeat">
+      <a:schemeClr val="dk2">
+        <a:tint val="60000"/>
+      </a:schemeClr>
+    </dgm:fillClrLst>
+    <dgm:linClrLst meth="repeat">
+      <a:schemeClr val="dk2">
+        <a:tint val="60000"/>
+      </a:schemeClr>
+    </dgm:linClrLst>
+    <dgm:effectClrLst/>
+    <dgm:txLinClrLst/>
+    <dgm:txFillClrLst/>
+    <dgm:txEffectClrLst/>
+  </dgm:styleLbl>
+  <dgm:styleLbl name="fgSibTrans2D1">
+    <dgm:fillClrLst meth="repeat">
+      <a:schemeClr val="dk2">
+        <a:tint val="60000"/>
+      </a:schemeClr>
+    </dgm:fillClrLst>
+    <dgm:linClrLst meth="repeat">
+      <a:schemeClr val="dk2">
+        <a:tint val="60000"/>
+      </a:schemeClr>
+    </dgm:linClrLst>
+    <dgm:effectClrLst/>
+    <dgm:txLinClrLst/>
+    <dgm:txFillClrLst/>
+    <dgm:txEffectClrLst/>
+  </dgm:styleLbl>
+  <dgm:styleLbl name="bgSibTrans2D1">
+    <dgm:fillClrLst meth="repeat">
+      <a:schemeClr val="dk2">
+        <a:tint val="60000"/>
+      </a:schemeClr>
+    </dgm:fillClrLst>
+    <dgm:linClrLst meth="repeat">
+      <a:schemeClr val="dk2">
+        <a:tint val="60000"/>
+      </a:schemeClr>
+    </dgm:linClrLst>
+    <dgm:effectClrLst/>
+    <dgm:txLinClrLst/>
+    <dgm:txFillClrLst/>
+    <dgm:txEffectClrLst/>
+  </dgm:styleLbl>
+  <dgm:styleLbl name="sibTrans1D1">
+    <dgm:fillClrLst meth="repeat">
+      <a:schemeClr val="dk2"/>
+    </dgm:fillClrLst>
+    <dgm:linClrLst meth="repeat">
+      <a:schemeClr val="dk2"/>
+    </dgm:linClrLst>
+    <dgm:effectClrLst/>
+    <dgm:txLinClrLst/>
+    <dgm:txFillClrLst meth="repeat">
+      <a:schemeClr val="lt2"/>
+    </dgm:txFillClrLst>
+    <dgm:txEffectClrLst/>
+  </dgm:styleLbl>
+  <dgm:styleLbl name="callout">
+    <dgm:fillClrLst meth="repeat">
+      <a:schemeClr val="dk2"/>
+    </dgm:fillClrLst>
+    <dgm:linClrLst meth="repeat">
+      <a:schemeClr val="dk2">
+        <a:tint val="50000"/>
+      </a:schemeClr>
+    </dgm:linClrLst>
+    <dgm:effectClrLst/>
+    <dgm:txLinClrLst/>
+    <dgm:txFillClrLst meth="repeat">
+      <a:schemeClr val="lt2"/>
+    </dgm:txFillClrLst>
+    <dgm:txEffectClrLst/>
+  </dgm:styleLbl>
+  <dgm:styleLbl name="asst0">
+    <dgm:fillClrLst meth="repeat">
+      <a:schemeClr val="dk2"/>
+    </dgm:fillClrLst>
+    <dgm:linClrLst meth="repeat">
+      <a:schemeClr val="lt2"/>
+    </dgm:linClrLst>
+    <dgm:effectClrLst/>
+    <dgm:txLinClrLst/>
+    <dgm:txFillClrLst/>
+    <dgm:txEffectClrLst/>
+  </dgm:styleLbl>
+  <dgm:styleLbl name="asst1">
+    <dgm:fillClrLst meth="repeat">
+      <a:schemeClr val="dk2"/>
+    </dgm:fillClrLst>
+    <dgm:linClrLst meth="repeat">
+      <a:schemeClr val="lt2"/>
+    </dgm:linClrLst>
+    <dgm:effectClrLst/>
+    <dgm:txLinClrLst/>
+    <dgm:txFillClrLst/>
+    <dgm:txEffectClrLst/>
+  </dgm:styleLbl>
+  <dgm:styleLbl name="asst2">
+    <dgm:fillClrLst meth="repeat">
+      <a:schemeClr val="dk2"/>
+    </dgm:fillClrLst>
+    <dgm:linClrLst meth="repeat">
+      <a:schemeClr val="lt2"/>
+    </dgm:linClrLst>
+    <dgm:effectClrLst/>
+    <dgm:txLinClrLst/>
+    <dgm:txFillClrLst/>
+    <dgm:txEffectClrLst/>
+  </dgm:styleLbl>
+  <dgm:styleLbl name="asst3">
+    <dgm:fillClrLst meth="repeat">
+      <a:schemeClr val="dk2"/>
+    </dgm:fillClrLst>
+    <dgm:linClrLst meth="repeat">
+      <a:schemeClr val="lt2"/>
+    </dgm:linClrLst>
+    <dgm:effectClrLst/>
+    <dgm:txLinClrLst/>
+    <dgm:txFillClrLst/>
+    <dgm:txEffectClrLst/>
+  </dgm:styleLbl>
+  <dgm:styleLbl name="asst4">
+    <dgm:fillClrLst meth="repeat">
+      <a:schemeClr val="dk2"/>
+    </dgm:fillClrLst>
+    <dgm:linClrLst meth="repeat">
+      <a:schemeClr val="lt2"/>
+    </dgm:linClrLst>
+    <dgm:effectClrLst/>
+    <dgm:txLinClrLst/>
+    <dgm:txFillClrLst/>
+    <dgm:txEffectClrLst/>
+  </dgm:styleLbl>
+  <dgm:styleLbl name="parChTrans2D1">
+    <dgm:fillClrLst meth="repeat">
+      <a:schemeClr val="dk2">
+        <a:tint val="60000"/>
+      </a:schemeClr>
+    </dgm:fillClrLst>
+    <dgm:linClrLst meth="repeat">
+      <a:schemeClr val="dk2">
+        <a:tint val="60000"/>
+      </a:schemeClr>
+    </dgm:linClrLst>
+    <dgm:effectClrLst/>
+    <dgm:txLinClrLst/>
+    <dgm:txFillClrLst meth="repeat">
+      <a:schemeClr val="lt2"/>
+    </dgm:txFillClrLst>
+    <dgm:txEffectClrLst/>
+  </dgm:styleLbl>
+  <dgm:styleLbl name="parChTrans2D2">
+    <dgm:fillClrLst meth="repeat">
+      <a:schemeClr val="dk2"/>
+    </dgm:fillClrLst>
+    <dgm:linClrLst meth="repeat">
+      <a:schemeClr val="dk2"/>
+    </dgm:linClrLst>
+    <dgm:effectClrLst/>
+    <dgm:txLinClrLst/>
+    <dgm:txFillClrLst meth="repeat">
+      <a:schemeClr val="lt2"/>
+    </dgm:txFillClrLst>
+    <dgm:txEffectClrLst/>
+  </dgm:styleLbl>
+  <dgm:styleLbl name="parChTrans2D3">
+    <dgm:fillClrLst meth="repeat">
+      <a:schemeClr val="dk2"/>
+    </dgm:fillClrLst>
+    <dgm:linClrLst meth="repeat">
+      <a:schemeClr val="dk2"/>
+    </dgm:linClrLst>
+    <dgm:effectClrLst/>
+    <dgm:txLinClrLst/>
+    <dgm:txFillClrLst meth="repeat">
+      <a:schemeClr val="lt2"/>
+    </dgm:txFillClrLst>
+    <dgm:txEffectClrLst/>
+  </dgm:styleLbl>
+  <dgm:styleLbl name="parChTrans2D4">
+    <dgm:fillClrLst meth="repeat">
+      <a:schemeClr val="dk2"/>
+    </dgm:fillClrLst>
+    <dgm:linClrLst meth="repeat">
+      <a:schemeClr val="dk2"/>
+    </dgm:linClrLst>
+    <dgm:effectClrLst/>
+    <dgm:txLinClrLst/>
+    <dgm:txFillClrLst meth="repeat">
+      <a:schemeClr val="lt2"/>
+    </dgm:txFillClrLst>
+    <dgm:txEffectClrLst/>
+  </dgm:styleLbl>
+  <dgm:styleLbl name="parChTrans1D1">
+    <dgm:fillClrLst meth="repeat">
+      <a:schemeClr val="dk2"/>
+    </dgm:fillClrLst>
+    <dgm:linClrLst meth="repeat">
+      <a:schemeClr val="dk2">
+        <a:shade val="60000"/>
+      </a:schemeClr>
+    </dgm:linClrLst>
+    <dgm:effectClrLst/>
+    <dgm:txLinClrLst/>
+    <dgm:txFillClrLst meth="repeat">
+      <a:schemeClr val="tx1"/>
+    </dgm:txFillClrLst>
+    <dgm:txEffectClrLst/>
+  </dgm:styleLbl>
+  <dgm:styleLbl name="parChTrans1D2">
+    <dgm:fillClrLst meth="repeat">
+      <a:schemeClr val="dk2"/>
+    </dgm:fillClrLst>
+    <dgm:linClrLst meth="repeat">
+      <a:schemeClr val="dk2">
+        <a:shade val="60000"/>
+      </a:schemeClr>
+    </dgm:linClrLst>
+    <dgm:effectClrLst/>
+    <dgm:txLinClrLst/>
+    <dgm:txFillClrLst meth="repeat">
+      <a:schemeClr val="tx1"/>
+    </dgm:txFillClrLst>
+    <dgm:txEffectClrLst/>
+  </dgm:styleLbl>
+  <dgm:styleLbl name="parChTrans1D3">
+    <dgm:fillClrLst meth="repeat">
+      <a:schemeClr val="dk2"/>
+    </dgm:fillClrLst>
+    <dgm:linClrLst meth="repeat">
+      <a:schemeClr val="dk2">
+        <a:shade val="80000"/>
+      </a:schemeClr>
+    </dgm:linClrLst>
+    <dgm:effectClrLst/>
+    <dgm:txLinClrLst/>
+    <dgm:txFillClrLst meth="repeat">
+      <a:schemeClr val="tx1"/>
+    </dgm:txFillClrLst>
+    <dgm:txEffectClrLst/>
+  </dgm:styleLbl>
+  <dgm:styleLbl name="parChTrans1D4">
+    <dgm:fillClrLst meth="repeat">
+      <a:schemeClr val="dk2"/>
+    </dgm:fillClrLst>
+    <dgm:linClrLst meth="repeat">
+      <a:schemeClr val="dk2">
+        <a:shade val="80000"/>
+      </a:schemeClr>
+    </dgm:linClrLst>
+    <dgm:effectClrLst/>
+    <dgm:txLinClrLst/>
+    <dgm:txFillClrLst meth="repeat">
+      <a:schemeClr val="tx1"/>
+    </dgm:txFillClrLst>
+    <dgm:txEffectClrLst/>
+  </dgm:styleLbl>
+  <dgm:styleLbl name="fgAcc1">
+    <dgm:fillClrLst meth="repeat">
+      <a:schemeClr val="lt2">
+        <a:alpha val="90000"/>
+      </a:schemeClr>
+    </dgm:fillClrLst>
+    <dgm:linClrLst meth="repeat">
+      <a:schemeClr val="dk2"/>
+    </dgm:linClrLst>
+    <dgm:effectClrLst/>
+    <dgm:txLinClrLst/>
+    <dgm:txFillClrLst meth="repeat">
+      <a:schemeClr val="dk1"/>
+    </dgm:txFillClrLst>
+    <dgm:txEffectClrLst/>
+  </dgm:styleLbl>
+  <dgm:styleLbl name="conFgAcc1">
+    <dgm:fillClrLst meth="repeat">
+      <a:schemeClr val="lt2">
+        <a:alpha val="90000"/>
+      </a:schemeClr>
+    </dgm:fillClrLst>
+    <dgm:linClrLst meth="repeat">
+      <a:schemeClr val="dk2"/>
+    </dgm:linClrLst>
+    <dgm:effectClrLst/>
+    <dgm:txLinClrLst/>
+    <dgm:txFillClrLst meth="repeat">
+      <a:schemeClr val="dk1"/>
+    </dgm:txFillClrLst>
+    <dgm:txEffectClrLst/>
+  </dgm:styleLbl>
+  <dgm:styleLbl name="alignAcc1">
+    <dgm:fillClrLst meth="repeat">
+      <a:schemeClr val="lt2">
+        <a:alpha val="90000"/>
+      </a:schemeClr>
+    </dgm:fillClrLst>
+    <dgm:linClrLst meth="repeat">
+      <a:schemeClr val="dk2"/>
+    </dgm:linClrLst>
+    <dgm:effectClrLst/>
+    <dgm:txLinClrLst/>
+    <dgm:txFillClrLst meth="repeat">
+      <a:schemeClr val="dk1"/>
+    </dgm:txFillClrLst>
+    <dgm:txEffectClrLst/>
+  </dgm:styleLbl>
+  <dgm:styleLbl name="trAlignAcc1">
+    <dgm:fillClrLst meth="repeat">
+      <a:schemeClr val="lt2">
+        <a:alpha val="40000"/>
+      </a:schemeClr>
+    </dgm:fillClrLst>
+    <dgm:linClrLst meth="repeat">
+      <a:schemeClr val="dk2"/>
+    </dgm:linClrLst>
+    <dgm:effectClrLst/>
+    <dgm:txLinClrLst/>
+    <dgm:txFillClrLst meth="repeat">
+      <a:schemeClr val="dk1"/>
+    </dgm:txFillClrLst>
+    <dgm:txEffectClrLst/>
+  </dgm:styleLbl>
+  <dgm:styleLbl name="bgAcc1">
+    <dgm:fillClrLst meth="repeat">
+      <a:schemeClr val="lt2">
+        <a:alpha val="90000"/>
+      </a:schemeClr>
+    </dgm:fillClrLst>
+    <dgm:linClrLst meth="repeat">
+      <a:schemeClr val="dk2"/>
+    </dgm:linClrLst>
+    <dgm:effectClrLst/>
+    <dgm:txLinClrLst/>
+    <dgm:txFillClrLst meth="repeat">
+      <a:schemeClr val="dk1"/>
+    </dgm:txFillClrLst>
+    <dgm:txEffectClrLst/>
+  </dgm:styleLbl>
+  <dgm:styleLbl name="solidFgAcc1">
+    <dgm:fillClrLst meth="repeat">
+      <a:schemeClr val="lt2"/>
+    </dgm:fillClrLst>
+    <dgm:linClrLst meth="repeat">
+      <a:schemeClr val="dk2"/>
+    </dgm:linClrLst>
+    <dgm:effectClrLst/>
+    <dgm:txLinClrLst/>
+    <dgm:txFillClrLst meth="repeat">
+      <a:schemeClr val="dk1"/>
+    </dgm:txFillClrLst>
+    <dgm:txEffectClrLst/>
+  </dgm:styleLbl>
+  <dgm:styleLbl name="solidAlignAcc1">
+    <dgm:fillClrLst meth="repeat">
+      <a:schemeClr val="lt2"/>
+    </dgm:fillClrLst>
+    <dgm:linClrLst meth="repeat">
+      <a:schemeClr val="dk2"/>
+    </dgm:linClrLst>
+    <dgm:effectClrLst/>
+    <dgm:txLinClrLst/>
+    <dgm:txFillClrLst meth="repeat">
+      <a:schemeClr val="dk1"/>
+    </dgm:txFillClrLst>
+    <dgm:txEffectClrLst/>
+  </dgm:styleLbl>
+  <dgm:styleLbl name="solidBgAcc1">
+    <dgm:fillClrLst meth="repeat">
+      <a:schemeClr val="lt2"/>
+    </dgm:fillClrLst>
+    <dgm:linClrLst meth="repeat">
+      <a:schemeClr val="dk2"/>
+    </dgm:linClrLst>
+    <dgm:effectClrLst/>
+    <dgm:txLinClrLst/>
+    <dgm:txFillClrLst meth="repeat">
+      <a:schemeClr val="dk1"/>
+    </dgm:txFillClrLst>
+    <dgm:txEffectClrLst/>
+  </dgm:styleLbl>
+  <dgm:styleLbl name="fgAccFollowNode1">
+    <dgm:fillClrLst meth="repeat">
+      <a:schemeClr val="dk2">
+        <a:alpha val="90000"/>
+        <a:tint val="40000"/>
+      </a:schemeClr>
+    </dgm:fillClrLst>
+    <dgm:linClrLst meth="repeat">
+      <a:schemeClr val="dk2">
+        <a:alpha val="90000"/>
+        <a:tint val="40000"/>
+      </a:schemeClr>
+    </dgm:linClrLst>
+    <dgm:effectClrLst/>
+    <dgm:txLinClrLst/>
+    <dgm:txFillClrLst meth="repeat">
+      <a:schemeClr val="dk1"/>
+    </dgm:txFillClrLst>
+    <dgm:txEffectClrLst/>
+  </dgm:styleLbl>
+  <dgm:styleLbl name="alignAccFollowNode1">
+    <dgm:fillClrLst meth="repeat">
+      <a:schemeClr val="dk2">
+        <a:alpha val="90000"/>
+        <a:tint val="40000"/>
+      </a:schemeClr>
+    </dgm:fillClrLst>
+    <dgm:linClrLst meth="repeat">
+      <a:schemeClr val="dk2">
+        <a:alpha val="90000"/>
+        <a:tint val="40000"/>
+      </a:schemeClr>
+    </dgm:linClrLst>
+    <dgm:effectClrLst/>
+    <dgm:txLinClrLst/>
+    <dgm:txFillClrLst meth="repeat">
+      <a:schemeClr val="dk1"/>
+    </dgm:txFillClrLst>
+    <dgm:txEffectClrLst/>
+  </dgm:styleLbl>
+  <dgm:styleLbl name="bgAccFollowNode1">
+    <dgm:fillClrLst meth="repeat">
+      <a:schemeClr val="dk2">
+        <a:alpha val="90000"/>
+        <a:tint val="40000"/>
+      </a:schemeClr>
+    </dgm:fillClrLst>
+    <dgm:linClrLst meth="repeat">
+      <a:schemeClr val="dk2">
+        <a:alpha val="90000"/>
+        <a:tint val="40000"/>
+      </a:schemeClr>
+    </dgm:linClrLst>
+    <dgm:effectClrLst/>
+    <dgm:txLinClrLst/>
+    <dgm:txFillClrLst meth="repeat">
+      <a:schemeClr val="dk1"/>
+    </dgm:txFillClrLst>
+    <dgm:txEffectClrLst/>
+  </dgm:styleLbl>
+  <dgm:styleLbl name="fgAcc0">
+    <dgm:fillClrLst meth="repeat">
+      <a:schemeClr val="lt2">
+        <a:alpha val="90000"/>
+      </a:schemeClr>
+    </dgm:fillClrLst>
+    <dgm:linClrLst meth="repeat">
+      <a:schemeClr val="dk2"/>
+    </dgm:linClrLst>
+    <dgm:effectClrLst/>
+    <dgm:txLinClrLst/>
+    <dgm:txFillClrLst meth="repeat">
+      <a:schemeClr val="dk1"/>
+    </dgm:txFillClrLst>
+    <dgm:txEffectClrLst/>
+  </dgm:styleLbl>
+  <dgm:styleLbl name="fgAcc2">
+    <dgm:fillClrLst meth="repeat">
+      <a:schemeClr val="lt2">
+        <a:alpha val="90000"/>
+      </a:schemeClr>
+    </dgm:fillClrLst>
+    <dgm:linClrLst meth="repeat">
+      <a:schemeClr val="dk2"/>
+    </dgm:linClrLst>
+    <dgm:effectClrLst/>
+    <dgm:txLinClrLst/>
+    <dgm:txFillClrLst meth="repeat">
+      <a:schemeClr val="dk1"/>
+    </dgm:txFillClrLst>
+    <dgm:txEffectClrLst/>
+  </dgm:styleLbl>
+  <dgm:styleLbl name="fgAcc3">
+    <dgm:fillClrLst meth="repeat">
+      <a:schemeClr val="lt2">
+        <a:alpha val="90000"/>
+      </a:schemeClr>
+    </dgm:fillClrLst>
+    <dgm:linClrLst meth="repeat">
+      <a:schemeClr val="dk2"/>
+    </dgm:linClrLst>
+    <dgm:effectClrLst/>
+    <dgm:txLinClrLst/>
+    <dgm:txFillClrLst meth="repeat">
+      <a:schemeClr val="dk1"/>
+    </dgm:txFillClrLst>
+    <dgm:txEffectClrLst/>
+  </dgm:styleLbl>
+  <dgm:styleLbl name="fgAcc4">
+    <dgm:fillClrLst meth="repeat">
+      <a:schemeClr val="lt2">
+        <a:alpha val="90000"/>
+      </a:schemeClr>
+    </dgm:fillClrLst>
+    <dgm:linClrLst meth="repeat">
+      <a:schemeClr val="dk2"/>
+    </dgm:linClrLst>
+    <dgm:effectClrLst/>
+    <dgm:txLinClrLst/>
+    <dgm:txFillClrLst meth="repeat">
+      <a:schemeClr val="dk1"/>
+    </dgm:txFillClrLst>
+    <dgm:txEffectClrLst/>
+  </dgm:styleLbl>
+  <dgm:styleLbl name="bgShp">
+    <dgm:fillClrLst meth="repeat">
+      <a:schemeClr val="dk2">
+        <a:tint val="40000"/>
+      </a:schemeClr>
+    </dgm:fillClrLst>
+    <dgm:linClrLst meth="repeat">
+      <a:schemeClr val="dk2"/>
+    </dgm:linClrLst>
+    <dgm:effectClrLst/>
+    <dgm:txLinClrLst/>
+    <dgm:txFillClrLst meth="repeat">
+      <a:schemeClr val="dk1"/>
+    </dgm:txFillClrLst>
+    <dgm:txEffectClrLst/>
+  </dgm:styleLbl>
+  <dgm:styleLbl name="dkBgShp">
+    <dgm:fillClrLst meth="repeat">
+      <a:schemeClr val="dk2">
+        <a:shade val="80000"/>
+      </a:schemeClr>
+    </dgm:fillClrLst>
+    <dgm:linClrLst meth="repeat">
+      <a:schemeClr val="dk2"/>
+    </dgm:linClrLst>
+    <dgm:effectClrLst/>
+    <dgm:txLinClrLst/>
+    <dgm:txFillClrLst meth="repeat">
+      <a:schemeClr val="lt1"/>
+    </dgm:txFillClrLst>
+    <dgm:txEffectClrLst/>
+  </dgm:styleLbl>
+  <dgm:styleLbl name="trBgShp">
+    <dgm:fillClrLst meth="repeat">
+      <a:schemeClr val="dk2">
+        <a:tint val="50000"/>
+        <a:alpha val="40000"/>
+      </a:schemeClr>
+    </dgm:fillClrLst>
+    <dgm:linClrLst meth="repeat">
+      <a:schemeClr val="dk2"/>
+    </dgm:linClrLst>
+    <dgm:effectClrLst/>
+    <dgm:txLinClrLst/>
+    <dgm:txFillClrLst meth="repeat">
+      <a:schemeClr val="lt1"/>
+    </dgm:txFillClrLst>
+    <dgm:txEffectClrLst/>
+  </dgm:styleLbl>
+  <dgm:styleLbl name="fgShp">
+    <dgm:fillClrLst meth="repeat">
+      <a:schemeClr val="dk2">
+        <a:tint val="60000"/>
+      </a:schemeClr>
+    </dgm:fillClrLst>
+    <dgm:linClrLst meth="repeat">
+      <a:schemeClr val="lt2"/>
+    </dgm:linClrLst>
+    <dgm:effectClrLst/>
+    <dgm:txLinClrLst/>
+    <dgm:txFillClrLst meth="repeat">
+      <a:schemeClr val="dk1"/>
+    </dgm:txFillClrLst>
+    <dgm:txEffectClrLst/>
+  </dgm:styleLbl>
+  <dgm:styleLbl name="revTx">
+    <dgm:fillClrLst meth="repeat">
+      <a:schemeClr val="lt2">
+        <a:alpha val="0"/>
+      </a:schemeClr>
+    </dgm:fillClrLst>
+    <dgm:linClrLst meth="repeat">
+      <a:schemeClr val="dk1">
+        <a:alpha val="0"/>
+      </a:schemeClr>
+    </dgm:linClrLst>
+    <dgm:effectClrLst/>
+    <dgm:txLinClrLst/>
+    <dgm:txFillClrLst meth="repeat">
+      <a:schemeClr val="tx1"/>
+    </dgm:txFillClrLst>
+    <dgm:txEffectClrLst/>
+  </dgm:styleLbl>
+</dgm:colorsDef>
+</file>
+
+<file path=ppt/diagrams/data1.xml><?xml version="1.0" encoding="utf-8"?>
+<dgm:dataModel xmlns:dgm="http://schemas.openxmlformats.org/drawingml/2006/diagram" xmlns:a="http://schemas.openxmlformats.org/drawingml/2006/main">
+  <dgm:ptLst>
+    <dgm:pt modelId="{8D988717-777F-4797-9560-BB8A7EF78142}" type="doc">
+      <dgm:prSet loTypeId="urn:microsoft.com/office/officeart/2005/8/layout/arrow2" loCatId="process" qsTypeId="urn:microsoft.com/office/officeart/2005/8/quickstyle/simple1" qsCatId="simple" csTypeId="urn:microsoft.com/office/officeart/2005/8/colors/accent0_3" csCatId="mainScheme" phldr="1"/>
+      <dgm:spPr/>
+    </dgm:pt>
+    <dgm:pt modelId="{F02264A3-E2EE-4AC3-AEC6-504C4B057BAD}">
+      <dgm:prSet phldrT="[Text]"/>
+      <dgm:spPr/>
+      <dgm:t>
+        <a:bodyPr/>
+        <a:lstStyle/>
+        <a:p>
+          <a:r>
+            <a:rPr lang="en-US" smtClean="0"/>
+            <a:t>Long Polling</a:t>
+          </a:r>
+          <a:endParaRPr lang="en-US" dirty="0"/>
+        </a:p>
+      </dgm:t>
+    </dgm:pt>
+    <dgm:pt modelId="{AB194AC6-D055-44B4-988F-E19D8EFCD1B8}" type="parTrans" cxnId="{CA646D2B-6FE3-43C6-B7F6-A861AFD6013A}">
+      <dgm:prSet/>
+      <dgm:spPr/>
+      <dgm:t>
+        <a:bodyPr/>
+        <a:lstStyle/>
+        <a:p>
+          <a:endParaRPr lang="en-US"/>
+        </a:p>
+      </dgm:t>
+    </dgm:pt>
+    <dgm:pt modelId="{8E5A67FC-30C0-467B-AF1D-080B6ADEF8C3}" type="sibTrans" cxnId="{CA646D2B-6FE3-43C6-B7F6-A861AFD6013A}">
+      <dgm:prSet/>
+      <dgm:spPr/>
+      <dgm:t>
+        <a:bodyPr/>
+        <a:lstStyle/>
+        <a:p>
+          <a:endParaRPr lang="en-US"/>
+        </a:p>
+      </dgm:t>
+    </dgm:pt>
+    <dgm:pt modelId="{628398C6-E3B6-422F-8FBD-74ADBD783C82}">
+      <dgm:prSet phldrT="[Text]"/>
+      <dgm:spPr/>
+      <dgm:t>
+        <a:bodyPr/>
+        <a:lstStyle/>
+        <a:p>
+          <a:r>
+            <a:rPr lang="en-US" smtClean="0"/>
+            <a:t>Forever Frames</a:t>
+          </a:r>
+          <a:endParaRPr lang="en-US" dirty="0"/>
+        </a:p>
+      </dgm:t>
+    </dgm:pt>
+    <dgm:pt modelId="{94232122-4E09-43D3-800F-E9146F82E580}" type="parTrans" cxnId="{44B6514D-EF3C-43E9-93A1-D06D40E4563E}">
+      <dgm:prSet/>
+      <dgm:spPr/>
+      <dgm:t>
+        <a:bodyPr/>
+        <a:lstStyle/>
+        <a:p>
+          <a:endParaRPr lang="en-US"/>
+        </a:p>
+      </dgm:t>
+    </dgm:pt>
+    <dgm:pt modelId="{C9176D7B-39E8-4E5A-A3F0-70704D49F941}" type="sibTrans" cxnId="{44B6514D-EF3C-43E9-93A1-D06D40E4563E}">
+      <dgm:prSet/>
+      <dgm:spPr/>
+      <dgm:t>
+        <a:bodyPr/>
+        <a:lstStyle/>
+        <a:p>
+          <a:endParaRPr lang="en-US"/>
+        </a:p>
+      </dgm:t>
+    </dgm:pt>
+    <dgm:pt modelId="{906D2CCC-9E42-4009-B66B-FC49ECF678B3}">
+      <dgm:prSet phldrT="[Text]"/>
+      <dgm:spPr/>
+      <dgm:t>
+        <a:bodyPr/>
+        <a:lstStyle/>
+        <a:p>
+          <a:r>
+            <a:rPr lang="en-US" smtClean="0"/>
+            <a:t>Server Sent Events</a:t>
+          </a:r>
+          <a:endParaRPr lang="en-US" dirty="0"/>
+        </a:p>
+      </dgm:t>
+    </dgm:pt>
+    <dgm:pt modelId="{47A2451F-744C-4E8E-A681-DF599BA125BE}" type="parTrans" cxnId="{5F35F6CE-92BE-4522-B9CA-82593E57E21E}">
+      <dgm:prSet/>
+      <dgm:spPr/>
+      <dgm:t>
+        <a:bodyPr/>
+        <a:lstStyle/>
+        <a:p>
+          <a:endParaRPr lang="en-US"/>
+        </a:p>
+      </dgm:t>
+    </dgm:pt>
+    <dgm:pt modelId="{E76F715F-B808-4581-A6ED-C8F898BA3168}" type="sibTrans" cxnId="{5F35F6CE-92BE-4522-B9CA-82593E57E21E}">
+      <dgm:prSet/>
+      <dgm:spPr/>
+      <dgm:t>
+        <a:bodyPr/>
+        <a:lstStyle/>
+        <a:p>
+          <a:endParaRPr lang="en-US"/>
+        </a:p>
+      </dgm:t>
+    </dgm:pt>
+    <dgm:pt modelId="{FB25CB88-D0E9-4B3B-A840-98509C823001}">
+      <dgm:prSet phldrT="[Text]"/>
+      <dgm:spPr/>
+      <dgm:t>
+        <a:bodyPr/>
+        <a:lstStyle/>
+        <a:p>
+          <a:r>
+            <a:rPr lang="en-US" smtClean="0"/>
+            <a:t>Web Sockets</a:t>
+          </a:r>
+          <a:endParaRPr lang="en-US" dirty="0"/>
+        </a:p>
+      </dgm:t>
+    </dgm:pt>
+    <dgm:pt modelId="{F609127F-286D-4060-B6F1-3A722340E52B}" type="parTrans" cxnId="{9F3BA15D-1229-4F58-A35A-CB83D697B0A6}">
+      <dgm:prSet/>
+      <dgm:spPr/>
+      <dgm:t>
+        <a:bodyPr/>
+        <a:lstStyle/>
+        <a:p>
+          <a:endParaRPr lang="en-US"/>
+        </a:p>
+      </dgm:t>
+    </dgm:pt>
+    <dgm:pt modelId="{37253A79-0569-4660-B389-7099221DB7E4}" type="sibTrans" cxnId="{9F3BA15D-1229-4F58-A35A-CB83D697B0A6}">
+      <dgm:prSet/>
+      <dgm:spPr/>
+      <dgm:t>
+        <a:bodyPr/>
+        <a:lstStyle/>
+        <a:p>
+          <a:endParaRPr lang="en-US"/>
+        </a:p>
+      </dgm:t>
+    </dgm:pt>
+    <dgm:pt modelId="{7726A229-4354-4F0A-91B7-37E93A176B3C}" type="pres">
+      <dgm:prSet presAssocID="{8D988717-777F-4797-9560-BB8A7EF78142}" presName="arrowDiagram" presStyleCnt="0">
+        <dgm:presLayoutVars>
+          <dgm:chMax val="5"/>
+          <dgm:dir/>
+          <dgm:resizeHandles val="exact"/>
+        </dgm:presLayoutVars>
+      </dgm:prSet>
+      <dgm:spPr/>
+    </dgm:pt>
+    <dgm:pt modelId="{9780364F-DAB2-4569-95C8-4FF25ED31BA8}" type="pres">
+      <dgm:prSet presAssocID="{8D988717-777F-4797-9560-BB8A7EF78142}" presName="arrow" presStyleLbl="bgShp" presStyleIdx="0" presStyleCnt="1"/>
+      <dgm:spPr/>
+    </dgm:pt>
+    <dgm:pt modelId="{6CF452C3-43C4-4ED8-9E70-EDD05949340E}" type="pres">
+      <dgm:prSet presAssocID="{8D988717-777F-4797-9560-BB8A7EF78142}" presName="arrowDiagram4" presStyleCnt="0"/>
+      <dgm:spPr/>
+    </dgm:pt>
+    <dgm:pt modelId="{5E10B001-5007-4EED-B2F5-6DA2D8943C72}" type="pres">
+      <dgm:prSet presAssocID="{F02264A3-E2EE-4AC3-AEC6-504C4B057BAD}" presName="bullet4a" presStyleLbl="node1" presStyleIdx="0" presStyleCnt="4"/>
+      <dgm:spPr/>
+    </dgm:pt>
+    <dgm:pt modelId="{D18E6E86-A669-4A2C-9E23-F03F45ED4370}" type="pres">
+      <dgm:prSet presAssocID="{F02264A3-E2EE-4AC3-AEC6-504C4B057BAD}" presName="textBox4a" presStyleLbl="revTx" presStyleIdx="0" presStyleCnt="4">
+        <dgm:presLayoutVars>
+          <dgm:bulletEnabled val="1"/>
+        </dgm:presLayoutVars>
+      </dgm:prSet>
+      <dgm:spPr/>
+      <dgm:t>
+        <a:bodyPr/>
+        <a:lstStyle/>
+        <a:p>
+          <a:endParaRPr lang="en-US"/>
+        </a:p>
+      </dgm:t>
+    </dgm:pt>
+    <dgm:pt modelId="{314E5524-C4E9-40AE-B923-43854ECB959D}" type="pres">
+      <dgm:prSet presAssocID="{628398C6-E3B6-422F-8FBD-74ADBD783C82}" presName="bullet4b" presStyleLbl="node1" presStyleIdx="1" presStyleCnt="4"/>
+      <dgm:spPr/>
+    </dgm:pt>
+    <dgm:pt modelId="{F823A30D-D60C-4F0E-8BB3-92E2B6408E58}" type="pres">
+      <dgm:prSet presAssocID="{628398C6-E3B6-422F-8FBD-74ADBD783C82}" presName="textBox4b" presStyleLbl="revTx" presStyleIdx="1" presStyleCnt="4">
+        <dgm:presLayoutVars>
+          <dgm:bulletEnabled val="1"/>
+        </dgm:presLayoutVars>
+      </dgm:prSet>
+      <dgm:spPr/>
+      <dgm:t>
+        <a:bodyPr/>
+        <a:lstStyle/>
+        <a:p>
+          <a:endParaRPr lang="en-US"/>
+        </a:p>
+      </dgm:t>
+    </dgm:pt>
+    <dgm:pt modelId="{4AD552D1-E21A-4290-AB00-C68E38E22D1A}" type="pres">
+      <dgm:prSet presAssocID="{906D2CCC-9E42-4009-B66B-FC49ECF678B3}" presName="bullet4c" presStyleLbl="node1" presStyleIdx="2" presStyleCnt="4"/>
+      <dgm:spPr/>
+    </dgm:pt>
+    <dgm:pt modelId="{6F901ED6-9CB8-426B-B47B-4163C726B088}" type="pres">
+      <dgm:prSet presAssocID="{906D2CCC-9E42-4009-B66B-FC49ECF678B3}" presName="textBox4c" presStyleLbl="revTx" presStyleIdx="2" presStyleCnt="4">
+        <dgm:presLayoutVars>
+          <dgm:bulletEnabled val="1"/>
+        </dgm:presLayoutVars>
+      </dgm:prSet>
+      <dgm:spPr/>
+      <dgm:t>
+        <a:bodyPr/>
+        <a:lstStyle/>
+        <a:p>
+          <a:endParaRPr lang="en-US"/>
+        </a:p>
+      </dgm:t>
+    </dgm:pt>
+    <dgm:pt modelId="{8BBA28EF-3953-4EC8-8642-CE2A62822D0B}" type="pres">
+      <dgm:prSet presAssocID="{FB25CB88-D0E9-4B3B-A840-98509C823001}" presName="bullet4d" presStyleLbl="node1" presStyleIdx="3" presStyleCnt="4"/>
+      <dgm:spPr/>
+    </dgm:pt>
+    <dgm:pt modelId="{35169B2D-B78D-4BAF-B933-4C04BE2C8904}" type="pres">
+      <dgm:prSet presAssocID="{FB25CB88-D0E9-4B3B-A840-98509C823001}" presName="textBox4d" presStyleLbl="revTx" presStyleIdx="3" presStyleCnt="4">
+        <dgm:presLayoutVars>
+          <dgm:bulletEnabled val="1"/>
+        </dgm:presLayoutVars>
+      </dgm:prSet>
+      <dgm:spPr/>
+      <dgm:t>
+        <a:bodyPr/>
+        <a:lstStyle/>
+        <a:p>
+          <a:endParaRPr lang="en-US"/>
+        </a:p>
+      </dgm:t>
+    </dgm:pt>
+  </dgm:ptLst>
+  <dgm:cxnLst>
+    <dgm:cxn modelId="{CA646D2B-6FE3-43C6-B7F6-A861AFD6013A}" srcId="{8D988717-777F-4797-9560-BB8A7EF78142}" destId="{F02264A3-E2EE-4AC3-AEC6-504C4B057BAD}" srcOrd="0" destOrd="0" parTransId="{AB194AC6-D055-44B4-988F-E19D8EFCD1B8}" sibTransId="{8E5A67FC-30C0-467B-AF1D-080B6ADEF8C3}"/>
+    <dgm:cxn modelId="{7C5D0461-9646-47FA-B07C-142A4BB21392}" type="presOf" srcId="{628398C6-E3B6-422F-8FBD-74ADBD783C82}" destId="{F823A30D-D60C-4F0E-8BB3-92E2B6408E58}" srcOrd="0" destOrd="0" presId="urn:microsoft.com/office/officeart/2005/8/layout/arrow2"/>
+    <dgm:cxn modelId="{44B6514D-EF3C-43E9-93A1-D06D40E4563E}" srcId="{8D988717-777F-4797-9560-BB8A7EF78142}" destId="{628398C6-E3B6-422F-8FBD-74ADBD783C82}" srcOrd="1" destOrd="0" parTransId="{94232122-4E09-43D3-800F-E9146F82E580}" sibTransId="{C9176D7B-39E8-4E5A-A3F0-70704D49F941}"/>
+    <dgm:cxn modelId="{0EEB5678-328E-4903-8E32-9DB0368DC337}" type="presOf" srcId="{8D988717-777F-4797-9560-BB8A7EF78142}" destId="{7726A229-4354-4F0A-91B7-37E93A176B3C}" srcOrd="0" destOrd="0" presId="urn:microsoft.com/office/officeart/2005/8/layout/arrow2"/>
+    <dgm:cxn modelId="{2A7D4D78-7264-4BE1-88CA-94E73A34EFE3}" type="presOf" srcId="{906D2CCC-9E42-4009-B66B-FC49ECF678B3}" destId="{6F901ED6-9CB8-426B-B47B-4163C726B088}" srcOrd="0" destOrd="0" presId="urn:microsoft.com/office/officeart/2005/8/layout/arrow2"/>
+    <dgm:cxn modelId="{8505EDA4-5393-4015-8475-205AC879ECC8}" type="presOf" srcId="{FB25CB88-D0E9-4B3B-A840-98509C823001}" destId="{35169B2D-B78D-4BAF-B933-4C04BE2C8904}" srcOrd="0" destOrd="0" presId="urn:microsoft.com/office/officeart/2005/8/layout/arrow2"/>
+    <dgm:cxn modelId="{68414BB0-3E3A-4A75-9590-BD1C5599D95C}" type="presOf" srcId="{F02264A3-E2EE-4AC3-AEC6-504C4B057BAD}" destId="{D18E6E86-A669-4A2C-9E23-F03F45ED4370}" srcOrd="0" destOrd="0" presId="urn:microsoft.com/office/officeart/2005/8/layout/arrow2"/>
+    <dgm:cxn modelId="{5F35F6CE-92BE-4522-B9CA-82593E57E21E}" srcId="{8D988717-777F-4797-9560-BB8A7EF78142}" destId="{906D2CCC-9E42-4009-B66B-FC49ECF678B3}" srcOrd="2" destOrd="0" parTransId="{47A2451F-744C-4E8E-A681-DF599BA125BE}" sibTransId="{E76F715F-B808-4581-A6ED-C8F898BA3168}"/>
+    <dgm:cxn modelId="{9F3BA15D-1229-4F58-A35A-CB83D697B0A6}" srcId="{8D988717-777F-4797-9560-BB8A7EF78142}" destId="{FB25CB88-D0E9-4B3B-A840-98509C823001}" srcOrd="3" destOrd="0" parTransId="{F609127F-286D-4060-B6F1-3A722340E52B}" sibTransId="{37253A79-0569-4660-B389-7099221DB7E4}"/>
+    <dgm:cxn modelId="{D63B58B9-096F-40F5-8891-910E9A7BDEEE}" type="presParOf" srcId="{7726A229-4354-4F0A-91B7-37E93A176B3C}" destId="{9780364F-DAB2-4569-95C8-4FF25ED31BA8}" srcOrd="0" destOrd="0" presId="urn:microsoft.com/office/officeart/2005/8/layout/arrow2"/>
+    <dgm:cxn modelId="{39660755-C451-47B8-8D60-E340445C72F8}" type="presParOf" srcId="{7726A229-4354-4F0A-91B7-37E93A176B3C}" destId="{6CF452C3-43C4-4ED8-9E70-EDD05949340E}" srcOrd="1" destOrd="0" presId="urn:microsoft.com/office/officeart/2005/8/layout/arrow2"/>
+    <dgm:cxn modelId="{93558913-2431-4B51-B25D-D1BE715FDECD}" type="presParOf" srcId="{6CF452C3-43C4-4ED8-9E70-EDD05949340E}" destId="{5E10B001-5007-4EED-B2F5-6DA2D8943C72}" srcOrd="0" destOrd="0" presId="urn:microsoft.com/office/officeart/2005/8/layout/arrow2"/>
+    <dgm:cxn modelId="{A0EAE64A-EF22-4993-8D78-EA5B15FB0411}" type="presParOf" srcId="{6CF452C3-43C4-4ED8-9E70-EDD05949340E}" destId="{D18E6E86-A669-4A2C-9E23-F03F45ED4370}" srcOrd="1" destOrd="0" presId="urn:microsoft.com/office/officeart/2005/8/layout/arrow2"/>
+    <dgm:cxn modelId="{93F964D9-E4FA-4743-A2B2-941655D6FE42}" type="presParOf" srcId="{6CF452C3-43C4-4ED8-9E70-EDD05949340E}" destId="{314E5524-C4E9-40AE-B923-43854ECB959D}" srcOrd="2" destOrd="0" presId="urn:microsoft.com/office/officeart/2005/8/layout/arrow2"/>
+    <dgm:cxn modelId="{E0972A68-7F35-43BD-AFFF-37487D3592B7}" type="presParOf" srcId="{6CF452C3-43C4-4ED8-9E70-EDD05949340E}" destId="{F823A30D-D60C-4F0E-8BB3-92E2B6408E58}" srcOrd="3" destOrd="0" presId="urn:microsoft.com/office/officeart/2005/8/layout/arrow2"/>
+    <dgm:cxn modelId="{A61BEF43-B65D-43AE-B203-0F773472DCAF}" type="presParOf" srcId="{6CF452C3-43C4-4ED8-9E70-EDD05949340E}" destId="{4AD552D1-E21A-4290-AB00-C68E38E22D1A}" srcOrd="4" destOrd="0" presId="urn:microsoft.com/office/officeart/2005/8/layout/arrow2"/>
+    <dgm:cxn modelId="{10504D62-AE37-452F-9291-831601E88E2A}" type="presParOf" srcId="{6CF452C3-43C4-4ED8-9E70-EDD05949340E}" destId="{6F901ED6-9CB8-426B-B47B-4163C726B088}" srcOrd="5" destOrd="0" presId="urn:microsoft.com/office/officeart/2005/8/layout/arrow2"/>
+    <dgm:cxn modelId="{DD829F91-C3B4-41A6-A5C2-6927A53A8FF7}" type="presParOf" srcId="{6CF452C3-43C4-4ED8-9E70-EDD05949340E}" destId="{8BBA28EF-3953-4EC8-8642-CE2A62822D0B}" srcOrd="6" destOrd="0" presId="urn:microsoft.com/office/officeart/2005/8/layout/arrow2"/>
+    <dgm:cxn modelId="{5BF54FA8-ACA2-4EF5-A064-4684F2694111}" type="presParOf" srcId="{6CF452C3-43C4-4ED8-9E70-EDD05949340E}" destId="{35169B2D-B78D-4BAF-B933-4C04BE2C8904}" srcOrd="7" destOrd="0" presId="urn:microsoft.com/office/officeart/2005/8/layout/arrow2"/>
+  </dgm:cxnLst>
+  <dgm:bg/>
+  <dgm:whole/>
+  <dgm:extLst>
+    <a:ext uri="http://schemas.microsoft.com/office/drawing/2008/diagram">
+      <dsp:dataModelExt xmlns:dsp="http://schemas.microsoft.com/office/drawing/2008/diagram" relId="rId7" minVer="http://schemas.openxmlformats.org/drawingml/2006/diagram"/>
+    </a:ext>
+  </dgm:extLst>
+</dgm:dataModel>
+</file>
+
+<file path=ppt/diagrams/drawing1.xml><?xml version="1.0" encoding="utf-8"?>
+<dsp:drawing xmlns:dgm="http://schemas.openxmlformats.org/drawingml/2006/diagram" xmlns:dsp="http://schemas.microsoft.com/office/drawing/2008/diagram" xmlns:a="http://schemas.openxmlformats.org/drawingml/2006/main">
+  <dsp:spTree>
+    <dsp:nvGrpSpPr>
+      <dsp:cNvPr id="0" name=""/>
+      <dsp:cNvGrpSpPr/>
+    </dsp:nvGrpSpPr>
+    <dsp:grpSpPr/>
+    <dsp:sp modelId="{9780364F-DAB2-4569-95C8-4FF25ED31BA8}">
+      <dsp:nvSpPr>
+        <dsp:cNvPr id="0" name=""/>
+        <dsp:cNvSpPr/>
+      </dsp:nvSpPr>
+      <dsp:spPr>
+        <a:xfrm>
+          <a:off x="0" y="47149"/>
+          <a:ext cx="8982316" cy="5613947"/>
+        </a:xfrm>
+        <a:prstGeom prst="swooshArrow">
+          <a:avLst>
+            <a:gd name="adj1" fmla="val 25000"/>
+            <a:gd name="adj2" fmla="val 25000"/>
+          </a:avLst>
+        </a:prstGeom>
+        <a:solidFill>
+          <a:schemeClr val="dk2">
+            <a:tint val="40000"/>
+            <a:hueOff val="0"/>
+            <a:satOff val="0"/>
+            <a:lumOff val="0"/>
+            <a:alphaOff val="0"/>
+          </a:schemeClr>
+        </a:solidFill>
+        <a:ln>
+          <a:noFill/>
+        </a:ln>
+        <a:effectLst/>
+      </dsp:spPr>
+      <dsp:style>
+        <a:lnRef idx="0">
+          <a:scrgbClr r="0" g="0" b="0"/>
+        </a:lnRef>
+        <a:fillRef idx="1">
+          <a:scrgbClr r="0" g="0" b="0"/>
+        </a:fillRef>
+        <a:effectRef idx="0">
+          <a:scrgbClr r="0" g="0" b="0"/>
+        </a:effectRef>
+        <a:fontRef idx="minor"/>
+      </dsp:style>
+    </dsp:sp>
+    <dsp:sp modelId="{5E10B001-5007-4EED-B2F5-6DA2D8943C72}">
+      <dsp:nvSpPr>
+        <dsp:cNvPr id="0" name=""/>
+        <dsp:cNvSpPr/>
+      </dsp:nvSpPr>
+      <dsp:spPr>
+        <a:xfrm>
+          <a:off x="884758" y="4221681"/>
+          <a:ext cx="206593" cy="206593"/>
+        </a:xfrm>
+        <a:prstGeom prst="ellipse">
+          <a:avLst/>
+        </a:prstGeom>
+        <a:solidFill>
+          <a:schemeClr val="dk2">
+            <a:hueOff val="0"/>
+            <a:satOff val="0"/>
+            <a:lumOff val="0"/>
+            <a:alphaOff val="0"/>
+          </a:schemeClr>
+        </a:solidFill>
+        <a:ln w="25400" cap="flat" cmpd="sng" algn="ctr">
+          <a:solidFill>
+            <a:schemeClr val="lt2">
+              <a:hueOff val="0"/>
+              <a:satOff val="0"/>
+              <a:lumOff val="0"/>
+              <a:alphaOff val="0"/>
+            </a:schemeClr>
+          </a:solidFill>
+          <a:prstDash val="solid"/>
+        </a:ln>
+        <a:effectLst/>
+      </dsp:spPr>
+      <dsp:style>
+        <a:lnRef idx="2">
+          <a:scrgbClr r="0" g="0" b="0"/>
+        </a:lnRef>
+        <a:fillRef idx="1">
+          <a:scrgbClr r="0" g="0" b="0"/>
+        </a:fillRef>
+        <a:effectRef idx="0">
+          <a:scrgbClr r="0" g="0" b="0"/>
+        </a:effectRef>
+        <a:fontRef idx="minor">
+          <a:schemeClr val="lt1"/>
+        </a:fontRef>
+      </dsp:style>
+    </dsp:sp>
+    <dsp:sp modelId="{D18E6E86-A669-4A2C-9E23-F03F45ED4370}">
+      <dsp:nvSpPr>
+        <dsp:cNvPr id="0" name=""/>
+        <dsp:cNvSpPr/>
+      </dsp:nvSpPr>
+      <dsp:spPr>
+        <a:xfrm>
+          <a:off x="988054" y="4324977"/>
+          <a:ext cx="1535976" cy="1336119"/>
+        </a:xfrm>
+        <a:prstGeom prst="rect">
+          <a:avLst/>
+        </a:prstGeom>
+        <a:noFill/>
+        <a:ln>
+          <a:noFill/>
+        </a:ln>
+        <a:effectLst/>
+      </dsp:spPr>
+      <dsp:style>
+        <a:lnRef idx="0">
+          <a:scrgbClr r="0" g="0" b="0"/>
+        </a:lnRef>
+        <a:fillRef idx="0">
+          <a:scrgbClr r="0" g="0" b="0"/>
+        </a:fillRef>
+        <a:effectRef idx="0">
+          <a:scrgbClr r="0" g="0" b="0"/>
+        </a:effectRef>
+        <a:fontRef idx="minor"/>
+      </dsp:style>
+      <dsp:txBody>
+        <a:bodyPr spcFirstLastPara="0" vert="horz" wrap="square" lIns="109469" tIns="0" rIns="0" bIns="0" numCol="1" spcCol="1270" anchor="t" anchorCtr="0">
+          <a:noAutofit/>
+        </a:bodyPr>
+        <a:lstStyle/>
+        <a:p>
+          <a:pPr lvl="0" algn="l" defTabSz="1733550">
+            <a:lnSpc>
+              <a:spcPct val="90000"/>
+            </a:lnSpc>
+            <a:spcBef>
+              <a:spcPct val="0"/>
+            </a:spcBef>
+            <a:spcAft>
+              <a:spcPct val="35000"/>
+            </a:spcAft>
+          </a:pPr>
+          <a:r>
+            <a:rPr lang="en-US" sz="3900" kern="1200" smtClean="0"/>
+            <a:t>Long Polling</a:t>
+          </a:r>
+          <a:endParaRPr lang="en-US" sz="3900" kern="1200" dirty="0"/>
+        </a:p>
+      </dsp:txBody>
+      <dsp:txXfrm>
+        <a:off x="988054" y="4324977"/>
+        <a:ext cx="1535976" cy="1336119"/>
+      </dsp:txXfrm>
+    </dsp:sp>
+    <dsp:sp modelId="{314E5524-C4E9-40AE-B923-43854ECB959D}">
+      <dsp:nvSpPr>
+        <dsp:cNvPr id="0" name=""/>
+        <dsp:cNvSpPr/>
+      </dsp:nvSpPr>
+      <dsp:spPr>
+        <a:xfrm>
+          <a:off x="2344384" y="2915876"/>
+          <a:ext cx="359292" cy="359292"/>
+        </a:xfrm>
+        <a:prstGeom prst="ellipse">
+          <a:avLst/>
+        </a:prstGeom>
+        <a:solidFill>
+          <a:schemeClr val="dk2">
+            <a:hueOff val="0"/>
+            <a:satOff val="0"/>
+            <a:lumOff val="0"/>
+            <a:alphaOff val="0"/>
+          </a:schemeClr>
+        </a:solidFill>
+        <a:ln w="25400" cap="flat" cmpd="sng" algn="ctr">
+          <a:solidFill>
+            <a:schemeClr val="lt2">
+              <a:hueOff val="0"/>
+              <a:satOff val="0"/>
+              <a:lumOff val="0"/>
+              <a:alphaOff val="0"/>
+            </a:schemeClr>
+          </a:solidFill>
+          <a:prstDash val="solid"/>
+        </a:ln>
+        <a:effectLst/>
+      </dsp:spPr>
+      <dsp:style>
+        <a:lnRef idx="2">
+          <a:scrgbClr r="0" g="0" b="0"/>
+        </a:lnRef>
+        <a:fillRef idx="1">
+          <a:scrgbClr r="0" g="0" b="0"/>
+        </a:fillRef>
+        <a:effectRef idx="0">
+          <a:scrgbClr r="0" g="0" b="0"/>
+        </a:effectRef>
+        <a:fontRef idx="minor">
+          <a:schemeClr val="lt1"/>
+        </a:fontRef>
+      </dsp:style>
+    </dsp:sp>
+    <dsp:sp modelId="{F823A30D-D60C-4F0E-8BB3-92E2B6408E58}">
+      <dsp:nvSpPr>
+        <dsp:cNvPr id="0" name=""/>
+        <dsp:cNvSpPr/>
+      </dsp:nvSpPr>
+      <dsp:spPr>
+        <a:xfrm>
+          <a:off x="2524030" y="3095523"/>
+          <a:ext cx="1886286" cy="2565574"/>
+        </a:xfrm>
+        <a:prstGeom prst="rect">
+          <a:avLst/>
+        </a:prstGeom>
+        <a:noFill/>
+        <a:ln>
+          <a:noFill/>
+        </a:ln>
+        <a:effectLst/>
+      </dsp:spPr>
+      <dsp:style>
+        <a:lnRef idx="0">
+          <a:scrgbClr r="0" g="0" b="0"/>
+        </a:lnRef>
+        <a:fillRef idx="0">
+          <a:scrgbClr r="0" g="0" b="0"/>
+        </a:fillRef>
+        <a:effectRef idx="0">
+          <a:scrgbClr r="0" g="0" b="0"/>
+        </a:effectRef>
+        <a:fontRef idx="minor"/>
+      </dsp:style>
+      <dsp:txBody>
+        <a:bodyPr spcFirstLastPara="0" vert="horz" wrap="square" lIns="190382" tIns="0" rIns="0" bIns="0" numCol="1" spcCol="1270" anchor="t" anchorCtr="0">
+          <a:noAutofit/>
+        </a:bodyPr>
+        <a:lstStyle/>
+        <a:p>
+          <a:pPr lvl="0" algn="l" defTabSz="1733550">
+            <a:lnSpc>
+              <a:spcPct val="90000"/>
+            </a:lnSpc>
+            <a:spcBef>
+              <a:spcPct val="0"/>
+            </a:spcBef>
+            <a:spcAft>
+              <a:spcPct val="35000"/>
+            </a:spcAft>
+          </a:pPr>
+          <a:r>
+            <a:rPr lang="en-US" sz="3900" kern="1200" smtClean="0"/>
+            <a:t>Forever Frames</a:t>
+          </a:r>
+          <a:endParaRPr lang="en-US" sz="3900" kern="1200" dirty="0"/>
+        </a:p>
+      </dsp:txBody>
+      <dsp:txXfrm>
+        <a:off x="2524030" y="3095523"/>
+        <a:ext cx="1886286" cy="2565574"/>
+      </dsp:txXfrm>
+    </dsp:sp>
+    <dsp:sp modelId="{4AD552D1-E21A-4290-AB00-C68E38E22D1A}">
+      <dsp:nvSpPr>
+        <dsp:cNvPr id="0" name=""/>
+        <dsp:cNvSpPr/>
+      </dsp:nvSpPr>
+      <dsp:spPr>
+        <a:xfrm>
+          <a:off x="4208215" y="1953646"/>
+          <a:ext cx="476062" cy="476062"/>
+        </a:xfrm>
+        <a:prstGeom prst="ellipse">
+          <a:avLst/>
+        </a:prstGeom>
+        <a:solidFill>
+          <a:schemeClr val="dk2">
+            <a:hueOff val="0"/>
+            <a:satOff val="0"/>
+            <a:lumOff val="0"/>
+            <a:alphaOff val="0"/>
+          </a:schemeClr>
+        </a:solidFill>
+        <a:ln w="25400" cap="flat" cmpd="sng" algn="ctr">
+          <a:solidFill>
+            <a:schemeClr val="lt2">
+              <a:hueOff val="0"/>
+              <a:satOff val="0"/>
+              <a:lumOff val="0"/>
+              <a:alphaOff val="0"/>
+            </a:schemeClr>
+          </a:solidFill>
+          <a:prstDash val="solid"/>
+        </a:ln>
+        <a:effectLst/>
+      </dsp:spPr>
+      <dsp:style>
+        <a:lnRef idx="2">
+          <a:scrgbClr r="0" g="0" b="0"/>
+        </a:lnRef>
+        <a:fillRef idx="1">
+          <a:scrgbClr r="0" g="0" b="0"/>
+        </a:fillRef>
+        <a:effectRef idx="0">
+          <a:scrgbClr r="0" g="0" b="0"/>
+        </a:effectRef>
+        <a:fontRef idx="minor">
+          <a:schemeClr val="lt1"/>
+        </a:fontRef>
+      </dsp:style>
+    </dsp:sp>
+    <dsp:sp modelId="{6F901ED6-9CB8-426B-B47B-4163C726B088}">
+      <dsp:nvSpPr>
+        <dsp:cNvPr id="0" name=""/>
+        <dsp:cNvSpPr/>
+      </dsp:nvSpPr>
+      <dsp:spPr>
+        <a:xfrm>
+          <a:off x="4446246" y="2191677"/>
+          <a:ext cx="1886286" cy="3469419"/>
+        </a:xfrm>
+        <a:prstGeom prst="rect">
+          <a:avLst/>
+        </a:prstGeom>
+        <a:noFill/>
+        <a:ln>
+          <a:noFill/>
+        </a:ln>
+        <a:effectLst/>
+      </dsp:spPr>
+      <dsp:style>
+        <a:lnRef idx="0">
+          <a:scrgbClr r="0" g="0" b="0"/>
+        </a:lnRef>
+        <a:fillRef idx="0">
+          <a:scrgbClr r="0" g="0" b="0"/>
+        </a:fillRef>
+        <a:effectRef idx="0">
+          <a:scrgbClr r="0" g="0" b="0"/>
+        </a:effectRef>
+        <a:fontRef idx="minor"/>
+      </dsp:style>
+      <dsp:txBody>
+        <a:bodyPr spcFirstLastPara="0" vert="horz" wrap="square" lIns="252256" tIns="0" rIns="0" bIns="0" numCol="1" spcCol="1270" anchor="t" anchorCtr="0">
+          <a:noAutofit/>
+        </a:bodyPr>
+        <a:lstStyle/>
+        <a:p>
+          <a:pPr lvl="0" algn="l" defTabSz="1733550">
+            <a:lnSpc>
+              <a:spcPct val="90000"/>
+            </a:lnSpc>
+            <a:spcBef>
+              <a:spcPct val="0"/>
+            </a:spcBef>
+            <a:spcAft>
+              <a:spcPct val="35000"/>
+            </a:spcAft>
+          </a:pPr>
+          <a:r>
+            <a:rPr lang="en-US" sz="3900" kern="1200" smtClean="0"/>
+            <a:t>Server Sent Events</a:t>
+          </a:r>
+          <a:endParaRPr lang="en-US" sz="3900" kern="1200" dirty="0"/>
+        </a:p>
+      </dsp:txBody>
+      <dsp:txXfrm>
+        <a:off x="4446246" y="2191677"/>
+        <a:ext cx="1886286" cy="3469419"/>
+      </dsp:txXfrm>
+    </dsp:sp>
+    <dsp:sp modelId="{8BBA28EF-3953-4EC8-8642-CE2A62822D0B}">
+      <dsp:nvSpPr>
+        <dsp:cNvPr id="0" name=""/>
+        <dsp:cNvSpPr/>
+      </dsp:nvSpPr>
+      <dsp:spPr>
+        <a:xfrm>
+          <a:off x="6238218" y="1317024"/>
+          <a:ext cx="637744" cy="637744"/>
+        </a:xfrm>
+        <a:prstGeom prst="ellipse">
+          <a:avLst/>
+        </a:prstGeom>
+        <a:solidFill>
+          <a:schemeClr val="dk2">
+            <a:hueOff val="0"/>
+            <a:satOff val="0"/>
+            <a:lumOff val="0"/>
+            <a:alphaOff val="0"/>
+          </a:schemeClr>
+        </a:solidFill>
+        <a:ln w="25400" cap="flat" cmpd="sng" algn="ctr">
+          <a:solidFill>
+            <a:schemeClr val="lt2">
+              <a:hueOff val="0"/>
+              <a:satOff val="0"/>
+              <a:lumOff val="0"/>
+              <a:alphaOff val="0"/>
+            </a:schemeClr>
+          </a:solidFill>
+          <a:prstDash val="solid"/>
+        </a:ln>
+        <a:effectLst/>
+      </dsp:spPr>
+      <dsp:style>
+        <a:lnRef idx="2">
+          <a:scrgbClr r="0" g="0" b="0"/>
+        </a:lnRef>
+        <a:fillRef idx="1">
+          <a:scrgbClr r="0" g="0" b="0"/>
+        </a:fillRef>
+        <a:effectRef idx="0">
+          <a:scrgbClr r="0" g="0" b="0"/>
+        </a:effectRef>
+        <a:fontRef idx="minor">
+          <a:schemeClr val="lt1"/>
+        </a:fontRef>
+      </dsp:style>
+    </dsp:sp>
+    <dsp:sp modelId="{35169B2D-B78D-4BAF-B933-4C04BE2C8904}">
+      <dsp:nvSpPr>
+        <dsp:cNvPr id="0" name=""/>
+        <dsp:cNvSpPr/>
+      </dsp:nvSpPr>
+      <dsp:spPr>
+        <a:xfrm>
+          <a:off x="6557090" y="1635896"/>
+          <a:ext cx="1886286" cy="4025200"/>
+        </a:xfrm>
+        <a:prstGeom prst="rect">
+          <a:avLst/>
+        </a:prstGeom>
+        <a:noFill/>
+        <a:ln>
+          <a:noFill/>
+        </a:ln>
+        <a:effectLst/>
+      </dsp:spPr>
+      <dsp:style>
+        <a:lnRef idx="0">
+          <a:scrgbClr r="0" g="0" b="0"/>
+        </a:lnRef>
+        <a:fillRef idx="0">
+          <a:scrgbClr r="0" g="0" b="0"/>
+        </a:fillRef>
+        <a:effectRef idx="0">
+          <a:scrgbClr r="0" g="0" b="0"/>
+        </a:effectRef>
+        <a:fontRef idx="minor"/>
+      </dsp:style>
+      <dsp:txBody>
+        <a:bodyPr spcFirstLastPara="0" vert="horz" wrap="square" lIns="337928" tIns="0" rIns="0" bIns="0" numCol="1" spcCol="1270" anchor="t" anchorCtr="0">
+          <a:noAutofit/>
+        </a:bodyPr>
+        <a:lstStyle/>
+        <a:p>
+          <a:pPr lvl="0" algn="l" defTabSz="1733550">
+            <a:lnSpc>
+              <a:spcPct val="90000"/>
+            </a:lnSpc>
+            <a:spcBef>
+              <a:spcPct val="0"/>
+            </a:spcBef>
+            <a:spcAft>
+              <a:spcPct val="35000"/>
+            </a:spcAft>
+          </a:pPr>
+          <a:r>
+            <a:rPr lang="en-US" sz="3900" kern="1200" smtClean="0"/>
+            <a:t>Web Sockets</a:t>
+          </a:r>
+          <a:endParaRPr lang="en-US" sz="3900" kern="1200" dirty="0"/>
+        </a:p>
+      </dsp:txBody>
+      <dsp:txXfrm>
+        <a:off x="6557090" y="1635896"/>
+        <a:ext cx="1886286" cy="4025200"/>
+      </dsp:txXfrm>
+    </dsp:sp>
+  </dsp:spTree>
+</dsp:drawing>
+</file>
+
+<file path=ppt/diagrams/layout1.xml><?xml version="1.0" encoding="utf-8"?>
+<dgm:layoutDef xmlns:dgm="http://schemas.openxmlformats.org/drawingml/2006/diagram" xmlns:a="http://schemas.openxmlformats.org/drawingml/2006/main" uniqueId="urn:microsoft.com/office/officeart/2005/8/layout/arrow2">
+  <dgm:title val=""/>
+  <dgm:desc val=""/>
+  <dgm:catLst>
+    <dgm:cat type="process" pri="23000"/>
+  </dgm:catLst>
+  <dgm:sampData useDef="1">
+    <dgm:dataModel>
+      <dgm:ptLst/>
+      <dgm:bg/>
+      <dgm:whole/>
+    </dgm:dataModel>
+  </dgm:sampData>
+  <dgm:styleData>
+    <dgm:dataModel>
+      <dgm:ptLst>
+        <dgm:pt modelId="0" type="doc"/>
+        <dgm:pt modelId="1"/>
+        <dgm:pt modelId="2"/>
+      </dgm:ptLst>
+      <dgm:cxnLst>
+        <dgm:cxn modelId="3" srcId="0" destId="1" srcOrd="0" destOrd="0"/>
+        <dgm:cxn modelId="4" srcId="0" destId="2" srcOrd="1" destOrd="0"/>
+      </dgm:cxnLst>
+      <dgm:bg/>
+      <dgm:whole/>
+    </dgm:dataModel>
+  </dgm:styleData>
+  <dgm:clrData>
+    <dgm:dataModel>
+      <dgm:ptLst>
+        <dgm:pt modelId="0" type="doc"/>
+        <dgm:pt modelId="1"/>
+        <dgm:pt modelId="2"/>
+        <dgm:pt modelId="3"/>
+        <dgm:pt modelId="4"/>
+      </dgm:ptLst>
+      <dgm:cxnLst>
+        <dgm:cxn modelId="5" srcId="0" destId="1" srcOrd="0" destOrd="0"/>
+        <dgm:cxn modelId="6" srcId="0" destId="2" srcOrd="1" destOrd="0"/>
+        <dgm:cxn modelId="7" srcId="0" destId="3" srcOrd="2" destOrd="0"/>
+        <dgm:cxn modelId="8" srcId="0" destId="4" srcOrd="3" destOrd="0"/>
+      </dgm:cxnLst>
+      <dgm:bg/>
+      <dgm:whole/>
+    </dgm:dataModel>
+  </dgm:clrData>
+  <dgm:layoutNode name="arrowDiagram">
+    <dgm:varLst>
+      <dgm:chMax val="5"/>
+      <dgm:dir/>
+      <dgm:resizeHandles val="exact"/>
+    </dgm:varLst>
+    <dgm:alg type="composite">
+      <dgm:param type="ar" val="1.6"/>
+    </dgm:alg>
+    <dgm:shape xmlns:r="http://schemas.openxmlformats.org/officeDocument/2006/relationships" r:blip="">
+      <dgm:adjLst/>
+    </dgm:shape>
+    <dgm:presOf/>
+    <dgm:constrLst>
+      <dgm:constr type="l" for="ch" forName="arrow"/>
+      <dgm:constr type="t" for="ch" forName="arrow"/>
+      <dgm:constr type="w" for="ch" forName="arrow" refType="w"/>
+      <dgm:constr type="h" for="ch" forName="arrow" refType="h"/>
+      <dgm:constr type="ctrX" for="ch" forName="arrowDiagram1" refType="w" fact="0.5"/>
+      <dgm:constr type="ctrY" for="ch" forName="arrowDiagram1" refType="h" fact="0.5"/>
+      <dgm:constr type="w" for="ch" forName="arrowDiagram1" refType="w"/>
+      <dgm:constr type="h" for="ch" forName="arrowDiagram1" refType="h"/>
+      <dgm:constr type="ctrX" for="ch" forName="arrowDiagram2" refType="w" fact="0.5"/>
+      <dgm:constr type="ctrY" for="ch" forName="arrowDiagram2" refType="h" fact="0.5"/>
+      <dgm:constr type="w" for="ch" forName="arrowDiagram2" refType="w"/>
+      <dgm:constr type="h" for="ch" forName="arrowDiagram2" refType="h"/>
+      <dgm:constr type="ctrX" for="ch" forName="arrowDiagram3" refType="w" fact="0.5"/>
+      <dgm:constr type="ctrY" for="ch" forName="arrowDiagram3" refType="h" fact="0.5"/>
+      <dgm:constr type="w" for="ch" forName="arrowDiagram3" refType="w"/>
+      <dgm:constr type="h" for="ch" forName="arrowDiagram3" refType="h"/>
+      <dgm:constr type="ctrX" for="ch" forName="arrowDiagram4" refType="w" fact="0.5"/>
+      <dgm:constr type="ctrY" for="ch" forName="arrowDiagram4" refType="h" fact="0.5"/>
+      <dgm:constr type="w" for="ch" forName="arrowDiagram4" refType="w"/>
+      <dgm:constr type="h" for="ch" forName="arrowDiagram4" refType="h"/>
+      <dgm:constr type="ctrX" for="ch" forName="arrowDiagram5" refType="w" fact="0.5"/>
+      <dgm:constr type="ctrY" for="ch" forName="arrowDiagram5" refType="h" fact="0.5"/>
+      <dgm:constr type="w" for="ch" forName="arrowDiagram5" refType="w"/>
+      <dgm:constr type="h" for="ch" forName="arrowDiagram5" refType="h"/>
+    </dgm:constrLst>
+    <dgm:ruleLst/>
+    <dgm:choose name="Name0">
+      <dgm:if name="Name1" axis="ch" ptType="node" func="cnt" op="gte" val="1">
+        <dgm:layoutNode name="arrow" styleLbl="bgShp">
+          <dgm:alg type="sp"/>
+          <dgm:shape xmlns:r="http://schemas.openxmlformats.org/officeDocument/2006/relationships" type="swooshArrow" r:blip="">
+            <dgm:adjLst>
+              <dgm:adj idx="2" val="0.25"/>
+            </dgm:adjLst>
+          </dgm:shape>
+          <dgm:presOf/>
+          <dgm:constrLst/>
+          <dgm:ruleLst/>
+        </dgm:layoutNode>
+        <dgm:choose name="Name2">
+          <dgm:if name="Name3" axis="ch" ptType="node" func="cnt" op="lt" val="1"/>
+          <dgm:if name="Name4" axis="ch" ptType="node" func="cnt" op="equ" val="1">
+            <dgm:layoutNode name="arrowDiagram1">
+              <dgm:varLst>
+                <dgm:bulletEnabled val="1"/>
+              </dgm:varLst>
+              <dgm:alg type="composite">
+                <dgm:param type="vertAlign" val="none"/>
+                <dgm:param type="horzAlign" val="none"/>
+              </dgm:alg>
+              <dgm:shape xmlns:r="http://schemas.openxmlformats.org/officeDocument/2006/relationships" r:blip="">
+                <dgm:adjLst/>
+              </dgm:shape>
+              <dgm:presOf/>
+              <dgm:constrLst>
+                <dgm:constr type="ctrX" for="ch" forName="bullet1" refType="w" fact="0.8"/>
+                <dgm:constr type="ctrY" for="ch" forName="bullet1" refType="h" fact="0.262"/>
+                <dgm:constr type="w" for="ch" forName="bullet1" refType="w" fact="0.074"/>
+                <dgm:constr type="h" for="ch" forName="bullet1" refType="w" refFor="ch" refForName="bullet1"/>
+                <dgm:constr type="r" for="ch" forName="textBox1" refType="ctrX" refFor="ch" refForName="bullet1"/>
+                <dgm:constr type="t" for="ch" forName="textBox1" refType="ctrY" refFor="ch" refForName="bullet1"/>
+                <dgm:constr type="w" for="ch" forName="textBox1" refType="w" fact="0.4"/>
+                <dgm:constr type="h" for="ch" forName="textBox1" refType="h" fact="0.738"/>
+                <dgm:constr type="userA" refType="h" refFor="ch" refForName="bullet1" fact="0.53"/>
+                <dgm:constr type="rMarg" for="ch" forName="textBox1" refType="userA" fact="2.834"/>
+                <dgm:constr type="primFontSz" for="ch" ptType="node" op="equ" val="65"/>
+              </dgm:constrLst>
+              <dgm:ruleLst/>
+              <dgm:forEach name="Name5" axis="ch" ptType="node" cnt="1">
+                <dgm:layoutNode name="bullet1" styleLbl="node1">
+                  <dgm:alg type="sp"/>
+                  <dgm:shape xmlns:r="http://schemas.openxmlformats.org/officeDocument/2006/relationships" type="ellipse" r:blip="">
+                    <dgm:adjLst/>
+                  </dgm:shape>
+                  <dgm:presOf/>
+                  <dgm:constrLst/>
+                  <dgm:ruleLst/>
+                </dgm:layoutNode>
+                <dgm:layoutNode name="textBox1" styleLbl="revTx">
+                  <dgm:varLst>
+                    <dgm:bulletEnabled val="1"/>
+                  </dgm:varLst>
+                  <dgm:alg type="tx">
+                    <dgm:param type="txAnchorVert" val="t"/>
+                    <dgm:param type="parTxLTRAlign" val="r"/>
+                    <dgm:param type="parTxRTLAlign" val="r"/>
+                  </dgm:alg>
+                  <dgm:shape xmlns:r="http://schemas.openxmlformats.org/officeDocument/2006/relationships" type="round2DiagRect" r:blip="">
+                    <dgm:adjLst/>
+                  </dgm:shape>
+                  <dgm:presOf axis="desOrSelf" ptType="node"/>
+                  <dgm:constrLst>
+                    <dgm:constr type="lMarg"/>
+                    <dgm:constr type="tMarg"/>
+                    <dgm:constr type="bMarg"/>
+                  </dgm:constrLst>
+                  <dgm:ruleLst>
+                    <dgm:rule type="primFontSz" val="5" fact="NaN" max="NaN"/>
+                  </dgm:ruleLst>
+                </dgm:layoutNode>
+              </dgm:forEach>
+            </dgm:layoutNode>
+          </dgm:if>
+          <dgm:if name="Name6" axis="ch" ptType="node" func="cnt" op="equ" val="2">
+            <dgm:layoutNode name="arrowDiagram2">
+              <dgm:alg type="composite">
+                <dgm:param type="vertAlign" val="none"/>
+                <dgm:param type="horzAlign" val="none"/>
+              </dgm:alg>
+              <dgm:shape xmlns:r="http://schemas.openxmlformats.org/officeDocument/2006/relationships" r:blip="">
+                <dgm:adjLst/>
+              </dgm:shape>
+              <dgm:presOf/>
+              <dgm:choose name="Name7">
+                <dgm:if name="Name8" func="var" arg="dir" op="equ" val="norm">
+                  <dgm:constrLst>
+                    <dgm:constr type="ctrX" for="ch" forName="bullet2a" refType="w" fact="0.25"/>
+                    <dgm:constr type="ctrY" for="ch" forName="bullet2a" refType="h" fact="0.573"/>
+                    <dgm:constr type="w" for="ch" forName="bullet2a" refType="w" fact="0.035"/>
+                    <dgm:constr type="h" for="ch" forName="bullet2a" refType="w" refFor="ch" refForName="bullet2a"/>
+                    <dgm:constr type="l" for="ch" forName="textBox2a" refType="ctrX" refFor="ch" refForName="bullet2a"/>
+                    <dgm:constr type="t" for="ch" forName="textBox2a" refType="ctrY" refFor="ch" refForName="bullet2a"/>
+                    <dgm:constr type="w" for="ch" forName="textBox2a" refType="w" fact="0.325"/>
+                    <dgm:constr type="h" for="ch" forName="textBox2a" refType="h" fact="0.427"/>
+                    <dgm:constr type="userA" refType="h" refFor="ch" refForName="bullet2a" fact="0.53"/>
+                    <dgm:constr type="lMarg" for="ch" forName="textBox2a" refType="userA" fact="2.834"/>
+                    <dgm:constr type="ctrX" for="ch" forName="bullet2b" refType="w" fact="0.585"/>
+                    <dgm:constr type="ctrY" for="ch" forName="bullet2b" refType="h" fact="0.338"/>
+                    <dgm:constr type="w" for="ch" forName="bullet2b" refType="w" fact="0.06"/>
+                    <dgm:constr type="h" for="ch" forName="bullet2b" refType="w" refFor="ch" refForName="bullet2b"/>
+                    <dgm:constr type="l" for="ch" forName="textBox2b" refType="ctrX" refFor="ch" refForName="bullet2b"/>
+                    <dgm:constr type="t" for="ch" forName="textBox2b" refType="ctrY" refFor="ch" refForName="bullet2b"/>
+                    <dgm:constr type="w" for="ch" forName="textBox2b" refType="w" fact="0.325"/>
+                    <dgm:constr type="h" for="ch" forName="textBox2b" refType="h" fact="0.662"/>
+                    <dgm:constr type="userB" refType="h" refFor="ch" refForName="bullet2b" fact="0.53"/>
+                    <dgm:constr type="lMarg" for="ch" forName="textBox2b" refType="userB" fact="2.834"/>
+                    <dgm:constr type="primFontSz" for="ch" ptType="node" op="equ" val="65"/>
+                  </dgm:constrLst>
+                </dgm:if>
+                <dgm:else name="Name9">
+                  <dgm:constrLst>
+                    <dgm:constr type="ctrX" for="ch" forName="bullet2a" refType="w" fact="0.25"/>
+                    <dgm:constr type="ctrY" for="ch" forName="bullet2a" refType="h" fact="0.573"/>
+                    <dgm:constr type="w" for="ch" forName="bullet2a" refType="w" fact="0.035"/>
+                    <dgm:constr type="h" for="ch" forName="bullet2a" refType="w" refFor="ch" refForName="bullet2a"/>
+                    <dgm:constr type="r" for="ch" forName="textBox2a" refType="ctrX" refFor="ch" refForName="bullet2a"/>
+                    <dgm:constr type="b" for="ch" forName="textBox2a" refType="ctrY" refFor="ch" refForName="bullet2a"/>
+                    <dgm:constr type="w" for="ch" forName="textBox2a" refType="w" fact="0.25"/>
+                    <dgm:constr type="h" for="ch" forName="textBox2a" refType="h" fact="0.573"/>
+                    <dgm:constr type="userA" refType="h" refFor="ch" refForName="bullet2a" fact="0.53"/>
+                    <dgm:constr type="rMarg" for="ch" forName="textBox2a" refType="userA" fact="2.834"/>
+                    <dgm:constr type="ctrX" for="ch" forName="bullet2b" refType="w" fact="0.585"/>
+                    <dgm:constr type="ctrY" for="ch" forName="bullet2b" refType="h" fact="0.338"/>
+                    <dgm:constr type="w" for="ch" forName="bullet2b" refType="w" fact="0.06"/>
+                    <dgm:constr type="h" for="ch" forName="bullet2b" refType="w" refFor="ch" refForName="bullet2b"/>
+                    <dgm:constr type="r" for="ch" forName="textBox2b" refType="ctrX" refFor="ch" refForName="bullet2b"/>
+                    <dgm:constr type="b" for="ch" forName="textBox2b" refType="ctrY" refFor="ch" refForName="bullet2b"/>
+                    <dgm:constr type="w" for="ch" forName="textBox2b" refType="w" fact="0.28"/>
+                    <dgm:constr type="h" for="ch" forName="textBox2b" refType="h" fact="0.338"/>
+                    <dgm:constr type="userB" refType="h" refFor="ch" refForName="bullet2b" fact="0.53"/>
+                    <dgm:constr type="rMarg" for="ch" forName="textBox2b" refType="userB" fact="2.834"/>
+                    <dgm:constr type="primFontSz" for="ch" ptType="node" op="equ" val="65"/>
+                  </dgm:constrLst>
+                </dgm:else>
+              </dgm:choose>
+              <dgm:ruleLst/>
+              <dgm:forEach name="Name10" axis="ch" ptType="node" cnt="1">
+                <dgm:layoutNode name="bullet2a" styleLbl="node1">
+                  <dgm:alg type="sp"/>
+                  <dgm:shape xmlns:r="http://schemas.openxmlformats.org/officeDocument/2006/relationships" type="ellipse" r:blip="">
+                    <dgm:adjLst/>
+                  </dgm:shape>
+                  <dgm:presOf/>
+                  <dgm:constrLst/>
+                  <dgm:ruleLst/>
+                </dgm:layoutNode>
+                <dgm:layoutNode name="textBox2a" styleLbl="revTx">
+                  <dgm:varLst>
+                    <dgm:bulletEnabled val="1"/>
+                  </dgm:varLst>
+                  <dgm:choose name="Name11">
+                    <dgm:if name="Name12" func="var" arg="dir" op="equ" val="norm">
+                      <dgm:choose name="Name13">
+                        <dgm:if name="Name14" axis="root des" ptType="all node" func="maxDepth" op="gt" val="1">
+                          <dgm:alg type="tx">
+                            <dgm:param type="txAnchorVert" val="t"/>
+                            <dgm:param type="parTxLTRAlign" val="l"/>
+                            <dgm:param type="parTxRTLAlign" val="r"/>
+                          </dgm:alg>
+                        </dgm:if>
+                        <dgm:else name="Name15">
+                          <dgm:alg type="tx">
+                            <dgm:param type="txAnchorVert" val="t"/>
+                            <dgm:param type="parTxLTRAlign" val="l"/>
+                            <dgm:param type="parTxRTLAlign" val="l"/>
+                          </dgm:alg>
+                        </dgm:else>
+                      </dgm:choose>
+                    </dgm:if>
+                    <dgm:else name="Name16">
+                      <dgm:choose name="Name17">
+                        <dgm:if name="Name18" axis="root des" ptType="all node" func="maxDepth" op="gt" val="1">
+                          <dgm:alg type="tx">
+                            <dgm:param type="txAnchorVert" val="b"/>
+                            <dgm:param type="txAnchorVertCh" val="b"/>
+                            <dgm:param type="parTxLTRAlign" val="l"/>
+                            <dgm:param type="parTxRTLAlign" val="r"/>
+                          </dgm:alg>
+                        </dgm:if>
+                        <dgm:else name="Name19">
+                          <dgm:alg type="tx">
+                            <dgm:param type="txAnchorVert" val="b"/>
+                            <dgm:param type="parTxLTRAlign" val="r"/>
+                            <dgm:param type="parTxRTLAlign" val="r"/>
+                          </dgm:alg>
+                        </dgm:else>
+                      </dgm:choose>
+                    </dgm:else>
+                  </dgm:choose>
+                  <dgm:shape xmlns:r="http://schemas.openxmlformats.org/officeDocument/2006/relationships" type="rect" r:blip="">
+                    <dgm:adjLst/>
+                  </dgm:shape>
+                  <dgm:presOf axis="desOrSelf" ptType="node"/>
+                  <dgm:choose name="Name20">
+                    <dgm:if name="Name21" func="var" arg="dir" op="equ" val="norm">
+                      <dgm:constrLst>
+                        <dgm:constr type="rMarg"/>
+                        <dgm:constr type="tMarg"/>
+                        <dgm:constr type="bMarg"/>
+                      </dgm:constrLst>
+                    </dgm:if>
+                    <dgm:else name="Name22">
+                      <dgm:constrLst>
+                        <dgm:constr type="lMarg"/>
+                        <dgm:constr type="tMarg"/>
+                        <dgm:constr type="bMarg"/>
+                      </dgm:constrLst>
+                    </dgm:else>
+                  </dgm:choose>
+                  <dgm:ruleLst>
+                    <dgm:rule type="primFontSz" val="5" fact="NaN" max="NaN"/>
+                  </dgm:ruleLst>
+                </dgm:layoutNode>
+              </dgm:forEach>
+              <dgm:forEach name="Name23" axis="ch" ptType="node" st="2" cnt="1">
+                <dgm:layoutNode name="bullet2b" styleLbl="node1">
+                  <dgm:alg type="sp"/>
+                  <dgm:shape xmlns:r="http://schemas.openxmlformats.org/officeDocument/2006/relationships" type="ellipse" r:blip="">
+                    <dgm:adjLst/>
+                  </dgm:shape>
+                  <dgm:presOf/>
+                  <dgm:constrLst/>
+                  <dgm:ruleLst/>
+                </dgm:layoutNode>
+                <dgm:layoutNode name="textBox2b" styleLbl="revTx">
+                  <dgm:varLst>
+                    <dgm:bulletEnabled val="1"/>
+                  </dgm:varLst>
+                  <dgm:choose name="Name24">
+                    <dgm:if name="Name25" func="var" arg="dir" op="equ" val="norm">
+                      <dgm:choose name="Name26">
+                        <dgm:if name="Name27" axis="root des" ptType="all node" func="maxDepth" op="gt" val="1">
+                          <dgm:alg type="tx">
+                            <dgm:param type="txAnchorVert" val="t"/>
+                            <dgm:param type="parTxLTRAlign" val="l"/>
+                            <dgm:param type="parTxRTLAlign" val="r"/>
+                          </dgm:alg>
+                        </dgm:if>
+                        <dgm:else name="Name28">
+                          <dgm:alg type="tx">
+                            <dgm:param type="txAnchorVert" val="t"/>
+                            <dgm:param type="parTxLTRAlign" val="l"/>
+                            <dgm:param type="parTxRTLAlign" val="l"/>
+                          </dgm:alg>
+                        </dgm:else>
+                      </dgm:choose>
+                    </dgm:if>
+                    <dgm:else name="Name29">
+                      <dgm:choose name="Name30">
+                        <dgm:if name="Name31" axis="root des" ptType="all node" func="maxDepth" op="gt" val="1">
+                          <dgm:alg type="tx">
+                            <dgm:param type="txAnchorVert" val="b"/>
+                            <dgm:param type="txAnchorVertCh" val="b"/>
+                            <dgm:param type="parTxLTRAlign" val="l"/>
+                            <dgm:param type="parTxRTLAlign" val="r"/>
+                          </dgm:alg>
+                        </dgm:if>
+                        <dgm:else name="Name32">
+                          <dgm:alg type="tx">
+                            <dgm:param type="txAnchorVert" val="b"/>
+                            <dgm:param type="parTxLTRAlign" val="r"/>
+                            <dgm:param type="parTxRTLAlign" val="r"/>
+                          </dgm:alg>
+                        </dgm:else>
+                      </dgm:choose>
+                    </dgm:else>
+                  </dgm:choose>
+                  <dgm:shape xmlns:r="http://schemas.openxmlformats.org/officeDocument/2006/relationships" type="rect" r:blip="">
+                    <dgm:adjLst/>
+                  </dgm:shape>
+                  <dgm:presOf axis="desOrSelf" ptType="node"/>
+                  <dgm:choose name="Name33">
+                    <dgm:if name="Name34" func="var" arg="dir" op="equ" val="norm">
+                      <dgm:constrLst>
+                        <dgm:constr type="rMarg"/>
+                        <dgm:constr type="tMarg"/>
+                        <dgm:constr type="bMarg"/>
+                      </dgm:constrLst>
+                    </dgm:if>
+                    <dgm:else name="Name35">
+                      <dgm:constrLst>
+                        <dgm:constr type="lMarg"/>
+                        <dgm:constr type="tMarg"/>
+                        <dgm:constr type="bMarg"/>
+                      </dgm:constrLst>
+                    </dgm:else>
+                  </dgm:choose>
+                  <dgm:ruleLst>
+                    <dgm:rule type="primFontSz" val="5" fact="NaN" max="NaN"/>
+                  </dgm:ruleLst>
+                </dgm:layoutNode>
+              </dgm:forEach>
+            </dgm:layoutNode>
+          </dgm:if>
+          <dgm:if name="Name36" axis="ch" ptType="node" func="cnt" op="equ" val="3">
+            <dgm:layoutNode name="arrowDiagram3">
+              <dgm:alg type="composite">
+                <dgm:param type="vertAlign" val="none"/>
+                <dgm:param type="horzAlign" val="none"/>
+              </dgm:alg>
+              <dgm:shape xmlns:r="http://schemas.openxmlformats.org/officeDocument/2006/relationships" r:blip="">
+                <dgm:adjLst/>
+              </dgm:shape>
+              <dgm:presOf/>
+              <dgm:choose name="Name37">
+                <dgm:if name="Name38" func="var" arg="dir" op="equ" val="norm">
+                  <dgm:constrLst>
+                    <dgm:constr type="ctrX" for="ch" forName="bullet3a" refType="w" fact="0.14"/>
+                    <dgm:constr type="ctrY" for="ch" forName="bullet3a" refType="h" fact="0.711"/>
+                    <dgm:constr type="w" for="ch" forName="bullet3a" refType="w" fact="0.026"/>
+                    <dgm:constr type="h" for="ch" forName="bullet3a" refType="w" refFor="ch" refForName="bullet3a"/>
+                    <dgm:constr type="l" for="ch" forName="textBox3a" refType="ctrX" refFor="ch" refForName="bullet3a"/>
+                    <dgm:constr type="t" for="ch" forName="textBox3a" refType="ctrY" refFor="ch" refForName="bullet3a"/>
+                    <dgm:constr type="w" for="ch" forName="textBox3a" refType="w" fact="0.233"/>
+                    <dgm:constr type="h" for="ch" forName="textBox3a" refType="h" fact="0.289"/>
+                    <dgm:constr type="userA" refType="h" refFor="ch" refForName="bullet3a" fact="0.53"/>
+                    <dgm:constr type="lMarg" for="ch" forName="textBox3a" refType="userA" fact="2.834"/>
+                    <dgm:constr type="ctrX" for="ch" forName="bullet3b" refType="w" fact="0.38"/>
+                    <dgm:constr type="ctrY" for="ch" forName="bullet3b" refType="h" fact="0.456"/>
+                    <dgm:constr type="w" for="ch" forName="bullet3b" refType="w" fact="0.047"/>
+                    <dgm:constr type="h" for="ch" forName="bullet3b" refType="w" refFor="ch" refForName="bullet3b"/>
+                    <dgm:constr type="l" for="ch" forName="textBox3b" refType="ctrX" refFor="ch" refForName="bullet3b"/>
+                    <dgm:constr type="t" for="ch" forName="textBox3b" refType="ctrY" refFor="ch" refForName="bullet3b"/>
+                    <dgm:constr type="w" for="ch" forName="textBox3b" refType="w" fact="0.24"/>
+                    <dgm:constr type="h" for="ch" forName="textBox3b" refType="h" fact="0.544"/>
+                    <dgm:constr type="userB" refType="h" refFor="ch" refForName="bullet3b" fact="0.53"/>
+                    <dgm:constr type="lMarg" for="ch" forName="textBox3b" refType="userB" fact="2.834"/>
+                    <dgm:constr type="ctrX" for="ch" forName="bullet3c" refType="w" fact="0.665"/>
+                    <dgm:constr type="ctrY" for="ch" forName="bullet3c" refType="h" fact="0.305"/>
+                    <dgm:constr type="w" for="ch" forName="bullet3c" refType="w" fact="0.065"/>
+                    <dgm:constr type="h" for="ch" forName="bullet3c" refType="w" refFor="ch" refForName="bullet3c"/>
+                    <dgm:constr type="l" for="ch" forName="textBox3c" refType="ctrX" refFor="ch" refForName="bullet3c"/>
+                    <dgm:constr type="t" for="ch" forName="textBox3c" refType="ctrY" refFor="ch" refForName="bullet3c"/>
+                    <dgm:constr type="w" for="ch" forName="textBox3c" refType="w" fact="0.24"/>
+                    <dgm:constr type="h" for="ch" forName="textBox3c" refType="h" fact="0.695"/>
+                    <dgm:constr type="userC" refType="h" refFor="ch" refForName="bullet3c" fact="0.53"/>
+                    <dgm:constr type="lMarg" for="ch" forName="textBox3c" refType="userC" fact="2.834"/>
+                    <dgm:constr type="primFontSz" for="ch" ptType="node" op="equ" val="65"/>
+                  </dgm:constrLst>
+                </dgm:if>
+                <dgm:else name="Name39">
+                  <dgm:constrLst>
+                    <dgm:constr type="ctrX" for="ch" forName="bullet3a" refType="w" fact="0.14"/>
+                    <dgm:constr type="ctrY" for="ch" forName="bullet3a" refType="h" fact="0.711"/>
+                    <dgm:constr type="w" for="ch" forName="bullet3a" refType="w" fact="0.026"/>
+                    <dgm:constr type="h" for="ch" forName="bullet3a" refType="w" refFor="ch" refForName="bullet3a"/>
+                    <dgm:constr type="r" for="ch" forName="textBox3a" refType="ctrX" refFor="ch" refForName="bullet3a"/>
+                    <dgm:constr type="b" for="ch" forName="textBox3a" refType="ctrY" refFor="ch" refForName="bullet3a"/>
+                    <dgm:constr type="w" for="ch" forName="textBox3a" refType="w" fact="0.14"/>
+                    <dgm:constr type="h" for="ch" forName="textBox3a" refType="h" fact="0.711"/>
+                    <dgm:constr type="userA" refType="h" refFor="ch" refForName="bullet3a" fact="0.53"/>
+                    <dgm:constr type="rMarg" for="ch" forName="textBox3a" refType="userA" fact="2.834"/>
+                    <dgm:constr type="ctrX" for="ch" forName="bullet3b" refType="w" fact="0.38"/>
+                    <dgm:constr type="ctrY" for="ch" forName="bullet3b" refType="h" fact="0.456"/>
+                    <dgm:constr type="w" for="ch" forName="bullet3b" refType="w" fact="0.047"/>
+                    <dgm:constr type="h" for="ch" forName="bullet3b" refType="w" refFor="ch" refForName="bullet3b"/>
+                    <dgm:constr type="r" for="ch" forName="textBox3b" refType="ctrX" refFor="ch" refForName="bullet3b"/>
+                    <dgm:constr type="b" for="ch" forName="textBox3b" refType="ctrY" refFor="ch" refForName="bullet3b"/>
+                    <dgm:constr type="w" for="ch" forName="textBox3b" refType="w" fact="0.24"/>
+                    <dgm:constr type="h" for="ch" forName="textBox3b" refType="h" fact="0.456"/>
+                    <dgm:constr type="userB" refType="h" refFor="ch" refForName="bullet3b" fact="0.53"/>
+                    <dgm:constr type="rMarg" for="ch" forName="textBox3b" refType="userB" fact="2.834"/>
+                    <dgm:constr type="ctrX" for="ch" forName="bullet3c" refType="w" fact="0.665"/>
+                    <dgm:constr type="ctrY" for="ch" forName="bullet3c" refType="h" fact="0.305"/>
+                    <dgm:constr type="w" for="ch" forName="bullet3c" refType="w" fact="0.065"/>
+                    <dgm:constr type="h" for="ch" forName="bullet3c" refType="w" refFor="ch" refForName="bullet3c"/>
+                    <dgm:constr type="r" for="ch" forName="textBox3c" refType="ctrX" refFor="ch" refForName="bullet3c"/>
+                    <dgm:constr type="b" for="ch" forName="textBox3c" refType="ctrY" refFor="ch" refForName="bullet3c"/>
+                    <dgm:constr type="w" for="ch" forName="textBox3c" refType="w" fact="0.24"/>
+                    <dgm:constr type="h" for="ch" forName="textBox3c" refType="h" fact="0.305"/>
+                    <dgm:constr type="userC" refType="h" refFor="ch" refForName="bullet3c" fact="0.53"/>
+                    <dgm:constr type="rMarg" for="ch" forName="textBox3c" refType="userC" fact="2.834"/>
+                    <dgm:constr type="primFontSz" for="ch" ptType="node" op="equ" val="65"/>
+                  </dgm:constrLst>
+                </dgm:else>
+              </dgm:choose>
+              <dgm:ruleLst/>
+              <dgm:forEach name="Name40" axis="ch" ptType="node" cnt="1">
+                <dgm:layoutNode name="bullet3a" styleLbl="node1">
+                  <dgm:alg type="sp"/>
+                  <dgm:shape xmlns:r="http://schemas.openxmlformats.org/officeDocument/2006/relationships" type="ellipse" r:blip="">
+                    <dgm:adjLst/>
+                  </dgm:shape>
+                  <dgm:presOf/>
+                  <dgm:constrLst/>
+                  <dgm:ruleLst/>
+                </dgm:layoutNode>
+                <dgm:layoutNode name="textBox3a" styleLbl="revTx">
+                  <dgm:varLst>
+                    <dgm:bulletEnabled val="1"/>
+                  </dgm:varLst>
+                  <dgm:choose name="Name41">
+                    <dgm:if name="Name42" func="var" arg="dir" op="equ" val="norm">
+                      <dgm:choose name="Name43">
+                        <dgm:if name="Name44" axis="root des" ptType="all node" func="maxDepth" op="gt" val="1">
+                          <dgm:alg type="tx">
+                            <dgm:param type="txAnchorVert" val="t"/>
+                            <dgm:param type="parTxLTRAlign" val="l"/>
+                            <dgm:param type="parTxRTLAlign" val="r"/>
+                          </dgm:alg>
+                        </dgm:if>
+                        <dgm:else name="Name45">
+                          <dgm:alg type="tx">
+                            <dgm:param type="txAnchorVert" val="t"/>
+                            <dgm:param type="parTxLTRAlign" val="l"/>
+                            <dgm:param type="parTxRTLAlign" val="l"/>
+                          </dgm:alg>
+                        </dgm:else>
+                      </dgm:choose>
+                    </dgm:if>
+                    <dgm:else name="Name46">
+                      <dgm:choose name="Name47">
+                        <dgm:if name="Name48" axis="root des" ptType="all node" func="maxDepth" op="gt" val="1">
+                          <dgm:alg type="tx">
+                            <dgm:param type="txAnchorVert" val="b"/>
+                            <dgm:param type="txAnchorVertCh" val="b"/>
+                            <dgm:param type="parTxLTRAlign" val="l"/>
+                            <dgm:param type="parTxRTLAlign" val="r"/>
+                          </dgm:alg>
+                        </dgm:if>
+                        <dgm:else name="Name49">
+                          <dgm:alg type="tx">
+                            <dgm:param type="txAnchorVert" val="b"/>
+                            <dgm:param type="parTxLTRAlign" val="r"/>
+                            <dgm:param type="parTxRTLAlign" val="r"/>
+                          </dgm:alg>
+                        </dgm:else>
+                      </dgm:choose>
+                    </dgm:else>
+                  </dgm:choose>
+                  <dgm:shape xmlns:r="http://schemas.openxmlformats.org/officeDocument/2006/relationships" type="rect" r:blip="">
+                    <dgm:adjLst/>
+                  </dgm:shape>
+                  <dgm:presOf axis="desOrSelf" ptType="node"/>
+                  <dgm:choose name="Name50">
+                    <dgm:if name="Name51" func="var" arg="dir" op="equ" val="norm">
+                      <dgm:constrLst>
+                        <dgm:constr type="rMarg"/>
+                        <dgm:constr type="tMarg"/>
+                        <dgm:constr type="bMarg"/>
+                      </dgm:constrLst>
+                    </dgm:if>
+                    <dgm:else name="Name52">
+                      <dgm:constrLst>
+                        <dgm:constr type="lMarg"/>
+                        <dgm:constr type="tMarg"/>
+                        <dgm:constr type="bMarg"/>
+                      </dgm:constrLst>
+                    </dgm:else>
+                  </dgm:choose>
+                  <dgm:ruleLst>
+                    <dgm:rule type="primFontSz" val="5" fact="NaN" max="NaN"/>
+                  </dgm:ruleLst>
+                </dgm:layoutNode>
+              </dgm:forEach>
+              <dgm:forEach name="Name53" axis="ch" ptType="node" st="2" cnt="1">
+                <dgm:layoutNode name="bullet3b" styleLbl="node1">
+                  <dgm:alg type="sp"/>
+                  <dgm:shape xmlns:r="http://schemas.openxmlformats.org/officeDocument/2006/relationships" type="ellipse" r:blip="">
+                    <dgm:adjLst/>
+                  </dgm:shape>
+                  <dgm:presOf/>
+                  <dgm:constrLst/>
+                  <dgm:ruleLst/>
+                </dgm:layoutNode>
+                <dgm:layoutNode name="textBox3b" styleLbl="revTx">
+                  <dgm:varLst>
+                    <dgm:bulletEnabled val="1"/>
+                  </dgm:varLst>
+                  <dgm:choose name="Name54">
+                    <dgm:if name="Name55" func="var" arg="dir" op="equ" val="norm">
+                      <dgm:choose name="Name56">
+                        <dgm:if name="Name57" axis="root des" ptType="all node" func="maxDepth" op="gt" val="1">
+                          <dgm:alg type="tx">
+                            <dgm:param type="txAnchorVert" val="t"/>
+                            <dgm:param type="parTxLTRAlign" val="l"/>
+                            <dgm:param type="parTxRTLAlign" val="r"/>
+                          </dgm:alg>
+                        </dgm:if>
+                        <dgm:else name="Name58">
+                          <dgm:alg type="tx">
+                            <dgm:param type="txAnchorVert" val="t"/>
+                            <dgm:param type="parTxLTRAlign" val="l"/>
+                            <dgm:param type="parTxRTLAlign" val="l"/>
+                          </dgm:alg>
+                        </dgm:else>
+                      </dgm:choose>
+                    </dgm:if>
+                    <dgm:else name="Name59">
+                      <dgm:choose name="Name60">
+                        <dgm:if name="Name61" axis="root des" ptType="all node" func="maxDepth" op="gt" val="1">
+                          <dgm:alg type="tx">
+                            <dgm:param type="txAnchorVert" val="b"/>
+                            <dgm:param type="txAnchorVertCh" val="b"/>
+                            <dgm:param type="parTxLTRAlign" val="l"/>
+                            <dgm:param type="parTxRTLAlign" val="r"/>
+                          </dgm:alg>
+                        </dgm:if>
+                        <dgm:else name="Name62">
+                          <dgm:alg type="tx">
+                            <dgm:param type="txAnchorVert" val="b"/>
+                            <dgm:param type="parTxLTRAlign" val="r"/>
+                            <dgm:param type="parTxRTLAlign" val="r"/>
+                          </dgm:alg>
+                        </dgm:else>
+                      </dgm:choose>
+                    </dgm:else>
+                  </dgm:choose>
+                  <dgm:shape xmlns:r="http://schemas.openxmlformats.org/officeDocument/2006/relationships" type="rect" r:blip="">
+                    <dgm:adjLst/>
+                  </dgm:shape>
+                  <dgm:presOf axis="desOrSelf" ptType="node"/>
+                  <dgm:choose name="Name63">
+                    <dgm:if name="Name64" func="var" arg="dir" op="equ" val="norm">
+                      <dgm:constrLst>
+                        <dgm:constr type="rMarg"/>
+                        <dgm:constr type="tMarg"/>
+                        <dgm:constr type="bMarg"/>
+                      </dgm:constrLst>
+                    </dgm:if>
+                    <dgm:else name="Name65">
+                      <dgm:constrLst>
+                        <dgm:constr type="lMarg"/>
+                        <dgm:constr type="tMarg"/>
+                        <dgm:constr type="bMarg"/>
+                      </dgm:constrLst>
+                    </dgm:else>
+                  </dgm:choose>
+                  <dgm:ruleLst>
+                    <dgm:rule type="primFontSz" val="5" fact="NaN" max="NaN"/>
+                  </dgm:ruleLst>
+                </dgm:layoutNode>
+              </dgm:forEach>
+              <dgm:forEach name="Name66" axis="ch" ptType="node" st="3" cnt="1">
+                <dgm:layoutNode name="bullet3c" styleLbl="node1">
+                  <dgm:alg type="sp"/>
+                  <dgm:shape xmlns:r="http://schemas.openxmlformats.org/officeDocument/2006/relationships" type="ellipse" r:blip="">
+                    <dgm:adjLst/>
+                  </dgm:shape>
+                  <dgm:presOf/>
+                  <dgm:constrLst/>
+                  <dgm:ruleLst/>
+                </dgm:layoutNode>
+                <dgm:layoutNode name="textBox3c" styleLbl="revTx">
+                  <dgm:varLst>
+                    <dgm:bulletEnabled val="1"/>
+                  </dgm:varLst>
+                  <dgm:choose name="Name67">
+                    <dgm:if name="Name68" func="var" arg="dir" op="equ" val="norm">
+                      <dgm:choose name="Name69">
+                        <dgm:if name="Name70" axis="root des" ptType="all node" func="maxDepth" op="gt" val="1">
+                          <dgm:alg type="tx">
+                            <dgm:param type="txAnchorVert" val="t"/>
+                            <dgm:param type="parTxLTRAlign" val="l"/>
+                            <dgm:param type="parTxRTLAlign" val="r"/>
+                          </dgm:alg>
+                        </dgm:if>
+                        <dgm:else name="Name71">
+                          <dgm:alg type="tx">
+                            <dgm:param type="txAnchorVert" val="t"/>
+                            <dgm:param type="parTxLTRAlign" val="l"/>
+                            <dgm:param type="parTxRTLAlign" val="l"/>
+                          </dgm:alg>
+                        </dgm:else>
+                      </dgm:choose>
+                    </dgm:if>
+                    <dgm:else name="Name72">
+                      <dgm:choose name="Name73">
+                        <dgm:if name="Name74" axis="root des" ptType="all node" func="maxDepth" op="gt" val="1">
+                          <dgm:alg type="tx">
+                            <dgm:param type="txAnchorVert" val="b"/>
+                            <dgm:param type="txAnchorVertCh" val="b"/>
+                            <dgm:param type="parTxLTRAlign" val="l"/>
+                            <dgm:param type="parTxRTLAlign" val="r"/>
+                          </dgm:alg>
+                        </dgm:if>
+                        <dgm:else name="Name75">
+                          <dgm:alg type="tx">
+                            <dgm:param type="txAnchorVert" val="b"/>
+                            <dgm:param type="parTxLTRAlign" val="r"/>
+                            <dgm:param type="parTxRTLAlign" val="r"/>
+                          </dgm:alg>
+                        </dgm:else>
+                      </dgm:choose>
+                    </dgm:else>
+                  </dgm:choose>
+                  <dgm:shape xmlns:r="http://schemas.openxmlformats.org/officeDocument/2006/relationships" type="rect" r:blip="">
+                    <dgm:adjLst/>
+                  </dgm:shape>
+                  <dgm:presOf axis="desOrSelf" ptType="node"/>
+                  <dgm:choose name="Name76">
+                    <dgm:if name="Name77" func="var" arg="dir" op="equ" val="norm">
+                      <dgm:constrLst>
+                        <dgm:constr type="rMarg"/>
+                        <dgm:constr type="tMarg"/>
+                        <dgm:constr type="bMarg"/>
+                      </dgm:constrLst>
+                    </dgm:if>
+                    <dgm:else name="Name78">
+                      <dgm:constrLst>
+                        <dgm:constr type="lMarg"/>
+                        <dgm:constr type="tMarg"/>
+                        <dgm:constr type="bMarg"/>
+                      </dgm:constrLst>
+                    </dgm:else>
+                  </dgm:choose>
+                  <dgm:ruleLst>
+                    <dgm:rule type="primFontSz" val="5" fact="NaN" max="NaN"/>
+                  </dgm:ruleLst>
+                </dgm:layoutNode>
+              </dgm:forEach>
+            </dgm:layoutNode>
+          </dgm:if>
+          <dgm:if name="Name79" axis="ch" ptType="node" func="cnt" op="equ" val="4">
+            <dgm:layoutNode name="arrowDiagram4">
+              <dgm:alg type="composite">
+                <dgm:param type="vertAlign" val="none"/>
+                <dgm:param type="horzAlign" val="none"/>
+              </dgm:alg>
+              <dgm:shape xmlns:r="http://schemas.openxmlformats.org/officeDocument/2006/relationships" r:blip="">
+                <dgm:adjLst/>
+              </dgm:shape>
+              <dgm:presOf/>
+              <dgm:choose name="Name80">
+                <dgm:if name="Name81" func="var" arg="dir" op="equ" val="norm">
+                  <dgm:constrLst>
+                    <dgm:constr type="ctrX" for="ch" forName="bullet4a" refType="w" fact="0.11"/>
+                    <dgm:constr type="ctrY" for="ch" forName="bullet4a" refType="h" fact="0.762"/>
+                    <dgm:constr type="w" for="ch" forName="bullet4a" refType="w" fact="0.023"/>
+                    <dgm:constr type="h" for="ch" forName="bullet4a" refType="w" refFor="ch" refForName="bullet4a"/>
+                    <dgm:constr type="l" for="ch" forName="textBox4a" refType="ctrX" refFor="ch" refForName="bullet4a"/>
+                    <dgm:constr type="t" for="ch" forName="textBox4a" refType="ctrY" refFor="ch" refForName="bullet4a"/>
+                    <dgm:constr type="w" for="ch" forName="textBox4a" refType="w" fact="0.171"/>
+                    <dgm:constr type="h" for="ch" forName="textBox4a" refType="h" fact="0.238"/>
+                    <dgm:constr type="userA" refType="h" refFor="ch" refForName="bullet4a" fact="0.53"/>
+                    <dgm:constr type="lMarg" for="ch" forName="textBox4a" refType="userA" fact="2.834"/>
+                    <dgm:constr type="ctrX" for="ch" forName="bullet4b" refType="w" fact="0.281"/>
+                    <dgm:constr type="ctrY" for="ch" forName="bullet4b" refType="h" fact="0.543"/>
+                    <dgm:constr type="w" for="ch" forName="bullet4b" refType="w" fact="0.04"/>
+                    <dgm:constr type="h" for="ch" forName="bullet4b" refType="w" refFor="ch" refForName="bullet4b"/>
+                    <dgm:constr type="l" for="ch" forName="textBox4b" refType="ctrX" refFor="ch" refForName="bullet4b"/>
+                    <dgm:constr type="t" for="ch" forName="textBox4b" refType="ctrY" refFor="ch" refForName="bullet4b"/>
+                    <dgm:constr type="w" for="ch" forName="textBox4b" refType="w" fact="0.21"/>
+                    <dgm:constr type="h" for="ch" forName="textBox4b" refType="h" fact="0.457"/>
+                    <dgm:constr type="userB" refType="h" refFor="ch" refForName="bullet4b" fact="0.53"/>
+                    <dgm:constr type="lMarg" for="ch" forName="textBox4b" refType="userB" fact="2.834"/>
+                    <dgm:constr type="ctrX" for="ch" forName="bullet4c" refType="w" fact="0.495"/>
+                    <dgm:constr type="ctrY" for="ch" forName="bullet4c" refType="h" fact="0.382"/>
+                    <dgm:constr type="w" for="ch" forName="bullet4c" refType="w" fact="0.053"/>
+                    <dgm:constr type="h" for="ch" forName="bullet4c" refType="w" refFor="ch" refForName="bullet4c"/>
+                    <dgm:constr type="l" for="ch" forName="textBox4c" refType="ctrX" refFor="ch" refForName="bullet4c"/>
+                    <dgm:constr type="t" for="ch" forName="textBox4c" refType="ctrY" refFor="ch" refForName="bullet4c"/>
+                    <dgm:constr type="w" for="ch" forName="textBox4c" refType="w" fact="0.21"/>
+                    <dgm:constr type="h" for="ch" forName="textBox4c" refType="h" fact="0.618"/>
+                    <dgm:constr type="userC" refType="h" refFor="ch" refForName="bullet4c" fact="0.53"/>
+                    <dgm:constr type="lMarg" for="ch" forName="textBox4c" refType="userC" fact="2.834"/>
+                    <dgm:constr type="ctrX" for="ch" forName="bullet4d" refType="w" fact="0.73"/>
+                    <dgm:constr type="ctrY" for="ch" forName="bullet4d" refType="h" fact="0.283"/>
+                    <dgm:constr type="w" for="ch" forName="bullet4d" refType="w" fact="0.071"/>
+                    <dgm:constr type="h" for="ch" forName="bullet4d" refType="w" refFor="ch" refForName="bullet4d"/>
+                    <dgm:constr type="l" for="ch" forName="textBox4d" refType="ctrX" refFor="ch" refForName="bullet4d"/>
+                    <dgm:constr type="t" for="ch" forName="textBox4d" refType="ctrY" refFor="ch" refForName="bullet4d"/>
+                    <dgm:constr type="w" for="ch" forName="textBox4d" refType="w" fact="0.21"/>
+                    <dgm:constr type="h" for="ch" forName="textBox4d" refType="h" fact="0.717"/>
+                    <dgm:constr type="userD" refType="h" refFor="ch" refForName="bullet4d" fact="0.53"/>
+                    <dgm:constr type="lMarg" for="ch" forName="textBox4d" refType="userD" fact="2.834"/>
+                    <dgm:constr type="primFontSz" for="ch" ptType="node" op="equ" val="65"/>
+                  </dgm:constrLst>
+                </dgm:if>
+                <dgm:else name="Name82">
+                  <dgm:constrLst>
+                    <dgm:constr type="ctrX" for="ch" forName="bullet4a" refType="w" fact="0.11"/>
+                    <dgm:constr type="ctrY" for="ch" forName="bullet4a" refType="h" fact="0.762"/>
+                    <dgm:constr type="w" for="ch" forName="bullet4a" refType="w" fact="0.023"/>
+                    <dgm:constr type="h" for="ch" forName="bullet4a" refType="w" refFor="ch" refForName="bullet4a"/>
+                    <dgm:constr type="r" for="ch" forName="textBox4a" refType="ctrX" refFor="ch" refForName="bullet4a"/>
+                    <dgm:constr type="b" for="ch" forName="textBox4a" refType="ctrY" refFor="ch" refForName="bullet4a"/>
+                    <dgm:constr type="w" for="ch" forName="textBox4a" refType="w" fact="0.11"/>
+                    <dgm:constr type="h" for="ch" forName="textBox4a" refType="h" fact="0.762"/>
+                    <dgm:constr type="userA" refType="h" refFor="ch" refForName="bullet4a" fact="0.53"/>
+                    <dgm:constr type="rMarg" for="ch" forName="textBox4a" refType="userA" fact="2.834"/>
+                    <dgm:constr type="ctrX" for="ch" forName="bullet4b" refType="w" fact="0.281"/>
+                    <dgm:constr type="ctrY" for="ch" forName="bullet4b" refType="h" fact="0.543"/>
+                    <dgm:constr type="w" for="ch" forName="bullet4b" refType="w" fact="0.04"/>
+                    <dgm:constr type="h" for="ch" forName="bullet4b" refType="w" refFor="ch" refForName="bullet4b"/>
+                    <dgm:constr type="r" for="ch" forName="textBox4b" refType="ctrX" refFor="ch" refForName="bullet4b"/>
+                    <dgm:constr type="b" for="ch" forName="textBox4b" refType="ctrY" refFor="ch" refForName="bullet4b"/>
+                    <dgm:constr type="w" for="ch" forName="textBox4b" refType="w" fact="0.171"/>
+                    <dgm:constr type="h" for="ch" forName="textBox4b" refType="h" fact="0.543"/>
+                    <dgm:constr type="userB" refType="h" refFor="ch" refForName="bullet4b" fact="0.53"/>
+                    <dgm:constr type="rMarg" for="ch" forName="textBox4b" refType="userB" fact="2.834"/>
+                    <dgm:constr type="ctrX" for="ch" forName="bullet4c" refType="w" fact="0.495"/>
+                    <dgm:constr type="ctrY" for="ch" forName="bullet4c" refType="h" fact="0.382"/>
+                    <dgm:constr type="w" for="ch" forName="bullet4c" refType="w" fact="0.053"/>
+                    <dgm:constr type="h" for="ch" forName="bullet4c" refType="w" refFor="ch" refForName="bullet4c"/>
+                    <dgm:constr type="r" for="ch" forName="textBox4c" refType="ctrX" refFor="ch" refForName="bullet4c"/>
+                    <dgm:constr type="b" for="ch" forName="textBox4c" refType="ctrY" refFor="ch" refForName="bullet4c"/>
+                    <dgm:constr type="w" for="ch" forName="textBox4c" refType="w" fact="0.21"/>
+                    <dgm:constr type="h" for="ch" forName="textBox4c" refType="h" fact="0.382"/>
+                    <dgm:constr type="userC" refType="h" refFor="ch" refForName="bullet4c" fact="0.53"/>
+                    <dgm:constr type="rMarg" for="ch" forName="textBox4c" refType="userC" fact="2.834"/>
+                    <dgm:constr type="ctrX" for="ch" forName="bullet4d" refType="w" fact="0.73"/>
+                    <dgm:constr type="ctrY" for="ch" forName="bullet4d" refType="h" fact="0.283"/>
+                    <dgm:constr type="w" for="ch" forName="bullet4d" refType="w" fact="0.071"/>
+                    <dgm:constr type="h" for="ch" forName="bullet4d" refType="w" refFor="ch" refForName="bullet4d"/>
+                    <dgm:constr type="r" for="ch" forName="textBox4d" refType="ctrX" refFor="ch" refForName="bullet4d"/>
+                    <dgm:constr type="b" for="ch" forName="textBox4d" refType="ctrY" refFor="ch" refForName="bullet4d"/>
+                    <dgm:constr type="w" for="ch" forName="textBox4d" refType="w" fact="0.21"/>
+                    <dgm:constr type="h" for="ch" forName="textBox4d" refType="h" fact="0.283"/>
+                    <dgm:constr type="userD" refType="h" refFor="ch" refForName="bullet4d" fact="0.53"/>
+                    <dgm:constr type="rMarg" for="ch" forName="textBox4d" refType="userD" fact="2.834"/>
+                    <dgm:constr type="primFontSz" for="ch" ptType="node" op="equ" val="65"/>
+                  </dgm:constrLst>
+                </dgm:else>
+              </dgm:choose>
+              <dgm:ruleLst/>
+              <dgm:forEach name="Name83" axis="ch" ptType="node" cnt="1">
+                <dgm:layoutNode name="bullet4a" styleLbl="node1">
+                  <dgm:alg type="sp"/>
+                  <dgm:shape xmlns:r="http://schemas.openxmlformats.org/officeDocument/2006/relationships" type="ellipse" r:blip="">
+                    <dgm:adjLst/>
+                  </dgm:shape>
+                  <dgm:presOf/>
+                  <dgm:constrLst/>
+                  <dgm:ruleLst/>
+                </dgm:layoutNode>
+                <dgm:layoutNode name="textBox4a" styleLbl="revTx">
+                  <dgm:varLst>
+                    <dgm:bulletEnabled val="1"/>
+                  </dgm:varLst>
+                  <dgm:choose name="Name84">
+                    <dgm:if name="Name85" func="var" arg="dir" op="equ" val="norm">
+                      <dgm:choose name="Name86">
+                        <dgm:if name="Name87" axis="root des" ptType="all node" func="maxDepth" op="gt" val="1">
+                          <dgm:alg type="tx">
+                            <dgm:param type="txAnchorVert" val="t"/>
+                            <dgm:param type="parTxLTRAlign" val="l"/>
+                            <dgm:param type="parTxRTLAlign" val="r"/>
+                          </dgm:alg>
+                        </dgm:if>
+                        <dgm:else name="Name88">
+                          <dgm:alg type="tx">
+                            <dgm:param type="txAnchorVert" val="t"/>
+                            <dgm:param type="parTxLTRAlign" val="l"/>
+                            <dgm:param type="parTxRTLAlign" val="l"/>
+                          </dgm:alg>
+                        </dgm:else>
+                      </dgm:choose>
+                    </dgm:if>
+                    <dgm:else name="Name89">
+                      <dgm:choose name="Name90">
+                        <dgm:if name="Name91" axis="root des" ptType="all node" func="maxDepth" op="gt" val="1">
+                          <dgm:alg type="tx">
+                            <dgm:param type="txAnchorVert" val="b"/>
+                            <dgm:param type="txAnchorVertCh" val="b"/>
+                            <dgm:param type="parTxLTRAlign" val="l"/>
+                            <dgm:param type="parTxRTLAlign" val="r"/>
+                          </dgm:alg>
+                        </dgm:if>
+                        <dgm:else name="Name92">
+                          <dgm:alg type="tx">
+                            <dgm:param type="txAnchorVert" val="b"/>
+                            <dgm:param type="parTxLTRAlign" val="r"/>
+                            <dgm:param type="parTxRTLAlign" val="r"/>
+                          </dgm:alg>
+                        </dgm:else>
+                      </dgm:choose>
+                    </dgm:else>
+                  </dgm:choose>
+                  <dgm:shape xmlns:r="http://schemas.openxmlformats.org/officeDocument/2006/relationships" type="rect" r:blip="">
+                    <dgm:adjLst/>
+                  </dgm:shape>
+                  <dgm:presOf axis="desOrSelf" ptType="node"/>
+                  <dgm:choose name="Name93">
+                    <dgm:if name="Name94" func="var" arg="dir" op="equ" val="norm">
+                      <dgm:constrLst>
+                        <dgm:constr type="rMarg"/>
+                        <dgm:constr type="tMarg"/>
+                        <dgm:constr type="bMarg"/>
+                      </dgm:constrLst>
+                    </dgm:if>
+                    <dgm:else name="Name95">
+                      <dgm:constrLst>
+                        <dgm:constr type="lMarg"/>
+                        <dgm:constr type="tMarg"/>
+                        <dgm:constr type="bMarg"/>
+                      </dgm:constrLst>
+                    </dgm:else>
+                  </dgm:choose>
+                  <dgm:ruleLst>
+                    <dgm:rule type="primFontSz" val="5" fact="NaN" max="NaN"/>
+                  </dgm:ruleLst>
+                </dgm:layoutNode>
+              </dgm:forEach>
+              <dgm:forEach name="Name96" axis="ch" ptType="node" st="2" cnt="1">
+                <dgm:layoutNode name="bullet4b" styleLbl="node1">
+                  <dgm:alg type="sp"/>
+                  <dgm:shape xmlns:r="http://schemas.openxmlformats.org/officeDocument/2006/relationships" type="ellipse" r:blip="">
+                    <dgm:adjLst/>
+                  </dgm:shape>
+                  <dgm:presOf/>
+                  <dgm:constrLst/>
+                  <dgm:ruleLst/>
+                </dgm:layoutNode>
+                <dgm:layoutNode name="textBox4b" styleLbl="revTx">
+                  <dgm:varLst>
+                    <dgm:bulletEnabled val="1"/>
+                  </dgm:varLst>
+                  <dgm:choose name="Name97">
+                    <dgm:if name="Name98" func="var" arg="dir" op="equ" val="norm">
+                      <dgm:choose name="Name99">
+                        <dgm:if name="Name100" axis="root des" ptType="all node" func="maxDepth" op="gt" val="1">
+                          <dgm:alg type="tx">
+                            <dgm:param type="txAnchorVert" val="t"/>
+                            <dgm:param type="parTxLTRAlign" val="l"/>
+                            <dgm:param type="parTxRTLAlign" val="r"/>
+                          </dgm:alg>
+                        </dgm:if>
+                        <dgm:else name="Name101">
+                          <dgm:alg type="tx">
+                            <dgm:param type="txAnchorVert" val="t"/>
+                            <dgm:param type="parTxLTRAlign" val="l"/>
+                            <dgm:param type="parTxRTLAlign" val="l"/>
+                          </dgm:alg>
+                        </dgm:else>
+                      </dgm:choose>
+                    </dgm:if>
+                    <dgm:else name="Name102">
+                      <dgm:choose name="Name103">
+                        <dgm:if name="Name104" axis="root des" ptType="all node" func="maxDepth" op="gt" val="1">
+                          <dgm:alg type="tx">
+                            <dgm:param type="txAnchorVert" val="b"/>
+                            <dgm:param type="txAnchorVertCh" val="b"/>
+                            <dgm:param type="parTxLTRAlign" val="l"/>
+                            <dgm:param type="parTxRTLAlign" val="r"/>
+                          </dgm:alg>
+                        </dgm:if>
+                        <dgm:else name="Name105">
+                          <dgm:alg type="tx">
+                            <dgm:param type="txAnchorVert" val="b"/>
+                            <dgm:param type="parTxLTRAlign" val="r"/>
+                            <dgm:param type="parTxRTLAlign" val="r"/>
+                          </dgm:alg>
+                        </dgm:else>
+                      </dgm:choose>
+                    </dgm:else>
+                  </dgm:choose>
+                  <dgm:shape xmlns:r="http://schemas.openxmlformats.org/officeDocument/2006/relationships" type="rect" r:blip="">
+                    <dgm:adjLst/>
+                  </dgm:shape>
+                  <dgm:presOf axis="desOrSelf" ptType="node"/>
+                  <dgm:choose name="Name106">
+                    <dgm:if name="Name107" func="var" arg="dir" op="equ" val="norm">
+                      <dgm:constrLst>
+                        <dgm:constr type="rMarg"/>
+                        <dgm:constr type="tMarg"/>
+                        <dgm:constr type="bMarg"/>
+                      </dgm:constrLst>
+                    </dgm:if>
+                    <dgm:else name="Name108">
+                      <dgm:constrLst>
+                        <dgm:constr type="lMarg"/>
+                        <dgm:constr type="tMarg"/>
+                        <dgm:constr type="bMarg"/>
+                      </dgm:constrLst>
+                    </dgm:else>
+                  </dgm:choose>
+                  <dgm:ruleLst>
+                    <dgm:rule type="primFontSz" val="5" fact="NaN" max="NaN"/>
+                  </dgm:ruleLst>
+                </dgm:layoutNode>
+              </dgm:forEach>
+              <dgm:forEach name="Name109" axis="ch" ptType="node" st="3" cnt="1">
+                <dgm:layoutNode name="bullet4c" styleLbl="node1">
+                  <dgm:alg type="sp"/>
+                  <dgm:shape xmlns:r="http://schemas.openxmlformats.org/officeDocument/2006/relationships" type="ellipse" r:blip="">
+                    <dgm:adjLst/>
+                  </dgm:shape>
+                  <dgm:presOf/>
+                  <dgm:constrLst/>
+                  <dgm:ruleLst/>
+                </dgm:layoutNode>
+                <dgm:layoutNode name="textBox4c" styleLbl="revTx">
+                  <dgm:varLst>
+                    <dgm:bulletEnabled val="1"/>
+                  </dgm:varLst>
+                  <dgm:choose name="Name110">
+                    <dgm:if name="Name111" func="var" arg="dir" op="equ" val="norm">
+                      <dgm:choose name="Name112">
+                        <dgm:if name="Name113" axis="root des" ptType="all node" func="maxDepth" op="gt" val="1">
+                          <dgm:alg type="tx">
+                            <dgm:param type="txAnchorVert" val="t"/>
+                            <dgm:param type="parTxLTRAlign" val="l"/>
+                            <dgm:param type="parTxRTLAlign" val="r"/>
+                          </dgm:alg>
+                        </dgm:if>
+                        <dgm:else name="Name114">
+                          <dgm:alg type="tx">
+                            <dgm:param type="txAnchorVert" val="t"/>
+                            <dgm:param type="parTxLTRAlign" val="l"/>
+                            <dgm:param type="parTxRTLAlign" val="l"/>
+                          </dgm:alg>
+                        </dgm:else>
+                      </dgm:choose>
+                    </dgm:if>
+                    <dgm:else name="Name115">
+                      <dgm:choose name="Name116">
+                        <dgm:if name="Name117" axis="root des" ptType="all node" func="maxDepth" op="gt" val="1">
+                          <dgm:alg type="tx">
+                            <dgm:param type="txAnchorVert" val="b"/>
+                            <dgm:param type="txAnchorVertCh" val="b"/>
+                            <dgm:param type="parTxLTRAlign" val="l"/>
+                            <dgm:param type="parTxRTLAlign" val="r"/>
+                          </dgm:alg>
+                        </dgm:if>
+                        <dgm:else name="Name118">
+                          <dgm:alg type="tx">
+                            <dgm:param type="txAnchorVert" val="b"/>
+                            <dgm:param type="parTxLTRAlign" val="r"/>
+                            <dgm:param type="parTxRTLAlign" val="r"/>
+                          </dgm:alg>
+                        </dgm:else>
+                      </dgm:choose>
+                    </dgm:else>
+                  </dgm:choose>
+                  <dgm:shape xmlns:r="http://schemas.openxmlformats.org/officeDocument/2006/relationships" type="rect" r:blip="">
+                    <dgm:adjLst/>
+                  </dgm:shape>
+                  <dgm:presOf axis="desOrSelf" ptType="node"/>
+                  <dgm:choose name="Name119">
+                    <dgm:if name="Name120" func="var" arg="dir" op="equ" val="norm">
+                      <dgm:constrLst>
+                        <dgm:constr type="rMarg"/>
+                        <dgm:constr type="tMarg"/>
+                        <dgm:constr type="bMarg"/>
+                      </dgm:constrLst>
+                    </dgm:if>
+                    <dgm:else name="Name121">
+                      <dgm:constrLst>
+                        <dgm:constr type="lMarg"/>
+                        <dgm:constr type="tMarg"/>
+                        <dgm:constr type="bMarg"/>
+                      </dgm:constrLst>
+                    </dgm:else>
+                  </dgm:choose>
+                  <dgm:ruleLst>
+                    <dgm:rule type="primFontSz" val="5" fact="NaN" max="NaN"/>
+                  </dgm:ruleLst>
+                </dgm:layoutNode>
+              </dgm:forEach>
+              <dgm:forEach name="Name122" axis="ch" ptType="node" st="4" cnt="1">
+                <dgm:layoutNode name="bullet4d" styleLbl="node1">
+                  <dgm:alg type="sp"/>
+                  <dgm:shape xmlns:r="http://schemas.openxmlformats.org/officeDocument/2006/relationships" type="ellipse" r:blip="">
+                    <dgm:adjLst/>
+                  </dgm:shape>
+                  <dgm:presOf/>
+                  <dgm:constrLst/>
+                  <dgm:ruleLst/>
+                </dgm:layoutNode>
+                <dgm:layoutNode name="textBox4d" styleLbl="revTx">
+                  <dgm:varLst>
+                    <dgm:bulletEnabled val="1"/>
+                  </dgm:varLst>
+                  <dgm:choose name="Name123">
+                    <dgm:if name="Name124" func="var" arg="dir" op="equ" val="norm">
+                      <dgm:choose name="Name125">
+                        <dgm:if name="Name126" axis="root des" ptType="all node" func="maxDepth" op="gt" val="1">
+                          <dgm:alg type="tx">
+                            <dgm:param type="txAnchorVert" val="t"/>
+                            <dgm:param type="parTxLTRAlign" val="l"/>
+                            <dgm:param type="parTxRTLAlign" val="r"/>
+                          </dgm:alg>
+                        </dgm:if>
+                        <dgm:else name="Name127">
+                          <dgm:alg type="tx">
+                            <dgm:param type="txAnchorVert" val="t"/>
+                            <dgm:param type="parTxLTRAlign" val="l"/>
+                            <dgm:param type="parTxRTLAlign" val="l"/>
+                          </dgm:alg>
+                        </dgm:else>
+                      </dgm:choose>
+                    </dgm:if>
+                    <dgm:else name="Name128">
+                      <dgm:choose name="Name129">
+                        <dgm:if name="Name130" axis="root des" ptType="all node" func="maxDepth" op="gt" val="1">
+                          <dgm:alg type="tx">
+                            <dgm:param type="txAnchorVert" val="b"/>
+                            <dgm:param type="txAnchorVertCh" val="b"/>
+                            <dgm:param type="parTxLTRAlign" val="l"/>
+                            <dgm:param type="parTxRTLAlign" val="r"/>
+                          </dgm:alg>
+                        </dgm:if>
+                        <dgm:else name="Name131">
+                          <dgm:alg type="tx">
+                            <dgm:param type="txAnchorVert" val="b"/>
+                            <dgm:param type="parTxLTRAlign" val="r"/>
+                            <dgm:param type="parTxRTLAlign" val="r"/>
+                          </dgm:alg>
+                        </dgm:else>
+                      </dgm:choose>
+                    </dgm:else>
+                  </dgm:choose>
+                  <dgm:shape xmlns:r="http://schemas.openxmlformats.org/officeDocument/2006/relationships" type="rect" r:blip="">
+                    <dgm:adjLst/>
+                  </dgm:shape>
+                  <dgm:presOf axis="desOrSelf" ptType="node"/>
+                  <dgm:choose name="Name132">
+                    <dgm:if name="Name133" func="var" arg="dir" op="equ" val="norm">
+                      <dgm:constrLst>
+                        <dgm:constr type="rMarg"/>
+                        <dgm:constr type="tMarg"/>
+                        <dgm:constr type="bMarg"/>
+                      </dgm:constrLst>
+                    </dgm:if>
+                    <dgm:else name="Name134">
+                      <dgm:constrLst>
+                        <dgm:constr type="lMarg"/>
+                        <dgm:constr type="tMarg"/>
+                        <dgm:constr type="bMarg"/>
+                      </dgm:constrLst>
+                    </dgm:else>
+                  </dgm:choose>
+                  <dgm:ruleLst>
+                    <dgm:rule type="primFontSz" val="5" fact="NaN" max="NaN"/>
+                  </dgm:ruleLst>
+                </dgm:layoutNode>
+              </dgm:forEach>
+            </dgm:layoutNode>
+          </dgm:if>
+          <dgm:else name="Name135">
+            <dgm:layoutNode name="arrowDiagram5">
+              <dgm:alg type="composite">
+                <dgm:param type="vertAlign" val="none"/>
+                <dgm:param type="horzAlign" val="none"/>
+              </dgm:alg>
+              <dgm:shape xmlns:r="http://schemas.openxmlformats.org/officeDocument/2006/relationships" r:blip="">
+                <dgm:adjLst/>
+              </dgm:shape>
+              <dgm:presOf/>
+              <dgm:choose name="Name136">
+                <dgm:if name="Name137" func="var" arg="dir" op="equ" val="norm">
+                  <dgm:constrLst>
+                    <dgm:constr type="ctrX" for="ch" forName="bullet5a" refType="w" fact="0.11"/>
+                    <dgm:constr type="ctrY" for="ch" forName="bullet5a" refType="h" fact="0.762"/>
+                    <dgm:constr type="w" for="ch" forName="bullet5a" refType="w" fact="0.023"/>
+                    <dgm:constr type="h" for="ch" forName="bullet5a" refType="w" refFor="ch" refForName="bullet5a"/>
+                    <dgm:constr type="l" for="ch" forName="textBox5a" refType="ctrX" refFor="ch" refForName="bullet5a"/>
+                    <dgm:constr type="t" for="ch" forName="textBox5a" refType="ctrY" refFor="ch" refForName="bullet5a"/>
+                    <dgm:constr type="w" for="ch" forName="textBox5a" refType="w" fact="0.131"/>
+                    <dgm:constr type="h" for="ch" forName="textBox5a" refType="h" fact="0.238"/>
+                    <dgm:constr type="userA" refType="h" refFor="ch" refForName="bullet5a" fact="0.53"/>
+                    <dgm:constr type="lMarg" for="ch" forName="textBox5a" refType="userA" fact="2.834"/>
+                    <dgm:constr type="ctrX" for="ch" forName="bullet5b" refType="w" fact="0.241"/>
+                    <dgm:constr type="ctrY" for="ch" forName="bullet5b" refType="h" fact="0.581"/>
+                    <dgm:constr type="w" for="ch" forName="bullet5b" refType="w" fact="0.036"/>
+                    <dgm:constr type="h" for="ch" forName="bullet5b" refType="w" refFor="ch" refForName="bullet5b"/>
+                    <dgm:constr type="l" for="ch" forName="textBox5b" refType="ctrX" refFor="ch" refForName="bullet5b"/>
+                    <dgm:constr type="t" for="ch" forName="textBox5b" refType="ctrY" refFor="ch" refForName="bullet5b"/>
+                    <dgm:constr type="w" for="ch" forName="textBox5b" refType="w" fact="0.166"/>
+                    <dgm:constr type="h" for="ch" forName="textBox5b" refType="h" fact="0.419"/>
+                    <dgm:constr type="userB" refType="h" refFor="ch" refForName="bullet5b" fact="0.53"/>
+                    <dgm:constr type="lMarg" for="ch" forName="textBox5b" refType="userB" fact="2.834"/>
+                    <dgm:constr type="ctrX" for="ch" forName="bullet5c" refType="w" fact="0.407"/>
+                    <dgm:constr type="ctrY" for="ch" forName="bullet5c" refType="h" fact="0.438"/>
+                    <dgm:constr type="w" for="ch" forName="bullet5c" refType="w" fact="0.048"/>
+                    <dgm:constr type="h" for="ch" forName="bullet5c" refType="w" refFor="ch" refForName="bullet5c"/>
+                    <dgm:constr type="l" for="ch" forName="textBox5c" refType="ctrX" refFor="ch" refForName="bullet5c"/>
+                    <dgm:constr type="t" for="ch" forName="textBox5c" refType="ctrY" refFor="ch" refForName="bullet5c"/>
+                    <dgm:constr type="w" for="ch" forName="textBox5c" refType="w" fact="0.193"/>
+                    <dgm:constr type="h" for="ch" forName="textBox5c" refType="h" fact="0.562"/>
+                    <dgm:constr type="userC" refType="h" refFor="ch" refForName="bullet5c" fact="0.53"/>
+                    <dgm:constr type="lMarg" for="ch" forName="textBox5c" refType="userC" fact="2.834"/>
+                    <dgm:constr type="ctrX" for="ch" forName="bullet5d" refType="w" fact="0.6"/>
+                    <dgm:constr type="ctrY" for="ch" forName="bullet5d" refType="h" fact="0.33"/>
+                    <dgm:constr type="w" for="ch" forName="bullet5d" refType="w" fact="0.062"/>
+                    <dgm:constr type="h" for="ch" forName="bullet5d" refType="w" refFor="ch" refForName="bullet5d"/>
+                    <dgm:constr type="l" for="ch" forName="textBox5d" refType="ctrX" refFor="ch" refForName="bullet5d"/>
+                    <dgm:constr type="t" for="ch" forName="textBox5d" refType="ctrY" refFor="ch" refForName="bullet5d"/>
+                    <dgm:constr type="w" for="ch" forName="textBox5d" refType="w" fact="0.2"/>
+                    <dgm:constr type="h" for="ch" forName="textBox5d" refType="h" fact="0.67"/>
+                    <dgm:constr type="userD" refType="h" refFor="ch" refForName="bullet5d" fact="0.53"/>
+                    <dgm:constr type="lMarg" for="ch" forName="textBox5d" refType="userD" fact="2.834"/>
+                    <dgm:constr type="ctrX" for="ch" forName="bullet5e" refType="w" fact="0.8"/>
+                    <dgm:constr type="ctrY" for="ch" forName="bullet5e" refType="h" fact="0.264"/>
+                    <dgm:constr type="w" for="ch" forName="bullet5e" refType="w" fact="0.079"/>
+                    <dgm:constr type="h" for="ch" forName="bullet5e" refType="w" refFor="ch" refForName="bullet5e"/>
+                    <dgm:constr type="l" for="ch" forName="textBox5e" refType="ctrX" refFor="ch" refForName="bullet5e"/>
+                    <dgm:constr type="t" for="ch" forName="textBox5e" refType="ctrY" refFor="ch" refForName="bullet5e"/>
+                    <dgm:constr type="w" for="ch" forName="textBox5e" refType="w" fact="0.2"/>
+                    <dgm:constr type="h" for="ch" forName="textBox5e" refType="h" fact="0.736"/>
+                    <dgm:constr type="userE" refType="h" refFor="ch" refForName="bullet5e" fact="0.53"/>
+                    <dgm:constr type="lMarg" for="ch" forName="textBox5e" refType="userE" fact="2.834"/>
+                    <dgm:constr type="primFontSz" for="ch" ptType="node" op="equ" val="65"/>
+                  </dgm:constrLst>
+                </dgm:if>
+                <dgm:else name="Name138">
+                  <dgm:constrLst>
+                    <dgm:constr type="ctrX" for="ch" forName="bullet5a" refType="w" fact="0.11"/>
+                    <dgm:constr type="ctrY" for="ch" forName="bullet5a" refType="h" fact="0.762"/>
+                    <dgm:constr type="w" for="ch" forName="bullet5a" refType="w" fact="0.023"/>
+                    <dgm:constr type="h" for="ch" forName="bullet5a" refType="w" refFor="ch" refForName="bullet5a"/>
+                    <dgm:constr type="r" for="ch" forName="textBox5a" refType="ctrX" refFor="ch" refForName="bullet5a"/>
+                    <dgm:constr type="b" for="ch" forName="textBox5a" refType="ctrY" refFor="ch" refForName="bullet5a"/>
+                    <dgm:constr type="w" for="ch" forName="textBox5a" refType="w" fact="0.11"/>
+                    <dgm:constr type="h" for="ch" forName="textBox5a" refType="h" fact="0.762"/>
+                    <dgm:constr type="userA" refType="h" refFor="ch" refForName="bullet5a" fact="0.53"/>
+                    <dgm:constr type="rMarg" for="ch" forName="textBox5a" refType="userA" fact="2.834"/>
+                    <dgm:constr type="ctrX" for="ch" forName="bullet5b" refType="w" fact="0.241"/>
+                    <dgm:constr type="ctrY" for="ch" forName="bullet5b" refType="h" fact="0.581"/>
+                    <dgm:constr type="w" for="ch" forName="bullet5b" refType="w" fact="0.036"/>
+                    <dgm:constr type="h" for="ch" forName="bullet5b" refType="w" refFor="ch" refForName="bullet5b"/>
+                    <dgm:constr type="r" for="ch" forName="textBox5b" refType="ctrX" refFor="ch" refForName="bullet5b"/>
+                    <dgm:constr type="b" for="ch" forName="textBox5b" refType="ctrY" refFor="ch" refForName="bullet5b"/>
+                    <dgm:constr type="w" for="ch" forName="textBox5b" refType="w" fact="0.131"/>
+                    <dgm:constr type="h" for="ch" forName="textBox5b" refType="h" fact="0.581"/>
+                    <dgm:constr type="userB" refType="h" refFor="ch" refForName="bullet5b" fact="0.53"/>
+                    <dgm:constr type="rMarg" for="ch" forName="textBox5b" refType="userB" fact="2.834"/>
+                    <dgm:constr type="ctrX" for="ch" forName="bullet5c" refType="w" fact="0.407"/>
+                    <dgm:constr type="ctrY" for="ch" forName="bullet5c" refType="h" fact="0.438"/>
+                    <dgm:constr type="w" for="ch" forName="bullet5c" refType="w" fact="0.048"/>
+                    <dgm:constr type="h" for="ch" forName="bullet5c" refType="w" refFor="ch" refForName="bullet5c"/>
+                    <dgm:constr type="r" for="ch" forName="textBox5c" refType="ctrX" refFor="ch" refForName="bullet5c"/>
+                    <dgm:constr type="b" for="ch" forName="textBox5c" refType="ctrY" refFor="ch" refForName="bullet5c"/>
+                    <dgm:constr type="w" for="ch" forName="textBox5c" refType="w" fact="0.166"/>
+                    <dgm:constr type="h" for="ch" forName="textBox5c" refType="h" fact="0.438"/>
+                    <dgm:constr type="userC" refType="h" refFor="ch" refForName="bullet5c" fact="0.53"/>
+                    <dgm:constr type="rMarg" for="ch" forName="textBox5c" refType="userC" fact="2.834"/>
+                    <dgm:constr type="ctrX" for="ch" forName="bullet5d" refType="w" fact="0.6"/>
+                    <dgm:constr type="ctrY" for="ch" forName="bullet5d" refType="h" fact="0.33"/>
+                    <dgm:constr type="w" for="ch" forName="bullet5d" refType="w" fact="0.062"/>
+                    <dgm:constr type="h" for="ch" forName="bullet5d" refType="w" refFor="ch" refForName="bullet5d"/>
+                    <dgm:constr type="r" for="ch" forName="textBox5d" refType="ctrX" refFor="ch" refForName="bullet5d"/>
+                    <dgm:constr type="b" for="ch" forName="textBox5d" refType="ctrY" refFor="ch" refForName="bullet5d"/>
+                    <dgm:constr type="w" for="ch" forName="textBox5d" refType="w" fact="0.193"/>
+                    <dgm:constr type="h" for="ch" forName="textBox5d" refType="h" fact="0.33"/>
+                    <dgm:constr type="userD" refType="h" refFor="ch" refForName="bullet5d" fact="0.53"/>
+                    <dgm:constr type="rMarg" for="ch" forName="textBox5d" refType="userD" fact="2.834"/>
+                    <dgm:constr type="ctrX" for="ch" forName="bullet5e" refType="w" fact="0.8"/>
+                    <dgm:constr type="ctrY" for="ch" forName="bullet5e" refType="h" fact="0.264"/>
+                    <dgm:constr type="w" for="ch" forName="bullet5e" refType="w" fact="0.079"/>
+                    <dgm:constr type="h" for="ch" forName="bullet5e" refType="w" refFor="ch" refForName="bullet5e"/>
+                    <dgm:constr type="r" for="ch" forName="textBox5e" refType="ctrX" refFor="ch" refForName="bullet5e"/>
+                    <dgm:constr type="b" for="ch" forName="textBox5e" refType="ctrY" refFor="ch" refForName="bullet5e"/>
+                    <dgm:constr type="w" for="ch" forName="textBox5e" refType="w" fact="0.2"/>
+                    <dgm:constr type="h" for="ch" forName="textBox5e" refType="h" fact="0.264"/>
+                    <dgm:constr type="userE" refType="h" refFor="ch" refForName="bullet5e" fact="0.53"/>
+                    <dgm:constr type="rMarg" for="ch" forName="textBox5e" refType="userE" fact="2.834"/>
+                    <dgm:constr type="primFontSz" for="ch" ptType="node" op="equ" val="65"/>
+                  </dgm:constrLst>
+                </dgm:else>
+              </dgm:choose>
+              <dgm:ruleLst/>
+              <dgm:forEach name="Name139" axis="ch" ptType="node" cnt="1">
+                <dgm:layoutNode name="bullet5a" styleLbl="node1">
+                  <dgm:alg type="sp"/>
+                  <dgm:shape xmlns:r="http://schemas.openxmlformats.org/officeDocument/2006/relationships" type="ellipse" r:blip="">
+                    <dgm:adjLst/>
+                  </dgm:shape>
+                  <dgm:presOf/>
+                  <dgm:constrLst/>
+                  <dgm:ruleLst/>
+                </dgm:layoutNode>
+                <dgm:layoutNode name="textBox5a" styleLbl="revTx">
+                  <dgm:varLst>
+                    <dgm:bulletEnabled val="1"/>
+                  </dgm:varLst>
+                  <dgm:choose name="Name140">
+                    <dgm:if name="Name141" func="var" arg="dir" op="equ" val="norm">
+                      <dgm:choose name="Name142">
+                        <dgm:if name="Name143" axis="root des" ptType="all node" func="maxDepth" op="gt" val="1">
+                          <dgm:alg type="tx">
+                            <dgm:param type="txAnchorVert" val="t"/>
+                            <dgm:param type="parTxLTRAlign" val="l"/>
+                            <dgm:param type="parTxRTLAlign" val="r"/>
+                          </dgm:alg>
+                        </dgm:if>
+                        <dgm:else name="Name144">
+                          <dgm:alg type="tx">
+                            <dgm:param type="txAnchorVert" val="t"/>
+                            <dgm:param type="parTxLTRAlign" val="l"/>
+                            <dgm:param type="parTxRTLAlign" val="l"/>
+                          </dgm:alg>
+                        </dgm:else>
+                      </dgm:choose>
+                    </dgm:if>
+                    <dgm:else name="Name145">
+                      <dgm:choose name="Name146">
+                        <dgm:if name="Name147" axis="root des" ptType="all node" func="maxDepth" op="gt" val="1">
+                          <dgm:alg type="tx">
+                            <dgm:param type="txAnchorVert" val="b"/>
+                            <dgm:param type="txAnchorVertCh" val="b"/>
+                            <dgm:param type="parTxLTRAlign" val="l"/>
+                            <dgm:param type="parTxRTLAlign" val="r"/>
+                          </dgm:alg>
+                        </dgm:if>
+                        <dgm:else name="Name148">
+                          <dgm:alg type="tx">
+                            <dgm:param type="txAnchorVert" val="b"/>
+                            <dgm:param type="parTxLTRAlign" val="r"/>
+                            <dgm:param type="parTxRTLAlign" val="r"/>
+                          </dgm:alg>
+                        </dgm:else>
+                      </dgm:choose>
+                    </dgm:else>
+                  </dgm:choose>
+                  <dgm:shape xmlns:r="http://schemas.openxmlformats.org/officeDocument/2006/relationships" type="rect" r:blip="">
+                    <dgm:adjLst/>
+                  </dgm:shape>
+                  <dgm:presOf axis="desOrSelf" ptType="node"/>
+                  <dgm:choose name="Name149">
+                    <dgm:if name="Name150" func="var" arg="dir" op="equ" val="norm">
+                      <dgm:constrLst>
+                        <dgm:constr type="rMarg"/>
+                        <dgm:constr type="tMarg"/>
+                        <dgm:constr type="bMarg"/>
+                      </dgm:constrLst>
+                    </dgm:if>
+                    <dgm:else name="Name151">
+                      <dgm:constrLst>
+                        <dgm:constr type="lMarg"/>
+                        <dgm:constr type="tMarg"/>
+                        <dgm:constr type="bMarg"/>
+                      </dgm:constrLst>
+                    </dgm:else>
+                  </dgm:choose>
+                  <dgm:ruleLst>
+                    <dgm:rule type="primFontSz" val="5" fact="NaN" max="NaN"/>
+                  </dgm:ruleLst>
+                </dgm:layoutNode>
+              </dgm:forEach>
+              <dgm:forEach name="Name152" axis="ch" ptType="node" st="2" cnt="1">
+                <dgm:layoutNode name="bullet5b" styleLbl="node1">
+                  <dgm:alg type="sp"/>
+                  <dgm:shape xmlns:r="http://schemas.openxmlformats.org/officeDocument/2006/relationships" type="ellipse" r:blip="">
+                    <dgm:adjLst/>
+                  </dgm:shape>
+                  <dgm:presOf/>
+                  <dgm:constrLst/>
+                  <dgm:ruleLst/>
+                </dgm:layoutNode>
+                <dgm:layoutNode name="textBox5b" styleLbl="revTx">
+                  <dgm:varLst>
+                    <dgm:bulletEnabled val="1"/>
+                  </dgm:varLst>
+                  <dgm:choose name="Name153">
+                    <dgm:if name="Name154" func="var" arg="dir" op="equ" val="norm">
+                      <dgm:choose name="Name155">
+                        <dgm:if name="Name156" axis="root des" ptType="all node" func="maxDepth" op="gt" val="1">
+                          <dgm:alg type="tx">
+                            <dgm:param type="txAnchorVert" val="t"/>
+                            <dgm:param type="parTxLTRAlign" val="l"/>
+                            <dgm:param type="parTxRTLAlign" val="r"/>
+                          </dgm:alg>
+                        </dgm:if>
+                        <dgm:else name="Name157">
+                          <dgm:alg type="tx">
+                            <dgm:param type="txAnchorVert" val="t"/>
+                            <dgm:param type="parTxLTRAlign" val="l"/>
+                            <dgm:param type="parTxRTLAlign" val="l"/>
+                          </dgm:alg>
+                        </dgm:else>
+                      </dgm:choose>
+                    </dgm:if>
+                    <dgm:else name="Name158">
+                      <dgm:choose name="Name159">
+                        <dgm:if name="Name160" axis="root des" ptType="all node" func="maxDepth" op="gt" val="1">
+                          <dgm:alg type="tx">
+                            <dgm:param type="txAnchorVert" val="b"/>
+                            <dgm:param type="txAnchorVertCh" val="b"/>
+                            <dgm:param type="parTxLTRAlign" val="l"/>
+                            <dgm:param type="parTxRTLAlign" val="r"/>
+                          </dgm:alg>
+                        </dgm:if>
+                        <dgm:else name="Name161">
+                          <dgm:alg type="tx">
+                            <dgm:param type="txAnchorVert" val="b"/>
+                            <dgm:param type="parTxLTRAlign" val="r"/>
+                            <dgm:param type="parTxRTLAlign" val="r"/>
+                          </dgm:alg>
+                        </dgm:else>
+                      </dgm:choose>
+                    </dgm:else>
+                  </dgm:choose>
+                  <dgm:shape xmlns:r="http://schemas.openxmlformats.org/officeDocument/2006/relationships" type="rect" r:blip="">
+                    <dgm:adjLst/>
+                  </dgm:shape>
+                  <dgm:presOf axis="desOrSelf" ptType="node"/>
+                  <dgm:choose name="Name162">
+                    <dgm:if name="Name163" func="var" arg="dir" op="equ" val="norm">
+                      <dgm:constrLst>
+                        <dgm:constr type="rMarg"/>
+                        <dgm:constr type="tMarg"/>
+                        <dgm:constr type="bMarg"/>
+                      </dgm:constrLst>
+                    </dgm:if>
+                    <dgm:else name="Name164">
+                      <dgm:constrLst>
+                        <dgm:constr type="lMarg"/>
+                        <dgm:constr type="tMarg"/>
+                        <dgm:constr type="bMarg"/>
+                      </dgm:constrLst>
+                    </dgm:else>
+                  </dgm:choose>
+                  <dgm:ruleLst>
+                    <dgm:rule type="primFontSz" val="5" fact="NaN" max="NaN"/>
+                  </dgm:ruleLst>
+                </dgm:layoutNode>
+              </dgm:forEach>
+              <dgm:forEach name="Name165" axis="ch" ptType="node" st="3" cnt="1">
+                <dgm:layoutNode name="bullet5c" styleLbl="node1">
+                  <dgm:alg type="sp"/>
+                  <dgm:shape xmlns:r="http://schemas.openxmlformats.org/officeDocument/2006/relationships" type="ellipse" r:blip="">
+                    <dgm:adjLst/>
+                  </dgm:shape>
+                  <dgm:presOf/>
+                  <dgm:constrLst/>
+                  <dgm:ruleLst/>
+                </dgm:layoutNode>
+                <dgm:layoutNode name="textBox5c" styleLbl="revTx">
+                  <dgm:varLst>
+                    <dgm:bulletEnabled val="1"/>
+                  </dgm:varLst>
+                  <dgm:choose name="Name166">
+                    <dgm:if name="Name167" func="var" arg="dir" op="equ" val="norm">
+                      <dgm:choose name="Name168">
+                        <dgm:if name="Name169" axis="root des" ptType="all node" func="maxDepth" op="gt" val="1">
+                          <dgm:alg type="tx">
+                            <dgm:param type="txAnchorVert" val="t"/>
+                            <dgm:param type="parTxLTRAlign" val="l"/>
+                            <dgm:param type="parTxRTLAlign" val="r"/>
+                          </dgm:alg>
+                        </dgm:if>
+                        <dgm:else name="Name170">
+                          <dgm:alg type="tx">
+                            <dgm:param type="txAnchorVert" val="t"/>
+                            <dgm:param type="parTxLTRAlign" val="l"/>
+                            <dgm:param type="parTxRTLAlign" val="l"/>
+                          </dgm:alg>
+                        </dgm:else>
+                      </dgm:choose>
+                    </dgm:if>
+                    <dgm:else name="Name171">
+                      <dgm:choose name="Name172">
+                        <dgm:if name="Name173" axis="root des" ptType="all node" func="maxDepth" op="gt" val="1">
+                          <dgm:alg type="tx">
+                            <dgm:param type="txAnchorVert" val="b"/>
+                            <dgm:param type="txAnchorVertCh" val="b"/>
+                            <dgm:param type="parTxLTRAlign" val="l"/>
+                            <dgm:param type="parTxRTLAlign" val="r"/>
+                          </dgm:alg>
+                        </dgm:if>
+                        <dgm:else name="Name174">
+                          <dgm:alg type="tx">
+                            <dgm:param type="txAnchorVert" val="b"/>
+                            <dgm:param type="parTxLTRAlign" val="r"/>
+                            <dgm:param type="parTxRTLAlign" val="r"/>
+                          </dgm:alg>
+                        </dgm:else>
+                      </dgm:choose>
+                    </dgm:else>
+                  </dgm:choose>
+                  <dgm:shape xmlns:r="http://schemas.openxmlformats.org/officeDocument/2006/relationships" type="rect" r:blip="">
+                    <dgm:adjLst/>
+                  </dgm:shape>
+                  <dgm:presOf axis="desOrSelf" ptType="node"/>
+                  <dgm:choose name="Name175">
+                    <dgm:if name="Name176" func="var" arg="dir" op="equ" val="norm">
+                      <dgm:constrLst>
+                        <dgm:constr type="rMarg"/>
+                        <dgm:constr type="tMarg"/>
+                        <dgm:constr type="bMarg"/>
+                      </dgm:constrLst>
+                    </dgm:if>
+                    <dgm:else name="Name177">
+                      <dgm:constrLst>
+                        <dgm:constr type="lMarg"/>
+                        <dgm:constr type="tMarg"/>
+                        <dgm:constr type="bMarg"/>
+                      </dgm:constrLst>
+                    </dgm:else>
+                  </dgm:choose>
+                  <dgm:ruleLst>
+                    <dgm:rule type="primFontSz" val="5" fact="NaN" max="NaN"/>
+                  </dgm:ruleLst>
+                </dgm:layoutNode>
+              </dgm:forEach>
+              <dgm:forEach name="Name178" axis="ch" ptType="node" st="4" cnt="1">
+                <dgm:layoutNode name="bullet5d" styleLbl="node1">
+                  <dgm:alg type="sp"/>
+                  <dgm:shape xmlns:r="http://schemas.openxmlformats.org/officeDocument/2006/relationships" type="ellipse" r:blip="">
+                    <dgm:adjLst/>
+                  </dgm:shape>
+                  <dgm:presOf/>
+                  <dgm:constrLst/>
+                  <dgm:ruleLst/>
+                </dgm:layoutNode>
+                <dgm:layoutNode name="textBox5d" styleLbl="revTx">
+                  <dgm:varLst>
+                    <dgm:bulletEnabled val="1"/>
+                  </dgm:varLst>
+                  <dgm:choose name="Name179">
+                    <dgm:if name="Name180" func="var" arg="dir" op="equ" val="norm">
+                      <dgm:choose name="Name181">
+                        <dgm:if name="Name182" axis="root des" ptType="all node" func="maxDepth" op="gt" val="1">
+                          <dgm:alg type="tx">
+                            <dgm:param type="txAnchorVert" val="t"/>
+                            <dgm:param type="parTxLTRAlign" val="l"/>
+                            <dgm:param type="parTxRTLAlign" val="r"/>
+                          </dgm:alg>
+                        </dgm:if>
+                        <dgm:else name="Name183">
+                          <dgm:alg type="tx">
+                            <dgm:param type="txAnchorVert" val="t"/>
+                            <dgm:param type="parTxLTRAlign" val="l"/>
+                            <dgm:param type="parTxRTLAlign" val="l"/>
+                          </dgm:alg>
+                        </dgm:else>
+                      </dgm:choose>
+                    </dgm:if>
+                    <dgm:else name="Name184">
+                      <dgm:choose name="Name185">
+                        <dgm:if name="Name186" axis="root des" ptType="all node" func="maxDepth" op="gt" val="1">
+                          <dgm:alg type="tx">
+                            <dgm:param type="txAnchorVert" val="b"/>
+                            <dgm:param type="txAnchorVertCh" val="b"/>
+                            <dgm:param type="parTxLTRAlign" val="l"/>
+                            <dgm:param type="parTxRTLAlign" val="r"/>
+                          </dgm:alg>
+                        </dgm:if>
+                        <dgm:else name="Name187">
+                          <dgm:alg type="tx">
+                            <dgm:param type="txAnchorVert" val="b"/>
+                            <dgm:param type="parTxLTRAlign" val="r"/>
+                            <dgm:param type="parTxRTLAlign" val="r"/>
+                          </dgm:alg>
+                        </dgm:else>
+                      </dgm:choose>
+                    </dgm:else>
+                  </dgm:choose>
+                  <dgm:shape xmlns:r="http://schemas.openxmlformats.org/officeDocument/2006/relationships" type="rect" r:blip="">
+                    <dgm:adjLst/>
+                  </dgm:shape>
+                  <dgm:presOf axis="desOrSelf" ptType="node"/>
+                  <dgm:choose name="Name188">
+                    <dgm:if name="Name189" func="var" arg="dir" op="equ" val="norm">
+                      <dgm:constrLst>
+                        <dgm:constr type="rMarg"/>
+                        <dgm:constr type="tMarg"/>
+                        <dgm:constr type="bMarg"/>
+                      </dgm:constrLst>
+                    </dgm:if>
+                    <dgm:else name="Name190">
+                      <dgm:constrLst>
+                        <dgm:constr type="lMarg"/>
+                        <dgm:constr type="tMarg"/>
+                        <dgm:constr type="bMarg"/>
+                      </dgm:constrLst>
+                    </dgm:else>
+                  </dgm:choose>
+                  <dgm:ruleLst>
+                    <dgm:rule type="primFontSz" val="5" fact="NaN" max="NaN"/>
+                  </dgm:ruleLst>
+                </dgm:layoutNode>
+              </dgm:forEach>
+              <dgm:forEach name="Name191" axis="ch" ptType="node" st="5" cnt="1">
+                <dgm:layoutNode name="bullet5e" styleLbl="node1">
+                  <dgm:alg type="sp"/>
+                  <dgm:shape xmlns:r="http://schemas.openxmlformats.org/officeDocument/2006/relationships" type="ellipse" r:blip="">
+                    <dgm:adjLst/>
+                  </dgm:shape>
+                  <dgm:presOf/>
+                  <dgm:constrLst/>
+                  <dgm:ruleLst/>
+                </dgm:layoutNode>
+                <dgm:layoutNode name="textBox5e" styleLbl="revTx">
+                  <dgm:varLst>
+                    <dgm:bulletEnabled val="1"/>
+                  </dgm:varLst>
+                  <dgm:choose name="Name192">
+                    <dgm:if name="Name193" func="var" arg="dir" op="equ" val="norm">
+                      <dgm:choose name="Name194">
+                        <dgm:if name="Name195" axis="root des" ptType="all node" func="maxDepth" op="gt" val="1">
+                          <dgm:alg type="tx">
+                            <dgm:param type="txAnchorVert" val="t"/>
+                            <dgm:param type="parTxLTRAlign" val="l"/>
+                            <dgm:param type="parTxRTLAlign" val="r"/>
+                          </dgm:alg>
+                        </dgm:if>
+                        <dgm:else name="Name196">
+                          <dgm:alg type="tx">
+                            <dgm:param type="txAnchorVert" val="t"/>
+                            <dgm:param type="parTxLTRAlign" val="l"/>
+                            <dgm:param type="parTxRTLAlign" val="l"/>
+                          </dgm:alg>
+                        </dgm:else>
+                      </dgm:choose>
+                    </dgm:if>
+                    <dgm:else name="Name197">
+                      <dgm:choose name="Name198">
+                        <dgm:if name="Name199" axis="root des" ptType="all node" func="maxDepth" op="gt" val="1">
+                          <dgm:alg type="tx">
+                            <dgm:param type="txAnchorVert" val="b"/>
+                            <dgm:param type="txAnchorVertCh" val="b"/>
+                            <dgm:param type="parTxLTRAlign" val="l"/>
+                            <dgm:param type="parTxRTLAlign" val="r"/>
+                          </dgm:alg>
+                        </dgm:if>
+                        <dgm:else name="Name200">
+                          <dgm:alg type="tx">
+                            <dgm:param type="txAnchorVert" val="b"/>
+                            <dgm:param type="parTxLTRAlign" val="r"/>
+                            <dgm:param type="parTxRTLAlign" val="r"/>
+                          </dgm:alg>
+                        </dgm:else>
+                      </dgm:choose>
+                    </dgm:else>
+                  </dgm:choose>
+                  <dgm:shape xmlns:r="http://schemas.openxmlformats.org/officeDocument/2006/relationships" type="rect" r:blip="">
+                    <dgm:adjLst/>
+                  </dgm:shape>
+                  <dgm:presOf axis="desOrSelf" ptType="node"/>
+                  <dgm:choose name="Name201">
+                    <dgm:if name="Name202" func="var" arg="dir" op="equ" val="norm">
+                      <dgm:constrLst>
+                        <dgm:constr type="rMarg"/>
+                        <dgm:constr type="tMarg"/>
+                        <dgm:constr type="bMarg"/>
+                      </dgm:constrLst>
+                    </dgm:if>
+                    <dgm:else name="Name203">
+                      <dgm:constrLst>
+                        <dgm:constr type="lMarg"/>
+                        <dgm:constr type="tMarg"/>
+                        <dgm:constr type="bMarg"/>
+                      </dgm:constrLst>
+                    </dgm:else>
+                  </dgm:choose>
+                  <dgm:ruleLst>
+                    <dgm:rule type="primFontSz" val="5" fact="NaN" max="NaN"/>
+                  </dgm:ruleLst>
+                </dgm:layoutNode>
+              </dgm:forEach>
+            </dgm:layoutNode>
+          </dgm:else>
+        </dgm:choose>
+      </dgm:if>
+      <dgm:else name="Name204"/>
+    </dgm:choose>
+  </dgm:layoutNode>
+</dgm:layoutDef>
+</file>
+
+<file path=ppt/diagrams/quickStyle1.xml><?xml version="1.0" encoding="utf-8"?>
+<dgm:styleDef xmlns:dgm="http://schemas.openxmlformats.org/drawingml/2006/diagram" xmlns:a="http://schemas.openxmlformats.org/drawingml/2006/main" uniqueId="urn:microsoft.com/office/officeart/2005/8/quickstyle/simple1">
+  <dgm:title val=""/>
+  <dgm:desc val=""/>
+  <dgm:catLst>
+    <dgm:cat type="simple" pri="10100"/>
+  </dgm:catLst>
+  <dgm:scene3d>
+    <a:camera prst="orthographicFront"/>
+    <a:lightRig rig="threePt" dir="t"/>
+  </dgm:scene3d>
+  <dgm:styleLbl name="node0">
+    <dgm:scene3d>
+      <a:camera prst="orthographicFront"/>
+      <a:lightRig rig="threePt" dir="t"/>
+    </dgm:scene3d>
+    <dgm:sp3d/>
+    <dgm:txPr/>
+    <dgm:style>
+      <a:lnRef idx="2">
+        <a:scrgbClr r="0" g="0" b="0"/>
+      </a:lnRef>
+      <a:fillRef idx="1">
+        <a:scrgbClr r="0" g="0" b="0"/>
+      </a:fillRef>
+      <a:effectRef idx="0">
+        <a:scrgbClr r="0" g="0" b="0"/>
+      </a:effectRef>
+      <a:fontRef idx="minor">
+        <a:schemeClr val="lt1"/>
+      </a:fontRef>
+    </dgm:style>
+  </dgm:styleLbl>
+  <dgm:styleLbl name="lnNode1">
+    <dgm:scene3d>
+      <a:camera prst="orthographicFront"/>
+      <a:lightRig rig="threePt" dir="t"/>
+    </dgm:scene3d>
+    <dgm:sp3d/>
+    <dgm:txPr/>
+    <dgm:style>
+      <a:lnRef idx="2">
+        <a:scrgbClr r="0" g="0" b="0"/>
+      </a:lnRef>
+      <a:fillRef idx="1">
+        <a:scrgbClr r="0" g="0" b="0"/>
+      </a:fillRef>
+      <a:effectRef idx="0">
+        <a:scrgbClr r="0" g="0" b="0"/>
+      </a:effectRef>
+      <a:fontRef idx="minor">
+        <a:schemeClr val="lt1"/>
+      </a:fontRef>
+    </dgm:style>
+  </dgm:styleLbl>
+  <dgm:styleLbl name="vennNode1">
+    <dgm:scene3d>
+      <a:camera prst="orthographicFront"/>
+      <a:lightRig rig="threePt" dir="t"/>
+    </dgm:scene3d>
+    <dgm:sp3d/>
+    <dgm:txPr/>
+    <dgm:style>
+      <a:lnRef idx="2">
+        <a:scrgbClr r="0" g="0" b="0"/>
+      </a:lnRef>
+      <a:fillRef idx="1">
+        <a:scrgbClr r="0" g="0" b="0"/>
+      </a:fillRef>
+      <a:effectRef idx="0">
+        <a:scrgbClr r="0" g="0" b="0"/>
+      </a:effectRef>
+      <a:fontRef idx="minor">
+        <a:schemeClr val="tx1"/>
+      </a:fontRef>
+    </dgm:style>
+  </dgm:styleLbl>
+  <dgm:styleLbl name="alignNode1">
+    <dgm:scene3d>
+      <a:camera prst="orthographicFront"/>
+      <a:lightRig rig="threePt" dir="t"/>
+    </dgm:scene3d>
+    <dgm:sp3d/>
+    <dgm:txPr/>
+    <dgm:style>
+      <a:lnRef idx="2">
+        <a:scrgbClr r="0" g="0" b="0"/>
+      </a:lnRef>
+      <a:fillRef idx="1">
+        <a:scrgbClr r="0" g="0" b="0"/>
+      </a:fillRef>
+      <a:effectRef idx="0">
+        <a:scrgbClr r="0" g="0" b="0"/>
+      </a:effectRef>
+      <a:fontRef idx="minor">
+        <a:schemeClr val="lt1"/>
+      </a:fontRef>
+    </dgm:style>
+  </dgm:styleLbl>
+  <dgm:styleLbl name="node1">
+    <dgm:scene3d>
+      <a:camera prst="orthographicFront"/>
+      <a:lightRig rig="threePt" dir="t"/>
+    </dgm:scene3d>
+    <dgm:sp3d/>
+    <dgm:txPr/>
+    <dgm:style>
+      <a:lnRef idx="2">
+        <a:scrgbClr r="0" g="0" b="0"/>
+      </a:lnRef>
+      <a:fillRef idx="1">
+        <a:scrgbClr r="0" g="0" b="0"/>
+      </a:fillRef>
+      <a:effectRef idx="0">
+        <a:scrgbClr r="0" g="0" b="0"/>
+      </a:effectRef>
+      <a:fontRef idx="minor">
+        <a:schemeClr val="lt1"/>
+      </a:fontRef>
+    </dgm:style>
+  </dgm:styleLbl>
+  <dgm:styleLbl name="node2">
+    <dgm:scene3d>
+      <a:camera prst="orthographicFront"/>
+      <a:lightRig rig="threePt" dir="t"/>
+    </dgm:scene3d>
+    <dgm:sp3d/>
+    <dgm:txPr/>
+    <dgm:style>
+      <a:lnRef idx="2">
+        <a:scrgbClr r="0" g="0" b="0"/>
+      </a:lnRef>
+      <a:fillRef idx="1">
+        <a:scrgbClr r="0" g="0" b="0"/>
+      </a:fillRef>
+      <a:effectRef idx="0">
+        <a:scrgbClr r="0" g="0" b="0"/>
+      </a:effectRef>
+      <a:fontRef idx="minor">
+        <a:schemeClr val="lt1"/>
+      </a:fontRef>
+    </dgm:style>
+  </dgm:styleLbl>
+  <dgm:styleLbl name="node3">
+    <dgm:scene3d>
+      <a:camera prst="orthographicFront"/>
+      <a:lightRig rig="threePt" dir="t"/>
+    </dgm:scene3d>
+    <dgm:sp3d/>
+    <dgm:txPr/>
+    <dgm:style>
+      <a:lnRef idx="2">
+        <a:scrgbClr r="0" g="0" b="0"/>
+      </a:lnRef>
+      <a:fillRef idx="1">
+        <a:scrgbClr r="0" g="0" b="0"/>
+      </a:fillRef>
+      <a:effectRef idx="0">
+        <a:scrgbClr r="0" g="0" b="0"/>
+      </a:effectRef>
+      <a:fontRef idx="minor">
+        <a:schemeClr val="lt1"/>
+      </a:fontRef>
+    </dgm:style>
+  </dgm:styleLbl>
+  <dgm:styleLbl name="node4">
+    <dgm:scene3d>
+      <a:camera prst="orthographicFront"/>
+      <a:lightRig rig="threePt" dir="t"/>
+    </dgm:scene3d>
+    <dgm:sp3d/>
+    <dgm:txPr/>
+    <dgm:style>
+      <a:lnRef idx="2">
+        <a:scrgbClr r="0" g="0" b="0"/>
+      </a:lnRef>
+      <a:fillRef idx="1">
+        <a:scrgbClr r="0" g="0" b="0"/>
+      </a:fillRef>
+      <a:effectRef idx="0">
+        <a:scrgbClr r="0" g="0" b="0"/>
+      </a:effectRef>
+      <a:fontRef idx="minor">
+        <a:schemeClr val="lt1"/>
+      </a:fontRef>
+    </dgm:style>
+  </dgm:styleLbl>
+  <dgm:styleLbl name="fgImgPlace1">
+    <dgm:scene3d>
+      <a:camera prst="orthographicFront"/>
+      <a:lightRig rig="threePt" dir="t"/>
+    </dgm:scene3d>
+    <dgm:sp3d/>
+    <dgm:txPr/>
+    <dgm:style>
+      <a:lnRef idx="2">
+        <a:scrgbClr r="0" g="0" b="0"/>
+      </a:lnRef>
+      <a:fillRef idx="1">
+        <a:scrgbClr r="0" g="0" b="0"/>
+      </a:fillRef>
+      <a:effectRef idx="0">
+        <a:scrgbClr r="0" g="0" b="0"/>
+      </a:effectRef>
+      <a:fontRef idx="minor"/>
+    </dgm:style>
+  </dgm:styleLbl>
+  <dgm:styleLbl name="alignImgPlace1">
+    <dgm:scene3d>
+      <a:camera prst="orthographicFront"/>
+      <a:lightRig rig="threePt" dir="t"/>
+    </dgm:scene3d>
+    <dgm:sp3d/>
+    <dgm:txPr/>
+    <dgm:style>
+      <a:lnRef idx="2">
+        <a:scrgbClr r="0" g="0" b="0"/>
+      </a:lnRef>
+      <a:fillRef idx="1">
+        <a:scrgbClr r="0" g="0" b="0"/>
+      </a:fillRef>
+      <a:effectRef idx="0">
+        <a:scrgbClr r="0" g="0" b="0"/>
+      </a:effectRef>
+      <a:fontRef idx="minor"/>
+    </dgm:style>
+  </dgm:styleLbl>
+  <dgm:styleLbl name="bgImgPlace1">
+    <dgm:scene3d>
+      <a:camera prst="orthographicFront"/>
+      <a:lightRig rig="threePt" dir="t"/>
+    </dgm:scene3d>
+    <dgm:sp3d/>
+    <dgm:txPr/>
+    <dgm:style>
+      <a:lnRef idx="2">
+        <a:scrgbClr r="0" g="0" b="0"/>
+      </a:lnRef>
+      <a:fillRef idx="1">
+        <a:scrgbClr r="0" g="0" b="0"/>
+      </a:fillRef>
+      <a:effectRef idx="0">
+        <a:scrgbClr r="0" g="0" b="0"/>
+      </a:effectRef>
+      <a:fontRef idx="minor"/>
+    </dgm:style>
+  </dgm:styleLbl>
+  <dgm:styleLbl name="sibTrans2D1">
+    <dgm:scene3d>
+      <a:camera prst="orthographicFront"/>
+      <a:lightRig rig="threePt" dir="t"/>
+    </dgm:scene3d>
+    <dgm:sp3d/>
+    <dgm:txPr/>
+    <dgm:style>
+      <a:lnRef idx="0">
+        <a:scrgbClr r="0" g="0" b="0"/>
+      </a:lnRef>
+      <a:fillRef idx="1">
+        <a:scrgbClr r="0" g="0" b="0"/>
+      </a:fillRef>
+      <a:effectRef idx="0">
+        <a:scrgbClr r="0" g="0" b="0"/>
+      </a:effectRef>
+      <a:fontRef idx="minor">
+        <a:schemeClr val="lt1"/>
+      </a:fontRef>
+    </dgm:style>
+  </dgm:styleLbl>
+  <dgm:styleLbl name="fgSibTrans2D1">
+    <dgm:scene3d>
+      <a:camera prst="orthographicFront"/>
+      <a:lightRig rig="threePt" dir="t"/>
+    </dgm:scene3d>
+    <dgm:sp3d/>
+    <dgm:txPr/>
+    <dgm:style>
+      <a:lnRef idx="0">
+        <a:scrgbClr r="0" g="0" b="0"/>
+      </a:lnRef>
+      <a:fillRef idx="1">
+        <a:scrgbClr r="0" g="0" b="0"/>
+      </a:fillRef>
+      <a:effectRef idx="0">
+        <a:scrgbClr r="0" g="0" b="0"/>
+      </a:effectRef>
+      <a:fontRef idx="minor">
+        <a:schemeClr val="lt1"/>
+      </a:fontRef>
+    </dgm:style>
+  </dgm:styleLbl>
+  <dgm:styleLbl name="bgSibTrans2D1">
+    <dgm:scene3d>
+      <a:camera prst="orthographicFront"/>
+      <a:lightRig rig="threePt" dir="t"/>
+    </dgm:scene3d>
+    <dgm:sp3d/>
+    <dgm:txPr/>
+    <dgm:style>
+      <a:lnRef idx="0">
+        <a:scrgbClr r="0" g="0" b="0"/>
+      </a:lnRef>
+      <a:fillRef idx="1">
+        <a:scrgbClr r="0" g="0" b="0"/>
+      </a:fillRef>
+      <a:effectRef idx="0">
+        <a:scrgbClr r="0" g="0" b="0"/>
+      </a:effectRef>
+      <a:fontRef idx="minor">
+        <a:schemeClr val="lt1"/>
+      </a:fontRef>
+    </dgm:style>
+  </dgm:styleLbl>
+  <dgm:styleLbl name="sibTrans1D1">
+    <dgm:scene3d>
+      <a:camera prst="orthographicFront"/>
+      <a:lightRig rig="threePt" dir="t"/>
+    </dgm:scene3d>
+    <dgm:sp3d/>
+    <dgm:txPr/>
+    <dgm:style>
+      <a:lnRef idx="1">
+        <a:scrgbClr r="0" g="0" b="0"/>
+      </a:lnRef>
+      <a:fillRef idx="0">
+        <a:scrgbClr r="0" g="0" b="0"/>
+      </a:fillRef>
+      <a:effectRef idx="0">
+        <a:scrgbClr r="0" g="0" b="0"/>
+      </a:effectRef>
+      <a:fontRef idx="minor"/>
+    </dgm:style>
+  </dgm:styleLbl>
+  <dgm:styleLbl name="callout">
+    <dgm:scene3d>
+      <a:camera prst="orthographicFront"/>
+      <a:lightRig rig="threePt" dir="t"/>
+    </dgm:scene3d>
+    <dgm:sp3d/>
+    <dgm:txPr/>
+    <dgm:style>
+      <a:lnRef idx="2">
+        <a:scrgbClr r="0" g="0" b="0"/>
+      </a:lnRef>
+      <a:fillRef idx="1">
+        <a:scrgbClr r="0" g="0" b="0"/>
+      </a:fillRef>
+      <a:effectRef idx="0">
+        <a:scrgbClr r="0" g="0" b="0"/>
+      </a:effectRef>
+      <a:fontRef idx="minor"/>
+    </dgm:style>
+  </dgm:styleLbl>
+  <dgm:styleLbl name="asst0">
+    <dgm:scene3d>
+      <a:camera prst="orthographicFront"/>
+      <a:lightRig rig="threePt" dir="t"/>
+    </dgm:scene3d>
+    <dgm:sp3d/>
+    <dgm:txPr/>
+    <dgm:style>
+      <a:lnRef idx="2">
+        <a:scrgbClr r="0" g="0" b="0"/>
+      </a:lnRef>
+      <a:fillRef idx="1">
+        <a:scrgbClr r="0" g="0" b="0"/>
+      </a:fillRef>
+      <a:effectRef idx="0">
+        <a:scrgbClr r="0" g="0" b="0"/>
+      </a:effectRef>
+      <a:fontRef idx="minor">
+        <a:schemeClr val="lt1"/>
+      </a:fontRef>
+    </dgm:style>
+  </dgm:styleLbl>
+  <dgm:styleLbl name="asst1">
+    <dgm:scene3d>
+      <a:camera prst="orthographicFront"/>
+      <a:lightRig rig="threePt" dir="t"/>
+    </dgm:scene3d>
+    <dgm:sp3d/>
+    <dgm:txPr/>
+    <dgm:style>
+      <a:lnRef idx="2">
+        <a:scrgbClr r="0" g="0" b="0"/>
+      </a:lnRef>
+      <a:fillRef idx="1">
+        <a:scrgbClr r="0" g="0" b="0"/>
+      </a:fillRef>
+      <a:effectRef idx="0">
+        <a:scrgbClr r="0" g="0" b="0"/>
+      </a:effectRef>
+      <a:fontRef idx="minor">
+        <a:schemeClr val="lt1"/>
+      </a:fontRef>
+    </dgm:style>
+  </dgm:styleLbl>
+  <dgm:styleLbl name="asst2">
+    <dgm:scene3d>
+      <a:camera prst="orthographicFront"/>
+      <a:lightRig rig="threePt" dir="t"/>
+    </dgm:scene3d>
+    <dgm:sp3d/>
+    <dgm:txPr/>
+    <dgm:style>
+      <a:lnRef idx="2">
+        <a:scrgbClr r="0" g="0" b="0"/>
+      </a:lnRef>
+      <a:fillRef idx="1">
+        <a:scrgbClr r="0" g="0" b="0"/>
+      </a:fillRef>
+      <a:effectRef idx="0">
+        <a:scrgbClr r="0" g="0" b="0"/>
+      </a:effectRef>
+      <a:fontRef idx="minor">
+        <a:schemeClr val="lt1"/>
+      </a:fontRef>
+    </dgm:style>
+  </dgm:styleLbl>
+  <dgm:styleLbl name="asst3">
+    <dgm:scene3d>
+      <a:camera prst="orthographicFront"/>
+      <a:lightRig rig="threePt" dir="t"/>
+    </dgm:scene3d>
+    <dgm:sp3d/>
+    <dgm:txPr/>
+    <dgm:style>
+      <a:lnRef idx="2">
+        <a:scrgbClr r="0" g="0" b="0"/>
+      </a:lnRef>
+      <a:fillRef idx="1">
+        <a:scrgbClr r="0" g="0" b="0"/>
+      </a:fillRef>
+      <a:effectRef idx="0">
+        <a:scrgbClr r="0" g="0" b="0"/>
+      </a:effectRef>
+      <a:fontRef idx="minor">
+        <a:schemeClr val="lt1"/>
+      </a:fontRef>
+    </dgm:style>
+  </dgm:styleLbl>
+  <dgm:styleLbl name="asst4">
+    <dgm:scene3d>
+      <a:camera prst="orthographicFront"/>
+      <a:lightRig rig="threePt" dir="t"/>
+    </dgm:scene3d>
+    <dgm:sp3d/>
+    <dgm:txPr/>
+    <dgm:style>
+      <a:lnRef idx="2">
+        <a:scrgbClr r="0" g="0" b="0"/>
+      </a:lnRef>
+      <a:fillRef idx="1">
+        <a:scrgbClr r="0" g="0" b="0"/>
+      </a:fillRef>
+      <a:effectRef idx="0">
+        <a:scrgbClr r="0" g="0" b="0"/>
+      </a:effectRef>
+      <a:fontRef idx="minor">
+        <a:schemeClr val="lt1"/>
+      </a:fontRef>
+    </dgm:style>
+  </dgm:styleLbl>
+  <dgm:styleLbl name="parChTrans2D1">
+    <dgm:scene3d>
+      <a:camera prst="orthographicFront"/>
+      <a:lightRig rig="threePt" dir="t"/>
+    </dgm:scene3d>
+    <dgm:sp3d/>
+    <dgm:txPr/>
+    <dgm:style>
+      <a:lnRef idx="2">
+        <a:scrgbClr r="0" g="0" b="0"/>
+      </a:lnRef>
+      <a:fillRef idx="1">
+        <a:scrgbClr r="0" g="0" b="0"/>
+      </a:fillRef>
+      <a:effectRef idx="0">
+        <a:scrgbClr r="0" g="0" b="0"/>
+      </a:effectRef>
+      <a:fontRef idx="minor">
+        <a:schemeClr val="lt1"/>
+      </a:fontRef>
+    </dgm:style>
+  </dgm:styleLbl>
+  <dgm:styleLbl name="parChTrans2D2">
+    <dgm:scene3d>
+      <a:camera prst="orthographicFront"/>
+      <a:lightRig rig="threePt" dir="t"/>
+    </dgm:scene3d>
+    <dgm:sp3d/>
+    <dgm:txPr/>
+    <dgm:style>
+      <a:lnRef idx="2">
+        <a:scrgbClr r="0" g="0" b="0"/>
+      </a:lnRef>
+      <a:fillRef idx="1">
+        <a:scrgbClr r="0" g="0" b="0"/>
+      </a:fillRef>
+      <a:effectRef idx="0">
+        <a:scrgbClr r="0" g="0" b="0"/>
+      </a:effectRef>
+      <a:fontRef idx="minor">
+        <a:schemeClr val="lt1"/>
+      </a:fontRef>
+    </dgm:style>
+  </dgm:styleLbl>
+  <dgm:styleLbl name="parChTrans2D3">
+    <dgm:scene3d>
+      <a:camera prst="orthographicFront"/>
+      <a:lightRig rig="threePt" dir="t"/>
+    </dgm:scene3d>
+    <dgm:sp3d/>
+    <dgm:txPr/>
+    <dgm:style>
+      <a:lnRef idx="2">
+        <a:scrgbClr r="0" g="0" b="0"/>
+      </a:lnRef>
+      <a:fillRef idx="1">
+        <a:scrgbClr r="0" g="0" b="0"/>
+      </a:fillRef>
+      <a:effectRef idx="0">
+        <a:scrgbClr r="0" g="0" b="0"/>
+      </a:effectRef>
+      <a:fontRef idx="minor">
+        <a:schemeClr val="lt1"/>
+      </a:fontRef>
+    </dgm:style>
+  </dgm:styleLbl>
+  <dgm:styleLbl name="parChTrans2D4">
+    <dgm:scene3d>
+      <a:camera prst="orthographicFront"/>
+      <a:lightRig rig="threePt" dir="t"/>
+    </dgm:scene3d>
+    <dgm:sp3d/>
+    <dgm:txPr/>
+    <dgm:style>
+      <a:lnRef idx="2">
+        <a:scrgbClr r="0" g="0" b="0"/>
+      </a:lnRef>
+      <a:fillRef idx="1">
+        <a:scrgbClr r="0" g="0" b="0"/>
+      </a:fillRef>
+      <a:effectRef idx="0">
+        <a:scrgbClr r="0" g="0" b="0"/>
+      </a:effectRef>
+      <a:fontRef idx="minor">
+        <a:schemeClr val="lt1"/>
+      </a:fontRef>
+    </dgm:style>
+  </dgm:styleLbl>
+  <dgm:styleLbl name="parChTrans1D1">
+    <dgm:scene3d>
+      <a:camera prst="orthographicFront"/>
+      <a:lightRig rig="threePt" dir="t"/>
+    </dgm:scene3d>
+    <dgm:sp3d/>
+    <dgm:txPr/>
+    <dgm:style>
+      <a:lnRef idx="2">
+        <a:scrgbClr r="0" g="0" b="0"/>
+      </a:lnRef>
+      <a:fillRef idx="0">
+        <a:scrgbClr r="0" g="0" b="0"/>
+      </a:fillRef>
+      <a:effectRef idx="0">
+        <a:scrgbClr r="0" g="0" b="0"/>
+      </a:effectRef>
+      <a:fontRef idx="minor"/>
+    </dgm:style>
+  </dgm:styleLbl>
+  <dgm:styleLbl name="parChTrans1D2">
+    <dgm:scene3d>
+      <a:camera prst="orthographicFront"/>
+      <a:lightRig rig="threePt" dir="t"/>
+    </dgm:scene3d>
+    <dgm:sp3d/>
+    <dgm:txPr/>
+    <dgm:style>
+      <a:lnRef idx="2">
+        <a:scrgbClr r="0" g="0" b="0"/>
+      </a:lnRef>
+      <a:fillRef idx="0">
+        <a:scrgbClr r="0" g="0" b="0"/>
+      </a:fillRef>
+      <a:effectRef idx="0">
+        <a:scrgbClr r="0" g="0" b="0"/>
+      </a:effectRef>
+      <a:fontRef idx="minor"/>
+    </dgm:style>
+  </dgm:styleLbl>
+  <dgm:styleLbl name="parChTrans1D3">
+    <dgm:scene3d>
+      <a:camera prst="orthographicFront"/>
+      <a:lightRig rig="threePt" dir="t"/>
+    </dgm:scene3d>
+    <dgm:sp3d/>
+    <dgm:txPr/>
+    <dgm:style>
+      <a:lnRef idx="2">
+        <a:scrgbClr r="0" g="0" b="0"/>
+      </a:lnRef>
+      <a:fillRef idx="0">
+        <a:scrgbClr r="0" g="0" b="0"/>
+      </a:fillRef>
+      <a:effectRef idx="0">
+        <a:scrgbClr r="0" g="0" b="0"/>
+      </a:effectRef>
+      <a:fontRef idx="minor"/>
+    </dgm:style>
+  </dgm:styleLbl>
+  <dgm:styleLbl name="parChTrans1D4">
+    <dgm:scene3d>
+      <a:camera prst="orthographicFront"/>
+      <a:lightRig rig="threePt" dir="t"/>
+    </dgm:scene3d>
+    <dgm:sp3d/>
+    <dgm:txPr/>
+    <dgm:style>
+      <a:lnRef idx="2">
+        <a:scrgbClr r="0" g="0" b="0"/>
+      </a:lnRef>
+      <a:fillRef idx="0">
+        <a:scrgbClr r="0" g="0" b="0"/>
+      </a:fillRef>
+      <a:effectRef idx="0">
+        <a:scrgbClr r="0" g="0" b="0"/>
+      </a:effectRef>
+      <a:fontRef idx="minor"/>
+    </dgm:style>
+  </dgm:styleLbl>
+  <dgm:styleLbl name="fgAcc1">
+    <dgm:scene3d>
+      <a:camera prst="orthographicFront"/>
+      <a:lightRig rig="threePt" dir="t"/>
+    </dgm:scene3d>
+    <dgm:sp3d/>
+    <dgm:txPr/>
+    <dgm:style>
+      <a:lnRef idx="2">
+        <a:scrgbClr r="0" g="0" b="0"/>
+      </a:lnRef>
+      <a:fillRef idx="1">
+        <a:scrgbClr r="0" g="0" b="0"/>
+      </a:fillRef>
+      <a:effectRef idx="0">
+        <a:scrgbClr r="0" g="0" b="0"/>
+      </a:effectRef>
+      <a:fontRef idx="minor"/>
+    </dgm:style>
+  </dgm:styleLbl>
+  <dgm:styleLbl name="conFgAcc1">
+    <dgm:scene3d>
+      <a:camera prst="orthographicFront"/>
+      <a:lightRig rig="threePt" dir="t"/>
+    </dgm:scene3d>
+    <dgm:sp3d/>
+    <dgm:txPr/>
+    <dgm:style>
+      <a:lnRef idx="2">
+        <a:scrgbClr r="0" g="0" b="0"/>
+      </a:lnRef>
+      <a:fillRef idx="1">
+        <a:scrgbClr r="0" g="0" b="0"/>
+      </a:fillRef>
+      <a:effectRef idx="0">
+        <a:scrgbClr r="0" g="0" b="0"/>
+      </a:effectRef>
+      <a:fontRef idx="minor"/>
+    </dgm:style>
+  </dgm:styleLbl>
+  <dgm:styleLbl name="alignAcc1">
+    <dgm:scene3d>
+      <a:camera prst="orthographicFront"/>
+      <a:lightRig rig="threePt" dir="t"/>
+    </dgm:scene3d>
+    <dgm:sp3d/>
+    <dgm:txPr/>
+    <dgm:style>
+      <a:lnRef idx="2">
+        <a:scrgbClr r="0" g="0" b="0"/>
+      </a:lnRef>
+      <a:fillRef idx="1">
+        <a:scrgbClr r="0" g="0" b="0"/>
+      </a:fillRef>
+      <a:effectRef idx="0">
+        <a:scrgbClr r="0" g="0" b="0"/>
+      </a:effectRef>
+      <a:fontRef idx="minor"/>
+    </dgm:style>
+  </dgm:styleLbl>
+  <dgm:styleLbl name="trAlignAcc1">
+    <dgm:scene3d>
+      <a:camera prst="orthographicFront"/>
+      <a:lightRig rig="threePt" dir="t"/>
+    </dgm:scene3d>
+    <dgm:sp3d/>
+    <dgm:txPr/>
+    <dgm:style>
+      <a:lnRef idx="1">
+        <a:scrgbClr r="0" g="0" b="0"/>
+      </a:lnRef>
+      <a:fillRef idx="1">
+        <a:scrgbClr r="0" g="0" b="0"/>
+      </a:fillRef>
+      <a:effectRef idx="0">
+        <a:scrgbClr r="0" g="0" b="0"/>
+      </a:effectRef>
+      <a:fontRef idx="minor"/>
+    </dgm:style>
+  </dgm:styleLbl>
+  <dgm:styleLbl name="bgAcc1">
+    <dgm:scene3d>
+      <a:camera prst="orthographicFront"/>
+      <a:lightRig rig="threePt" dir="t"/>
+    </dgm:scene3d>
+    <dgm:sp3d/>
+    <dgm:txPr/>
+    <dgm:style>
+      <a:lnRef idx="2">
+        <a:scrgbClr r="0" g="0" b="0"/>
+      </a:lnRef>
+      <a:fillRef idx="1">
+        <a:scrgbClr r="0" g="0" b="0"/>
+      </a:fillRef>
+      <a:effectRef idx="0">
+        <a:scrgbClr r="0" g="0" b="0"/>
+      </a:effectRef>
+      <a:fontRef idx="minor"/>
+    </dgm:style>
+  </dgm:styleLbl>
+  <dgm:styleLbl name="solidFgAcc1">
+    <dgm:scene3d>
+      <a:camera prst="orthographicFront"/>
+      <a:lightRig rig="threePt" dir="t"/>
+    </dgm:scene3d>
+    <dgm:sp3d/>
+    <dgm:txPr/>
+    <dgm:style>
+      <a:lnRef idx="2">
+        <a:scrgbClr r="0" g="0" b="0"/>
+      </a:lnRef>
+      <a:fillRef idx="1">
+        <a:scrgbClr r="0" g="0" b="0"/>
+      </a:fillRef>
+      <a:effectRef idx="0">
+        <a:scrgbClr r="0" g="0" b="0"/>
+      </a:effectRef>
+      <a:fontRef idx="minor"/>
+    </dgm:style>
+  </dgm:styleLbl>
+  <dgm:styleLbl name="solidAlignAcc1">
+    <dgm:scene3d>
+      <a:camera prst="orthographicFront"/>
+      <a:lightRig rig="threePt" dir="t"/>
+    </dgm:scene3d>
+    <dgm:sp3d/>
+    <dgm:txPr/>
+    <dgm:style>
+      <a:lnRef idx="2">
+        <a:scrgbClr r="0" g="0" b="0"/>
+      </a:lnRef>
+      <a:fillRef idx="1">
+        <a:scrgbClr r="0" g="0" b="0"/>
+      </a:fillRef>
+      <a:effectRef idx="0">
+        <a:scrgbClr r="0" g="0" b="0"/>
+      </a:effectRef>
+      <a:fontRef idx="minor"/>
+    </dgm:style>
+  </dgm:styleLbl>
+  <dgm:styleLbl name="solidBgAcc1">
+    <dgm:scene3d>
+      <a:camera prst="orthographicFront"/>
+      <a:lightRig rig="threePt" dir="t"/>
+    </dgm:scene3d>
+    <dgm:sp3d/>
+    <dgm:txPr/>
+    <dgm:style>
+      <a:lnRef idx="2">
+        <a:scrgbClr r="0" g="0" b="0"/>
+      </a:lnRef>
+      <a:fillRef idx="1">
+        <a:scrgbClr r="0" g="0" b="0"/>
+      </a:fillRef>
+      <a:effectRef idx="0">
+        <a:scrgbClr r="0" g="0" b="0"/>
+      </a:effectRef>
+      <a:fontRef idx="minor"/>
+    </dgm:style>
+  </dgm:styleLbl>
+  <dgm:styleLbl name="fgAccFollowNode1">
+    <dgm:scene3d>
+      <a:camera prst="orthographicFront"/>
+      <a:lightRig rig="threePt" dir="t"/>
+    </dgm:scene3d>
+    <dgm:sp3d/>
+    <dgm:txPr/>
+    <dgm:style>
+      <a:lnRef idx="2">
+        <a:scrgbClr r="0" g="0" b="0"/>
+      </a:lnRef>
+      <a:fillRef idx="1">
+        <a:scrgbClr r="0" g="0" b="0"/>
+      </a:fillRef>
+      <a:effectRef idx="0">
+        <a:scrgbClr r="0" g="0" b="0"/>
+      </a:effectRef>
+      <a:fontRef idx="minor"/>
+    </dgm:style>
+  </dgm:styleLbl>
+  <dgm:styleLbl name="alignAccFollowNode1">
+    <dgm:scene3d>
+      <a:camera prst="orthographicFront"/>
+      <a:lightRig rig="threePt" dir="t"/>
+    </dgm:scene3d>
+    <dgm:sp3d/>
+    <dgm:txPr/>
+    <dgm:style>
+      <a:lnRef idx="2">
+        <a:scrgbClr r="0" g="0" b="0"/>
+      </a:lnRef>
+      <a:fillRef idx="1">
+        <a:scrgbClr r="0" g="0" b="0"/>
+      </a:fillRef>
+      <a:effectRef idx="0">
+        <a:scrgbClr r="0" g="0" b="0"/>
+      </a:effectRef>
+      <a:fontRef idx="minor"/>
+    </dgm:style>
+  </dgm:styleLbl>
+  <dgm:styleLbl name="bgAccFollowNode1">
+    <dgm:scene3d>
+      <a:camera prst="orthographicFront"/>
+      <a:lightRig rig="threePt" dir="t"/>
+    </dgm:scene3d>
+    <dgm:sp3d/>
+    <dgm:txPr/>
+    <dgm:style>
+      <a:lnRef idx="2">
+        <a:scrgbClr r="0" g="0" b="0"/>
+      </a:lnRef>
+      <a:fillRef idx="1">
+        <a:scrgbClr r="0" g="0" b="0"/>
+      </a:fillRef>
+      <a:effectRef idx="0">
+        <a:scrgbClr r="0" g="0" b="0"/>
+      </a:effectRef>
+      <a:fontRef idx="minor"/>
+    </dgm:style>
+  </dgm:styleLbl>
+  <dgm:styleLbl name="fgAcc0">
+    <dgm:scene3d>
+      <a:camera prst="orthographicFront"/>
+      <a:lightRig rig="threePt" dir="t"/>
+    </dgm:scene3d>
+    <dgm:sp3d/>
+    <dgm:txPr/>
+    <dgm:style>
+      <a:lnRef idx="2">
+        <a:scrgbClr r="0" g="0" b="0"/>
+      </a:lnRef>
+      <a:fillRef idx="1">
+        <a:scrgbClr r="0" g="0" b="0"/>
+      </a:fillRef>
+      <a:effectRef idx="0">
+        <a:scrgbClr r="0" g="0" b="0"/>
+      </a:effectRef>
+      <a:fontRef idx="minor"/>
+    </dgm:style>
+  </dgm:styleLbl>
+  <dgm:styleLbl name="fgAcc2">
+    <dgm:scene3d>
+      <a:camera prst="orthographicFront"/>
+      <a:lightRig rig="threePt" dir="t"/>
+    </dgm:scene3d>
+    <dgm:sp3d/>
+    <dgm:txPr/>
+    <dgm:style>
+      <a:lnRef idx="2">
+        <a:scrgbClr r="0" g="0" b="0"/>
+      </a:lnRef>
+      <a:fillRef idx="1">
+        <a:scrgbClr r="0" g="0" b="0"/>
+      </a:fillRef>
+      <a:effectRef idx="0">
+        <a:scrgbClr r="0" g="0" b="0"/>
+      </a:effectRef>
+      <a:fontRef idx="minor"/>
+    </dgm:style>
+  </dgm:styleLbl>
+  <dgm:styleLbl name="fgAcc3">
+    <dgm:scene3d>
+      <a:camera prst="orthographicFront"/>
+      <a:lightRig rig="threePt" dir="t"/>
+    </dgm:scene3d>
+    <dgm:sp3d/>
+    <dgm:txPr/>
+    <dgm:style>
+      <a:lnRef idx="2">
+        <a:scrgbClr r="0" g="0" b="0"/>
+      </a:lnRef>
+      <a:fillRef idx="1">
+        <a:scrgbClr r="0" g="0" b="0"/>
+      </a:fillRef>
+      <a:effectRef idx="0">
+        <a:scrgbClr r="0" g="0" b="0"/>
+      </a:effectRef>
+      <a:fontRef idx="minor"/>
+    </dgm:style>
+  </dgm:styleLbl>
+  <dgm:styleLbl name="fgAcc4">
+    <dgm:scene3d>
+      <a:camera prst="orthographicFront"/>
+      <a:lightRig rig="threePt" dir="t"/>
+    </dgm:scene3d>
+    <dgm:sp3d/>
+    <dgm:txPr/>
+    <dgm:style>
+      <a:lnRef idx="2">
+        <a:scrgbClr r="0" g="0" b="0"/>
+      </a:lnRef>
+      <a:fillRef idx="1">
+        <a:scrgbClr r="0" g="0" b="0"/>
+      </a:fillRef>
+      <a:effectRef idx="0">
+        <a:scrgbClr r="0" g="0" b="0"/>
+      </a:effectRef>
+      <a:fontRef idx="minor"/>
+    </dgm:style>
+  </dgm:styleLbl>
+  <dgm:styleLbl name="bgShp">
+    <dgm:scene3d>
+      <a:camera prst="orthographicFront"/>
+      <a:lightRig rig="threePt" dir="t"/>
+    </dgm:scene3d>
+    <dgm:sp3d/>
+    <dgm:txPr/>
+    <dgm:style>
+      <a:lnRef idx="0">
+        <a:scrgbClr r="0" g="0" b="0"/>
+      </a:lnRef>
+      <a:fillRef idx="1">
+        <a:scrgbClr r="0" g="0" b="0"/>
+      </a:fillRef>
+      <a:effectRef idx="0">
+        <a:scrgbClr r="0" g="0" b="0"/>
+      </a:effectRef>
+      <a:fontRef idx="minor"/>
+    </dgm:style>
+  </dgm:styleLbl>
+  <dgm:styleLbl name="dkBgShp">
+    <dgm:scene3d>
+      <a:camera prst="orthographicFront"/>
+      <a:lightRig rig="threePt" dir="t"/>
+    </dgm:scene3d>
+    <dgm:sp3d/>
+    <dgm:txPr/>
+    <dgm:style>
+      <a:lnRef idx="0">
+        <a:scrgbClr r="0" g="0" b="0"/>
+      </a:lnRef>
+      <a:fillRef idx="1">
+        <a:scrgbClr r="0" g="0" b="0"/>
+      </a:fillRef>
+      <a:effectRef idx="0">
+        <a:scrgbClr r="0" g="0" b="0"/>
+      </a:effectRef>
+      <a:fontRef idx="minor"/>
+    </dgm:style>
+  </dgm:styleLbl>
+  <dgm:styleLbl name="trBgShp">
+    <dgm:scene3d>
+      <a:camera prst="orthographicFront"/>
+      <a:lightRig rig="threePt" dir="t"/>
+    </dgm:scene3d>
+    <dgm:sp3d/>
+    <dgm:txPr/>
+    <dgm:style>
+      <a:lnRef idx="0">
+        <a:scrgbClr r="0" g="0" b="0"/>
+      </a:lnRef>
+      <a:fillRef idx="1">
+        <a:scrgbClr r="0" g="0" b="0"/>
+      </a:fillRef>
+      <a:effectRef idx="0">
+        <a:scrgbClr r="0" g="0" b="0"/>
+      </a:effectRef>
+      <a:fontRef idx="minor"/>
+    </dgm:style>
+  </dgm:styleLbl>
+  <dgm:styleLbl name="fgShp">
+    <dgm:scene3d>
+      <a:camera prst="orthographicFront"/>
+      <a:lightRig rig="threePt" dir="t"/>
+    </dgm:scene3d>
+    <dgm:sp3d/>
+    <dgm:txPr/>
+    <dgm:style>
+      <a:lnRef idx="2">
+        <a:scrgbClr r="0" g="0" b="0"/>
+      </a:lnRef>
+      <a:fillRef idx="1">
+        <a:scrgbClr r="0" g="0" b="0"/>
+      </a:fillRef>
+      <a:effectRef idx="0">
+        <a:scrgbClr r="0" g="0" b="0"/>
+      </a:effectRef>
+      <a:fontRef idx="minor"/>
+    </dgm:style>
+  </dgm:styleLbl>
+  <dgm:styleLbl name="revTx">
+    <dgm:scene3d>
+      <a:camera prst="orthographicFront"/>
+      <a:lightRig rig="threePt" dir="t"/>
+    </dgm:scene3d>
+    <dgm:sp3d/>
+    <dgm:txPr/>
+    <dgm:style>
+      <a:lnRef idx="0">
+        <a:scrgbClr r="0" g="0" b="0"/>
+      </a:lnRef>
+      <a:fillRef idx="0">
+        <a:scrgbClr r="0" g="0" b="0"/>
+      </a:fillRef>
+      <a:effectRef idx="0">
+        <a:scrgbClr r="0" g="0" b="0"/>
+      </a:effectRef>
+      <a:fontRef idx="minor"/>
+    </dgm:style>
+  </dgm:styleLbl>
+</dgm:styleDef>
 </file>
 
 <file path=ppt/notesMasters/notesMaster1.xml><?xml version="1.0" encoding="utf-8"?>
@@ -222,7 +4444,7 @@
           <a:p>
             <a:fld id="{A9DDBD42-E139-45FA-9C16-1611187CAC3F}" type="datetimeFigureOut">
               <a:rPr lang="en-US" smtClean="0"/>
-              <a:t>9/5/2015</a:t>
+              <a:t>9/8/2015</a:t>
             </a:fld>
             <a:endParaRPr lang="en-US"/>
           </a:p>
@@ -656,6 +4878,90 @@
     <p:extLst>
       <p:ext uri="{BB962C8B-B14F-4D97-AF65-F5344CB8AC3E}">
         <p14:creationId xmlns:p14="http://schemas.microsoft.com/office/powerpoint/2010/main" val="2981167769"/>
+      </p:ext>
+    </p:extLst>
+  </p:cSld>
+  <p:clrMapOvr>
+    <a:masterClrMapping/>
+  </p:clrMapOvr>
+</p:notes>
+</file>
+
+<file path=ppt/notesSlides/notesSlide3.xml><?xml version="1.0" encoding="utf-8"?>
+<p:notes xmlns:a="http://schemas.openxmlformats.org/drawingml/2006/main" xmlns:r="http://schemas.openxmlformats.org/officeDocument/2006/relationships" xmlns:p="http://schemas.openxmlformats.org/presentationml/2006/main">
+  <p:cSld>
+    <p:spTree>
+      <p:nvGrpSpPr>
+        <p:cNvPr id="1" name=""/>
+        <p:cNvGrpSpPr/>
+        <p:nvPr/>
+      </p:nvGrpSpPr>
+      <p:grpSpPr>
+        <a:xfrm>
+          <a:off x="0" y="0"/>
+          <a:ext cx="0" cy="0"/>
+          <a:chOff x="0" y="0"/>
+          <a:chExt cx="0" cy="0"/>
+        </a:xfrm>
+      </p:grpSpPr>
+      <p:sp>
+        <p:nvSpPr>
+          <p:cNvPr id="2" name="Slide Image Placeholder 1"/>
+          <p:cNvSpPr>
+            <a:spLocks noGrp="1" noRot="1" noChangeAspect="1"/>
+          </p:cNvSpPr>
+          <p:nvPr>
+            <p:ph type="sldImg"/>
+          </p:nvPr>
+        </p:nvSpPr>
+        <p:spPr/>
+      </p:sp>
+      <p:sp>
+        <p:nvSpPr>
+          <p:cNvPr id="3" name="Notes Placeholder 2"/>
+          <p:cNvSpPr>
+            <a:spLocks noGrp="1"/>
+          </p:cNvSpPr>
+          <p:nvPr>
+            <p:ph type="body" idx="1"/>
+          </p:nvPr>
+        </p:nvSpPr>
+        <p:spPr/>
+        <p:txBody>
+          <a:bodyPr/>
+          <a:lstStyle/>
+          <a:p>
+            <a:endParaRPr lang="en-US"/>
+          </a:p>
+        </p:txBody>
+      </p:sp>
+      <p:sp>
+        <p:nvSpPr>
+          <p:cNvPr id="4" name="Slide Number Placeholder 3"/>
+          <p:cNvSpPr>
+            <a:spLocks noGrp="1"/>
+          </p:cNvSpPr>
+          <p:nvPr>
+            <p:ph type="sldNum" sz="quarter" idx="10"/>
+          </p:nvPr>
+        </p:nvSpPr>
+        <p:spPr/>
+        <p:txBody>
+          <a:bodyPr/>
+          <a:lstStyle/>
+          <a:p>
+            <a:fld id="{6E8C67A6-C0E7-47DF-97C2-CA9B11275397}" type="slidenum">
+              <a:rPr lang="en-US" smtClean="0"/>
+              <a:t>13</a:t>
+            </a:fld>
+            <a:endParaRPr lang="en-US"/>
+          </a:p>
+        </p:txBody>
+      </p:sp>
+    </p:spTree>
+    <p:extLst>
+      <p:ext uri="{BB962C8B-B14F-4D97-AF65-F5344CB8AC3E}">
+        <p14:creationId xmlns:p14="http://schemas.microsoft.com/office/powerpoint/2010/main" val="2211356225"/>
       </p:ext>
     </p:extLst>
   </p:cSld>
@@ -3348,6 +7654,4311 @@
 </p:sld>
 </file>
 
+<file path=ppt/slides/slide10.xml><?xml version="1.0" encoding="utf-8"?>
+<p:sld xmlns:a="http://schemas.openxmlformats.org/drawingml/2006/main" xmlns:r="http://schemas.openxmlformats.org/officeDocument/2006/relationships" xmlns:p="http://schemas.openxmlformats.org/presentationml/2006/main">
+  <p:cSld>
+    <p:spTree>
+      <p:nvGrpSpPr>
+        <p:cNvPr id="1" name=""/>
+        <p:cNvGrpSpPr/>
+        <p:nvPr/>
+      </p:nvGrpSpPr>
+      <p:grpSpPr>
+        <a:xfrm>
+          <a:off x="0" y="0"/>
+          <a:ext cx="0" cy="0"/>
+          <a:chOff x="0" y="0"/>
+          <a:chExt cx="0" cy="0"/>
+        </a:xfrm>
+      </p:grpSpPr>
+      <p:sp>
+        <p:nvSpPr>
+          <p:cNvPr id="2" name="Text Placeholder 1"/>
+          <p:cNvSpPr>
+            <a:spLocks noGrp="1"/>
+          </p:cNvSpPr>
+          <p:nvPr>
+            <p:ph type="body" sz="quarter" idx="10"/>
+          </p:nvPr>
+        </p:nvSpPr>
+        <p:spPr/>
+        <p:txBody>
+          <a:bodyPr/>
+          <a:lstStyle/>
+          <a:p>
+            <a:r>
+              <a:rPr lang="en-US" dirty="0" smtClean="0"/>
+              <a:t>SignalR and </a:t>
+            </a:r>
+            <a:r>
+              <a:rPr lang="en-US" dirty="0" err="1" smtClean="0"/>
+              <a:t>Realtime</a:t>
+            </a:r>
+            <a:r>
+              <a:rPr lang="en-US" dirty="0" smtClean="0"/>
+              <a:t> Knockout</a:t>
+            </a:r>
+            <a:endParaRPr lang="en-US" dirty="0"/>
+          </a:p>
+        </p:txBody>
+      </p:sp>
+      <p:sp>
+        <p:nvSpPr>
+          <p:cNvPr id="3" name="Subtitle 2"/>
+          <p:cNvSpPr>
+            <a:spLocks noGrp="1"/>
+          </p:cNvSpPr>
+          <p:nvPr>
+            <p:ph type="subTitle" idx="1"/>
+          </p:nvPr>
+        </p:nvSpPr>
+        <p:spPr/>
+        <p:txBody>
+          <a:bodyPr/>
+          <a:lstStyle/>
+          <a:p>
+            <a:endParaRPr lang="en-US"/>
+          </a:p>
+        </p:txBody>
+      </p:sp>
+    </p:spTree>
+    <p:extLst>
+      <p:ext uri="{BB962C8B-B14F-4D97-AF65-F5344CB8AC3E}">
+        <p14:creationId xmlns:p14="http://schemas.microsoft.com/office/powerpoint/2010/main" val="3300338480"/>
+      </p:ext>
+    </p:extLst>
+  </p:cSld>
+  <p:clrMapOvr>
+    <a:masterClrMapping/>
+  </p:clrMapOvr>
+  <p:timing>
+    <p:tnLst>
+      <p:par>
+        <p:cTn id="1" dur="indefinite" restart="never" nodeType="tmRoot"/>
+      </p:par>
+    </p:tnLst>
+  </p:timing>
+</p:sld>
+</file>
+
+<file path=ppt/slides/slide11.xml><?xml version="1.0" encoding="utf-8"?>
+<p:sld xmlns:a="http://schemas.openxmlformats.org/drawingml/2006/main" xmlns:r="http://schemas.openxmlformats.org/officeDocument/2006/relationships" xmlns:p="http://schemas.openxmlformats.org/presentationml/2006/main">
+  <p:cSld>
+    <p:spTree>
+      <p:nvGrpSpPr>
+        <p:cNvPr id="1" name=""/>
+        <p:cNvGrpSpPr/>
+        <p:nvPr/>
+      </p:nvGrpSpPr>
+      <p:grpSpPr>
+        <a:xfrm>
+          <a:off x="0" y="0"/>
+          <a:ext cx="0" cy="0"/>
+          <a:chOff x="0" y="0"/>
+          <a:chExt cx="0" cy="0"/>
+        </a:xfrm>
+      </p:grpSpPr>
+      <p:sp>
+        <p:nvSpPr>
+          <p:cNvPr id="2" name="Title 1"/>
+          <p:cNvSpPr>
+            <a:spLocks noGrp="1"/>
+          </p:cNvSpPr>
+          <p:nvPr>
+            <p:ph type="title"/>
+          </p:nvPr>
+        </p:nvSpPr>
+        <p:spPr/>
+        <p:txBody>
+          <a:bodyPr/>
+          <a:lstStyle/>
+          <a:p>
+            <a:r>
+              <a:rPr lang="en-US" dirty="0" smtClean="0"/>
+              <a:t>SignalR on Older Servers or Clients</a:t>
+            </a:r>
+            <a:endParaRPr lang="en-US" dirty="0"/>
+          </a:p>
+        </p:txBody>
+      </p:sp>
+      <p:sp>
+        <p:nvSpPr>
+          <p:cNvPr id="4" name="Right Arrow 3"/>
+          <p:cNvSpPr/>
+          <p:nvPr/>
+        </p:nvSpPr>
+        <p:spPr bwMode="auto">
+          <a:xfrm>
+            <a:off x="2484144" y="2140686"/>
+            <a:ext cx="7201933" cy="552814"/>
+          </a:xfrm>
+          <a:prstGeom prst="rightArrow">
+            <a:avLst/>
+          </a:prstGeom>
+          <a:solidFill>
+            <a:schemeClr val="tx2"/>
+          </a:solidFill>
+          <a:ln>
+            <a:solidFill>
+              <a:schemeClr val="tx1"/>
+            </a:solidFill>
+            <a:headEnd type="none" w="med" len="med"/>
+            <a:tailEnd type="none" w="med" len="med"/>
+          </a:ln>
+          <a:effectLst/>
+        </p:spPr>
+        <p:style>
+          <a:lnRef idx="1">
+            <a:schemeClr val="accent2"/>
+          </a:lnRef>
+          <a:fillRef idx="3">
+            <a:schemeClr val="accent2"/>
+          </a:fillRef>
+          <a:effectRef idx="2">
+            <a:schemeClr val="accent2"/>
+          </a:effectRef>
+          <a:fontRef idx="minor">
+            <a:schemeClr val="lt1"/>
+          </a:fontRef>
+        </p:style>
+        <p:txBody>
+          <a:bodyPr vert="horz" wrap="square" lIns="91436" tIns="45718" rIns="91436" bIns="45718" numCol="1" rtlCol="0" anchor="ctr" anchorCtr="0" compatLnSpc="1">
+            <a:prstTxWarp prst="textNoShape">
+              <a:avLst/>
+            </a:prstTxWarp>
+          </a:bodyPr>
+          <a:lstStyle/>
+          <a:p>
+            <a:pPr algn="ctr" defTabSz="914099" fontAlgn="base">
+              <a:spcBef>
+                <a:spcPct val="0"/>
+              </a:spcBef>
+              <a:spcAft>
+                <a:spcPct val="0"/>
+              </a:spcAft>
+            </a:pPr>
+            <a:r>
+              <a:rPr lang="en-US" sz="1600" dirty="0" smtClean="0">
+                <a:gradFill>
+                  <a:gsLst>
+                    <a:gs pos="0">
+                      <a:srgbClr val="FFFFFF"/>
+                    </a:gs>
+                    <a:gs pos="100000">
+                      <a:srgbClr val="FFFFFF"/>
+                    </a:gs>
+                  </a:gsLst>
+                  <a:lin ang="5400000" scaled="0"/>
+                </a:gradFill>
+              </a:rPr>
+              <a:t>Got Data?</a:t>
+            </a:r>
+          </a:p>
+        </p:txBody>
+      </p:sp>
+      <p:sp>
+        <p:nvSpPr>
+          <p:cNvPr id="5" name="Right Arrow 4"/>
+          <p:cNvSpPr/>
+          <p:nvPr/>
+        </p:nvSpPr>
+        <p:spPr bwMode="auto">
+          <a:xfrm>
+            <a:off x="2484144" y="2565338"/>
+            <a:ext cx="7201933" cy="552814"/>
+          </a:xfrm>
+          <a:prstGeom prst="rightArrow">
+            <a:avLst/>
+          </a:prstGeom>
+          <a:solidFill>
+            <a:schemeClr val="tx2"/>
+          </a:solidFill>
+          <a:ln>
+            <a:solidFill>
+              <a:schemeClr val="tx1"/>
+            </a:solidFill>
+            <a:headEnd type="none" w="med" len="med"/>
+            <a:tailEnd type="none" w="med" len="med"/>
+          </a:ln>
+          <a:effectLst/>
+        </p:spPr>
+        <p:style>
+          <a:lnRef idx="1">
+            <a:schemeClr val="accent2"/>
+          </a:lnRef>
+          <a:fillRef idx="3">
+            <a:schemeClr val="accent2"/>
+          </a:fillRef>
+          <a:effectRef idx="2">
+            <a:schemeClr val="accent2"/>
+          </a:effectRef>
+          <a:fontRef idx="minor">
+            <a:schemeClr val="lt1"/>
+          </a:fontRef>
+        </p:style>
+        <p:txBody>
+          <a:bodyPr vert="horz" wrap="square" lIns="91436" tIns="45718" rIns="91436" bIns="45718" numCol="1" rtlCol="0" anchor="ctr" anchorCtr="0" compatLnSpc="1">
+            <a:prstTxWarp prst="textNoShape">
+              <a:avLst/>
+            </a:prstTxWarp>
+          </a:bodyPr>
+          <a:lstStyle/>
+          <a:p>
+            <a:pPr algn="ctr" defTabSz="914099" fontAlgn="base">
+              <a:spcBef>
+                <a:spcPct val="0"/>
+              </a:spcBef>
+              <a:spcAft>
+                <a:spcPct val="0"/>
+              </a:spcAft>
+            </a:pPr>
+            <a:r>
+              <a:rPr lang="en-US" sz="1600" dirty="0" smtClean="0">
+                <a:gradFill>
+                  <a:gsLst>
+                    <a:gs pos="0">
+                      <a:srgbClr val="FFFFFF"/>
+                    </a:gs>
+                    <a:gs pos="100000">
+                      <a:srgbClr val="FFFFFF"/>
+                    </a:gs>
+                  </a:gsLst>
+                  <a:lin ang="5400000" scaled="0"/>
+                </a:gradFill>
+              </a:rPr>
+              <a:t>Got Data?</a:t>
+            </a:r>
+          </a:p>
+        </p:txBody>
+      </p:sp>
+      <p:sp>
+        <p:nvSpPr>
+          <p:cNvPr id="6" name="Right Arrow 5"/>
+          <p:cNvSpPr/>
+          <p:nvPr/>
+        </p:nvSpPr>
+        <p:spPr bwMode="auto">
+          <a:xfrm>
+            <a:off x="2484144" y="2974806"/>
+            <a:ext cx="7201933" cy="552814"/>
+          </a:xfrm>
+          <a:prstGeom prst="rightArrow">
+            <a:avLst/>
+          </a:prstGeom>
+          <a:solidFill>
+            <a:schemeClr val="tx2"/>
+          </a:solidFill>
+          <a:ln>
+            <a:solidFill>
+              <a:schemeClr val="tx1"/>
+            </a:solidFill>
+            <a:headEnd type="none" w="med" len="med"/>
+            <a:tailEnd type="none" w="med" len="med"/>
+          </a:ln>
+          <a:effectLst/>
+        </p:spPr>
+        <p:style>
+          <a:lnRef idx="1">
+            <a:schemeClr val="accent2"/>
+          </a:lnRef>
+          <a:fillRef idx="3">
+            <a:schemeClr val="accent2"/>
+          </a:fillRef>
+          <a:effectRef idx="2">
+            <a:schemeClr val="accent2"/>
+          </a:effectRef>
+          <a:fontRef idx="minor">
+            <a:schemeClr val="lt1"/>
+          </a:fontRef>
+        </p:style>
+        <p:txBody>
+          <a:bodyPr vert="horz" wrap="square" lIns="91436" tIns="45718" rIns="91436" bIns="45718" numCol="1" rtlCol="0" anchor="ctr" anchorCtr="0" compatLnSpc="1">
+            <a:prstTxWarp prst="textNoShape">
+              <a:avLst/>
+            </a:prstTxWarp>
+          </a:bodyPr>
+          <a:lstStyle/>
+          <a:p>
+            <a:pPr algn="ctr" defTabSz="914099" fontAlgn="base">
+              <a:spcBef>
+                <a:spcPct val="0"/>
+              </a:spcBef>
+              <a:spcAft>
+                <a:spcPct val="0"/>
+              </a:spcAft>
+            </a:pPr>
+            <a:r>
+              <a:rPr lang="en-US" sz="1600" dirty="0" smtClean="0">
+                <a:gradFill>
+                  <a:gsLst>
+                    <a:gs pos="0">
+                      <a:srgbClr val="FFFFFF"/>
+                    </a:gs>
+                    <a:gs pos="100000">
+                      <a:srgbClr val="FFFFFF"/>
+                    </a:gs>
+                  </a:gsLst>
+                  <a:lin ang="5400000" scaled="0"/>
+                </a:gradFill>
+              </a:rPr>
+              <a:t>Got Data?</a:t>
+            </a:r>
+          </a:p>
+        </p:txBody>
+      </p:sp>
+      <p:sp>
+        <p:nvSpPr>
+          <p:cNvPr id="7" name="Right Arrow 6"/>
+          <p:cNvSpPr/>
+          <p:nvPr/>
+        </p:nvSpPr>
+        <p:spPr bwMode="auto">
+          <a:xfrm flipH="1">
+            <a:off x="2484143" y="3414642"/>
+            <a:ext cx="7201933" cy="552814"/>
+          </a:xfrm>
+          <a:prstGeom prst="rightArrow">
+            <a:avLst/>
+          </a:prstGeom>
+          <a:solidFill>
+            <a:schemeClr val="accent1"/>
+          </a:solidFill>
+          <a:ln>
+            <a:solidFill>
+              <a:schemeClr val="tx1"/>
+            </a:solidFill>
+            <a:headEnd type="none" w="med" len="med"/>
+            <a:tailEnd type="none" w="med" len="med"/>
+          </a:ln>
+          <a:effectLst/>
+        </p:spPr>
+        <p:style>
+          <a:lnRef idx="1">
+            <a:schemeClr val="accent2"/>
+          </a:lnRef>
+          <a:fillRef idx="3">
+            <a:schemeClr val="accent2"/>
+          </a:fillRef>
+          <a:effectRef idx="2">
+            <a:schemeClr val="accent2"/>
+          </a:effectRef>
+          <a:fontRef idx="minor">
+            <a:schemeClr val="lt1"/>
+          </a:fontRef>
+        </p:style>
+        <p:txBody>
+          <a:bodyPr vert="horz" wrap="square" lIns="91436" tIns="45718" rIns="91436" bIns="45718" numCol="1" rtlCol="0" anchor="ctr" anchorCtr="0" compatLnSpc="1">
+            <a:prstTxWarp prst="textNoShape">
+              <a:avLst/>
+            </a:prstTxWarp>
+          </a:bodyPr>
+          <a:lstStyle/>
+          <a:p>
+            <a:pPr algn="ctr" defTabSz="914099" fontAlgn="base">
+              <a:spcBef>
+                <a:spcPct val="0"/>
+              </a:spcBef>
+              <a:spcAft>
+                <a:spcPct val="0"/>
+              </a:spcAft>
+            </a:pPr>
+            <a:r>
+              <a:rPr lang="en-US" sz="1600" dirty="0" smtClean="0">
+                <a:solidFill>
+                  <a:schemeClr val="bg1"/>
+                </a:solidFill>
+              </a:rPr>
+              <a:t>Here’s some data!</a:t>
+            </a:r>
+          </a:p>
+        </p:txBody>
+      </p:sp>
+      <p:sp>
+        <p:nvSpPr>
+          <p:cNvPr id="8" name="Right Arrow 7"/>
+          <p:cNvSpPr/>
+          <p:nvPr/>
+        </p:nvSpPr>
+        <p:spPr bwMode="auto">
+          <a:xfrm>
+            <a:off x="2484144" y="3844569"/>
+            <a:ext cx="7201933" cy="552814"/>
+          </a:xfrm>
+          <a:prstGeom prst="rightArrow">
+            <a:avLst/>
+          </a:prstGeom>
+          <a:solidFill>
+            <a:schemeClr val="tx2"/>
+          </a:solidFill>
+          <a:ln>
+            <a:solidFill>
+              <a:schemeClr val="tx1"/>
+            </a:solidFill>
+            <a:headEnd type="none" w="med" len="med"/>
+            <a:tailEnd type="none" w="med" len="med"/>
+          </a:ln>
+          <a:effectLst/>
+        </p:spPr>
+        <p:style>
+          <a:lnRef idx="1">
+            <a:schemeClr val="accent2"/>
+          </a:lnRef>
+          <a:fillRef idx="3">
+            <a:schemeClr val="accent2"/>
+          </a:fillRef>
+          <a:effectRef idx="2">
+            <a:schemeClr val="accent2"/>
+          </a:effectRef>
+          <a:fontRef idx="minor">
+            <a:schemeClr val="lt1"/>
+          </a:fontRef>
+        </p:style>
+        <p:txBody>
+          <a:bodyPr vert="horz" wrap="square" lIns="91436" tIns="45718" rIns="91436" bIns="45718" numCol="1" rtlCol="0" anchor="ctr" anchorCtr="0" compatLnSpc="1">
+            <a:prstTxWarp prst="textNoShape">
+              <a:avLst/>
+            </a:prstTxWarp>
+          </a:bodyPr>
+          <a:lstStyle/>
+          <a:p>
+            <a:pPr algn="ctr" defTabSz="914099" fontAlgn="base">
+              <a:spcBef>
+                <a:spcPct val="0"/>
+              </a:spcBef>
+              <a:spcAft>
+                <a:spcPct val="0"/>
+              </a:spcAft>
+            </a:pPr>
+            <a:r>
+              <a:rPr lang="en-US" sz="1600" dirty="0" smtClean="0">
+                <a:gradFill>
+                  <a:gsLst>
+                    <a:gs pos="0">
+                      <a:srgbClr val="FFFFFF"/>
+                    </a:gs>
+                    <a:gs pos="100000">
+                      <a:srgbClr val="FFFFFF"/>
+                    </a:gs>
+                  </a:gsLst>
+                  <a:lin ang="5400000" scaled="0"/>
+                </a:gradFill>
+              </a:rPr>
+              <a:t>Got Data?</a:t>
+            </a:r>
+          </a:p>
+        </p:txBody>
+      </p:sp>
+      <p:sp>
+        <p:nvSpPr>
+          <p:cNvPr id="9" name="Right Arrow 8"/>
+          <p:cNvSpPr/>
+          <p:nvPr/>
+        </p:nvSpPr>
+        <p:spPr bwMode="auto">
+          <a:xfrm>
+            <a:off x="2484144" y="4263946"/>
+            <a:ext cx="7201933" cy="552814"/>
+          </a:xfrm>
+          <a:prstGeom prst="rightArrow">
+            <a:avLst/>
+          </a:prstGeom>
+          <a:solidFill>
+            <a:schemeClr val="tx2"/>
+          </a:solidFill>
+          <a:ln>
+            <a:solidFill>
+              <a:schemeClr val="tx1"/>
+            </a:solidFill>
+            <a:headEnd type="none" w="med" len="med"/>
+            <a:tailEnd type="none" w="med" len="med"/>
+          </a:ln>
+          <a:effectLst/>
+        </p:spPr>
+        <p:style>
+          <a:lnRef idx="1">
+            <a:schemeClr val="accent2"/>
+          </a:lnRef>
+          <a:fillRef idx="3">
+            <a:schemeClr val="accent2"/>
+          </a:fillRef>
+          <a:effectRef idx="2">
+            <a:schemeClr val="accent2"/>
+          </a:effectRef>
+          <a:fontRef idx="minor">
+            <a:schemeClr val="lt1"/>
+          </a:fontRef>
+        </p:style>
+        <p:txBody>
+          <a:bodyPr vert="horz" wrap="square" lIns="91436" tIns="45718" rIns="91436" bIns="45718" numCol="1" rtlCol="0" anchor="ctr" anchorCtr="0" compatLnSpc="1">
+            <a:prstTxWarp prst="textNoShape">
+              <a:avLst/>
+            </a:prstTxWarp>
+          </a:bodyPr>
+          <a:lstStyle/>
+          <a:p>
+            <a:pPr algn="ctr" defTabSz="914099" fontAlgn="base">
+              <a:spcBef>
+                <a:spcPct val="0"/>
+              </a:spcBef>
+              <a:spcAft>
+                <a:spcPct val="0"/>
+              </a:spcAft>
+            </a:pPr>
+            <a:r>
+              <a:rPr lang="en-US" sz="1600" dirty="0" smtClean="0">
+                <a:gradFill>
+                  <a:gsLst>
+                    <a:gs pos="0">
+                      <a:srgbClr val="FFFFFF"/>
+                    </a:gs>
+                    <a:gs pos="100000">
+                      <a:srgbClr val="FFFFFF"/>
+                    </a:gs>
+                  </a:gsLst>
+                  <a:lin ang="5400000" scaled="0"/>
+                </a:gradFill>
+              </a:rPr>
+              <a:t>Got Data?</a:t>
+            </a:r>
+          </a:p>
+        </p:txBody>
+      </p:sp>
+      <p:sp>
+        <p:nvSpPr>
+          <p:cNvPr id="10" name="Right Arrow 9"/>
+          <p:cNvSpPr/>
+          <p:nvPr/>
+        </p:nvSpPr>
+        <p:spPr bwMode="auto">
+          <a:xfrm>
+            <a:off x="2484144" y="4683323"/>
+            <a:ext cx="7201933" cy="552814"/>
+          </a:xfrm>
+          <a:prstGeom prst="rightArrow">
+            <a:avLst/>
+          </a:prstGeom>
+          <a:solidFill>
+            <a:schemeClr val="tx2"/>
+          </a:solidFill>
+          <a:ln>
+            <a:solidFill>
+              <a:schemeClr val="tx1"/>
+            </a:solidFill>
+            <a:headEnd type="none" w="med" len="med"/>
+            <a:tailEnd type="none" w="med" len="med"/>
+          </a:ln>
+          <a:effectLst/>
+        </p:spPr>
+        <p:style>
+          <a:lnRef idx="1">
+            <a:schemeClr val="accent2"/>
+          </a:lnRef>
+          <a:fillRef idx="3">
+            <a:schemeClr val="accent2"/>
+          </a:fillRef>
+          <a:effectRef idx="2">
+            <a:schemeClr val="accent2"/>
+          </a:effectRef>
+          <a:fontRef idx="minor">
+            <a:schemeClr val="lt1"/>
+          </a:fontRef>
+        </p:style>
+        <p:txBody>
+          <a:bodyPr vert="horz" wrap="square" lIns="91436" tIns="45718" rIns="91436" bIns="45718" numCol="1" rtlCol="0" anchor="ctr" anchorCtr="0" compatLnSpc="1">
+            <a:prstTxWarp prst="textNoShape">
+              <a:avLst/>
+            </a:prstTxWarp>
+          </a:bodyPr>
+          <a:lstStyle/>
+          <a:p>
+            <a:pPr algn="ctr" defTabSz="914099" fontAlgn="base">
+              <a:spcBef>
+                <a:spcPct val="0"/>
+              </a:spcBef>
+              <a:spcAft>
+                <a:spcPct val="0"/>
+              </a:spcAft>
+            </a:pPr>
+            <a:r>
+              <a:rPr lang="en-US" sz="1600" dirty="0" smtClean="0">
+                <a:gradFill>
+                  <a:gsLst>
+                    <a:gs pos="0">
+                      <a:srgbClr val="FFFFFF"/>
+                    </a:gs>
+                    <a:gs pos="100000">
+                      <a:srgbClr val="FFFFFF"/>
+                    </a:gs>
+                  </a:gsLst>
+                  <a:lin ang="5400000" scaled="0"/>
+                </a:gradFill>
+              </a:rPr>
+              <a:t>Got Data?</a:t>
+            </a:r>
+          </a:p>
+        </p:txBody>
+      </p:sp>
+      <p:grpSp>
+        <p:nvGrpSpPr>
+          <p:cNvPr id="12" name="Group 11"/>
+          <p:cNvGrpSpPr/>
+          <p:nvPr/>
+        </p:nvGrpSpPr>
+        <p:grpSpPr>
+          <a:xfrm>
+            <a:off x="9978111" y="2747988"/>
+            <a:ext cx="1799707" cy="2488149"/>
+            <a:chOff x="5319334" y="1208138"/>
+            <a:chExt cx="1264205" cy="1747802"/>
+          </a:xfrm>
+        </p:grpSpPr>
+        <p:sp>
+          <p:nvSpPr>
+            <p:cNvPr id="13" name="Rectangle 12"/>
+            <p:cNvSpPr/>
+            <p:nvPr/>
+          </p:nvSpPr>
+          <p:spPr bwMode="auto">
+            <a:xfrm>
+              <a:off x="5319334" y="1208138"/>
+              <a:ext cx="1264205" cy="1264205"/>
+            </a:xfrm>
+            <a:prstGeom prst="rect">
+              <a:avLst/>
+            </a:prstGeom>
+            <a:solidFill>
+              <a:schemeClr val="tx2">
+                <a:lumMod val="60000"/>
+                <a:lumOff val="40000"/>
+              </a:schemeClr>
+            </a:solidFill>
+            <a:ln>
+              <a:noFill/>
+              <a:headEnd type="none" w="med" len="med"/>
+              <a:tailEnd type="none" w="med" len="med"/>
+            </a:ln>
+            <a:effectLst/>
+          </p:spPr>
+          <p:style>
+            <a:lnRef idx="1">
+              <a:schemeClr val="accent2"/>
+            </a:lnRef>
+            <a:fillRef idx="3">
+              <a:schemeClr val="accent2"/>
+            </a:fillRef>
+            <a:effectRef idx="2">
+              <a:schemeClr val="accent2"/>
+            </a:effectRef>
+            <a:fontRef idx="minor">
+              <a:schemeClr val="lt1"/>
+            </a:fontRef>
+          </p:style>
+          <p:txBody>
+            <a:bodyPr rot="0" spcFirstLastPara="0" vertOverflow="overflow" horzOverflow="overflow" vert="horz" wrap="square" lIns="182880" tIns="146304" rIns="182880" bIns="146304" numCol="1" spcCol="0" rtlCol="0" fromWordArt="0" anchor="t" anchorCtr="0" forceAA="0" compatLnSpc="1">
+              <a:prstTxWarp prst="textNoShape">
+                <a:avLst/>
+              </a:prstTxWarp>
+              <a:noAutofit/>
+            </a:bodyPr>
+            <a:lstStyle/>
+            <a:p>
+              <a:pPr algn="ctr" defTabSz="932472" fontAlgn="base">
+                <a:lnSpc>
+                  <a:spcPct val="90000"/>
+                </a:lnSpc>
+                <a:spcBef>
+                  <a:spcPct val="0"/>
+                </a:spcBef>
+                <a:spcAft>
+                  <a:spcPct val="0"/>
+                </a:spcAft>
+              </a:pPr>
+              <a:endParaRPr lang="en-US" sz="2400" dirty="0" err="1" smtClean="0">
+                <a:gradFill>
+                  <a:gsLst>
+                    <a:gs pos="0">
+                      <a:srgbClr val="FFFFFF"/>
+                    </a:gs>
+                    <a:gs pos="100000">
+                      <a:srgbClr val="FFFFFF"/>
+                    </a:gs>
+                  </a:gsLst>
+                  <a:lin ang="5400000" scaled="0"/>
+                </a:gradFill>
+                <a:ea typeface="Segoe UI" pitchFamily="34" charset="0"/>
+                <a:cs typeface="Segoe UI" pitchFamily="34" charset="0"/>
+              </a:endParaRPr>
+            </a:p>
+          </p:txBody>
+        </p:sp>
+        <p:pic>
+          <p:nvPicPr>
+            <p:cNvPr id="14" name="Picture 13" descr="Azure_icon_wht-09.png"/>
+            <p:cNvPicPr>
+              <a:picLocks noChangeAspect="1"/>
+            </p:cNvPicPr>
+            <p:nvPr/>
+          </p:nvPicPr>
+          <p:blipFill>
+            <a:blip r:embed="rId2" cstate="screen">
+              <a:extLst>
+                <a:ext uri="{28A0092B-C50C-407E-A947-70E740481C1C}">
+                  <a14:useLocalDpi xmlns:a14="http://schemas.microsoft.com/office/drawing/2010/main"/>
+                </a:ext>
+              </a:extLst>
+            </a:blip>
+            <a:stretch>
+              <a:fillRect/>
+            </a:stretch>
+          </p:blipFill>
+          <p:spPr>
+            <a:xfrm>
+              <a:off x="5552353" y="1424434"/>
+              <a:ext cx="798167" cy="798167"/>
+            </a:xfrm>
+            <a:prstGeom prst="rect">
+              <a:avLst/>
+            </a:prstGeom>
+            <a:solidFill>
+              <a:schemeClr val="tx2">
+                <a:lumMod val="60000"/>
+                <a:lumOff val="40000"/>
+              </a:schemeClr>
+            </a:solidFill>
+          </p:spPr>
+        </p:pic>
+        <p:sp>
+          <p:nvSpPr>
+            <p:cNvPr id="15" name="Text Placeholder 8"/>
+            <p:cNvSpPr txBox="1">
+              <a:spLocks/>
+            </p:cNvSpPr>
+            <p:nvPr/>
+          </p:nvSpPr>
+          <p:spPr>
+            <a:xfrm>
+              <a:off x="5391249" y="2438898"/>
+              <a:ext cx="1120375" cy="517042"/>
+            </a:xfrm>
+            <a:prstGeom prst="rect">
+              <a:avLst/>
+            </a:prstGeom>
+          </p:spPr>
+          <p:txBody>
+            <a:bodyPr vert="horz" wrap="square" lIns="146286" tIns="91429" rIns="146286" bIns="91429" rtlCol="0">
+              <a:spAutoFit/>
+            </a:bodyPr>
+            <a:lstStyle>
+              <a:lvl1pPr marL="342856" marR="0" indent="-342856" algn="l" defTabSz="932623" rtl="0" eaLnBrk="1" fontAlgn="auto" latinLnBrk="0" hangingPunct="1">
+                <a:lnSpc>
+                  <a:spcPct val="90000"/>
+                </a:lnSpc>
+                <a:spcBef>
+                  <a:spcPct val="20000"/>
+                </a:spcBef>
+                <a:spcAft>
+                  <a:spcPts val="0"/>
+                </a:spcAft>
+                <a:buClrTx/>
+                <a:buSzPct val="90000"/>
+                <a:buFont typeface="Arial" pitchFamily="34" charset="0"/>
+                <a:buChar char="•"/>
+                <a:tabLst/>
+                <a:defRPr sz="3900" kern="1200" spc="0" baseline="0">
+                  <a:gradFill>
+                    <a:gsLst>
+                      <a:gs pos="1250">
+                        <a:schemeClr val="tx1"/>
+                      </a:gs>
+                      <a:gs pos="100000">
+                        <a:schemeClr val="tx1"/>
+                      </a:gs>
+                    </a:gsLst>
+                    <a:lin ang="5400000" scaled="0"/>
+                  </a:gradFill>
+                  <a:latin typeface="+mj-lt"/>
+                  <a:ea typeface="+mn-ea"/>
+                  <a:cs typeface="+mn-cs"/>
+                </a:defRPr>
+              </a:lvl1pPr>
+              <a:lvl2pPr marL="584125" marR="0" indent="-241269" algn="l" defTabSz="932623" rtl="0" eaLnBrk="1" fontAlgn="auto" latinLnBrk="0" hangingPunct="1">
+                <a:lnSpc>
+                  <a:spcPct val="90000"/>
+                </a:lnSpc>
+                <a:spcBef>
+                  <a:spcPct val="20000"/>
+                </a:spcBef>
+                <a:spcAft>
+                  <a:spcPts val="0"/>
+                </a:spcAft>
+                <a:buClrTx/>
+                <a:buSzPct val="90000"/>
+                <a:buFont typeface="Arial" pitchFamily="34" charset="0"/>
+                <a:buChar char="•"/>
+                <a:tabLst/>
+                <a:defRPr sz="2400" kern="1200" spc="0" baseline="0">
+                  <a:gradFill>
+                    <a:gsLst>
+                      <a:gs pos="1250">
+                        <a:schemeClr val="tx1"/>
+                      </a:gs>
+                      <a:gs pos="100000">
+                        <a:schemeClr val="tx1"/>
+                      </a:gs>
+                    </a:gsLst>
+                    <a:lin ang="5400000" scaled="0"/>
+                  </a:gradFill>
+                  <a:latin typeface="+mn-lt"/>
+                  <a:ea typeface="+mn-ea"/>
+                  <a:cs typeface="+mn-cs"/>
+                </a:defRPr>
+              </a:lvl2pPr>
+              <a:lvl3pPr marL="799998" marR="0" indent="-228571" algn="l" defTabSz="932623" rtl="0" eaLnBrk="1" fontAlgn="auto" latinLnBrk="0" hangingPunct="1">
+                <a:lnSpc>
+                  <a:spcPct val="90000"/>
+                </a:lnSpc>
+                <a:spcBef>
+                  <a:spcPct val="20000"/>
+                </a:spcBef>
+                <a:spcAft>
+                  <a:spcPts val="0"/>
+                </a:spcAft>
+                <a:buClrTx/>
+                <a:buSzPct val="90000"/>
+                <a:buFont typeface="Arial" pitchFamily="34" charset="0"/>
+                <a:buChar char="•"/>
+                <a:tabLst/>
+                <a:defRPr sz="2000" kern="1200" spc="0" baseline="0">
+                  <a:gradFill>
+                    <a:gsLst>
+                      <a:gs pos="1250">
+                        <a:schemeClr val="tx1"/>
+                      </a:gs>
+                      <a:gs pos="100000">
+                        <a:schemeClr val="tx1"/>
+                      </a:gs>
+                    </a:gsLst>
+                    <a:lin ang="5400000" scaled="0"/>
+                  </a:gradFill>
+                  <a:latin typeface="+mn-lt"/>
+                  <a:ea typeface="+mn-ea"/>
+                  <a:cs typeface="+mn-cs"/>
+                </a:defRPr>
+              </a:lvl3pPr>
+              <a:lvl4pPr marL="1028568" marR="0" indent="-228571" algn="l" defTabSz="932623" rtl="0" eaLnBrk="1" fontAlgn="auto" latinLnBrk="0" hangingPunct="1">
+                <a:lnSpc>
+                  <a:spcPct val="90000"/>
+                </a:lnSpc>
+                <a:spcBef>
+                  <a:spcPct val="20000"/>
+                </a:spcBef>
+                <a:spcAft>
+                  <a:spcPts val="0"/>
+                </a:spcAft>
+                <a:buClrTx/>
+                <a:buSzPct val="90000"/>
+                <a:buFont typeface="Arial" pitchFamily="34" charset="0"/>
+                <a:buChar char="•"/>
+                <a:tabLst/>
+                <a:defRPr sz="1800" kern="1200" spc="0" baseline="0">
+                  <a:gradFill>
+                    <a:gsLst>
+                      <a:gs pos="1250">
+                        <a:schemeClr val="tx1"/>
+                      </a:gs>
+                      <a:gs pos="100000">
+                        <a:schemeClr val="tx1"/>
+                      </a:gs>
+                    </a:gsLst>
+                    <a:lin ang="5400000" scaled="0"/>
+                  </a:gradFill>
+                  <a:latin typeface="+mn-lt"/>
+                  <a:ea typeface="+mn-ea"/>
+                  <a:cs typeface="+mn-cs"/>
+                </a:defRPr>
+              </a:lvl4pPr>
+              <a:lvl5pPr marL="1257139" marR="0" indent="-228571" algn="l" defTabSz="932623" rtl="0" eaLnBrk="1" fontAlgn="auto" latinLnBrk="0" hangingPunct="1">
+                <a:lnSpc>
+                  <a:spcPct val="90000"/>
+                </a:lnSpc>
+                <a:spcBef>
+                  <a:spcPct val="20000"/>
+                </a:spcBef>
+                <a:spcAft>
+                  <a:spcPts val="0"/>
+                </a:spcAft>
+                <a:buClrTx/>
+                <a:buSzPct val="90000"/>
+                <a:buFont typeface="Arial" pitchFamily="34" charset="0"/>
+                <a:buChar char="•"/>
+                <a:tabLst/>
+                <a:defRPr sz="1800" kern="1200" spc="0" baseline="0">
+                  <a:gradFill>
+                    <a:gsLst>
+                      <a:gs pos="1250">
+                        <a:schemeClr val="tx1"/>
+                      </a:gs>
+                      <a:gs pos="100000">
+                        <a:schemeClr val="tx1"/>
+                      </a:gs>
+                    </a:gsLst>
+                    <a:lin ang="5400000" scaled="0"/>
+                  </a:gradFill>
+                  <a:latin typeface="+mn-lt"/>
+                  <a:ea typeface="+mn-ea"/>
+                  <a:cs typeface="+mn-cs"/>
+                </a:defRPr>
+              </a:lvl5pPr>
+              <a:lvl6pPr marL="2564711" indent="-233156" algn="l" defTabSz="932623" rtl="0" eaLnBrk="1" latinLnBrk="0" hangingPunct="1">
+                <a:spcBef>
+                  <a:spcPct val="20000"/>
+                </a:spcBef>
+                <a:buFont typeface="Arial" pitchFamily="34" charset="0"/>
+                <a:buChar char="•"/>
+                <a:defRPr sz="2000" kern="1200">
+                  <a:solidFill>
+                    <a:schemeClr val="tx1"/>
+                  </a:solidFill>
+                  <a:latin typeface="+mn-lt"/>
+                  <a:ea typeface="+mn-ea"/>
+                  <a:cs typeface="+mn-cs"/>
+                </a:defRPr>
+              </a:lvl6pPr>
+              <a:lvl7pPr marL="3031024" indent="-233156" algn="l" defTabSz="932623" rtl="0" eaLnBrk="1" latinLnBrk="0" hangingPunct="1">
+                <a:spcBef>
+                  <a:spcPct val="20000"/>
+                </a:spcBef>
+                <a:buFont typeface="Arial" pitchFamily="34" charset="0"/>
+                <a:buChar char="•"/>
+                <a:defRPr sz="2000" kern="1200">
+                  <a:solidFill>
+                    <a:schemeClr val="tx1"/>
+                  </a:solidFill>
+                  <a:latin typeface="+mn-lt"/>
+                  <a:ea typeface="+mn-ea"/>
+                  <a:cs typeface="+mn-cs"/>
+                </a:defRPr>
+              </a:lvl7pPr>
+              <a:lvl8pPr marL="3497335" indent="-233156" algn="l" defTabSz="932623" rtl="0" eaLnBrk="1" latinLnBrk="0" hangingPunct="1">
+                <a:spcBef>
+                  <a:spcPct val="20000"/>
+                </a:spcBef>
+                <a:buFont typeface="Arial" pitchFamily="34" charset="0"/>
+                <a:buChar char="•"/>
+                <a:defRPr sz="2000" kern="1200">
+                  <a:solidFill>
+                    <a:schemeClr val="tx1"/>
+                  </a:solidFill>
+                  <a:latin typeface="+mn-lt"/>
+                  <a:ea typeface="+mn-ea"/>
+                  <a:cs typeface="+mn-cs"/>
+                </a:defRPr>
+              </a:lvl8pPr>
+              <a:lvl9pPr marL="3963648" indent="-233156" algn="l" defTabSz="932623" rtl="0" eaLnBrk="1" latinLnBrk="0" hangingPunct="1">
+                <a:spcBef>
+                  <a:spcPct val="20000"/>
+                </a:spcBef>
+                <a:buFont typeface="Arial" pitchFamily="34" charset="0"/>
+                <a:buChar char="•"/>
+                <a:defRPr sz="2000" kern="1200">
+                  <a:solidFill>
+                    <a:schemeClr val="tx1"/>
+                  </a:solidFill>
+                  <a:latin typeface="+mn-lt"/>
+                  <a:ea typeface="+mn-ea"/>
+                  <a:cs typeface="+mn-cs"/>
+                </a:defRPr>
+              </a:lvl9pPr>
+            </a:lstStyle>
+            <a:p>
+              <a:pPr marL="0" indent="0" algn="ctr">
+                <a:buFont typeface="Arial" pitchFamily="34" charset="0"/>
+                <a:buNone/>
+              </a:pPr>
+              <a:r>
+                <a:rPr lang="en-US" sz="2400" dirty="0" smtClean="0"/>
+                <a:t>Server</a:t>
+              </a:r>
+            </a:p>
+          </p:txBody>
+        </p:sp>
+      </p:grpSp>
+      <p:grpSp>
+        <p:nvGrpSpPr>
+          <p:cNvPr id="16" name="Group 15"/>
+          <p:cNvGrpSpPr/>
+          <p:nvPr/>
+        </p:nvGrpSpPr>
+        <p:grpSpPr>
+          <a:xfrm>
+            <a:off x="509809" y="2747988"/>
+            <a:ext cx="1783773" cy="2307895"/>
+            <a:chOff x="549019" y="2852212"/>
+            <a:chExt cx="1614322" cy="2088656"/>
+          </a:xfrm>
+        </p:grpSpPr>
+        <p:grpSp>
+          <p:nvGrpSpPr>
+            <p:cNvPr id="17" name="Group 16"/>
+            <p:cNvGrpSpPr/>
+            <p:nvPr/>
+          </p:nvGrpSpPr>
+          <p:grpSpPr>
+            <a:xfrm>
+              <a:off x="549019" y="2852212"/>
+              <a:ext cx="1614322" cy="2088656"/>
+              <a:chOff x="5319334" y="1208138"/>
+              <a:chExt cx="1264205" cy="1635665"/>
+            </a:xfrm>
+          </p:grpSpPr>
+          <p:sp>
+            <p:nvSpPr>
+              <p:cNvPr id="19" name="Rectangle 18"/>
+              <p:cNvSpPr/>
+              <p:nvPr/>
+            </p:nvSpPr>
+            <p:spPr bwMode="auto">
+              <a:xfrm>
+                <a:off x="5319334" y="1208138"/>
+                <a:ext cx="1264205" cy="1264205"/>
+              </a:xfrm>
+              <a:prstGeom prst="rect">
+                <a:avLst/>
+              </a:prstGeom>
+              <a:solidFill>
+                <a:schemeClr val="tx2">
+                  <a:lumMod val="60000"/>
+                  <a:lumOff val="40000"/>
+                </a:schemeClr>
+              </a:solidFill>
+              <a:ln>
+                <a:noFill/>
+                <a:headEnd type="none" w="med" len="med"/>
+                <a:tailEnd type="none" w="med" len="med"/>
+              </a:ln>
+              <a:effectLst/>
+            </p:spPr>
+            <p:style>
+              <a:lnRef idx="1">
+                <a:schemeClr val="accent2"/>
+              </a:lnRef>
+              <a:fillRef idx="3">
+                <a:schemeClr val="accent2"/>
+              </a:fillRef>
+              <a:effectRef idx="2">
+                <a:schemeClr val="accent2"/>
+              </a:effectRef>
+              <a:fontRef idx="minor">
+                <a:schemeClr val="lt1"/>
+              </a:fontRef>
+            </p:style>
+            <p:txBody>
+              <a:bodyPr rot="0" spcFirstLastPara="0" vertOverflow="overflow" horzOverflow="overflow" vert="horz" wrap="square" lIns="182880" tIns="146304" rIns="182880" bIns="146304" numCol="1" spcCol="0" rtlCol="0" fromWordArt="0" anchor="t" anchorCtr="0" forceAA="0" compatLnSpc="1">
+                <a:prstTxWarp prst="textNoShape">
+                  <a:avLst/>
+                </a:prstTxWarp>
+                <a:noAutofit/>
+              </a:bodyPr>
+              <a:lstStyle/>
+              <a:p>
+                <a:pPr algn="ctr" defTabSz="932472" fontAlgn="base">
+                  <a:lnSpc>
+                    <a:spcPct val="90000"/>
+                  </a:lnSpc>
+                  <a:spcBef>
+                    <a:spcPct val="0"/>
+                  </a:spcBef>
+                  <a:spcAft>
+                    <a:spcPct val="0"/>
+                  </a:spcAft>
+                </a:pPr>
+                <a:endParaRPr lang="en-US" sz="2400" dirty="0" err="1" smtClean="0">
+                  <a:gradFill>
+                    <a:gsLst>
+                      <a:gs pos="0">
+                        <a:srgbClr val="FFFFFF"/>
+                      </a:gs>
+                      <a:gs pos="100000">
+                        <a:srgbClr val="FFFFFF"/>
+                      </a:gs>
+                    </a:gsLst>
+                    <a:lin ang="5400000" scaled="0"/>
+                  </a:gradFill>
+                  <a:ea typeface="Segoe UI" pitchFamily="34" charset="0"/>
+                  <a:cs typeface="Segoe UI" pitchFamily="34" charset="0"/>
+                </a:endParaRPr>
+              </a:p>
+            </p:txBody>
+          </p:sp>
+          <p:sp>
+            <p:nvSpPr>
+              <p:cNvPr id="20" name="Text Placeholder 8"/>
+              <p:cNvSpPr txBox="1">
+                <a:spLocks/>
+              </p:cNvSpPr>
+              <p:nvPr/>
+            </p:nvSpPr>
+            <p:spPr>
+              <a:xfrm>
+                <a:off x="5391249" y="2438898"/>
+                <a:ext cx="1120375" cy="404905"/>
+              </a:xfrm>
+              <a:prstGeom prst="rect">
+                <a:avLst/>
+              </a:prstGeom>
+            </p:spPr>
+            <p:txBody>
+              <a:bodyPr vert="horz" wrap="square" lIns="146286" tIns="91429" rIns="146286" bIns="91429" rtlCol="0">
+                <a:spAutoFit/>
+              </a:bodyPr>
+              <a:lstStyle>
+                <a:lvl1pPr marL="342856" marR="0" indent="-342856" algn="l" defTabSz="932623" rtl="0" eaLnBrk="1" fontAlgn="auto" latinLnBrk="0" hangingPunct="1">
+                  <a:lnSpc>
+                    <a:spcPct val="90000"/>
+                  </a:lnSpc>
+                  <a:spcBef>
+                    <a:spcPct val="20000"/>
+                  </a:spcBef>
+                  <a:spcAft>
+                    <a:spcPts val="0"/>
+                  </a:spcAft>
+                  <a:buClrTx/>
+                  <a:buSzPct val="90000"/>
+                  <a:buFont typeface="Arial" pitchFamily="34" charset="0"/>
+                  <a:buChar char="•"/>
+                  <a:tabLst/>
+                  <a:defRPr sz="3900" kern="1200" spc="0" baseline="0">
+                    <a:gradFill>
+                      <a:gsLst>
+                        <a:gs pos="1250">
+                          <a:schemeClr val="tx1"/>
+                        </a:gs>
+                        <a:gs pos="100000">
+                          <a:schemeClr val="tx1"/>
+                        </a:gs>
+                      </a:gsLst>
+                      <a:lin ang="5400000" scaled="0"/>
+                    </a:gradFill>
+                    <a:latin typeface="+mj-lt"/>
+                    <a:ea typeface="+mn-ea"/>
+                    <a:cs typeface="+mn-cs"/>
+                  </a:defRPr>
+                </a:lvl1pPr>
+                <a:lvl2pPr marL="584125" marR="0" indent="-241269" algn="l" defTabSz="932623" rtl="0" eaLnBrk="1" fontAlgn="auto" latinLnBrk="0" hangingPunct="1">
+                  <a:lnSpc>
+                    <a:spcPct val="90000"/>
+                  </a:lnSpc>
+                  <a:spcBef>
+                    <a:spcPct val="20000"/>
+                  </a:spcBef>
+                  <a:spcAft>
+                    <a:spcPts val="0"/>
+                  </a:spcAft>
+                  <a:buClrTx/>
+                  <a:buSzPct val="90000"/>
+                  <a:buFont typeface="Arial" pitchFamily="34" charset="0"/>
+                  <a:buChar char="•"/>
+                  <a:tabLst/>
+                  <a:defRPr sz="2400" kern="1200" spc="0" baseline="0">
+                    <a:gradFill>
+                      <a:gsLst>
+                        <a:gs pos="1250">
+                          <a:schemeClr val="tx1"/>
+                        </a:gs>
+                        <a:gs pos="100000">
+                          <a:schemeClr val="tx1"/>
+                        </a:gs>
+                      </a:gsLst>
+                      <a:lin ang="5400000" scaled="0"/>
+                    </a:gradFill>
+                    <a:latin typeface="+mn-lt"/>
+                    <a:ea typeface="+mn-ea"/>
+                    <a:cs typeface="+mn-cs"/>
+                  </a:defRPr>
+                </a:lvl2pPr>
+                <a:lvl3pPr marL="799998" marR="0" indent="-228571" algn="l" defTabSz="932623" rtl="0" eaLnBrk="1" fontAlgn="auto" latinLnBrk="0" hangingPunct="1">
+                  <a:lnSpc>
+                    <a:spcPct val="90000"/>
+                  </a:lnSpc>
+                  <a:spcBef>
+                    <a:spcPct val="20000"/>
+                  </a:spcBef>
+                  <a:spcAft>
+                    <a:spcPts val="0"/>
+                  </a:spcAft>
+                  <a:buClrTx/>
+                  <a:buSzPct val="90000"/>
+                  <a:buFont typeface="Arial" pitchFamily="34" charset="0"/>
+                  <a:buChar char="•"/>
+                  <a:tabLst/>
+                  <a:defRPr sz="2000" kern="1200" spc="0" baseline="0">
+                    <a:gradFill>
+                      <a:gsLst>
+                        <a:gs pos="1250">
+                          <a:schemeClr val="tx1"/>
+                        </a:gs>
+                        <a:gs pos="100000">
+                          <a:schemeClr val="tx1"/>
+                        </a:gs>
+                      </a:gsLst>
+                      <a:lin ang="5400000" scaled="0"/>
+                    </a:gradFill>
+                    <a:latin typeface="+mn-lt"/>
+                    <a:ea typeface="+mn-ea"/>
+                    <a:cs typeface="+mn-cs"/>
+                  </a:defRPr>
+                </a:lvl3pPr>
+                <a:lvl4pPr marL="1028568" marR="0" indent="-228571" algn="l" defTabSz="932623" rtl="0" eaLnBrk="1" fontAlgn="auto" latinLnBrk="0" hangingPunct="1">
+                  <a:lnSpc>
+                    <a:spcPct val="90000"/>
+                  </a:lnSpc>
+                  <a:spcBef>
+                    <a:spcPct val="20000"/>
+                  </a:spcBef>
+                  <a:spcAft>
+                    <a:spcPts val="0"/>
+                  </a:spcAft>
+                  <a:buClrTx/>
+                  <a:buSzPct val="90000"/>
+                  <a:buFont typeface="Arial" pitchFamily="34" charset="0"/>
+                  <a:buChar char="•"/>
+                  <a:tabLst/>
+                  <a:defRPr sz="1800" kern="1200" spc="0" baseline="0">
+                    <a:gradFill>
+                      <a:gsLst>
+                        <a:gs pos="1250">
+                          <a:schemeClr val="tx1"/>
+                        </a:gs>
+                        <a:gs pos="100000">
+                          <a:schemeClr val="tx1"/>
+                        </a:gs>
+                      </a:gsLst>
+                      <a:lin ang="5400000" scaled="0"/>
+                    </a:gradFill>
+                    <a:latin typeface="+mn-lt"/>
+                    <a:ea typeface="+mn-ea"/>
+                    <a:cs typeface="+mn-cs"/>
+                  </a:defRPr>
+                </a:lvl4pPr>
+                <a:lvl5pPr marL="1257139" marR="0" indent="-228571" algn="l" defTabSz="932623" rtl="0" eaLnBrk="1" fontAlgn="auto" latinLnBrk="0" hangingPunct="1">
+                  <a:lnSpc>
+                    <a:spcPct val="90000"/>
+                  </a:lnSpc>
+                  <a:spcBef>
+                    <a:spcPct val="20000"/>
+                  </a:spcBef>
+                  <a:spcAft>
+                    <a:spcPts val="0"/>
+                  </a:spcAft>
+                  <a:buClrTx/>
+                  <a:buSzPct val="90000"/>
+                  <a:buFont typeface="Arial" pitchFamily="34" charset="0"/>
+                  <a:buChar char="•"/>
+                  <a:tabLst/>
+                  <a:defRPr sz="1800" kern="1200" spc="0" baseline="0">
+                    <a:gradFill>
+                      <a:gsLst>
+                        <a:gs pos="1250">
+                          <a:schemeClr val="tx1"/>
+                        </a:gs>
+                        <a:gs pos="100000">
+                          <a:schemeClr val="tx1"/>
+                        </a:gs>
+                      </a:gsLst>
+                      <a:lin ang="5400000" scaled="0"/>
+                    </a:gradFill>
+                    <a:latin typeface="+mn-lt"/>
+                    <a:ea typeface="+mn-ea"/>
+                    <a:cs typeface="+mn-cs"/>
+                  </a:defRPr>
+                </a:lvl5pPr>
+                <a:lvl6pPr marL="2564711" indent="-233156" algn="l" defTabSz="932623" rtl="0" eaLnBrk="1" latinLnBrk="0" hangingPunct="1">
+                  <a:spcBef>
+                    <a:spcPct val="20000"/>
+                  </a:spcBef>
+                  <a:buFont typeface="Arial" pitchFamily="34" charset="0"/>
+                  <a:buChar char="•"/>
+                  <a:defRPr sz="2000" kern="1200">
+                    <a:solidFill>
+                      <a:schemeClr val="tx1"/>
+                    </a:solidFill>
+                    <a:latin typeface="+mn-lt"/>
+                    <a:ea typeface="+mn-ea"/>
+                    <a:cs typeface="+mn-cs"/>
+                  </a:defRPr>
+                </a:lvl6pPr>
+                <a:lvl7pPr marL="3031024" indent="-233156" algn="l" defTabSz="932623" rtl="0" eaLnBrk="1" latinLnBrk="0" hangingPunct="1">
+                  <a:spcBef>
+                    <a:spcPct val="20000"/>
+                  </a:spcBef>
+                  <a:buFont typeface="Arial" pitchFamily="34" charset="0"/>
+                  <a:buChar char="•"/>
+                  <a:defRPr sz="2000" kern="1200">
+                    <a:solidFill>
+                      <a:schemeClr val="tx1"/>
+                    </a:solidFill>
+                    <a:latin typeface="+mn-lt"/>
+                    <a:ea typeface="+mn-ea"/>
+                    <a:cs typeface="+mn-cs"/>
+                  </a:defRPr>
+                </a:lvl7pPr>
+                <a:lvl8pPr marL="3497335" indent="-233156" algn="l" defTabSz="932623" rtl="0" eaLnBrk="1" latinLnBrk="0" hangingPunct="1">
+                  <a:spcBef>
+                    <a:spcPct val="20000"/>
+                  </a:spcBef>
+                  <a:buFont typeface="Arial" pitchFamily="34" charset="0"/>
+                  <a:buChar char="•"/>
+                  <a:defRPr sz="2000" kern="1200">
+                    <a:solidFill>
+                      <a:schemeClr val="tx1"/>
+                    </a:solidFill>
+                    <a:latin typeface="+mn-lt"/>
+                    <a:ea typeface="+mn-ea"/>
+                    <a:cs typeface="+mn-cs"/>
+                  </a:defRPr>
+                </a:lvl8pPr>
+                <a:lvl9pPr marL="3963648" indent="-233156" algn="l" defTabSz="932623" rtl="0" eaLnBrk="1" latinLnBrk="0" hangingPunct="1">
+                  <a:spcBef>
+                    <a:spcPct val="20000"/>
+                  </a:spcBef>
+                  <a:buFont typeface="Arial" pitchFamily="34" charset="0"/>
+                  <a:buChar char="•"/>
+                  <a:defRPr sz="2000" kern="1200">
+                    <a:solidFill>
+                      <a:schemeClr val="tx1"/>
+                    </a:solidFill>
+                    <a:latin typeface="+mn-lt"/>
+                    <a:ea typeface="+mn-ea"/>
+                    <a:cs typeface="+mn-cs"/>
+                  </a:defRPr>
+                </a:lvl9pPr>
+              </a:lstStyle>
+              <a:p>
+                <a:pPr marL="0" indent="0" algn="ctr">
+                  <a:buFont typeface="Arial" pitchFamily="34" charset="0"/>
+                  <a:buNone/>
+                </a:pPr>
+                <a:r>
+                  <a:rPr lang="en-US" sz="2400" dirty="0" smtClean="0"/>
+                  <a:t>Client</a:t>
+                </a:r>
+              </a:p>
+            </p:txBody>
+          </p:sp>
+        </p:grpSp>
+        <p:sp>
+          <p:nvSpPr>
+            <p:cNvPr id="18" name="Freeform 144"/>
+            <p:cNvSpPr>
+              <a:spLocks noEditPoints="1"/>
+            </p:cNvSpPr>
+            <p:nvPr/>
+          </p:nvSpPr>
+          <p:spPr bwMode="black">
+            <a:xfrm>
+              <a:off x="1066072" y="3147207"/>
+              <a:ext cx="580216" cy="1024332"/>
+            </a:xfrm>
+            <a:custGeom>
+              <a:avLst/>
+              <a:gdLst>
+                <a:gd name="T0" fmla="*/ 35 w 46"/>
+                <a:gd name="T1" fmla="*/ 7 h 84"/>
+                <a:gd name="T2" fmla="*/ 29 w 46"/>
+                <a:gd name="T3" fmla="*/ 14 h 84"/>
+                <a:gd name="T4" fmla="*/ 22 w 46"/>
+                <a:gd name="T5" fmla="*/ 7 h 84"/>
+                <a:gd name="T6" fmla="*/ 29 w 46"/>
+                <a:gd name="T7" fmla="*/ 0 h 84"/>
+                <a:gd name="T8" fmla="*/ 35 w 46"/>
+                <a:gd name="T9" fmla="*/ 7 h 84"/>
+                <a:gd name="T10" fmla="*/ 20 w 46"/>
+                <a:gd name="T11" fmla="*/ 12 h 84"/>
+                <a:gd name="T12" fmla="*/ 2 w 46"/>
+                <a:gd name="T13" fmla="*/ 22 h 84"/>
+                <a:gd name="T14" fmla="*/ 0 w 46"/>
+                <a:gd name="T15" fmla="*/ 41 h 84"/>
+                <a:gd name="T16" fmla="*/ 6 w 46"/>
+                <a:gd name="T17" fmla="*/ 41 h 84"/>
+                <a:gd name="T18" fmla="*/ 7 w 46"/>
+                <a:gd name="T19" fmla="*/ 26 h 84"/>
+                <a:gd name="T20" fmla="*/ 15 w 46"/>
+                <a:gd name="T21" fmla="*/ 22 h 84"/>
+                <a:gd name="T22" fmla="*/ 10 w 46"/>
+                <a:gd name="T23" fmla="*/ 37 h 84"/>
+                <a:gd name="T24" fmla="*/ 12 w 46"/>
+                <a:gd name="T25" fmla="*/ 45 h 84"/>
+                <a:gd name="T26" fmla="*/ 0 w 46"/>
+                <a:gd name="T27" fmla="*/ 82 h 84"/>
+                <a:gd name="T28" fmla="*/ 8 w 46"/>
+                <a:gd name="T29" fmla="*/ 84 h 84"/>
+                <a:gd name="T30" fmla="*/ 18 w 46"/>
+                <a:gd name="T31" fmla="*/ 57 h 84"/>
+                <a:gd name="T32" fmla="*/ 21 w 46"/>
+                <a:gd name="T33" fmla="*/ 62 h 84"/>
+                <a:gd name="T34" fmla="*/ 27 w 46"/>
+                <a:gd name="T35" fmla="*/ 84 h 84"/>
+                <a:gd name="T36" fmla="*/ 36 w 46"/>
+                <a:gd name="T37" fmla="*/ 81 h 84"/>
+                <a:gd name="T38" fmla="*/ 29 w 46"/>
+                <a:gd name="T39" fmla="*/ 56 h 84"/>
+                <a:gd name="T40" fmla="*/ 22 w 46"/>
+                <a:gd name="T41" fmla="*/ 45 h 84"/>
+                <a:gd name="T42" fmla="*/ 27 w 46"/>
+                <a:gd name="T43" fmla="*/ 29 h 84"/>
+                <a:gd name="T44" fmla="*/ 29 w 46"/>
+                <a:gd name="T45" fmla="*/ 35 h 84"/>
+                <a:gd name="T46" fmla="*/ 44 w 46"/>
+                <a:gd name="T47" fmla="*/ 41 h 84"/>
+                <a:gd name="T48" fmla="*/ 46 w 46"/>
+                <a:gd name="T49" fmla="*/ 35 h 84"/>
+                <a:gd name="T50" fmla="*/ 35 w 46"/>
+                <a:gd name="T51" fmla="*/ 30 h 84"/>
+                <a:gd name="T52" fmla="*/ 31 w 46"/>
+                <a:gd name="T53" fmla="*/ 17 h 84"/>
+                <a:gd name="T54" fmla="*/ 20 w 46"/>
+                <a:gd name="T55" fmla="*/ 12 h 84"/>
+              </a:gdLst>
+              <a:ahLst/>
+              <a:cxnLst>
+                <a:cxn ang="0">
+                  <a:pos x="T0" y="T1"/>
+                </a:cxn>
+                <a:cxn ang="0">
+                  <a:pos x="T2" y="T3"/>
+                </a:cxn>
+                <a:cxn ang="0">
+                  <a:pos x="T4" y="T5"/>
+                </a:cxn>
+                <a:cxn ang="0">
+                  <a:pos x="T6" y="T7"/>
+                </a:cxn>
+                <a:cxn ang="0">
+                  <a:pos x="T8" y="T9"/>
+                </a:cxn>
+                <a:cxn ang="0">
+                  <a:pos x="T10" y="T11"/>
+                </a:cxn>
+                <a:cxn ang="0">
+                  <a:pos x="T12" y="T13"/>
+                </a:cxn>
+                <a:cxn ang="0">
+                  <a:pos x="T14" y="T15"/>
+                </a:cxn>
+                <a:cxn ang="0">
+                  <a:pos x="T16" y="T17"/>
+                </a:cxn>
+                <a:cxn ang="0">
+                  <a:pos x="T18" y="T19"/>
+                </a:cxn>
+                <a:cxn ang="0">
+                  <a:pos x="T20" y="T21"/>
+                </a:cxn>
+                <a:cxn ang="0">
+                  <a:pos x="T22" y="T23"/>
+                </a:cxn>
+                <a:cxn ang="0">
+                  <a:pos x="T24" y="T25"/>
+                </a:cxn>
+                <a:cxn ang="0">
+                  <a:pos x="T26" y="T27"/>
+                </a:cxn>
+                <a:cxn ang="0">
+                  <a:pos x="T28" y="T29"/>
+                </a:cxn>
+                <a:cxn ang="0">
+                  <a:pos x="T30" y="T31"/>
+                </a:cxn>
+                <a:cxn ang="0">
+                  <a:pos x="T32" y="T33"/>
+                </a:cxn>
+                <a:cxn ang="0">
+                  <a:pos x="T34" y="T35"/>
+                </a:cxn>
+                <a:cxn ang="0">
+                  <a:pos x="T36" y="T37"/>
+                </a:cxn>
+                <a:cxn ang="0">
+                  <a:pos x="T38" y="T39"/>
+                </a:cxn>
+                <a:cxn ang="0">
+                  <a:pos x="T40" y="T41"/>
+                </a:cxn>
+                <a:cxn ang="0">
+                  <a:pos x="T42" y="T43"/>
+                </a:cxn>
+                <a:cxn ang="0">
+                  <a:pos x="T44" y="T45"/>
+                </a:cxn>
+                <a:cxn ang="0">
+                  <a:pos x="T46" y="T47"/>
+                </a:cxn>
+                <a:cxn ang="0">
+                  <a:pos x="T48" y="T49"/>
+                </a:cxn>
+                <a:cxn ang="0">
+                  <a:pos x="T50" y="T51"/>
+                </a:cxn>
+                <a:cxn ang="0">
+                  <a:pos x="T52" y="T53"/>
+                </a:cxn>
+                <a:cxn ang="0">
+                  <a:pos x="T54" y="T55"/>
+                </a:cxn>
+              </a:cxnLst>
+              <a:rect l="0" t="0" r="r" b="b"/>
+              <a:pathLst>
+                <a:path w="46" h="84">
+                  <a:moveTo>
+                    <a:pt x="35" y="7"/>
+                  </a:moveTo>
+                  <a:cubicBezTo>
+                    <a:pt x="35" y="11"/>
+                    <a:pt x="33" y="14"/>
+                    <a:pt x="29" y="14"/>
+                  </a:cubicBezTo>
+                  <a:cubicBezTo>
+                    <a:pt x="25" y="14"/>
+                    <a:pt x="22" y="11"/>
+                    <a:pt x="22" y="7"/>
+                  </a:cubicBezTo>
+                  <a:cubicBezTo>
+                    <a:pt x="22" y="3"/>
+                    <a:pt x="25" y="0"/>
+                    <a:pt x="29" y="0"/>
+                  </a:cubicBezTo>
+                  <a:cubicBezTo>
+                    <a:pt x="33" y="0"/>
+                    <a:pt x="35" y="3"/>
+                    <a:pt x="35" y="7"/>
+                  </a:cubicBezTo>
+                  <a:moveTo>
+                    <a:pt x="20" y="12"/>
+                  </a:moveTo>
+                  <a:cubicBezTo>
+                    <a:pt x="2" y="22"/>
+                    <a:pt x="2" y="22"/>
+                    <a:pt x="2" y="22"/>
+                  </a:cubicBezTo>
+                  <a:cubicBezTo>
+                    <a:pt x="0" y="41"/>
+                    <a:pt x="0" y="41"/>
+                    <a:pt x="0" y="41"/>
+                  </a:cubicBezTo>
+                  <a:cubicBezTo>
+                    <a:pt x="6" y="41"/>
+                    <a:pt x="6" y="41"/>
+                    <a:pt x="6" y="41"/>
+                  </a:cubicBezTo>
+                  <a:cubicBezTo>
+                    <a:pt x="7" y="26"/>
+                    <a:pt x="7" y="26"/>
+                    <a:pt x="7" y="26"/>
+                  </a:cubicBezTo>
+                  <a:cubicBezTo>
+                    <a:pt x="15" y="22"/>
+                    <a:pt x="15" y="22"/>
+                    <a:pt x="15" y="22"/>
+                  </a:cubicBezTo>
+                  <a:cubicBezTo>
+                    <a:pt x="15" y="22"/>
+                    <a:pt x="11" y="34"/>
+                    <a:pt x="10" y="37"/>
+                  </a:cubicBezTo>
+                  <a:cubicBezTo>
+                    <a:pt x="9" y="39"/>
+                    <a:pt x="11" y="43"/>
+                    <a:pt x="12" y="45"/>
+                  </a:cubicBezTo>
+                  <a:cubicBezTo>
+                    <a:pt x="0" y="82"/>
+                    <a:pt x="0" y="82"/>
+                    <a:pt x="0" y="82"/>
+                  </a:cubicBezTo>
+                  <a:cubicBezTo>
+                    <a:pt x="8" y="84"/>
+                    <a:pt x="8" y="84"/>
+                    <a:pt x="8" y="84"/>
+                  </a:cubicBezTo>
+                  <a:cubicBezTo>
+                    <a:pt x="18" y="57"/>
+                    <a:pt x="18" y="57"/>
+                    <a:pt x="18" y="57"/>
+                  </a:cubicBezTo>
+                  <a:cubicBezTo>
+                    <a:pt x="21" y="62"/>
+                    <a:pt x="21" y="62"/>
+                    <a:pt x="21" y="62"/>
+                  </a:cubicBezTo>
+                  <a:cubicBezTo>
+                    <a:pt x="27" y="84"/>
+                    <a:pt x="27" y="84"/>
+                    <a:pt x="27" y="84"/>
+                  </a:cubicBezTo>
+                  <a:cubicBezTo>
+                    <a:pt x="36" y="81"/>
+                    <a:pt x="36" y="81"/>
+                    <a:pt x="36" y="81"/>
+                  </a:cubicBezTo>
+                  <a:cubicBezTo>
+                    <a:pt x="29" y="56"/>
+                    <a:pt x="29" y="56"/>
+                    <a:pt x="29" y="56"/>
+                  </a:cubicBezTo>
+                  <a:cubicBezTo>
+                    <a:pt x="22" y="45"/>
+                    <a:pt x="22" y="45"/>
+                    <a:pt x="22" y="45"/>
+                  </a:cubicBezTo>
+                  <a:cubicBezTo>
+                    <a:pt x="27" y="29"/>
+                    <a:pt x="27" y="29"/>
+                    <a:pt x="27" y="29"/>
+                  </a:cubicBezTo>
+                  <a:cubicBezTo>
+                    <a:pt x="29" y="35"/>
+                    <a:pt x="29" y="35"/>
+                    <a:pt x="29" y="35"/>
+                  </a:cubicBezTo>
+                  <a:cubicBezTo>
+                    <a:pt x="44" y="41"/>
+                    <a:pt x="44" y="41"/>
+                    <a:pt x="44" y="41"/>
+                  </a:cubicBezTo>
+                  <a:cubicBezTo>
+                    <a:pt x="46" y="35"/>
+                    <a:pt x="46" y="35"/>
+                    <a:pt x="46" y="35"/>
+                  </a:cubicBezTo>
+                  <a:cubicBezTo>
+                    <a:pt x="35" y="30"/>
+                    <a:pt x="35" y="30"/>
+                    <a:pt x="35" y="30"/>
+                  </a:cubicBezTo>
+                  <a:cubicBezTo>
+                    <a:pt x="31" y="17"/>
+                    <a:pt x="31" y="17"/>
+                    <a:pt x="31" y="17"/>
+                  </a:cubicBezTo>
+                  <a:lnTo>
+                    <a:pt x="20" y="12"/>
+                  </a:lnTo>
+                  <a:close/>
+                </a:path>
+              </a:pathLst>
+            </a:custGeom>
+            <a:solidFill>
+              <a:srgbClr val="FFFFFF"/>
+            </a:solidFill>
+            <a:ln>
+              <a:noFill/>
+            </a:ln>
+            <a:extLst/>
+          </p:spPr>
+          <p:txBody>
+            <a:bodyPr vert="horz" wrap="square" lIns="93266" tIns="46633" rIns="93266" bIns="46633" numCol="1" anchor="t" anchorCtr="0" compatLnSpc="1">
+              <a:prstTxWarp prst="textNoShape">
+                <a:avLst/>
+              </a:prstTxWarp>
+            </a:bodyPr>
+            <a:lstStyle/>
+            <a:p>
+              <a:endParaRPr lang="en-US" dirty="0">
+                <a:solidFill>
+                  <a:srgbClr val="000000"/>
+                </a:solidFill>
+              </a:endParaRPr>
+            </a:p>
+          </p:txBody>
+        </p:sp>
+      </p:grpSp>
+    </p:spTree>
+    <p:extLst>
+      <p:ext uri="{BB962C8B-B14F-4D97-AF65-F5344CB8AC3E}">
+        <p14:creationId xmlns:p14="http://schemas.microsoft.com/office/powerpoint/2010/main" val="2552227323"/>
+      </p:ext>
+    </p:extLst>
+  </p:cSld>
+  <p:clrMapOvr>
+    <a:masterClrMapping/>
+  </p:clrMapOvr>
+  <p:timing>
+    <p:tnLst>
+      <p:par>
+        <p:cTn id="1" dur="indefinite" restart="never" nodeType="tmRoot">
+          <p:childTnLst>
+            <p:seq concurrent="1" nextAc="seek">
+              <p:cTn id="2" dur="indefinite" nodeType="mainSeq">
+                <p:childTnLst>
+                  <p:par>
+                    <p:cTn id="3" fill="hold">
+                      <p:stCondLst>
+                        <p:cond delay="indefinite"/>
+                      </p:stCondLst>
+                      <p:childTnLst>
+                        <p:par>
+                          <p:cTn id="4" fill="hold">
+                            <p:stCondLst>
+                              <p:cond delay="0"/>
+                            </p:stCondLst>
+                            <p:childTnLst>
+                              <p:par>
+                                <p:cTn id="5" presetID="2" presetClass="entr" presetSubtype="8" fill="hold" grpId="0" nodeType="clickEffect">
+                                  <p:stCondLst>
+                                    <p:cond delay="0"/>
+                                  </p:stCondLst>
+                                  <p:childTnLst>
+                                    <p:set>
+                                      <p:cBhvr>
+                                        <p:cTn id="6" dur="1" fill="hold">
+                                          <p:stCondLst>
+                                            <p:cond delay="0"/>
+                                          </p:stCondLst>
+                                        </p:cTn>
+                                        <p:tgtEl>
+                                          <p:spTgt spid="4"/>
+                                        </p:tgtEl>
+                                        <p:attrNameLst>
+                                          <p:attrName>style.visibility</p:attrName>
+                                        </p:attrNameLst>
+                                      </p:cBhvr>
+                                      <p:to>
+                                        <p:strVal val="visible"/>
+                                      </p:to>
+                                    </p:set>
+                                    <p:anim calcmode="lin" valueType="num">
+                                      <p:cBhvr additive="base">
+                                        <p:cTn id="7" dur="400" fill="hold"/>
+                                        <p:tgtEl>
+                                          <p:spTgt spid="4"/>
+                                        </p:tgtEl>
+                                        <p:attrNameLst>
+                                          <p:attrName>ppt_x</p:attrName>
+                                        </p:attrNameLst>
+                                      </p:cBhvr>
+                                      <p:tavLst>
+                                        <p:tav tm="0">
+                                          <p:val>
+                                            <p:strVal val="0-#ppt_w/2"/>
+                                          </p:val>
+                                        </p:tav>
+                                        <p:tav tm="100000">
+                                          <p:val>
+                                            <p:strVal val="#ppt_x"/>
+                                          </p:val>
+                                        </p:tav>
+                                      </p:tavLst>
+                                    </p:anim>
+                                    <p:anim calcmode="lin" valueType="num">
+                                      <p:cBhvr additive="base">
+                                        <p:cTn id="8" dur="400" fill="hold"/>
+                                        <p:tgtEl>
+                                          <p:spTgt spid="4"/>
+                                        </p:tgtEl>
+                                        <p:attrNameLst>
+                                          <p:attrName>ppt_y</p:attrName>
+                                        </p:attrNameLst>
+                                      </p:cBhvr>
+                                      <p:tavLst>
+                                        <p:tav tm="0">
+                                          <p:val>
+                                            <p:strVal val="#ppt_y"/>
+                                          </p:val>
+                                        </p:tav>
+                                        <p:tav tm="100000">
+                                          <p:val>
+                                            <p:strVal val="#ppt_y"/>
+                                          </p:val>
+                                        </p:tav>
+                                      </p:tavLst>
+                                    </p:anim>
+                                  </p:childTnLst>
+                                </p:cTn>
+                              </p:par>
+                            </p:childTnLst>
+                          </p:cTn>
+                        </p:par>
+                        <p:par>
+                          <p:cTn id="9" fill="hold">
+                            <p:stCondLst>
+                              <p:cond delay="400"/>
+                            </p:stCondLst>
+                            <p:childTnLst>
+                              <p:par>
+                                <p:cTn id="10" presetID="2" presetClass="entr" presetSubtype="8" fill="hold" grpId="0" nodeType="afterEffect">
+                                  <p:stCondLst>
+                                    <p:cond delay="0"/>
+                                  </p:stCondLst>
+                                  <p:childTnLst>
+                                    <p:set>
+                                      <p:cBhvr>
+                                        <p:cTn id="11" dur="1" fill="hold">
+                                          <p:stCondLst>
+                                            <p:cond delay="0"/>
+                                          </p:stCondLst>
+                                        </p:cTn>
+                                        <p:tgtEl>
+                                          <p:spTgt spid="5"/>
+                                        </p:tgtEl>
+                                        <p:attrNameLst>
+                                          <p:attrName>style.visibility</p:attrName>
+                                        </p:attrNameLst>
+                                      </p:cBhvr>
+                                      <p:to>
+                                        <p:strVal val="visible"/>
+                                      </p:to>
+                                    </p:set>
+                                    <p:anim calcmode="lin" valueType="num">
+                                      <p:cBhvr additive="base">
+                                        <p:cTn id="12" dur="400" fill="hold"/>
+                                        <p:tgtEl>
+                                          <p:spTgt spid="5"/>
+                                        </p:tgtEl>
+                                        <p:attrNameLst>
+                                          <p:attrName>ppt_x</p:attrName>
+                                        </p:attrNameLst>
+                                      </p:cBhvr>
+                                      <p:tavLst>
+                                        <p:tav tm="0">
+                                          <p:val>
+                                            <p:strVal val="0-#ppt_w/2"/>
+                                          </p:val>
+                                        </p:tav>
+                                        <p:tav tm="100000">
+                                          <p:val>
+                                            <p:strVal val="#ppt_x"/>
+                                          </p:val>
+                                        </p:tav>
+                                      </p:tavLst>
+                                    </p:anim>
+                                    <p:anim calcmode="lin" valueType="num">
+                                      <p:cBhvr additive="base">
+                                        <p:cTn id="13" dur="400" fill="hold"/>
+                                        <p:tgtEl>
+                                          <p:spTgt spid="5"/>
+                                        </p:tgtEl>
+                                        <p:attrNameLst>
+                                          <p:attrName>ppt_y</p:attrName>
+                                        </p:attrNameLst>
+                                      </p:cBhvr>
+                                      <p:tavLst>
+                                        <p:tav tm="0">
+                                          <p:val>
+                                            <p:strVal val="#ppt_y"/>
+                                          </p:val>
+                                        </p:tav>
+                                        <p:tav tm="100000">
+                                          <p:val>
+                                            <p:strVal val="#ppt_y"/>
+                                          </p:val>
+                                        </p:tav>
+                                      </p:tavLst>
+                                    </p:anim>
+                                  </p:childTnLst>
+                                </p:cTn>
+                              </p:par>
+                            </p:childTnLst>
+                          </p:cTn>
+                        </p:par>
+                        <p:par>
+                          <p:cTn id="14" fill="hold">
+                            <p:stCondLst>
+                              <p:cond delay="800"/>
+                            </p:stCondLst>
+                            <p:childTnLst>
+                              <p:par>
+                                <p:cTn id="15" presetID="2" presetClass="entr" presetSubtype="8" fill="hold" grpId="0" nodeType="afterEffect">
+                                  <p:stCondLst>
+                                    <p:cond delay="0"/>
+                                  </p:stCondLst>
+                                  <p:childTnLst>
+                                    <p:set>
+                                      <p:cBhvr>
+                                        <p:cTn id="16" dur="1" fill="hold">
+                                          <p:stCondLst>
+                                            <p:cond delay="0"/>
+                                          </p:stCondLst>
+                                        </p:cTn>
+                                        <p:tgtEl>
+                                          <p:spTgt spid="6"/>
+                                        </p:tgtEl>
+                                        <p:attrNameLst>
+                                          <p:attrName>style.visibility</p:attrName>
+                                        </p:attrNameLst>
+                                      </p:cBhvr>
+                                      <p:to>
+                                        <p:strVal val="visible"/>
+                                      </p:to>
+                                    </p:set>
+                                    <p:anim calcmode="lin" valueType="num">
+                                      <p:cBhvr additive="base">
+                                        <p:cTn id="17" dur="400" fill="hold"/>
+                                        <p:tgtEl>
+                                          <p:spTgt spid="6"/>
+                                        </p:tgtEl>
+                                        <p:attrNameLst>
+                                          <p:attrName>ppt_x</p:attrName>
+                                        </p:attrNameLst>
+                                      </p:cBhvr>
+                                      <p:tavLst>
+                                        <p:tav tm="0">
+                                          <p:val>
+                                            <p:strVal val="0-#ppt_w/2"/>
+                                          </p:val>
+                                        </p:tav>
+                                        <p:tav tm="100000">
+                                          <p:val>
+                                            <p:strVal val="#ppt_x"/>
+                                          </p:val>
+                                        </p:tav>
+                                      </p:tavLst>
+                                    </p:anim>
+                                    <p:anim calcmode="lin" valueType="num">
+                                      <p:cBhvr additive="base">
+                                        <p:cTn id="18" dur="400" fill="hold"/>
+                                        <p:tgtEl>
+                                          <p:spTgt spid="6"/>
+                                        </p:tgtEl>
+                                        <p:attrNameLst>
+                                          <p:attrName>ppt_y</p:attrName>
+                                        </p:attrNameLst>
+                                      </p:cBhvr>
+                                      <p:tavLst>
+                                        <p:tav tm="0">
+                                          <p:val>
+                                            <p:strVal val="#ppt_y"/>
+                                          </p:val>
+                                        </p:tav>
+                                        <p:tav tm="100000">
+                                          <p:val>
+                                            <p:strVal val="#ppt_y"/>
+                                          </p:val>
+                                        </p:tav>
+                                      </p:tavLst>
+                                    </p:anim>
+                                  </p:childTnLst>
+                                </p:cTn>
+                              </p:par>
+                            </p:childTnLst>
+                          </p:cTn>
+                        </p:par>
+                      </p:childTnLst>
+                    </p:cTn>
+                  </p:par>
+                  <p:par>
+                    <p:cTn id="19" fill="hold">
+                      <p:stCondLst>
+                        <p:cond delay="indefinite"/>
+                      </p:stCondLst>
+                      <p:childTnLst>
+                        <p:par>
+                          <p:cTn id="20" fill="hold">
+                            <p:stCondLst>
+                              <p:cond delay="0"/>
+                            </p:stCondLst>
+                            <p:childTnLst>
+                              <p:par>
+                                <p:cTn id="21" presetID="2" presetClass="entr" presetSubtype="2" fill="hold" grpId="0" nodeType="clickEffect">
+                                  <p:stCondLst>
+                                    <p:cond delay="0"/>
+                                  </p:stCondLst>
+                                  <p:childTnLst>
+                                    <p:set>
+                                      <p:cBhvr>
+                                        <p:cTn id="22" dur="1" fill="hold">
+                                          <p:stCondLst>
+                                            <p:cond delay="0"/>
+                                          </p:stCondLst>
+                                        </p:cTn>
+                                        <p:tgtEl>
+                                          <p:spTgt spid="7"/>
+                                        </p:tgtEl>
+                                        <p:attrNameLst>
+                                          <p:attrName>style.visibility</p:attrName>
+                                        </p:attrNameLst>
+                                      </p:cBhvr>
+                                      <p:to>
+                                        <p:strVal val="visible"/>
+                                      </p:to>
+                                    </p:set>
+                                    <p:anim calcmode="lin" valueType="num">
+                                      <p:cBhvr additive="base">
+                                        <p:cTn id="23" dur="400" fill="hold"/>
+                                        <p:tgtEl>
+                                          <p:spTgt spid="7"/>
+                                        </p:tgtEl>
+                                        <p:attrNameLst>
+                                          <p:attrName>ppt_x</p:attrName>
+                                        </p:attrNameLst>
+                                      </p:cBhvr>
+                                      <p:tavLst>
+                                        <p:tav tm="0">
+                                          <p:val>
+                                            <p:strVal val="1+#ppt_w/2"/>
+                                          </p:val>
+                                        </p:tav>
+                                        <p:tav tm="100000">
+                                          <p:val>
+                                            <p:strVal val="#ppt_x"/>
+                                          </p:val>
+                                        </p:tav>
+                                      </p:tavLst>
+                                    </p:anim>
+                                    <p:anim calcmode="lin" valueType="num">
+                                      <p:cBhvr additive="base">
+                                        <p:cTn id="24" dur="400" fill="hold"/>
+                                        <p:tgtEl>
+                                          <p:spTgt spid="7"/>
+                                        </p:tgtEl>
+                                        <p:attrNameLst>
+                                          <p:attrName>ppt_y</p:attrName>
+                                        </p:attrNameLst>
+                                      </p:cBhvr>
+                                      <p:tavLst>
+                                        <p:tav tm="0">
+                                          <p:val>
+                                            <p:strVal val="#ppt_y"/>
+                                          </p:val>
+                                        </p:tav>
+                                        <p:tav tm="100000">
+                                          <p:val>
+                                            <p:strVal val="#ppt_y"/>
+                                          </p:val>
+                                        </p:tav>
+                                      </p:tavLst>
+                                    </p:anim>
+                                  </p:childTnLst>
+                                </p:cTn>
+                              </p:par>
+                            </p:childTnLst>
+                          </p:cTn>
+                        </p:par>
+                      </p:childTnLst>
+                    </p:cTn>
+                  </p:par>
+                  <p:par>
+                    <p:cTn id="25" fill="hold">
+                      <p:stCondLst>
+                        <p:cond delay="indefinite"/>
+                      </p:stCondLst>
+                      <p:childTnLst>
+                        <p:par>
+                          <p:cTn id="26" fill="hold">
+                            <p:stCondLst>
+                              <p:cond delay="0"/>
+                            </p:stCondLst>
+                            <p:childTnLst>
+                              <p:par>
+                                <p:cTn id="27" presetID="2" presetClass="entr" presetSubtype="8" fill="hold" grpId="0" nodeType="clickEffect">
+                                  <p:stCondLst>
+                                    <p:cond delay="0"/>
+                                  </p:stCondLst>
+                                  <p:childTnLst>
+                                    <p:set>
+                                      <p:cBhvr>
+                                        <p:cTn id="28" dur="1" fill="hold">
+                                          <p:stCondLst>
+                                            <p:cond delay="0"/>
+                                          </p:stCondLst>
+                                        </p:cTn>
+                                        <p:tgtEl>
+                                          <p:spTgt spid="8"/>
+                                        </p:tgtEl>
+                                        <p:attrNameLst>
+                                          <p:attrName>style.visibility</p:attrName>
+                                        </p:attrNameLst>
+                                      </p:cBhvr>
+                                      <p:to>
+                                        <p:strVal val="visible"/>
+                                      </p:to>
+                                    </p:set>
+                                    <p:anim calcmode="lin" valueType="num">
+                                      <p:cBhvr additive="base">
+                                        <p:cTn id="29" dur="400" fill="hold"/>
+                                        <p:tgtEl>
+                                          <p:spTgt spid="8"/>
+                                        </p:tgtEl>
+                                        <p:attrNameLst>
+                                          <p:attrName>ppt_x</p:attrName>
+                                        </p:attrNameLst>
+                                      </p:cBhvr>
+                                      <p:tavLst>
+                                        <p:tav tm="0">
+                                          <p:val>
+                                            <p:strVal val="0-#ppt_w/2"/>
+                                          </p:val>
+                                        </p:tav>
+                                        <p:tav tm="100000">
+                                          <p:val>
+                                            <p:strVal val="#ppt_x"/>
+                                          </p:val>
+                                        </p:tav>
+                                      </p:tavLst>
+                                    </p:anim>
+                                    <p:anim calcmode="lin" valueType="num">
+                                      <p:cBhvr additive="base">
+                                        <p:cTn id="30" dur="400" fill="hold"/>
+                                        <p:tgtEl>
+                                          <p:spTgt spid="8"/>
+                                        </p:tgtEl>
+                                        <p:attrNameLst>
+                                          <p:attrName>ppt_y</p:attrName>
+                                        </p:attrNameLst>
+                                      </p:cBhvr>
+                                      <p:tavLst>
+                                        <p:tav tm="0">
+                                          <p:val>
+                                            <p:strVal val="#ppt_y"/>
+                                          </p:val>
+                                        </p:tav>
+                                        <p:tav tm="100000">
+                                          <p:val>
+                                            <p:strVal val="#ppt_y"/>
+                                          </p:val>
+                                        </p:tav>
+                                      </p:tavLst>
+                                    </p:anim>
+                                  </p:childTnLst>
+                                </p:cTn>
+                              </p:par>
+                            </p:childTnLst>
+                          </p:cTn>
+                        </p:par>
+                        <p:par>
+                          <p:cTn id="31" fill="hold">
+                            <p:stCondLst>
+                              <p:cond delay="400"/>
+                            </p:stCondLst>
+                            <p:childTnLst>
+                              <p:par>
+                                <p:cTn id="32" presetID="2" presetClass="entr" presetSubtype="8" fill="hold" grpId="0" nodeType="afterEffect">
+                                  <p:stCondLst>
+                                    <p:cond delay="0"/>
+                                  </p:stCondLst>
+                                  <p:childTnLst>
+                                    <p:set>
+                                      <p:cBhvr>
+                                        <p:cTn id="33" dur="1" fill="hold">
+                                          <p:stCondLst>
+                                            <p:cond delay="0"/>
+                                          </p:stCondLst>
+                                        </p:cTn>
+                                        <p:tgtEl>
+                                          <p:spTgt spid="9"/>
+                                        </p:tgtEl>
+                                        <p:attrNameLst>
+                                          <p:attrName>style.visibility</p:attrName>
+                                        </p:attrNameLst>
+                                      </p:cBhvr>
+                                      <p:to>
+                                        <p:strVal val="visible"/>
+                                      </p:to>
+                                    </p:set>
+                                    <p:anim calcmode="lin" valueType="num">
+                                      <p:cBhvr additive="base">
+                                        <p:cTn id="34" dur="400" fill="hold"/>
+                                        <p:tgtEl>
+                                          <p:spTgt spid="9"/>
+                                        </p:tgtEl>
+                                        <p:attrNameLst>
+                                          <p:attrName>ppt_x</p:attrName>
+                                        </p:attrNameLst>
+                                      </p:cBhvr>
+                                      <p:tavLst>
+                                        <p:tav tm="0">
+                                          <p:val>
+                                            <p:strVal val="0-#ppt_w/2"/>
+                                          </p:val>
+                                        </p:tav>
+                                        <p:tav tm="100000">
+                                          <p:val>
+                                            <p:strVal val="#ppt_x"/>
+                                          </p:val>
+                                        </p:tav>
+                                      </p:tavLst>
+                                    </p:anim>
+                                    <p:anim calcmode="lin" valueType="num">
+                                      <p:cBhvr additive="base">
+                                        <p:cTn id="35" dur="400" fill="hold"/>
+                                        <p:tgtEl>
+                                          <p:spTgt spid="9"/>
+                                        </p:tgtEl>
+                                        <p:attrNameLst>
+                                          <p:attrName>ppt_y</p:attrName>
+                                        </p:attrNameLst>
+                                      </p:cBhvr>
+                                      <p:tavLst>
+                                        <p:tav tm="0">
+                                          <p:val>
+                                            <p:strVal val="#ppt_y"/>
+                                          </p:val>
+                                        </p:tav>
+                                        <p:tav tm="100000">
+                                          <p:val>
+                                            <p:strVal val="#ppt_y"/>
+                                          </p:val>
+                                        </p:tav>
+                                      </p:tavLst>
+                                    </p:anim>
+                                  </p:childTnLst>
+                                </p:cTn>
+                              </p:par>
+                            </p:childTnLst>
+                          </p:cTn>
+                        </p:par>
+                        <p:par>
+                          <p:cTn id="36" fill="hold">
+                            <p:stCondLst>
+                              <p:cond delay="800"/>
+                            </p:stCondLst>
+                            <p:childTnLst>
+                              <p:par>
+                                <p:cTn id="37" presetID="2" presetClass="entr" presetSubtype="8" fill="hold" grpId="0" nodeType="afterEffect">
+                                  <p:stCondLst>
+                                    <p:cond delay="0"/>
+                                  </p:stCondLst>
+                                  <p:childTnLst>
+                                    <p:set>
+                                      <p:cBhvr>
+                                        <p:cTn id="38" dur="1" fill="hold">
+                                          <p:stCondLst>
+                                            <p:cond delay="0"/>
+                                          </p:stCondLst>
+                                        </p:cTn>
+                                        <p:tgtEl>
+                                          <p:spTgt spid="10"/>
+                                        </p:tgtEl>
+                                        <p:attrNameLst>
+                                          <p:attrName>style.visibility</p:attrName>
+                                        </p:attrNameLst>
+                                      </p:cBhvr>
+                                      <p:to>
+                                        <p:strVal val="visible"/>
+                                      </p:to>
+                                    </p:set>
+                                    <p:anim calcmode="lin" valueType="num">
+                                      <p:cBhvr additive="base">
+                                        <p:cTn id="39" dur="400" fill="hold"/>
+                                        <p:tgtEl>
+                                          <p:spTgt spid="10"/>
+                                        </p:tgtEl>
+                                        <p:attrNameLst>
+                                          <p:attrName>ppt_x</p:attrName>
+                                        </p:attrNameLst>
+                                      </p:cBhvr>
+                                      <p:tavLst>
+                                        <p:tav tm="0">
+                                          <p:val>
+                                            <p:strVal val="0-#ppt_w/2"/>
+                                          </p:val>
+                                        </p:tav>
+                                        <p:tav tm="100000">
+                                          <p:val>
+                                            <p:strVal val="#ppt_x"/>
+                                          </p:val>
+                                        </p:tav>
+                                      </p:tavLst>
+                                    </p:anim>
+                                    <p:anim calcmode="lin" valueType="num">
+                                      <p:cBhvr additive="base">
+                                        <p:cTn id="40" dur="400" fill="hold"/>
+                                        <p:tgtEl>
+                                          <p:spTgt spid="10"/>
+                                        </p:tgtEl>
+                                        <p:attrNameLst>
+                                          <p:attrName>ppt_y</p:attrName>
+                                        </p:attrNameLst>
+                                      </p:cBhvr>
+                                      <p:tavLst>
+                                        <p:tav tm="0">
+                                          <p:val>
+                                            <p:strVal val="#ppt_y"/>
+                                          </p:val>
+                                        </p:tav>
+                                        <p:tav tm="100000">
+                                          <p:val>
+                                            <p:strVal val="#ppt_y"/>
+                                          </p:val>
+                                        </p:tav>
+                                      </p:tavLst>
+                                    </p:anim>
+                                  </p:childTnLst>
+                                </p:cTn>
+                              </p:par>
+                            </p:childTnLst>
+                          </p:cTn>
+                        </p:par>
+                      </p:childTnLst>
+                    </p:cTn>
+                  </p:par>
+                </p:childTnLst>
+              </p:cTn>
+              <p:prevCondLst>
+                <p:cond evt="onPrev" delay="0">
+                  <p:tgtEl>
+                    <p:sldTgt/>
+                  </p:tgtEl>
+                </p:cond>
+              </p:prevCondLst>
+              <p:nextCondLst>
+                <p:cond evt="onNext" delay="0">
+                  <p:tgtEl>
+                    <p:sldTgt/>
+                  </p:tgtEl>
+                </p:cond>
+              </p:nextCondLst>
+            </p:seq>
+          </p:childTnLst>
+        </p:cTn>
+      </p:par>
+    </p:tnLst>
+    <p:bldLst>
+      <p:bldP spid="4" grpId="0" animBg="1"/>
+      <p:bldP spid="5" grpId="0" animBg="1"/>
+      <p:bldP spid="6" grpId="0" animBg="1"/>
+      <p:bldP spid="7" grpId="0" animBg="1"/>
+      <p:bldP spid="8" grpId="0" animBg="1"/>
+      <p:bldP spid="9" grpId="0" animBg="1"/>
+      <p:bldP spid="10" grpId="0" animBg="1"/>
+    </p:bldLst>
+  </p:timing>
+</p:sld>
+</file>
+
+<file path=ppt/slides/slide12.xml><?xml version="1.0" encoding="utf-8"?>
+<p:sld xmlns:a="http://schemas.openxmlformats.org/drawingml/2006/main" xmlns:r="http://schemas.openxmlformats.org/officeDocument/2006/relationships" xmlns:p="http://schemas.openxmlformats.org/presentationml/2006/main">
+  <p:cSld>
+    <p:spTree>
+      <p:nvGrpSpPr>
+        <p:cNvPr id="1" name=""/>
+        <p:cNvGrpSpPr/>
+        <p:nvPr/>
+      </p:nvGrpSpPr>
+      <p:grpSpPr>
+        <a:xfrm>
+          <a:off x="0" y="0"/>
+          <a:ext cx="0" cy="0"/>
+          <a:chOff x="0" y="0"/>
+          <a:chExt cx="0" cy="0"/>
+        </a:xfrm>
+      </p:grpSpPr>
+      <p:sp>
+        <p:nvSpPr>
+          <p:cNvPr id="2" name="Title 1"/>
+          <p:cNvSpPr>
+            <a:spLocks noGrp="1"/>
+          </p:cNvSpPr>
+          <p:nvPr>
+            <p:ph type="title"/>
+          </p:nvPr>
+        </p:nvSpPr>
+        <p:spPr/>
+        <p:txBody>
+          <a:bodyPr/>
+          <a:lstStyle/>
+          <a:p>
+            <a:r>
+              <a:rPr lang="en-US" dirty="0" smtClean="0"/>
+              <a:t>SignalR on Modern Servers or Clients</a:t>
+            </a:r>
+            <a:endParaRPr lang="en-US" dirty="0"/>
+          </a:p>
+        </p:txBody>
+      </p:sp>
+      <p:sp>
+        <p:nvSpPr>
+          <p:cNvPr id="6" name="Right Arrow 5"/>
+          <p:cNvSpPr/>
+          <p:nvPr/>
+        </p:nvSpPr>
+        <p:spPr bwMode="auto">
+          <a:xfrm>
+            <a:off x="2484143" y="2746227"/>
+            <a:ext cx="7201933" cy="552814"/>
+          </a:xfrm>
+          <a:prstGeom prst="rightArrow">
+            <a:avLst/>
+          </a:prstGeom>
+          <a:solidFill>
+            <a:schemeClr val="tx2"/>
+          </a:solidFill>
+          <a:ln>
+            <a:solidFill>
+              <a:schemeClr val="tx1"/>
+            </a:solidFill>
+            <a:headEnd type="none" w="med" len="med"/>
+            <a:tailEnd type="none" w="med" len="med"/>
+          </a:ln>
+          <a:effectLst/>
+        </p:spPr>
+        <p:style>
+          <a:lnRef idx="1">
+            <a:schemeClr val="accent2"/>
+          </a:lnRef>
+          <a:fillRef idx="3">
+            <a:schemeClr val="accent2"/>
+          </a:fillRef>
+          <a:effectRef idx="2">
+            <a:schemeClr val="accent2"/>
+          </a:effectRef>
+          <a:fontRef idx="minor">
+            <a:schemeClr val="lt1"/>
+          </a:fontRef>
+        </p:style>
+        <p:txBody>
+          <a:bodyPr vert="horz" wrap="square" lIns="91436" tIns="45718" rIns="91436" bIns="45718" numCol="1" rtlCol="0" anchor="ctr" anchorCtr="0" compatLnSpc="1">
+            <a:prstTxWarp prst="textNoShape">
+              <a:avLst/>
+            </a:prstTxWarp>
+          </a:bodyPr>
+          <a:lstStyle/>
+          <a:p>
+            <a:pPr algn="ctr" defTabSz="914099" fontAlgn="base">
+              <a:spcBef>
+                <a:spcPct val="0"/>
+              </a:spcBef>
+              <a:spcAft>
+                <a:spcPct val="0"/>
+              </a:spcAft>
+            </a:pPr>
+            <a:r>
+              <a:rPr lang="en-US" sz="1600" dirty="0" smtClean="0">
+                <a:gradFill>
+                  <a:gsLst>
+                    <a:gs pos="0">
+                      <a:srgbClr val="FFFFFF"/>
+                    </a:gs>
+                    <a:gs pos="100000">
+                      <a:srgbClr val="FFFFFF"/>
+                    </a:gs>
+                  </a:gsLst>
+                  <a:lin ang="5400000" scaled="0"/>
+                </a:gradFill>
+              </a:rPr>
+              <a:t>I do real-time, do you?</a:t>
+            </a:r>
+          </a:p>
+        </p:txBody>
+      </p:sp>
+      <p:sp>
+        <p:nvSpPr>
+          <p:cNvPr id="7" name="Right Arrow 6"/>
+          <p:cNvSpPr/>
+          <p:nvPr/>
+        </p:nvSpPr>
+        <p:spPr bwMode="auto">
+          <a:xfrm flipH="1">
+            <a:off x="2484143" y="3371434"/>
+            <a:ext cx="7201933" cy="552814"/>
+          </a:xfrm>
+          <a:prstGeom prst="rightArrow">
+            <a:avLst/>
+          </a:prstGeom>
+          <a:solidFill>
+            <a:schemeClr val="accent1"/>
+          </a:solidFill>
+          <a:ln>
+            <a:solidFill>
+              <a:schemeClr val="tx1"/>
+            </a:solidFill>
+            <a:headEnd type="none" w="med" len="med"/>
+            <a:tailEnd type="none" w="med" len="med"/>
+          </a:ln>
+          <a:effectLst/>
+        </p:spPr>
+        <p:style>
+          <a:lnRef idx="1">
+            <a:schemeClr val="accent2"/>
+          </a:lnRef>
+          <a:fillRef idx="3">
+            <a:schemeClr val="accent2"/>
+          </a:fillRef>
+          <a:effectRef idx="2">
+            <a:schemeClr val="accent2"/>
+          </a:effectRef>
+          <a:fontRef idx="minor">
+            <a:schemeClr val="lt1"/>
+          </a:fontRef>
+        </p:style>
+        <p:txBody>
+          <a:bodyPr vert="horz" wrap="square" lIns="91436" tIns="45718" rIns="91436" bIns="45718" numCol="1" rtlCol="0" anchor="ctr" anchorCtr="0" compatLnSpc="1">
+            <a:prstTxWarp prst="textNoShape">
+              <a:avLst/>
+            </a:prstTxWarp>
+          </a:bodyPr>
+          <a:lstStyle/>
+          <a:p>
+            <a:pPr algn="ctr" defTabSz="914099" fontAlgn="base">
+              <a:spcBef>
+                <a:spcPct val="0"/>
+              </a:spcBef>
+              <a:spcAft>
+                <a:spcPct val="0"/>
+              </a:spcAft>
+            </a:pPr>
+            <a:r>
+              <a:rPr lang="en-US" sz="1600" dirty="0" smtClean="0">
+                <a:solidFill>
+                  <a:schemeClr val="bg1"/>
+                </a:solidFill>
+              </a:rPr>
+              <a:t>Yep!</a:t>
+            </a:r>
+          </a:p>
+        </p:txBody>
+      </p:sp>
+      <p:grpSp>
+        <p:nvGrpSpPr>
+          <p:cNvPr id="12" name="Group 11"/>
+          <p:cNvGrpSpPr/>
+          <p:nvPr/>
+        </p:nvGrpSpPr>
+        <p:grpSpPr>
+          <a:xfrm>
+            <a:off x="9978111" y="2747988"/>
+            <a:ext cx="1799707" cy="2269137"/>
+            <a:chOff x="5319334" y="1208138"/>
+            <a:chExt cx="1264205" cy="1593957"/>
+          </a:xfrm>
+        </p:grpSpPr>
+        <p:sp>
+          <p:nvSpPr>
+            <p:cNvPr id="13" name="Rectangle 12"/>
+            <p:cNvSpPr/>
+            <p:nvPr/>
+          </p:nvSpPr>
+          <p:spPr bwMode="auto">
+            <a:xfrm>
+              <a:off x="5319334" y="1208138"/>
+              <a:ext cx="1264205" cy="1264205"/>
+            </a:xfrm>
+            <a:prstGeom prst="rect">
+              <a:avLst/>
+            </a:prstGeom>
+            <a:solidFill>
+              <a:schemeClr val="tx2">
+                <a:lumMod val="60000"/>
+                <a:lumOff val="40000"/>
+              </a:schemeClr>
+            </a:solidFill>
+            <a:ln>
+              <a:noFill/>
+              <a:headEnd type="none" w="med" len="med"/>
+              <a:tailEnd type="none" w="med" len="med"/>
+            </a:ln>
+            <a:effectLst/>
+          </p:spPr>
+          <p:style>
+            <a:lnRef idx="1">
+              <a:schemeClr val="accent2"/>
+            </a:lnRef>
+            <a:fillRef idx="3">
+              <a:schemeClr val="accent2"/>
+            </a:fillRef>
+            <a:effectRef idx="2">
+              <a:schemeClr val="accent2"/>
+            </a:effectRef>
+            <a:fontRef idx="minor">
+              <a:schemeClr val="lt1"/>
+            </a:fontRef>
+          </p:style>
+          <p:txBody>
+            <a:bodyPr rot="0" spcFirstLastPara="0" vertOverflow="overflow" horzOverflow="overflow" vert="horz" wrap="square" lIns="182880" tIns="146304" rIns="182880" bIns="146304" numCol="1" spcCol="0" rtlCol="0" fromWordArt="0" anchor="t" anchorCtr="0" forceAA="0" compatLnSpc="1">
+              <a:prstTxWarp prst="textNoShape">
+                <a:avLst/>
+              </a:prstTxWarp>
+              <a:noAutofit/>
+            </a:bodyPr>
+            <a:lstStyle/>
+            <a:p>
+              <a:pPr algn="ctr" defTabSz="932472" fontAlgn="base">
+                <a:lnSpc>
+                  <a:spcPct val="90000"/>
+                </a:lnSpc>
+                <a:spcBef>
+                  <a:spcPct val="0"/>
+                </a:spcBef>
+                <a:spcAft>
+                  <a:spcPct val="0"/>
+                </a:spcAft>
+              </a:pPr>
+              <a:endParaRPr lang="en-US" sz="2400" dirty="0" err="1" smtClean="0">
+                <a:gradFill>
+                  <a:gsLst>
+                    <a:gs pos="0">
+                      <a:srgbClr val="FFFFFF"/>
+                    </a:gs>
+                    <a:gs pos="100000">
+                      <a:srgbClr val="FFFFFF"/>
+                    </a:gs>
+                  </a:gsLst>
+                  <a:lin ang="5400000" scaled="0"/>
+                </a:gradFill>
+                <a:ea typeface="Segoe UI" pitchFamily="34" charset="0"/>
+                <a:cs typeface="Segoe UI" pitchFamily="34" charset="0"/>
+              </a:endParaRPr>
+            </a:p>
+          </p:txBody>
+        </p:sp>
+        <p:pic>
+          <p:nvPicPr>
+            <p:cNvPr id="14" name="Picture 13" descr="Azure_icon_wht-09.png"/>
+            <p:cNvPicPr>
+              <a:picLocks noChangeAspect="1"/>
+            </p:cNvPicPr>
+            <p:nvPr/>
+          </p:nvPicPr>
+          <p:blipFill>
+            <a:blip r:embed="rId2" cstate="screen">
+              <a:extLst>
+                <a:ext uri="{28A0092B-C50C-407E-A947-70E740481C1C}">
+                  <a14:useLocalDpi xmlns:a14="http://schemas.microsoft.com/office/drawing/2010/main"/>
+                </a:ext>
+              </a:extLst>
+            </a:blip>
+            <a:stretch>
+              <a:fillRect/>
+            </a:stretch>
+          </p:blipFill>
+          <p:spPr>
+            <a:xfrm>
+              <a:off x="5552353" y="1424434"/>
+              <a:ext cx="798167" cy="798167"/>
+            </a:xfrm>
+            <a:prstGeom prst="rect">
+              <a:avLst/>
+            </a:prstGeom>
+            <a:solidFill>
+              <a:schemeClr val="tx2">
+                <a:lumMod val="60000"/>
+                <a:lumOff val="40000"/>
+              </a:schemeClr>
+            </a:solidFill>
+          </p:spPr>
+        </p:pic>
+        <p:sp>
+          <p:nvSpPr>
+            <p:cNvPr id="15" name="Text Placeholder 8"/>
+            <p:cNvSpPr txBox="1">
+              <a:spLocks/>
+            </p:cNvSpPr>
+            <p:nvPr/>
+          </p:nvSpPr>
+          <p:spPr>
+            <a:xfrm>
+              <a:off x="5391249" y="2438898"/>
+              <a:ext cx="1120375" cy="363197"/>
+            </a:xfrm>
+            <a:prstGeom prst="rect">
+              <a:avLst/>
+            </a:prstGeom>
+          </p:spPr>
+          <p:txBody>
+            <a:bodyPr vert="horz" wrap="square" lIns="146286" tIns="91429" rIns="146286" bIns="91429" rtlCol="0">
+              <a:spAutoFit/>
+            </a:bodyPr>
+            <a:lstStyle>
+              <a:lvl1pPr marL="342856" marR="0" indent="-342856" algn="l" defTabSz="932623" rtl="0" eaLnBrk="1" fontAlgn="auto" latinLnBrk="0" hangingPunct="1">
+                <a:lnSpc>
+                  <a:spcPct val="90000"/>
+                </a:lnSpc>
+                <a:spcBef>
+                  <a:spcPct val="20000"/>
+                </a:spcBef>
+                <a:spcAft>
+                  <a:spcPts val="0"/>
+                </a:spcAft>
+                <a:buClrTx/>
+                <a:buSzPct val="90000"/>
+                <a:buFont typeface="Arial" pitchFamily="34" charset="0"/>
+                <a:buChar char="•"/>
+                <a:tabLst/>
+                <a:defRPr sz="3900" kern="1200" spc="0" baseline="0">
+                  <a:gradFill>
+                    <a:gsLst>
+                      <a:gs pos="1250">
+                        <a:schemeClr val="tx1"/>
+                      </a:gs>
+                      <a:gs pos="100000">
+                        <a:schemeClr val="tx1"/>
+                      </a:gs>
+                    </a:gsLst>
+                    <a:lin ang="5400000" scaled="0"/>
+                  </a:gradFill>
+                  <a:latin typeface="+mj-lt"/>
+                  <a:ea typeface="+mn-ea"/>
+                  <a:cs typeface="+mn-cs"/>
+                </a:defRPr>
+              </a:lvl1pPr>
+              <a:lvl2pPr marL="584125" marR="0" indent="-241269" algn="l" defTabSz="932623" rtl="0" eaLnBrk="1" fontAlgn="auto" latinLnBrk="0" hangingPunct="1">
+                <a:lnSpc>
+                  <a:spcPct val="90000"/>
+                </a:lnSpc>
+                <a:spcBef>
+                  <a:spcPct val="20000"/>
+                </a:spcBef>
+                <a:spcAft>
+                  <a:spcPts val="0"/>
+                </a:spcAft>
+                <a:buClrTx/>
+                <a:buSzPct val="90000"/>
+                <a:buFont typeface="Arial" pitchFamily="34" charset="0"/>
+                <a:buChar char="•"/>
+                <a:tabLst/>
+                <a:defRPr sz="2400" kern="1200" spc="0" baseline="0">
+                  <a:gradFill>
+                    <a:gsLst>
+                      <a:gs pos="1250">
+                        <a:schemeClr val="tx1"/>
+                      </a:gs>
+                      <a:gs pos="100000">
+                        <a:schemeClr val="tx1"/>
+                      </a:gs>
+                    </a:gsLst>
+                    <a:lin ang="5400000" scaled="0"/>
+                  </a:gradFill>
+                  <a:latin typeface="+mn-lt"/>
+                  <a:ea typeface="+mn-ea"/>
+                  <a:cs typeface="+mn-cs"/>
+                </a:defRPr>
+              </a:lvl2pPr>
+              <a:lvl3pPr marL="799998" marR="0" indent="-228571" algn="l" defTabSz="932623" rtl="0" eaLnBrk="1" fontAlgn="auto" latinLnBrk="0" hangingPunct="1">
+                <a:lnSpc>
+                  <a:spcPct val="90000"/>
+                </a:lnSpc>
+                <a:spcBef>
+                  <a:spcPct val="20000"/>
+                </a:spcBef>
+                <a:spcAft>
+                  <a:spcPts val="0"/>
+                </a:spcAft>
+                <a:buClrTx/>
+                <a:buSzPct val="90000"/>
+                <a:buFont typeface="Arial" pitchFamily="34" charset="0"/>
+                <a:buChar char="•"/>
+                <a:tabLst/>
+                <a:defRPr sz="2000" kern="1200" spc="0" baseline="0">
+                  <a:gradFill>
+                    <a:gsLst>
+                      <a:gs pos="1250">
+                        <a:schemeClr val="tx1"/>
+                      </a:gs>
+                      <a:gs pos="100000">
+                        <a:schemeClr val="tx1"/>
+                      </a:gs>
+                    </a:gsLst>
+                    <a:lin ang="5400000" scaled="0"/>
+                  </a:gradFill>
+                  <a:latin typeface="+mn-lt"/>
+                  <a:ea typeface="+mn-ea"/>
+                  <a:cs typeface="+mn-cs"/>
+                </a:defRPr>
+              </a:lvl3pPr>
+              <a:lvl4pPr marL="1028568" marR="0" indent="-228571" algn="l" defTabSz="932623" rtl="0" eaLnBrk="1" fontAlgn="auto" latinLnBrk="0" hangingPunct="1">
+                <a:lnSpc>
+                  <a:spcPct val="90000"/>
+                </a:lnSpc>
+                <a:spcBef>
+                  <a:spcPct val="20000"/>
+                </a:spcBef>
+                <a:spcAft>
+                  <a:spcPts val="0"/>
+                </a:spcAft>
+                <a:buClrTx/>
+                <a:buSzPct val="90000"/>
+                <a:buFont typeface="Arial" pitchFamily="34" charset="0"/>
+                <a:buChar char="•"/>
+                <a:tabLst/>
+                <a:defRPr sz="1800" kern="1200" spc="0" baseline="0">
+                  <a:gradFill>
+                    <a:gsLst>
+                      <a:gs pos="1250">
+                        <a:schemeClr val="tx1"/>
+                      </a:gs>
+                      <a:gs pos="100000">
+                        <a:schemeClr val="tx1"/>
+                      </a:gs>
+                    </a:gsLst>
+                    <a:lin ang="5400000" scaled="0"/>
+                  </a:gradFill>
+                  <a:latin typeface="+mn-lt"/>
+                  <a:ea typeface="+mn-ea"/>
+                  <a:cs typeface="+mn-cs"/>
+                </a:defRPr>
+              </a:lvl4pPr>
+              <a:lvl5pPr marL="1257139" marR="0" indent="-228571" algn="l" defTabSz="932623" rtl="0" eaLnBrk="1" fontAlgn="auto" latinLnBrk="0" hangingPunct="1">
+                <a:lnSpc>
+                  <a:spcPct val="90000"/>
+                </a:lnSpc>
+                <a:spcBef>
+                  <a:spcPct val="20000"/>
+                </a:spcBef>
+                <a:spcAft>
+                  <a:spcPts val="0"/>
+                </a:spcAft>
+                <a:buClrTx/>
+                <a:buSzPct val="90000"/>
+                <a:buFont typeface="Arial" pitchFamily="34" charset="0"/>
+                <a:buChar char="•"/>
+                <a:tabLst/>
+                <a:defRPr sz="1800" kern="1200" spc="0" baseline="0">
+                  <a:gradFill>
+                    <a:gsLst>
+                      <a:gs pos="1250">
+                        <a:schemeClr val="tx1"/>
+                      </a:gs>
+                      <a:gs pos="100000">
+                        <a:schemeClr val="tx1"/>
+                      </a:gs>
+                    </a:gsLst>
+                    <a:lin ang="5400000" scaled="0"/>
+                  </a:gradFill>
+                  <a:latin typeface="+mn-lt"/>
+                  <a:ea typeface="+mn-ea"/>
+                  <a:cs typeface="+mn-cs"/>
+                </a:defRPr>
+              </a:lvl5pPr>
+              <a:lvl6pPr marL="2564711" indent="-233156" algn="l" defTabSz="932623" rtl="0" eaLnBrk="1" latinLnBrk="0" hangingPunct="1">
+                <a:spcBef>
+                  <a:spcPct val="20000"/>
+                </a:spcBef>
+                <a:buFont typeface="Arial" pitchFamily="34" charset="0"/>
+                <a:buChar char="•"/>
+                <a:defRPr sz="2000" kern="1200">
+                  <a:solidFill>
+                    <a:schemeClr val="tx1"/>
+                  </a:solidFill>
+                  <a:latin typeface="+mn-lt"/>
+                  <a:ea typeface="+mn-ea"/>
+                  <a:cs typeface="+mn-cs"/>
+                </a:defRPr>
+              </a:lvl6pPr>
+              <a:lvl7pPr marL="3031024" indent="-233156" algn="l" defTabSz="932623" rtl="0" eaLnBrk="1" latinLnBrk="0" hangingPunct="1">
+                <a:spcBef>
+                  <a:spcPct val="20000"/>
+                </a:spcBef>
+                <a:buFont typeface="Arial" pitchFamily="34" charset="0"/>
+                <a:buChar char="•"/>
+                <a:defRPr sz="2000" kern="1200">
+                  <a:solidFill>
+                    <a:schemeClr val="tx1"/>
+                  </a:solidFill>
+                  <a:latin typeface="+mn-lt"/>
+                  <a:ea typeface="+mn-ea"/>
+                  <a:cs typeface="+mn-cs"/>
+                </a:defRPr>
+              </a:lvl7pPr>
+              <a:lvl8pPr marL="3497335" indent="-233156" algn="l" defTabSz="932623" rtl="0" eaLnBrk="1" latinLnBrk="0" hangingPunct="1">
+                <a:spcBef>
+                  <a:spcPct val="20000"/>
+                </a:spcBef>
+                <a:buFont typeface="Arial" pitchFamily="34" charset="0"/>
+                <a:buChar char="•"/>
+                <a:defRPr sz="2000" kern="1200">
+                  <a:solidFill>
+                    <a:schemeClr val="tx1"/>
+                  </a:solidFill>
+                  <a:latin typeface="+mn-lt"/>
+                  <a:ea typeface="+mn-ea"/>
+                  <a:cs typeface="+mn-cs"/>
+                </a:defRPr>
+              </a:lvl8pPr>
+              <a:lvl9pPr marL="3963648" indent="-233156" algn="l" defTabSz="932623" rtl="0" eaLnBrk="1" latinLnBrk="0" hangingPunct="1">
+                <a:spcBef>
+                  <a:spcPct val="20000"/>
+                </a:spcBef>
+                <a:buFont typeface="Arial" pitchFamily="34" charset="0"/>
+                <a:buChar char="•"/>
+                <a:defRPr sz="2000" kern="1200">
+                  <a:solidFill>
+                    <a:schemeClr val="tx1"/>
+                  </a:solidFill>
+                  <a:latin typeface="+mn-lt"/>
+                  <a:ea typeface="+mn-ea"/>
+                  <a:cs typeface="+mn-cs"/>
+                </a:defRPr>
+              </a:lvl9pPr>
+            </a:lstStyle>
+            <a:p>
+              <a:pPr marL="0" indent="0" algn="ctr">
+                <a:buFont typeface="Arial" pitchFamily="34" charset="0"/>
+                <a:buNone/>
+              </a:pPr>
+              <a:r>
+                <a:rPr lang="en-US" sz="2400" dirty="0" smtClean="0"/>
+                <a:t>Server</a:t>
+              </a:r>
+            </a:p>
+          </p:txBody>
+        </p:sp>
+      </p:grpSp>
+      <p:grpSp>
+        <p:nvGrpSpPr>
+          <p:cNvPr id="16" name="Group 15"/>
+          <p:cNvGrpSpPr/>
+          <p:nvPr/>
+        </p:nvGrpSpPr>
+        <p:grpSpPr>
+          <a:xfrm>
+            <a:off x="509809" y="2747987"/>
+            <a:ext cx="1783773" cy="2253623"/>
+            <a:chOff x="549019" y="2852212"/>
+            <a:chExt cx="1614322" cy="2039540"/>
+          </a:xfrm>
+        </p:grpSpPr>
+        <p:grpSp>
+          <p:nvGrpSpPr>
+            <p:cNvPr id="17" name="Group 16"/>
+            <p:cNvGrpSpPr/>
+            <p:nvPr/>
+          </p:nvGrpSpPr>
+          <p:grpSpPr>
+            <a:xfrm>
+              <a:off x="549019" y="2852212"/>
+              <a:ext cx="1614322" cy="2039540"/>
+              <a:chOff x="5319334" y="1208138"/>
+              <a:chExt cx="1264205" cy="1597201"/>
+            </a:xfrm>
+          </p:grpSpPr>
+          <p:sp>
+            <p:nvSpPr>
+              <p:cNvPr id="19" name="Rectangle 18"/>
+              <p:cNvSpPr/>
+              <p:nvPr/>
+            </p:nvSpPr>
+            <p:spPr bwMode="auto">
+              <a:xfrm>
+                <a:off x="5319334" y="1208138"/>
+                <a:ext cx="1264205" cy="1264205"/>
+              </a:xfrm>
+              <a:prstGeom prst="rect">
+                <a:avLst/>
+              </a:prstGeom>
+              <a:solidFill>
+                <a:schemeClr val="tx2">
+                  <a:lumMod val="60000"/>
+                  <a:lumOff val="40000"/>
+                </a:schemeClr>
+              </a:solidFill>
+              <a:ln>
+                <a:noFill/>
+                <a:headEnd type="none" w="med" len="med"/>
+                <a:tailEnd type="none" w="med" len="med"/>
+              </a:ln>
+              <a:effectLst/>
+            </p:spPr>
+            <p:style>
+              <a:lnRef idx="1">
+                <a:schemeClr val="accent2"/>
+              </a:lnRef>
+              <a:fillRef idx="3">
+                <a:schemeClr val="accent2"/>
+              </a:fillRef>
+              <a:effectRef idx="2">
+                <a:schemeClr val="accent2"/>
+              </a:effectRef>
+              <a:fontRef idx="minor">
+                <a:schemeClr val="lt1"/>
+              </a:fontRef>
+            </p:style>
+            <p:txBody>
+              <a:bodyPr rot="0" spcFirstLastPara="0" vertOverflow="overflow" horzOverflow="overflow" vert="horz" wrap="square" lIns="182880" tIns="146304" rIns="182880" bIns="146304" numCol="1" spcCol="0" rtlCol="0" fromWordArt="0" anchor="t" anchorCtr="0" forceAA="0" compatLnSpc="1">
+                <a:prstTxWarp prst="textNoShape">
+                  <a:avLst/>
+                </a:prstTxWarp>
+                <a:noAutofit/>
+              </a:bodyPr>
+              <a:lstStyle/>
+              <a:p>
+                <a:pPr algn="ctr" defTabSz="932472" fontAlgn="base">
+                  <a:lnSpc>
+                    <a:spcPct val="90000"/>
+                  </a:lnSpc>
+                  <a:spcBef>
+                    <a:spcPct val="0"/>
+                  </a:spcBef>
+                  <a:spcAft>
+                    <a:spcPct val="0"/>
+                  </a:spcAft>
+                </a:pPr>
+                <a:endParaRPr lang="en-US" sz="2400" dirty="0" err="1" smtClean="0">
+                  <a:gradFill>
+                    <a:gsLst>
+                      <a:gs pos="0">
+                        <a:srgbClr val="FFFFFF"/>
+                      </a:gs>
+                      <a:gs pos="100000">
+                        <a:srgbClr val="FFFFFF"/>
+                      </a:gs>
+                    </a:gsLst>
+                    <a:lin ang="5400000" scaled="0"/>
+                  </a:gradFill>
+                  <a:ea typeface="Segoe UI" pitchFamily="34" charset="0"/>
+                  <a:cs typeface="Segoe UI" pitchFamily="34" charset="0"/>
+                </a:endParaRPr>
+              </a:p>
+            </p:txBody>
+          </p:sp>
+          <p:sp>
+            <p:nvSpPr>
+              <p:cNvPr id="20" name="Text Placeholder 8"/>
+              <p:cNvSpPr txBox="1">
+                <a:spLocks/>
+              </p:cNvSpPr>
+              <p:nvPr/>
+            </p:nvSpPr>
+            <p:spPr>
+              <a:xfrm>
+                <a:off x="5391249" y="2438898"/>
+                <a:ext cx="1120375" cy="366441"/>
+              </a:xfrm>
+              <a:prstGeom prst="rect">
+                <a:avLst/>
+              </a:prstGeom>
+            </p:spPr>
+            <p:txBody>
+              <a:bodyPr vert="horz" wrap="square" lIns="146286" tIns="91429" rIns="146286" bIns="91429" rtlCol="0">
+                <a:spAutoFit/>
+              </a:bodyPr>
+              <a:lstStyle>
+                <a:lvl1pPr marL="342856" marR="0" indent="-342856" algn="l" defTabSz="932623" rtl="0" eaLnBrk="1" fontAlgn="auto" latinLnBrk="0" hangingPunct="1">
+                  <a:lnSpc>
+                    <a:spcPct val="90000"/>
+                  </a:lnSpc>
+                  <a:spcBef>
+                    <a:spcPct val="20000"/>
+                  </a:spcBef>
+                  <a:spcAft>
+                    <a:spcPts val="0"/>
+                  </a:spcAft>
+                  <a:buClrTx/>
+                  <a:buSzPct val="90000"/>
+                  <a:buFont typeface="Arial" pitchFamily="34" charset="0"/>
+                  <a:buChar char="•"/>
+                  <a:tabLst/>
+                  <a:defRPr sz="3900" kern="1200" spc="0" baseline="0">
+                    <a:gradFill>
+                      <a:gsLst>
+                        <a:gs pos="1250">
+                          <a:schemeClr val="tx1"/>
+                        </a:gs>
+                        <a:gs pos="100000">
+                          <a:schemeClr val="tx1"/>
+                        </a:gs>
+                      </a:gsLst>
+                      <a:lin ang="5400000" scaled="0"/>
+                    </a:gradFill>
+                    <a:latin typeface="+mj-lt"/>
+                    <a:ea typeface="+mn-ea"/>
+                    <a:cs typeface="+mn-cs"/>
+                  </a:defRPr>
+                </a:lvl1pPr>
+                <a:lvl2pPr marL="584125" marR="0" indent="-241269" algn="l" defTabSz="932623" rtl="0" eaLnBrk="1" fontAlgn="auto" latinLnBrk="0" hangingPunct="1">
+                  <a:lnSpc>
+                    <a:spcPct val="90000"/>
+                  </a:lnSpc>
+                  <a:spcBef>
+                    <a:spcPct val="20000"/>
+                  </a:spcBef>
+                  <a:spcAft>
+                    <a:spcPts val="0"/>
+                  </a:spcAft>
+                  <a:buClrTx/>
+                  <a:buSzPct val="90000"/>
+                  <a:buFont typeface="Arial" pitchFamily="34" charset="0"/>
+                  <a:buChar char="•"/>
+                  <a:tabLst/>
+                  <a:defRPr sz="2400" kern="1200" spc="0" baseline="0">
+                    <a:gradFill>
+                      <a:gsLst>
+                        <a:gs pos="1250">
+                          <a:schemeClr val="tx1"/>
+                        </a:gs>
+                        <a:gs pos="100000">
+                          <a:schemeClr val="tx1"/>
+                        </a:gs>
+                      </a:gsLst>
+                      <a:lin ang="5400000" scaled="0"/>
+                    </a:gradFill>
+                    <a:latin typeface="+mn-lt"/>
+                    <a:ea typeface="+mn-ea"/>
+                    <a:cs typeface="+mn-cs"/>
+                  </a:defRPr>
+                </a:lvl2pPr>
+                <a:lvl3pPr marL="799998" marR="0" indent="-228571" algn="l" defTabSz="932623" rtl="0" eaLnBrk="1" fontAlgn="auto" latinLnBrk="0" hangingPunct="1">
+                  <a:lnSpc>
+                    <a:spcPct val="90000"/>
+                  </a:lnSpc>
+                  <a:spcBef>
+                    <a:spcPct val="20000"/>
+                  </a:spcBef>
+                  <a:spcAft>
+                    <a:spcPts val="0"/>
+                  </a:spcAft>
+                  <a:buClrTx/>
+                  <a:buSzPct val="90000"/>
+                  <a:buFont typeface="Arial" pitchFamily="34" charset="0"/>
+                  <a:buChar char="•"/>
+                  <a:tabLst/>
+                  <a:defRPr sz="2000" kern="1200" spc="0" baseline="0">
+                    <a:gradFill>
+                      <a:gsLst>
+                        <a:gs pos="1250">
+                          <a:schemeClr val="tx1"/>
+                        </a:gs>
+                        <a:gs pos="100000">
+                          <a:schemeClr val="tx1"/>
+                        </a:gs>
+                      </a:gsLst>
+                      <a:lin ang="5400000" scaled="0"/>
+                    </a:gradFill>
+                    <a:latin typeface="+mn-lt"/>
+                    <a:ea typeface="+mn-ea"/>
+                    <a:cs typeface="+mn-cs"/>
+                  </a:defRPr>
+                </a:lvl3pPr>
+                <a:lvl4pPr marL="1028568" marR="0" indent="-228571" algn="l" defTabSz="932623" rtl="0" eaLnBrk="1" fontAlgn="auto" latinLnBrk="0" hangingPunct="1">
+                  <a:lnSpc>
+                    <a:spcPct val="90000"/>
+                  </a:lnSpc>
+                  <a:spcBef>
+                    <a:spcPct val="20000"/>
+                  </a:spcBef>
+                  <a:spcAft>
+                    <a:spcPts val="0"/>
+                  </a:spcAft>
+                  <a:buClrTx/>
+                  <a:buSzPct val="90000"/>
+                  <a:buFont typeface="Arial" pitchFamily="34" charset="0"/>
+                  <a:buChar char="•"/>
+                  <a:tabLst/>
+                  <a:defRPr sz="1800" kern="1200" spc="0" baseline="0">
+                    <a:gradFill>
+                      <a:gsLst>
+                        <a:gs pos="1250">
+                          <a:schemeClr val="tx1"/>
+                        </a:gs>
+                        <a:gs pos="100000">
+                          <a:schemeClr val="tx1"/>
+                        </a:gs>
+                      </a:gsLst>
+                      <a:lin ang="5400000" scaled="0"/>
+                    </a:gradFill>
+                    <a:latin typeface="+mn-lt"/>
+                    <a:ea typeface="+mn-ea"/>
+                    <a:cs typeface="+mn-cs"/>
+                  </a:defRPr>
+                </a:lvl4pPr>
+                <a:lvl5pPr marL="1257139" marR="0" indent="-228571" algn="l" defTabSz="932623" rtl="0" eaLnBrk="1" fontAlgn="auto" latinLnBrk="0" hangingPunct="1">
+                  <a:lnSpc>
+                    <a:spcPct val="90000"/>
+                  </a:lnSpc>
+                  <a:spcBef>
+                    <a:spcPct val="20000"/>
+                  </a:spcBef>
+                  <a:spcAft>
+                    <a:spcPts val="0"/>
+                  </a:spcAft>
+                  <a:buClrTx/>
+                  <a:buSzPct val="90000"/>
+                  <a:buFont typeface="Arial" pitchFamily="34" charset="0"/>
+                  <a:buChar char="•"/>
+                  <a:tabLst/>
+                  <a:defRPr sz="1800" kern="1200" spc="0" baseline="0">
+                    <a:gradFill>
+                      <a:gsLst>
+                        <a:gs pos="1250">
+                          <a:schemeClr val="tx1"/>
+                        </a:gs>
+                        <a:gs pos="100000">
+                          <a:schemeClr val="tx1"/>
+                        </a:gs>
+                      </a:gsLst>
+                      <a:lin ang="5400000" scaled="0"/>
+                    </a:gradFill>
+                    <a:latin typeface="+mn-lt"/>
+                    <a:ea typeface="+mn-ea"/>
+                    <a:cs typeface="+mn-cs"/>
+                  </a:defRPr>
+                </a:lvl5pPr>
+                <a:lvl6pPr marL="2564711" indent="-233156" algn="l" defTabSz="932623" rtl="0" eaLnBrk="1" latinLnBrk="0" hangingPunct="1">
+                  <a:spcBef>
+                    <a:spcPct val="20000"/>
+                  </a:spcBef>
+                  <a:buFont typeface="Arial" pitchFamily="34" charset="0"/>
+                  <a:buChar char="•"/>
+                  <a:defRPr sz="2000" kern="1200">
+                    <a:solidFill>
+                      <a:schemeClr val="tx1"/>
+                    </a:solidFill>
+                    <a:latin typeface="+mn-lt"/>
+                    <a:ea typeface="+mn-ea"/>
+                    <a:cs typeface="+mn-cs"/>
+                  </a:defRPr>
+                </a:lvl6pPr>
+                <a:lvl7pPr marL="3031024" indent="-233156" algn="l" defTabSz="932623" rtl="0" eaLnBrk="1" latinLnBrk="0" hangingPunct="1">
+                  <a:spcBef>
+                    <a:spcPct val="20000"/>
+                  </a:spcBef>
+                  <a:buFont typeface="Arial" pitchFamily="34" charset="0"/>
+                  <a:buChar char="•"/>
+                  <a:defRPr sz="2000" kern="1200">
+                    <a:solidFill>
+                      <a:schemeClr val="tx1"/>
+                    </a:solidFill>
+                    <a:latin typeface="+mn-lt"/>
+                    <a:ea typeface="+mn-ea"/>
+                    <a:cs typeface="+mn-cs"/>
+                  </a:defRPr>
+                </a:lvl7pPr>
+                <a:lvl8pPr marL="3497335" indent="-233156" algn="l" defTabSz="932623" rtl="0" eaLnBrk="1" latinLnBrk="0" hangingPunct="1">
+                  <a:spcBef>
+                    <a:spcPct val="20000"/>
+                  </a:spcBef>
+                  <a:buFont typeface="Arial" pitchFamily="34" charset="0"/>
+                  <a:buChar char="•"/>
+                  <a:defRPr sz="2000" kern="1200">
+                    <a:solidFill>
+                      <a:schemeClr val="tx1"/>
+                    </a:solidFill>
+                    <a:latin typeface="+mn-lt"/>
+                    <a:ea typeface="+mn-ea"/>
+                    <a:cs typeface="+mn-cs"/>
+                  </a:defRPr>
+                </a:lvl8pPr>
+                <a:lvl9pPr marL="3963648" indent="-233156" algn="l" defTabSz="932623" rtl="0" eaLnBrk="1" latinLnBrk="0" hangingPunct="1">
+                  <a:spcBef>
+                    <a:spcPct val="20000"/>
+                  </a:spcBef>
+                  <a:buFont typeface="Arial" pitchFamily="34" charset="0"/>
+                  <a:buChar char="•"/>
+                  <a:defRPr sz="2000" kern="1200">
+                    <a:solidFill>
+                      <a:schemeClr val="tx1"/>
+                    </a:solidFill>
+                    <a:latin typeface="+mn-lt"/>
+                    <a:ea typeface="+mn-ea"/>
+                    <a:cs typeface="+mn-cs"/>
+                  </a:defRPr>
+                </a:lvl9pPr>
+              </a:lstStyle>
+              <a:p>
+                <a:pPr marL="0" indent="0" algn="ctr">
+                  <a:buFont typeface="Arial" pitchFamily="34" charset="0"/>
+                  <a:buNone/>
+                </a:pPr>
+                <a:r>
+                  <a:rPr lang="en-US" sz="2400" dirty="0" smtClean="0"/>
+                  <a:t>Client</a:t>
+                </a:r>
+              </a:p>
+            </p:txBody>
+          </p:sp>
+        </p:grpSp>
+        <p:sp>
+          <p:nvSpPr>
+            <p:cNvPr id="18" name="Freeform 144"/>
+            <p:cNvSpPr>
+              <a:spLocks noEditPoints="1"/>
+            </p:cNvSpPr>
+            <p:nvPr/>
+          </p:nvSpPr>
+          <p:spPr bwMode="black">
+            <a:xfrm>
+              <a:off x="1066072" y="3147207"/>
+              <a:ext cx="580216" cy="1024332"/>
+            </a:xfrm>
+            <a:custGeom>
+              <a:avLst/>
+              <a:gdLst>
+                <a:gd name="T0" fmla="*/ 35 w 46"/>
+                <a:gd name="T1" fmla="*/ 7 h 84"/>
+                <a:gd name="T2" fmla="*/ 29 w 46"/>
+                <a:gd name="T3" fmla="*/ 14 h 84"/>
+                <a:gd name="T4" fmla="*/ 22 w 46"/>
+                <a:gd name="T5" fmla="*/ 7 h 84"/>
+                <a:gd name="T6" fmla="*/ 29 w 46"/>
+                <a:gd name="T7" fmla="*/ 0 h 84"/>
+                <a:gd name="T8" fmla="*/ 35 w 46"/>
+                <a:gd name="T9" fmla="*/ 7 h 84"/>
+                <a:gd name="T10" fmla="*/ 20 w 46"/>
+                <a:gd name="T11" fmla="*/ 12 h 84"/>
+                <a:gd name="T12" fmla="*/ 2 w 46"/>
+                <a:gd name="T13" fmla="*/ 22 h 84"/>
+                <a:gd name="T14" fmla="*/ 0 w 46"/>
+                <a:gd name="T15" fmla="*/ 41 h 84"/>
+                <a:gd name="T16" fmla="*/ 6 w 46"/>
+                <a:gd name="T17" fmla="*/ 41 h 84"/>
+                <a:gd name="T18" fmla="*/ 7 w 46"/>
+                <a:gd name="T19" fmla="*/ 26 h 84"/>
+                <a:gd name="T20" fmla="*/ 15 w 46"/>
+                <a:gd name="T21" fmla="*/ 22 h 84"/>
+                <a:gd name="T22" fmla="*/ 10 w 46"/>
+                <a:gd name="T23" fmla="*/ 37 h 84"/>
+                <a:gd name="T24" fmla="*/ 12 w 46"/>
+                <a:gd name="T25" fmla="*/ 45 h 84"/>
+                <a:gd name="T26" fmla="*/ 0 w 46"/>
+                <a:gd name="T27" fmla="*/ 82 h 84"/>
+                <a:gd name="T28" fmla="*/ 8 w 46"/>
+                <a:gd name="T29" fmla="*/ 84 h 84"/>
+                <a:gd name="T30" fmla="*/ 18 w 46"/>
+                <a:gd name="T31" fmla="*/ 57 h 84"/>
+                <a:gd name="T32" fmla="*/ 21 w 46"/>
+                <a:gd name="T33" fmla="*/ 62 h 84"/>
+                <a:gd name="T34" fmla="*/ 27 w 46"/>
+                <a:gd name="T35" fmla="*/ 84 h 84"/>
+                <a:gd name="T36" fmla="*/ 36 w 46"/>
+                <a:gd name="T37" fmla="*/ 81 h 84"/>
+                <a:gd name="T38" fmla="*/ 29 w 46"/>
+                <a:gd name="T39" fmla="*/ 56 h 84"/>
+                <a:gd name="T40" fmla="*/ 22 w 46"/>
+                <a:gd name="T41" fmla="*/ 45 h 84"/>
+                <a:gd name="T42" fmla="*/ 27 w 46"/>
+                <a:gd name="T43" fmla="*/ 29 h 84"/>
+                <a:gd name="T44" fmla="*/ 29 w 46"/>
+                <a:gd name="T45" fmla="*/ 35 h 84"/>
+                <a:gd name="T46" fmla="*/ 44 w 46"/>
+                <a:gd name="T47" fmla="*/ 41 h 84"/>
+                <a:gd name="T48" fmla="*/ 46 w 46"/>
+                <a:gd name="T49" fmla="*/ 35 h 84"/>
+                <a:gd name="T50" fmla="*/ 35 w 46"/>
+                <a:gd name="T51" fmla="*/ 30 h 84"/>
+                <a:gd name="T52" fmla="*/ 31 w 46"/>
+                <a:gd name="T53" fmla="*/ 17 h 84"/>
+                <a:gd name="T54" fmla="*/ 20 w 46"/>
+                <a:gd name="T55" fmla="*/ 12 h 84"/>
+              </a:gdLst>
+              <a:ahLst/>
+              <a:cxnLst>
+                <a:cxn ang="0">
+                  <a:pos x="T0" y="T1"/>
+                </a:cxn>
+                <a:cxn ang="0">
+                  <a:pos x="T2" y="T3"/>
+                </a:cxn>
+                <a:cxn ang="0">
+                  <a:pos x="T4" y="T5"/>
+                </a:cxn>
+                <a:cxn ang="0">
+                  <a:pos x="T6" y="T7"/>
+                </a:cxn>
+                <a:cxn ang="0">
+                  <a:pos x="T8" y="T9"/>
+                </a:cxn>
+                <a:cxn ang="0">
+                  <a:pos x="T10" y="T11"/>
+                </a:cxn>
+                <a:cxn ang="0">
+                  <a:pos x="T12" y="T13"/>
+                </a:cxn>
+                <a:cxn ang="0">
+                  <a:pos x="T14" y="T15"/>
+                </a:cxn>
+                <a:cxn ang="0">
+                  <a:pos x="T16" y="T17"/>
+                </a:cxn>
+                <a:cxn ang="0">
+                  <a:pos x="T18" y="T19"/>
+                </a:cxn>
+                <a:cxn ang="0">
+                  <a:pos x="T20" y="T21"/>
+                </a:cxn>
+                <a:cxn ang="0">
+                  <a:pos x="T22" y="T23"/>
+                </a:cxn>
+                <a:cxn ang="0">
+                  <a:pos x="T24" y="T25"/>
+                </a:cxn>
+                <a:cxn ang="0">
+                  <a:pos x="T26" y="T27"/>
+                </a:cxn>
+                <a:cxn ang="0">
+                  <a:pos x="T28" y="T29"/>
+                </a:cxn>
+                <a:cxn ang="0">
+                  <a:pos x="T30" y="T31"/>
+                </a:cxn>
+                <a:cxn ang="0">
+                  <a:pos x="T32" y="T33"/>
+                </a:cxn>
+                <a:cxn ang="0">
+                  <a:pos x="T34" y="T35"/>
+                </a:cxn>
+                <a:cxn ang="0">
+                  <a:pos x="T36" y="T37"/>
+                </a:cxn>
+                <a:cxn ang="0">
+                  <a:pos x="T38" y="T39"/>
+                </a:cxn>
+                <a:cxn ang="0">
+                  <a:pos x="T40" y="T41"/>
+                </a:cxn>
+                <a:cxn ang="0">
+                  <a:pos x="T42" y="T43"/>
+                </a:cxn>
+                <a:cxn ang="0">
+                  <a:pos x="T44" y="T45"/>
+                </a:cxn>
+                <a:cxn ang="0">
+                  <a:pos x="T46" y="T47"/>
+                </a:cxn>
+                <a:cxn ang="0">
+                  <a:pos x="T48" y="T49"/>
+                </a:cxn>
+                <a:cxn ang="0">
+                  <a:pos x="T50" y="T51"/>
+                </a:cxn>
+                <a:cxn ang="0">
+                  <a:pos x="T52" y="T53"/>
+                </a:cxn>
+                <a:cxn ang="0">
+                  <a:pos x="T54" y="T55"/>
+                </a:cxn>
+              </a:cxnLst>
+              <a:rect l="0" t="0" r="r" b="b"/>
+              <a:pathLst>
+                <a:path w="46" h="84">
+                  <a:moveTo>
+                    <a:pt x="35" y="7"/>
+                  </a:moveTo>
+                  <a:cubicBezTo>
+                    <a:pt x="35" y="11"/>
+                    <a:pt x="33" y="14"/>
+                    <a:pt x="29" y="14"/>
+                  </a:cubicBezTo>
+                  <a:cubicBezTo>
+                    <a:pt x="25" y="14"/>
+                    <a:pt x="22" y="11"/>
+                    <a:pt x="22" y="7"/>
+                  </a:cubicBezTo>
+                  <a:cubicBezTo>
+                    <a:pt x="22" y="3"/>
+                    <a:pt x="25" y="0"/>
+                    <a:pt x="29" y="0"/>
+                  </a:cubicBezTo>
+                  <a:cubicBezTo>
+                    <a:pt x="33" y="0"/>
+                    <a:pt x="35" y="3"/>
+                    <a:pt x="35" y="7"/>
+                  </a:cubicBezTo>
+                  <a:moveTo>
+                    <a:pt x="20" y="12"/>
+                  </a:moveTo>
+                  <a:cubicBezTo>
+                    <a:pt x="2" y="22"/>
+                    <a:pt x="2" y="22"/>
+                    <a:pt x="2" y="22"/>
+                  </a:cubicBezTo>
+                  <a:cubicBezTo>
+                    <a:pt x="0" y="41"/>
+                    <a:pt x="0" y="41"/>
+                    <a:pt x="0" y="41"/>
+                  </a:cubicBezTo>
+                  <a:cubicBezTo>
+                    <a:pt x="6" y="41"/>
+                    <a:pt x="6" y="41"/>
+                    <a:pt x="6" y="41"/>
+                  </a:cubicBezTo>
+                  <a:cubicBezTo>
+                    <a:pt x="7" y="26"/>
+                    <a:pt x="7" y="26"/>
+                    <a:pt x="7" y="26"/>
+                  </a:cubicBezTo>
+                  <a:cubicBezTo>
+                    <a:pt x="15" y="22"/>
+                    <a:pt x="15" y="22"/>
+                    <a:pt x="15" y="22"/>
+                  </a:cubicBezTo>
+                  <a:cubicBezTo>
+                    <a:pt x="15" y="22"/>
+                    <a:pt x="11" y="34"/>
+                    <a:pt x="10" y="37"/>
+                  </a:cubicBezTo>
+                  <a:cubicBezTo>
+                    <a:pt x="9" y="39"/>
+                    <a:pt x="11" y="43"/>
+                    <a:pt x="12" y="45"/>
+                  </a:cubicBezTo>
+                  <a:cubicBezTo>
+                    <a:pt x="0" y="82"/>
+                    <a:pt x="0" y="82"/>
+                    <a:pt x="0" y="82"/>
+                  </a:cubicBezTo>
+                  <a:cubicBezTo>
+                    <a:pt x="8" y="84"/>
+                    <a:pt x="8" y="84"/>
+                    <a:pt x="8" y="84"/>
+                  </a:cubicBezTo>
+                  <a:cubicBezTo>
+                    <a:pt x="18" y="57"/>
+                    <a:pt x="18" y="57"/>
+                    <a:pt x="18" y="57"/>
+                  </a:cubicBezTo>
+                  <a:cubicBezTo>
+                    <a:pt x="21" y="62"/>
+                    <a:pt x="21" y="62"/>
+                    <a:pt x="21" y="62"/>
+                  </a:cubicBezTo>
+                  <a:cubicBezTo>
+                    <a:pt x="27" y="84"/>
+                    <a:pt x="27" y="84"/>
+                    <a:pt x="27" y="84"/>
+                  </a:cubicBezTo>
+                  <a:cubicBezTo>
+                    <a:pt x="36" y="81"/>
+                    <a:pt x="36" y="81"/>
+                    <a:pt x="36" y="81"/>
+                  </a:cubicBezTo>
+                  <a:cubicBezTo>
+                    <a:pt x="29" y="56"/>
+                    <a:pt x="29" y="56"/>
+                    <a:pt x="29" y="56"/>
+                  </a:cubicBezTo>
+                  <a:cubicBezTo>
+                    <a:pt x="22" y="45"/>
+                    <a:pt x="22" y="45"/>
+                    <a:pt x="22" y="45"/>
+                  </a:cubicBezTo>
+                  <a:cubicBezTo>
+                    <a:pt x="27" y="29"/>
+                    <a:pt x="27" y="29"/>
+                    <a:pt x="27" y="29"/>
+                  </a:cubicBezTo>
+                  <a:cubicBezTo>
+                    <a:pt x="29" y="35"/>
+                    <a:pt x="29" y="35"/>
+                    <a:pt x="29" y="35"/>
+                  </a:cubicBezTo>
+                  <a:cubicBezTo>
+                    <a:pt x="44" y="41"/>
+                    <a:pt x="44" y="41"/>
+                    <a:pt x="44" y="41"/>
+                  </a:cubicBezTo>
+                  <a:cubicBezTo>
+                    <a:pt x="46" y="35"/>
+                    <a:pt x="46" y="35"/>
+                    <a:pt x="46" y="35"/>
+                  </a:cubicBezTo>
+                  <a:cubicBezTo>
+                    <a:pt x="35" y="30"/>
+                    <a:pt x="35" y="30"/>
+                    <a:pt x="35" y="30"/>
+                  </a:cubicBezTo>
+                  <a:cubicBezTo>
+                    <a:pt x="31" y="17"/>
+                    <a:pt x="31" y="17"/>
+                    <a:pt x="31" y="17"/>
+                  </a:cubicBezTo>
+                  <a:lnTo>
+                    <a:pt x="20" y="12"/>
+                  </a:lnTo>
+                  <a:close/>
+                </a:path>
+              </a:pathLst>
+            </a:custGeom>
+            <a:solidFill>
+              <a:srgbClr val="FFFFFF"/>
+            </a:solidFill>
+            <a:ln>
+              <a:noFill/>
+            </a:ln>
+            <a:extLst/>
+          </p:spPr>
+          <p:txBody>
+            <a:bodyPr vert="horz" wrap="square" lIns="93266" tIns="46633" rIns="93266" bIns="46633" numCol="1" anchor="t" anchorCtr="0" compatLnSpc="1">
+              <a:prstTxWarp prst="textNoShape">
+                <a:avLst/>
+              </a:prstTxWarp>
+            </a:bodyPr>
+            <a:lstStyle/>
+            <a:p>
+              <a:endParaRPr lang="en-US" dirty="0">
+                <a:solidFill>
+                  <a:srgbClr val="000000"/>
+                </a:solidFill>
+              </a:endParaRPr>
+            </a:p>
+          </p:txBody>
+        </p:sp>
+      </p:grpSp>
+      <p:sp>
+        <p:nvSpPr>
+          <p:cNvPr id="21" name="Left-Right Arrow 20"/>
+          <p:cNvSpPr/>
+          <p:nvPr/>
+        </p:nvSpPr>
+        <p:spPr bwMode="auto">
+          <a:xfrm>
+            <a:off x="2426677" y="3996641"/>
+            <a:ext cx="7264623" cy="610394"/>
+          </a:xfrm>
+          <a:prstGeom prst="leftRightArrow">
+            <a:avLst/>
+          </a:prstGeom>
+          <a:solidFill>
+            <a:srgbClr val="FF0000"/>
+          </a:solidFill>
+          <a:ln>
+            <a:noFill/>
+            <a:headEnd type="none" w="med" len="med"/>
+            <a:tailEnd type="none" w="med" len="med"/>
+          </a:ln>
+          <a:effectLst/>
+        </p:spPr>
+        <p:style>
+          <a:lnRef idx="1">
+            <a:schemeClr val="accent2"/>
+          </a:lnRef>
+          <a:fillRef idx="3">
+            <a:schemeClr val="accent2"/>
+          </a:fillRef>
+          <a:effectRef idx="2">
+            <a:schemeClr val="accent2"/>
+          </a:effectRef>
+          <a:fontRef idx="minor">
+            <a:schemeClr val="lt1"/>
+          </a:fontRef>
+        </p:style>
+        <p:txBody>
+          <a:bodyPr vert="horz" wrap="square" lIns="91436" tIns="45718" rIns="91436" bIns="45718" numCol="1" rtlCol="0" anchor="ctr" anchorCtr="0" compatLnSpc="1">
+            <a:prstTxWarp prst="textNoShape">
+              <a:avLst/>
+            </a:prstTxWarp>
+          </a:bodyPr>
+          <a:lstStyle/>
+          <a:p>
+            <a:pPr algn="ctr" defTabSz="914099" fontAlgn="base">
+              <a:spcBef>
+                <a:spcPct val="0"/>
+              </a:spcBef>
+              <a:spcAft>
+                <a:spcPct val="0"/>
+              </a:spcAft>
+            </a:pPr>
+            <a:r>
+              <a:rPr lang="en-US" sz="1600" dirty="0" smtClean="0">
+                <a:gradFill>
+                  <a:gsLst>
+                    <a:gs pos="0">
+                      <a:srgbClr val="FFFFFF"/>
+                    </a:gs>
+                    <a:gs pos="100000">
+                      <a:srgbClr val="FFFFFF"/>
+                    </a:gs>
+                  </a:gsLst>
+                  <a:lin ang="5400000" scaled="0"/>
+                </a:gradFill>
+              </a:rPr>
+              <a:t>Let’s Party in Real-time!</a:t>
+            </a:r>
+          </a:p>
+        </p:txBody>
+      </p:sp>
+    </p:spTree>
+    <p:extLst>
+      <p:ext uri="{BB962C8B-B14F-4D97-AF65-F5344CB8AC3E}">
+        <p14:creationId xmlns:p14="http://schemas.microsoft.com/office/powerpoint/2010/main" val="437155977"/>
+      </p:ext>
+    </p:extLst>
+  </p:cSld>
+  <p:clrMapOvr>
+    <a:masterClrMapping/>
+  </p:clrMapOvr>
+  <p:timing>
+    <p:tnLst>
+      <p:par>
+        <p:cTn id="1" dur="indefinite" restart="never" nodeType="tmRoot">
+          <p:childTnLst>
+            <p:seq concurrent="1" nextAc="seek">
+              <p:cTn id="2" dur="indefinite" nodeType="mainSeq">
+                <p:childTnLst>
+                  <p:par>
+                    <p:cTn id="3" fill="hold">
+                      <p:stCondLst>
+                        <p:cond delay="indefinite"/>
+                      </p:stCondLst>
+                      <p:childTnLst>
+                        <p:par>
+                          <p:cTn id="4" fill="hold">
+                            <p:stCondLst>
+                              <p:cond delay="0"/>
+                            </p:stCondLst>
+                            <p:childTnLst>
+                              <p:par>
+                                <p:cTn id="5" presetID="2" presetClass="entr" presetSubtype="8" fill="hold" grpId="0" nodeType="clickEffect">
+                                  <p:stCondLst>
+                                    <p:cond delay="0"/>
+                                  </p:stCondLst>
+                                  <p:childTnLst>
+                                    <p:set>
+                                      <p:cBhvr>
+                                        <p:cTn id="6" dur="1" fill="hold">
+                                          <p:stCondLst>
+                                            <p:cond delay="0"/>
+                                          </p:stCondLst>
+                                        </p:cTn>
+                                        <p:tgtEl>
+                                          <p:spTgt spid="6"/>
+                                        </p:tgtEl>
+                                        <p:attrNameLst>
+                                          <p:attrName>style.visibility</p:attrName>
+                                        </p:attrNameLst>
+                                      </p:cBhvr>
+                                      <p:to>
+                                        <p:strVal val="visible"/>
+                                      </p:to>
+                                    </p:set>
+                                    <p:anim calcmode="lin" valueType="num">
+                                      <p:cBhvr additive="base">
+                                        <p:cTn id="7" dur="400" fill="hold"/>
+                                        <p:tgtEl>
+                                          <p:spTgt spid="6"/>
+                                        </p:tgtEl>
+                                        <p:attrNameLst>
+                                          <p:attrName>ppt_x</p:attrName>
+                                        </p:attrNameLst>
+                                      </p:cBhvr>
+                                      <p:tavLst>
+                                        <p:tav tm="0">
+                                          <p:val>
+                                            <p:strVal val="0-#ppt_w/2"/>
+                                          </p:val>
+                                        </p:tav>
+                                        <p:tav tm="100000">
+                                          <p:val>
+                                            <p:strVal val="#ppt_x"/>
+                                          </p:val>
+                                        </p:tav>
+                                      </p:tavLst>
+                                    </p:anim>
+                                    <p:anim calcmode="lin" valueType="num">
+                                      <p:cBhvr additive="base">
+                                        <p:cTn id="8" dur="400" fill="hold"/>
+                                        <p:tgtEl>
+                                          <p:spTgt spid="6"/>
+                                        </p:tgtEl>
+                                        <p:attrNameLst>
+                                          <p:attrName>ppt_y</p:attrName>
+                                        </p:attrNameLst>
+                                      </p:cBhvr>
+                                      <p:tavLst>
+                                        <p:tav tm="0">
+                                          <p:val>
+                                            <p:strVal val="#ppt_y"/>
+                                          </p:val>
+                                        </p:tav>
+                                        <p:tav tm="100000">
+                                          <p:val>
+                                            <p:strVal val="#ppt_y"/>
+                                          </p:val>
+                                        </p:tav>
+                                      </p:tavLst>
+                                    </p:anim>
+                                  </p:childTnLst>
+                                </p:cTn>
+                              </p:par>
+                            </p:childTnLst>
+                          </p:cTn>
+                        </p:par>
+                      </p:childTnLst>
+                    </p:cTn>
+                  </p:par>
+                  <p:par>
+                    <p:cTn id="9" fill="hold">
+                      <p:stCondLst>
+                        <p:cond delay="indefinite"/>
+                      </p:stCondLst>
+                      <p:childTnLst>
+                        <p:par>
+                          <p:cTn id="10" fill="hold">
+                            <p:stCondLst>
+                              <p:cond delay="0"/>
+                            </p:stCondLst>
+                            <p:childTnLst>
+                              <p:par>
+                                <p:cTn id="11" presetID="2" presetClass="entr" presetSubtype="2" fill="hold" grpId="0" nodeType="clickEffect">
+                                  <p:stCondLst>
+                                    <p:cond delay="0"/>
+                                  </p:stCondLst>
+                                  <p:childTnLst>
+                                    <p:set>
+                                      <p:cBhvr>
+                                        <p:cTn id="12" dur="1" fill="hold">
+                                          <p:stCondLst>
+                                            <p:cond delay="0"/>
+                                          </p:stCondLst>
+                                        </p:cTn>
+                                        <p:tgtEl>
+                                          <p:spTgt spid="7"/>
+                                        </p:tgtEl>
+                                        <p:attrNameLst>
+                                          <p:attrName>style.visibility</p:attrName>
+                                        </p:attrNameLst>
+                                      </p:cBhvr>
+                                      <p:to>
+                                        <p:strVal val="visible"/>
+                                      </p:to>
+                                    </p:set>
+                                    <p:anim calcmode="lin" valueType="num">
+                                      <p:cBhvr additive="base">
+                                        <p:cTn id="13" dur="400" fill="hold"/>
+                                        <p:tgtEl>
+                                          <p:spTgt spid="7"/>
+                                        </p:tgtEl>
+                                        <p:attrNameLst>
+                                          <p:attrName>ppt_x</p:attrName>
+                                        </p:attrNameLst>
+                                      </p:cBhvr>
+                                      <p:tavLst>
+                                        <p:tav tm="0">
+                                          <p:val>
+                                            <p:strVal val="1+#ppt_w/2"/>
+                                          </p:val>
+                                        </p:tav>
+                                        <p:tav tm="100000">
+                                          <p:val>
+                                            <p:strVal val="#ppt_x"/>
+                                          </p:val>
+                                        </p:tav>
+                                      </p:tavLst>
+                                    </p:anim>
+                                    <p:anim calcmode="lin" valueType="num">
+                                      <p:cBhvr additive="base">
+                                        <p:cTn id="14" dur="400" fill="hold"/>
+                                        <p:tgtEl>
+                                          <p:spTgt spid="7"/>
+                                        </p:tgtEl>
+                                        <p:attrNameLst>
+                                          <p:attrName>ppt_y</p:attrName>
+                                        </p:attrNameLst>
+                                      </p:cBhvr>
+                                      <p:tavLst>
+                                        <p:tav tm="0">
+                                          <p:val>
+                                            <p:strVal val="#ppt_y"/>
+                                          </p:val>
+                                        </p:tav>
+                                        <p:tav tm="100000">
+                                          <p:val>
+                                            <p:strVal val="#ppt_y"/>
+                                          </p:val>
+                                        </p:tav>
+                                      </p:tavLst>
+                                    </p:anim>
+                                  </p:childTnLst>
+                                </p:cTn>
+                              </p:par>
+                            </p:childTnLst>
+                          </p:cTn>
+                        </p:par>
+                      </p:childTnLst>
+                    </p:cTn>
+                  </p:par>
+                  <p:par>
+                    <p:cTn id="15" fill="hold">
+                      <p:stCondLst>
+                        <p:cond delay="indefinite"/>
+                      </p:stCondLst>
+                      <p:childTnLst>
+                        <p:par>
+                          <p:cTn id="16" fill="hold">
+                            <p:stCondLst>
+                              <p:cond delay="0"/>
+                            </p:stCondLst>
+                            <p:childTnLst>
+                              <p:par>
+                                <p:cTn id="17" presetID="13" presetClass="entr" presetSubtype="32" fill="hold" grpId="0" nodeType="clickEffect">
+                                  <p:stCondLst>
+                                    <p:cond delay="0"/>
+                                  </p:stCondLst>
+                                  <p:childTnLst>
+                                    <p:set>
+                                      <p:cBhvr>
+                                        <p:cTn id="18" dur="1" fill="hold">
+                                          <p:stCondLst>
+                                            <p:cond delay="0"/>
+                                          </p:stCondLst>
+                                        </p:cTn>
+                                        <p:tgtEl>
+                                          <p:spTgt spid="21">
+                                            <p:bg/>
+                                          </p:spTgt>
+                                        </p:tgtEl>
+                                        <p:attrNameLst>
+                                          <p:attrName>style.visibility</p:attrName>
+                                        </p:attrNameLst>
+                                      </p:cBhvr>
+                                      <p:to>
+                                        <p:strVal val="visible"/>
+                                      </p:to>
+                                    </p:set>
+                                    <p:animEffect transition="in" filter="plus(out)">
+                                      <p:cBhvr>
+                                        <p:cTn id="19" dur="500"/>
+                                        <p:tgtEl>
+                                          <p:spTgt spid="21">
+                                            <p:bg/>
+                                          </p:spTgt>
+                                        </p:tgtEl>
+                                      </p:cBhvr>
+                                    </p:animEffect>
+                                  </p:childTnLst>
+                                </p:cTn>
+                              </p:par>
+                              <p:par>
+                                <p:cTn id="20" presetID="13" presetClass="entr" presetSubtype="32" fill="hold" grpId="0" nodeType="withEffect">
+                                  <p:stCondLst>
+                                    <p:cond delay="0"/>
+                                  </p:stCondLst>
+                                  <p:childTnLst>
+                                    <p:set>
+                                      <p:cBhvr>
+                                        <p:cTn id="21" dur="1" fill="hold">
+                                          <p:stCondLst>
+                                            <p:cond delay="0"/>
+                                          </p:stCondLst>
+                                        </p:cTn>
+                                        <p:tgtEl>
+                                          <p:spTgt spid="21">
+                                            <p:txEl>
+                                              <p:pRg st="0" end="0"/>
+                                            </p:txEl>
+                                          </p:spTgt>
+                                        </p:tgtEl>
+                                        <p:attrNameLst>
+                                          <p:attrName>style.visibility</p:attrName>
+                                        </p:attrNameLst>
+                                      </p:cBhvr>
+                                      <p:to>
+                                        <p:strVal val="visible"/>
+                                      </p:to>
+                                    </p:set>
+                                    <p:animEffect transition="in" filter="plus(out)">
+                                      <p:cBhvr>
+                                        <p:cTn id="22" dur="500"/>
+                                        <p:tgtEl>
+                                          <p:spTgt spid="21">
+                                            <p:txEl>
+                                              <p:pRg st="0" end="0"/>
+                                            </p:txEl>
+                                          </p:spTgt>
+                                        </p:tgtEl>
+                                      </p:cBhvr>
+                                    </p:animEffect>
+                                  </p:childTnLst>
+                                </p:cTn>
+                              </p:par>
+                            </p:childTnLst>
+                          </p:cTn>
+                        </p:par>
+                      </p:childTnLst>
+                    </p:cTn>
+                  </p:par>
+                </p:childTnLst>
+              </p:cTn>
+              <p:prevCondLst>
+                <p:cond evt="onPrev" delay="0">
+                  <p:tgtEl>
+                    <p:sldTgt/>
+                  </p:tgtEl>
+                </p:cond>
+              </p:prevCondLst>
+              <p:nextCondLst>
+                <p:cond evt="onNext" delay="0">
+                  <p:tgtEl>
+                    <p:sldTgt/>
+                  </p:tgtEl>
+                </p:cond>
+              </p:nextCondLst>
+            </p:seq>
+          </p:childTnLst>
+        </p:cTn>
+      </p:par>
+    </p:tnLst>
+    <p:bldLst>
+      <p:bldP spid="6" grpId="0" animBg="1"/>
+      <p:bldP spid="7" grpId="0" animBg="1"/>
+      <p:bldP spid="21" grpId="0" build="allAtOnce" animBg="1"/>
+    </p:bldLst>
+  </p:timing>
+</p:sld>
+</file>
+
+<file path=ppt/slides/slide13.xml><?xml version="1.0" encoding="utf-8"?>
+<p:sld xmlns:a="http://schemas.openxmlformats.org/drawingml/2006/main" xmlns:r="http://schemas.openxmlformats.org/officeDocument/2006/relationships" xmlns:p="http://schemas.openxmlformats.org/presentationml/2006/main">
+  <p:cSld>
+    <p:spTree>
+      <p:nvGrpSpPr>
+        <p:cNvPr id="1" name=""/>
+        <p:cNvGrpSpPr/>
+        <p:nvPr/>
+      </p:nvGrpSpPr>
+      <p:grpSpPr>
+        <a:xfrm>
+          <a:off x="0" y="0"/>
+          <a:ext cx="0" cy="0"/>
+          <a:chOff x="0" y="0"/>
+          <a:chExt cx="0" cy="0"/>
+        </a:xfrm>
+      </p:grpSpPr>
+      <p:sp>
+        <p:nvSpPr>
+          <p:cNvPr id="4" name="Title 3"/>
+          <p:cNvSpPr>
+            <a:spLocks noGrp="1"/>
+          </p:cNvSpPr>
+          <p:nvPr>
+            <p:ph type="title"/>
+          </p:nvPr>
+        </p:nvSpPr>
+        <p:spPr/>
+        <p:txBody>
+          <a:bodyPr/>
+          <a:lstStyle/>
+          <a:p>
+            <a:r>
+              <a:rPr lang="en-US" dirty="0" smtClean="0"/>
+              <a:t>SignalR Fallback</a:t>
+            </a:r>
+            <a:endParaRPr lang="ru-RU" dirty="0"/>
+          </a:p>
+        </p:txBody>
+      </p:sp>
+      <p:graphicFrame>
+        <p:nvGraphicFramePr>
+          <p:cNvPr id="3" name="Diagram 2"/>
+          <p:cNvGraphicFramePr/>
+          <p:nvPr>
+            <p:extLst/>
+          </p:nvPr>
+        </p:nvGraphicFramePr>
+        <p:xfrm>
+          <a:off x="2033059" y="429382"/>
+          <a:ext cx="8982316" cy="5708247"/>
+        </p:xfrm>
+        <a:graphic>
+          <a:graphicData uri="http://schemas.openxmlformats.org/drawingml/2006/diagram">
+            <dgm:relIds xmlns:dgm="http://schemas.openxmlformats.org/drawingml/2006/diagram" xmlns:r="http://schemas.openxmlformats.org/officeDocument/2006/relationships" r:dm="rId3" r:lo="rId4" r:qs="rId5" r:cs="rId6"/>
+          </a:graphicData>
+        </a:graphic>
+      </p:graphicFrame>
+    </p:spTree>
+    <p:extLst>
+      <p:ext uri="{BB962C8B-B14F-4D97-AF65-F5344CB8AC3E}">
+        <p14:creationId xmlns:p14="http://schemas.microsoft.com/office/powerpoint/2010/main" val="3592558437"/>
+      </p:ext>
+    </p:extLst>
+  </p:cSld>
+  <p:clrMapOvr>
+    <a:masterClrMapping/>
+  </p:clrMapOvr>
+  <mc:AlternateContent xmlns:mc="http://schemas.openxmlformats.org/markup-compatibility/2006" xmlns:p14="http://schemas.microsoft.com/office/powerpoint/2010/main">
+    <mc:Choice Requires="p14">
+      <p:transition p14:dur="0"/>
+    </mc:Choice>
+    <mc:Fallback xmlns="">
+      <p:transition/>
+    </mc:Fallback>
+  </mc:AlternateContent>
+  <p:timing>
+    <p:tnLst>
+      <p:par>
+        <p:cTn id="1" dur="indefinite" restart="never" nodeType="tmRoot"/>
+      </p:par>
+    </p:tnLst>
+  </p:timing>
+</p:sld>
+</file>
+
+<file path=ppt/slides/slide14.xml><?xml version="1.0" encoding="utf-8"?>
+<p:sld xmlns:a="http://schemas.openxmlformats.org/drawingml/2006/main" xmlns:r="http://schemas.openxmlformats.org/officeDocument/2006/relationships" xmlns:p="http://schemas.openxmlformats.org/presentationml/2006/main">
+  <p:cSld>
+    <p:spTree>
+      <p:nvGrpSpPr>
+        <p:cNvPr id="1" name=""/>
+        <p:cNvGrpSpPr/>
+        <p:nvPr/>
+      </p:nvGrpSpPr>
+      <p:grpSpPr>
+        <a:xfrm>
+          <a:off x="0" y="0"/>
+          <a:ext cx="0" cy="0"/>
+          <a:chOff x="0" y="0"/>
+          <a:chExt cx="0" cy="0"/>
+        </a:xfrm>
+      </p:grpSpPr>
+      <p:sp>
+        <p:nvSpPr>
+          <p:cNvPr id="2" name="Title 1"/>
+          <p:cNvSpPr>
+            <a:spLocks noGrp="1"/>
+          </p:cNvSpPr>
+          <p:nvPr>
+            <p:ph type="title"/>
+          </p:nvPr>
+        </p:nvSpPr>
+        <p:spPr/>
+        <p:txBody>
+          <a:bodyPr>
+            <a:normAutofit fontScale="90000"/>
+          </a:bodyPr>
+          <a:lstStyle/>
+          <a:p>
+            <a:r>
+              <a:rPr lang="en-US" dirty="0" smtClean="0"/>
+              <a:t>MVA</a:t>
+            </a:r>
+            <a:r>
+              <a:rPr lang="en-US" dirty="0"/>
+              <a:t>: </a:t>
+            </a:r>
+            <a:r>
+              <a:rPr lang="en-US" dirty="0" smtClean="0"/>
+              <a:t>Lighting </a:t>
+            </a:r>
+            <a:r>
+              <a:rPr lang="en-US" dirty="0"/>
+              <a:t>Up Real-Time Web Communications with SignalR</a:t>
+            </a:r>
+          </a:p>
+        </p:txBody>
+      </p:sp>
+      <p:pic>
+        <p:nvPicPr>
+          <p:cNvPr id="4" name="Content Placeholder 3"/>
+          <p:cNvPicPr>
+            <a:picLocks noGrp="1" noChangeAspect="1"/>
+          </p:cNvPicPr>
+          <p:nvPr>
+            <p:ph sz="quarter" idx="10"/>
+          </p:nvPr>
+        </p:nvPicPr>
+        <p:blipFill rotWithShape="1">
+          <a:blip r:embed="rId2"/>
+          <a:srcRect l="21572" t="22450" r="22709" b="24772"/>
+          <a:stretch/>
+        </p:blipFill>
+        <p:spPr>
+          <a:xfrm>
+            <a:off x="1546178" y="1565564"/>
+            <a:ext cx="9099645" cy="4848320"/>
+          </a:xfrm>
+          <a:prstGeom prst="rect">
+            <a:avLst/>
+          </a:prstGeom>
+        </p:spPr>
+      </p:pic>
+    </p:spTree>
+    <p:extLst>
+      <p:ext uri="{BB962C8B-B14F-4D97-AF65-F5344CB8AC3E}">
+        <p14:creationId xmlns:p14="http://schemas.microsoft.com/office/powerpoint/2010/main" val="1449648031"/>
+      </p:ext>
+    </p:extLst>
+  </p:cSld>
+  <p:clrMapOvr>
+    <a:masterClrMapping/>
+  </p:clrMapOvr>
+</p:sld>
+</file>
+
+<file path=ppt/slides/slide15.xml><?xml version="1.0" encoding="utf-8"?>
+<p:sld xmlns:a="http://schemas.openxmlformats.org/drawingml/2006/main" xmlns:r="http://schemas.openxmlformats.org/officeDocument/2006/relationships" xmlns:p="http://schemas.openxmlformats.org/presentationml/2006/main">
+  <p:cSld>
+    <p:spTree>
+      <p:nvGrpSpPr>
+        <p:cNvPr id="1" name=""/>
+        <p:cNvGrpSpPr/>
+        <p:nvPr/>
+      </p:nvGrpSpPr>
+      <p:grpSpPr>
+        <a:xfrm>
+          <a:off x="0" y="0"/>
+          <a:ext cx="0" cy="0"/>
+          <a:chOff x="0" y="0"/>
+          <a:chExt cx="0" cy="0"/>
+        </a:xfrm>
+      </p:grpSpPr>
+      <p:sp>
+        <p:nvSpPr>
+          <p:cNvPr id="2" name="Title 1"/>
+          <p:cNvSpPr>
+            <a:spLocks noGrp="1"/>
+          </p:cNvSpPr>
+          <p:nvPr>
+            <p:ph type="title"/>
+          </p:nvPr>
+        </p:nvSpPr>
+        <p:spPr/>
+        <p:txBody>
+          <a:bodyPr/>
+          <a:lstStyle/>
+          <a:p>
+            <a:r>
+              <a:rPr lang="en-US" dirty="0" smtClean="0"/>
+              <a:t>Saving and Updating via SignalR</a:t>
+            </a:r>
+            <a:endParaRPr lang="en-US" dirty="0"/>
+          </a:p>
+        </p:txBody>
+      </p:sp>
+    </p:spTree>
+    <p:extLst>
+      <p:ext uri="{BB962C8B-B14F-4D97-AF65-F5344CB8AC3E}">
+        <p14:creationId xmlns:p14="http://schemas.microsoft.com/office/powerpoint/2010/main" val="4235247801"/>
+      </p:ext>
+    </p:extLst>
+  </p:cSld>
+  <p:clrMapOvr>
+    <a:masterClrMapping/>
+  </p:clrMapOvr>
+</p:sld>
+</file>
+
+<file path=ppt/slides/slide16.xml><?xml version="1.0" encoding="utf-8"?>
+<p:sld xmlns:a="http://schemas.openxmlformats.org/drawingml/2006/main" xmlns:r="http://schemas.openxmlformats.org/officeDocument/2006/relationships" xmlns:p="http://schemas.openxmlformats.org/presentationml/2006/main">
+  <p:cSld>
+    <p:spTree>
+      <p:nvGrpSpPr>
+        <p:cNvPr id="1" name=""/>
+        <p:cNvGrpSpPr/>
+        <p:nvPr/>
+      </p:nvGrpSpPr>
+      <p:grpSpPr>
+        <a:xfrm>
+          <a:off x="0" y="0"/>
+          <a:ext cx="0" cy="0"/>
+          <a:chOff x="0" y="0"/>
+          <a:chExt cx="0" cy="0"/>
+        </a:xfrm>
+      </p:grpSpPr>
+    </p:spTree>
+    <p:extLst>
+      <p:ext uri="{BB962C8B-B14F-4D97-AF65-F5344CB8AC3E}">
+        <p14:creationId xmlns:p14="http://schemas.microsoft.com/office/powerpoint/2010/main" val="3634250045"/>
+      </p:ext>
+    </p:extLst>
+  </p:cSld>
+  <p:clrMapOvr>
+    <a:masterClrMapping/>
+  </p:clrMapOvr>
+  <mc:AlternateContent xmlns:mc="http://schemas.openxmlformats.org/markup-compatibility/2006" xmlns:p14="http://schemas.microsoft.com/office/powerpoint/2010/main">
+    <mc:Choice Requires="p14">
+      <p:transition spd="slow" p14:dur="2000"/>
+    </mc:Choice>
+    <mc:Fallback xmlns="">
+      <p:transition spd="slow"/>
+    </mc:Fallback>
+  </mc:AlternateContent>
+  <p:timing>
+    <p:tnLst>
+      <p:par>
+        <p:cTn id="1" dur="indefinite" restart="never" nodeType="tmRoot"/>
+      </p:par>
+    </p:tnLst>
+  </p:timing>
+</p:sld>
+</file>
+
 <file path=ppt/slides/slide2.xml><?xml version="1.0" encoding="utf-8"?>
 <p:sld xmlns:a="http://schemas.openxmlformats.org/drawingml/2006/main" xmlns:r="http://schemas.openxmlformats.org/officeDocument/2006/relationships" xmlns:p="http://schemas.openxmlformats.org/presentationml/2006/main">
   <p:cSld>
@@ -3401,7 +12012,7 @@
             <p:ph sz="quarter" idx="10"/>
             <p:extLst>
               <p:ext uri="{D42A27DB-BD31-4B8C-83A1-F6EECF244321}">
-                <p14:modId xmlns:p14="http://schemas.microsoft.com/office/powerpoint/2010/main" val="1190803272"/>
+                <p14:modId xmlns:p14="http://schemas.microsoft.com/office/powerpoint/2010/main" val="2430626509"/>
               </p:ext>
             </p:extLst>
           </p:nvPr>
@@ -3561,7 +12172,7 @@
                           <a:latin typeface="Segoe UI Light" panose="020B0502040204020203" pitchFamily="34" charset="0"/>
                           <a:cs typeface="Segoe UI Light" panose="020B0502040204020203" pitchFamily="34" charset="0"/>
                         </a:rPr>
-                        <a:t>05 | Bringing It All Together</a:t>
+                        <a:t>05 | Single Page Applications</a:t>
                       </a:r>
                       <a:endParaRPr lang="en-US" sz="2400" dirty="0">
                         <a:latin typeface="Segoe UI Light" panose="020B0502040204020203" pitchFamily="34" charset="0"/>
@@ -3612,7 +12223,7 @@
                           <a:latin typeface="Segoe UI Light" panose="020B0502040204020203" pitchFamily="34" charset="0"/>
                           <a:cs typeface="Segoe UI Light" panose="020B0502040204020203" pitchFamily="34" charset="0"/>
                         </a:rPr>
-                        <a:t> | Loops, Logic and Templates</a:t>
+                        <a:t> | Components</a:t>
                       </a:r>
                       <a:endParaRPr lang="en-US" sz="2400" dirty="0" smtClean="0">
                         <a:latin typeface="Segoe UI Light" panose="020B0502040204020203" pitchFamily="34" charset="0"/>
@@ -3786,6 +12397,297 @@
           <a:p>
             <a:r>
               <a:rPr lang="en-US" dirty="0" smtClean="0"/>
+              <a:t>Entity </a:t>
+            </a:r>
+            <a:r>
+              <a:rPr lang="en-US" dirty="0" smtClean="0"/>
+              <a:t>Framework Overview</a:t>
+            </a:r>
+            <a:endParaRPr lang="en-US" dirty="0"/>
+          </a:p>
+        </p:txBody>
+      </p:sp>
+      <p:sp>
+        <p:nvSpPr>
+          <p:cNvPr id="3" name="Subtitle 2"/>
+          <p:cNvSpPr>
+            <a:spLocks noGrp="1"/>
+          </p:cNvSpPr>
+          <p:nvPr>
+            <p:ph type="subTitle" idx="1"/>
+          </p:nvPr>
+        </p:nvSpPr>
+        <p:spPr/>
+        <p:txBody>
+          <a:bodyPr/>
+          <a:lstStyle/>
+          <a:p>
+            <a:endParaRPr lang="en-US"/>
+          </a:p>
+        </p:txBody>
+      </p:sp>
+    </p:spTree>
+    <p:extLst>
+      <p:ext uri="{BB962C8B-B14F-4D97-AF65-F5344CB8AC3E}">
+        <p14:creationId xmlns:p14="http://schemas.microsoft.com/office/powerpoint/2010/main" val="2692157243"/>
+      </p:ext>
+    </p:extLst>
+  </p:cSld>
+  <p:clrMapOvr>
+    <a:masterClrMapping/>
+  </p:clrMapOvr>
+  <p:timing>
+    <p:tnLst>
+      <p:par>
+        <p:cTn id="1" dur="indefinite" restart="never" nodeType="tmRoot"/>
+      </p:par>
+    </p:tnLst>
+  </p:timing>
+</p:sld>
+</file>
+
+<file path=ppt/slides/slide5.xml><?xml version="1.0" encoding="utf-8"?>
+<p:sld xmlns:a="http://schemas.openxmlformats.org/drawingml/2006/main" xmlns:r="http://schemas.openxmlformats.org/officeDocument/2006/relationships" xmlns:p="http://schemas.openxmlformats.org/presentationml/2006/main">
+  <p:cSld>
+    <p:spTree>
+      <p:nvGrpSpPr>
+        <p:cNvPr id="1" name=""/>
+        <p:cNvGrpSpPr/>
+        <p:nvPr/>
+      </p:nvGrpSpPr>
+      <p:grpSpPr>
+        <a:xfrm>
+          <a:off x="0" y="0"/>
+          <a:ext cx="0" cy="0"/>
+          <a:chOff x="0" y="0"/>
+          <a:chExt cx="0" cy="0"/>
+        </a:xfrm>
+      </p:grpSpPr>
+      <p:sp>
+        <p:nvSpPr>
+          <p:cNvPr id="2" name="Title 1"/>
+          <p:cNvSpPr>
+            <a:spLocks noGrp="1"/>
+          </p:cNvSpPr>
+          <p:nvPr>
+            <p:ph type="title"/>
+          </p:nvPr>
+        </p:nvSpPr>
+        <p:spPr/>
+        <p:txBody>
+          <a:bodyPr/>
+          <a:lstStyle/>
+          <a:p>
+            <a:r>
+              <a:rPr lang="en-US" dirty="0" smtClean="0"/>
+              <a:t>Entity Framework</a:t>
+            </a:r>
+            <a:endParaRPr lang="en-US" dirty="0"/>
+          </a:p>
+        </p:txBody>
+      </p:sp>
+      <p:sp>
+        <p:nvSpPr>
+          <p:cNvPr id="3" name="Content Placeholder 2"/>
+          <p:cNvSpPr>
+            <a:spLocks noGrp="1"/>
+          </p:cNvSpPr>
+          <p:nvPr>
+            <p:ph sz="quarter" idx="10"/>
+          </p:nvPr>
+        </p:nvSpPr>
+        <p:spPr/>
+        <p:txBody>
+          <a:bodyPr/>
+          <a:lstStyle/>
+          <a:p>
+            <a:r>
+              <a:rPr lang="en-US" dirty="0" smtClean="0"/>
+              <a:t>Entity </a:t>
+            </a:r>
+            <a:r>
+              <a:rPr lang="en-US" dirty="0"/>
+              <a:t>Framework (EF) is an object-relational mapper that enables .NET developers to work with relational data using domain-specific objects</a:t>
+            </a:r>
+            <a:r>
+              <a:rPr lang="en-US" dirty="0" smtClean="0"/>
+              <a:t>.</a:t>
+            </a:r>
+          </a:p>
+          <a:p>
+            <a:r>
+              <a:rPr lang="en-US" dirty="0" smtClean="0"/>
+              <a:t>EF7 is cross-platform, more lightweight, and works with non-relational databases.</a:t>
+            </a:r>
+          </a:p>
+          <a:p>
+            <a:r>
+              <a:rPr lang="en-US" dirty="0" smtClean="0"/>
+              <a:t>Not required for Knockout, we’re just showing it as an example.</a:t>
+            </a:r>
+            <a:endParaRPr lang="en-US" dirty="0"/>
+          </a:p>
+        </p:txBody>
+      </p:sp>
+    </p:spTree>
+    <p:extLst>
+      <p:ext uri="{BB962C8B-B14F-4D97-AF65-F5344CB8AC3E}">
+        <p14:creationId xmlns:p14="http://schemas.microsoft.com/office/powerpoint/2010/main" val="346423413"/>
+      </p:ext>
+    </p:extLst>
+  </p:cSld>
+  <p:clrMapOvr>
+    <a:masterClrMapping/>
+  </p:clrMapOvr>
+</p:sld>
+</file>
+
+<file path=ppt/slides/slide6.xml><?xml version="1.0" encoding="utf-8"?>
+<p:sld xmlns:a="http://schemas.openxmlformats.org/drawingml/2006/main" xmlns:r="http://schemas.openxmlformats.org/officeDocument/2006/relationships" xmlns:p="http://schemas.openxmlformats.org/presentationml/2006/main">
+  <p:cSld>
+    <p:spTree>
+      <p:nvGrpSpPr>
+        <p:cNvPr id="1" name=""/>
+        <p:cNvGrpSpPr/>
+        <p:nvPr/>
+      </p:nvGrpSpPr>
+      <p:grpSpPr>
+        <a:xfrm>
+          <a:off x="0" y="0"/>
+          <a:ext cx="0" cy="0"/>
+          <a:chOff x="0" y="0"/>
+          <a:chExt cx="0" cy="0"/>
+        </a:xfrm>
+      </p:grpSpPr>
+      <p:sp>
+        <p:nvSpPr>
+          <p:cNvPr id="2" name="Title 1"/>
+          <p:cNvSpPr>
+            <a:spLocks noGrp="1"/>
+          </p:cNvSpPr>
+          <p:nvPr>
+            <p:ph type="title"/>
+          </p:nvPr>
+        </p:nvSpPr>
+        <p:spPr/>
+        <p:txBody>
+          <a:bodyPr/>
+          <a:lstStyle/>
+          <a:p>
+            <a:r>
+              <a:rPr lang="en-US" dirty="0" smtClean="0"/>
+              <a:t>Entity Framework Resources</a:t>
+            </a:r>
+            <a:endParaRPr lang="en-US" dirty="0"/>
+          </a:p>
+        </p:txBody>
+      </p:sp>
+      <p:sp>
+        <p:nvSpPr>
+          <p:cNvPr id="3" name="Content Placeholder 2"/>
+          <p:cNvSpPr>
+            <a:spLocks noGrp="1"/>
+          </p:cNvSpPr>
+          <p:nvPr>
+            <p:ph sz="quarter" idx="10"/>
+          </p:nvPr>
+        </p:nvSpPr>
+        <p:spPr/>
+        <p:txBody>
+          <a:bodyPr/>
+          <a:lstStyle/>
+          <a:p>
+            <a:r>
+              <a:rPr lang="en-US" dirty="0">
+                <a:hlinkClick r:id="rId2"/>
+              </a:rPr>
+              <a:t>https://</a:t>
+            </a:r>
+            <a:r>
+              <a:rPr lang="en-US" dirty="0" smtClean="0">
+                <a:hlinkClick r:id="rId2"/>
+              </a:rPr>
+              <a:t>github.com/aspnet/EntityFramework</a:t>
+            </a:r>
+            <a:endParaRPr lang="en-US" dirty="0" smtClean="0"/>
+          </a:p>
+          <a:p>
+            <a:r>
+              <a:rPr lang="en-US" dirty="0">
+                <a:hlinkClick r:id="rId3"/>
+              </a:rPr>
+              <a:t>Implementing Entity Framework with </a:t>
+            </a:r>
+            <a:r>
+              <a:rPr lang="en-US" dirty="0" smtClean="0">
+                <a:hlinkClick r:id="rId3"/>
+              </a:rPr>
+              <a:t>MVC</a:t>
+            </a:r>
+            <a:endParaRPr lang="en-US" dirty="0" smtClean="0"/>
+          </a:p>
+          <a:p>
+            <a:r>
+              <a:rPr lang="en-US" dirty="0" smtClean="0">
+                <a:hlinkClick r:id="rId4"/>
+              </a:rPr>
+              <a:t>What’s New With ASP.NET 5</a:t>
+            </a:r>
+            <a:r>
+              <a:rPr lang="en-US" dirty="0" smtClean="0"/>
+              <a:t> (EF7)</a:t>
+            </a:r>
+            <a:endParaRPr lang="en-US" dirty="0"/>
+          </a:p>
+        </p:txBody>
+      </p:sp>
+    </p:spTree>
+    <p:extLst>
+      <p:ext uri="{BB962C8B-B14F-4D97-AF65-F5344CB8AC3E}">
+        <p14:creationId xmlns:p14="http://schemas.microsoft.com/office/powerpoint/2010/main" val="3113419221"/>
+      </p:ext>
+    </p:extLst>
+  </p:cSld>
+  <p:clrMapOvr>
+    <a:masterClrMapping/>
+  </p:clrMapOvr>
+</p:sld>
+</file>
+
+<file path=ppt/slides/slide7.xml><?xml version="1.0" encoding="utf-8"?>
+<p:sld xmlns:a="http://schemas.openxmlformats.org/drawingml/2006/main" xmlns:r="http://schemas.openxmlformats.org/officeDocument/2006/relationships" xmlns:p="http://schemas.openxmlformats.org/presentationml/2006/main">
+  <p:cSld>
+    <p:spTree>
+      <p:nvGrpSpPr>
+        <p:cNvPr id="1" name=""/>
+        <p:cNvGrpSpPr/>
+        <p:nvPr/>
+      </p:nvGrpSpPr>
+      <p:grpSpPr>
+        <a:xfrm>
+          <a:off x="0" y="0"/>
+          <a:ext cx="0" cy="0"/>
+          <a:chOff x="0" y="0"/>
+          <a:chExt cx="0" cy="0"/>
+        </a:xfrm>
+      </p:grpSpPr>
+      <p:sp>
+        <p:nvSpPr>
+          <p:cNvPr id="2" name="Text Placeholder 1"/>
+          <p:cNvSpPr>
+            <a:spLocks noGrp="1"/>
+          </p:cNvSpPr>
+          <p:nvPr>
+            <p:ph type="body" sz="quarter" idx="10"/>
+          </p:nvPr>
+        </p:nvSpPr>
+        <p:spPr/>
+        <p:txBody>
+          <a:bodyPr/>
+          <a:lstStyle/>
+          <a:p>
+            <a:r>
+              <a:rPr lang="en-US" dirty="0" smtClean="0"/>
               <a:t>Loading Data</a:t>
             </a:r>
             <a:endParaRPr lang="en-US" dirty="0"/>
@@ -3831,7 +12733,7 @@
 </p:sld>
 </file>
 
-<file path=ppt/slides/slide5.xml><?xml version="1.0" encoding="utf-8"?>
+<file path=ppt/slides/slide8.xml><?xml version="1.0" encoding="utf-8"?>
 <p:sld xmlns:a="http://schemas.openxmlformats.org/drawingml/2006/main" xmlns:r="http://schemas.openxmlformats.org/officeDocument/2006/relationships" xmlns:p="http://schemas.openxmlformats.org/presentationml/2006/main">
   <p:cSld>
     <p:spTree>
@@ -3850,12 +12752,12 @@
       </p:grpSpPr>
       <p:sp>
         <p:nvSpPr>
-          <p:cNvPr id="2" name="Text Placeholder 1"/>
+          <p:cNvPr id="2" name="Title 1"/>
           <p:cNvSpPr>
             <a:spLocks noGrp="1"/>
           </p:cNvSpPr>
           <p:nvPr>
-            <p:ph type="body" sz="quarter" idx="10"/>
+            <p:ph type="title"/>
           </p:nvPr>
         </p:nvSpPr>
         <p:spPr/>
@@ -3864,53 +12766,27 @@
           <a:lstStyle/>
           <a:p>
             <a:r>
-              <a:rPr lang="en-US" smtClean="0"/>
-              <a:t>Saving Data</a:t>
+              <a:rPr lang="en-US" dirty="0" smtClean="0"/>
+              <a:t>Loading Data via Ajax</a:t>
             </a:r>
             <a:endParaRPr lang="en-US" dirty="0"/>
-          </a:p>
-        </p:txBody>
-      </p:sp>
-      <p:sp>
-        <p:nvSpPr>
-          <p:cNvPr id="3" name="Subtitle 2"/>
-          <p:cNvSpPr>
-            <a:spLocks noGrp="1"/>
-          </p:cNvSpPr>
-          <p:nvPr>
-            <p:ph type="subTitle" idx="1"/>
-          </p:nvPr>
-        </p:nvSpPr>
-        <p:spPr/>
-        <p:txBody>
-          <a:bodyPr/>
-          <a:lstStyle/>
-          <a:p>
-            <a:endParaRPr lang="en-US"/>
           </a:p>
         </p:txBody>
       </p:sp>
     </p:spTree>
     <p:extLst>
       <p:ext uri="{BB962C8B-B14F-4D97-AF65-F5344CB8AC3E}">
-        <p14:creationId xmlns:p14="http://schemas.microsoft.com/office/powerpoint/2010/main" val="3300338480"/>
+        <p14:creationId xmlns:p14="http://schemas.microsoft.com/office/powerpoint/2010/main" val="772455720"/>
       </p:ext>
     </p:extLst>
   </p:cSld>
   <p:clrMapOvr>
     <a:masterClrMapping/>
   </p:clrMapOvr>
-  <p:timing>
-    <p:tnLst>
-      <p:par>
-        <p:cTn id="1" dur="indefinite" restart="never" nodeType="tmRoot"/>
-      </p:par>
-    </p:tnLst>
-  </p:timing>
 </p:sld>
 </file>
 
-<file path=ppt/slides/slide6.xml><?xml version="1.0" encoding="utf-8"?>
+<file path=ppt/slides/slide9.xml><?xml version="1.0" encoding="utf-8"?>
 <p:sld xmlns:a="http://schemas.openxmlformats.org/drawingml/2006/main" xmlns:r="http://schemas.openxmlformats.org/officeDocument/2006/relationships" xmlns:p="http://schemas.openxmlformats.org/presentationml/2006/main">
   <p:cSld>
     <p:spTree>
@@ -3927,31 +12803,39 @@
           <a:chExt cx="0" cy="0"/>
         </a:xfrm>
       </p:grpSpPr>
+      <p:sp>
+        <p:nvSpPr>
+          <p:cNvPr id="2" name="Title 1"/>
+          <p:cNvSpPr>
+            <a:spLocks noGrp="1"/>
+          </p:cNvSpPr>
+          <p:nvPr>
+            <p:ph type="title"/>
+          </p:nvPr>
+        </p:nvSpPr>
+        <p:spPr/>
+        <p:txBody>
+          <a:bodyPr/>
+          <a:lstStyle/>
+          <a:p>
+            <a:r>
+              <a:rPr lang="en-US" dirty="0" smtClean="0"/>
+              <a:t>Saving Data via Ajax</a:t>
+            </a:r>
+            <a:endParaRPr lang="en-US" dirty="0"/>
+          </a:p>
+        </p:txBody>
+      </p:sp>
     </p:spTree>
     <p:extLst>
       <p:ext uri="{BB962C8B-B14F-4D97-AF65-F5344CB8AC3E}">
-        <p14:creationId xmlns:p14="http://schemas.microsoft.com/office/powerpoint/2010/main" val="3634250045"/>
+        <p14:creationId xmlns:p14="http://schemas.microsoft.com/office/powerpoint/2010/main" val="3310139118"/>
       </p:ext>
     </p:extLst>
   </p:cSld>
   <p:clrMapOvr>
     <a:masterClrMapping/>
   </p:clrMapOvr>
-  <mc:AlternateContent xmlns:mc="http://schemas.openxmlformats.org/markup-compatibility/2006" xmlns:p14="http://schemas.microsoft.com/office/powerpoint/2010/main">
-    <mc:Choice Requires="p14">
-      <p:transition spd="slow" p14:dur="2000"/>
-    </mc:Choice>
-    <mc:Fallback xmlns="">
-      <p:transition spd="slow"/>
-    </mc:Fallback>
-  </mc:AlternateContent>
-  <p:timing>
-    <p:tnLst>
-      <p:par>
-        <p:cTn id="1" dur="indefinite" restart="never" nodeType="tmRoot"/>
-      </p:par>
-    </p:tnLst>
-  </p:timing>
 </p:sld>
 </file>
 

--- a/Slides/4 - Making Server Calls and Persisting Data.pptx
+++ b/Slides/4 - Making Server Calls and Persisting Data.pptx
@@ -5,11 +5,11 @@
     <p:sldMasterId id="2147483660" r:id="rId1"/>
   </p:sldMasterIdLst>
   <p:notesMasterIdLst>
-    <p:notesMasterId r:id="rId18"/>
+    <p:notesMasterId r:id="rId20"/>
   </p:notesMasterIdLst>
   <p:sldIdLst>
     <p:sldId id="451" r:id="rId2"/>
-    <p:sldId id="455" r:id="rId3"/>
+    <p:sldId id="477" r:id="rId3"/>
     <p:sldId id="463" r:id="rId4"/>
     <p:sldId id="466" r:id="rId5"/>
     <p:sldId id="467" r:id="rId6"/>
@@ -22,8 +22,10 @@
     <p:sldId id="474" r:id="rId13"/>
     <p:sldId id="475" r:id="rId14"/>
     <p:sldId id="476" r:id="rId15"/>
-    <p:sldId id="472" r:id="rId16"/>
-    <p:sldId id="450" r:id="rId17"/>
+    <p:sldId id="478" r:id="rId16"/>
+    <p:sldId id="479" r:id="rId17"/>
+    <p:sldId id="472" r:id="rId18"/>
+    <p:sldId id="450" r:id="rId19"/>
   </p:sldIdLst>
   <p:sldSz cx="12192000" cy="6858000"/>
   <p:notesSz cx="6858000" cy="9144000"/>
@@ -128,7 +130,7 @@
         <p14:section name="Default Section" id="{CD57A8B9-5C48-4AB5-93B7-EA7DD563D060}">
           <p14:sldIdLst>
             <p14:sldId id="451"/>
-            <p14:sldId id="455"/>
+            <p14:sldId id="477"/>
             <p14:sldId id="463"/>
             <p14:sldId id="466"/>
             <p14:sldId id="467"/>
@@ -141,6 +143,8 @@
             <p14:sldId id="474"/>
             <p14:sldId id="475"/>
             <p14:sldId id="476"/>
+            <p14:sldId id="478"/>
+            <p14:sldId id="479"/>
             <p14:sldId id="472"/>
             <p14:sldId id="450"/>
           </p14:sldIdLst>
@@ -4803,91 +4807,6 @@
 </file>
 
 <file path=ppt/notesSlides/notesSlide2.xml><?xml version="1.0" encoding="utf-8"?>
-<p:notes xmlns:a="http://schemas.openxmlformats.org/drawingml/2006/main" xmlns:r="http://schemas.openxmlformats.org/officeDocument/2006/relationships" xmlns:p="http://schemas.openxmlformats.org/presentationml/2006/main">
-  <p:cSld>
-    <p:spTree>
-      <p:nvGrpSpPr>
-        <p:cNvPr id="1" name=""/>
-        <p:cNvGrpSpPr/>
-        <p:nvPr/>
-      </p:nvGrpSpPr>
-      <p:grpSpPr>
-        <a:xfrm>
-          <a:off x="0" y="0"/>
-          <a:ext cx="0" cy="0"/>
-          <a:chOff x="0" y="0"/>
-          <a:chExt cx="0" cy="0"/>
-        </a:xfrm>
-      </p:grpSpPr>
-      <p:sp>
-        <p:nvSpPr>
-          <p:cNvPr id="2" name="Slide Image Placeholder 1"/>
-          <p:cNvSpPr>
-            <a:spLocks noGrp="1" noRot="1" noChangeAspect="1"/>
-          </p:cNvSpPr>
-          <p:nvPr>
-            <p:ph type="sldImg"/>
-          </p:nvPr>
-        </p:nvSpPr>
-        <p:spPr/>
-      </p:sp>
-      <p:sp>
-        <p:nvSpPr>
-          <p:cNvPr id="3" name="Notes Placeholder 2"/>
-          <p:cNvSpPr>
-            <a:spLocks noGrp="1"/>
-          </p:cNvSpPr>
-          <p:nvPr>
-            <p:ph type="body" idx="1"/>
-          </p:nvPr>
-        </p:nvSpPr>
-        <p:spPr/>
-        <p:txBody>
-          <a:bodyPr/>
-          <a:lstStyle/>
-          <a:p>
-            <a:endParaRPr lang="en-US" dirty="0"/>
-          </a:p>
-        </p:txBody>
-      </p:sp>
-      <p:sp>
-        <p:nvSpPr>
-          <p:cNvPr id="4" name="Slide Number Placeholder 3"/>
-          <p:cNvSpPr>
-            <a:spLocks noGrp="1"/>
-          </p:cNvSpPr>
-          <p:nvPr>
-            <p:ph type="sldNum" sz="quarter" idx="10"/>
-          </p:nvPr>
-        </p:nvSpPr>
-        <p:spPr/>
-        <p:txBody>
-          <a:bodyPr/>
-          <a:lstStyle/>
-          <a:p>
-            <a:fld id="{13F0F35F-DD44-4607-AEC1-49D7A4BC4066}" type="slidenum">
-              <a:rPr lang="en-US" smtClean="0"/>
-              <a:pPr/>
-              <a:t>2</a:t>
-            </a:fld>
-            <a:endParaRPr lang="en-US" dirty="0"/>
-          </a:p>
-        </p:txBody>
-      </p:sp>
-    </p:spTree>
-    <p:extLst>
-      <p:ext uri="{BB962C8B-B14F-4D97-AF65-F5344CB8AC3E}">
-        <p14:creationId xmlns:p14="http://schemas.microsoft.com/office/powerpoint/2010/main" val="2981167769"/>
-      </p:ext>
-    </p:extLst>
-  </p:cSld>
-  <p:clrMapOvr>
-    <a:masterClrMapping/>
-  </p:clrMapOvr>
-</p:notes>
-</file>
-
-<file path=ppt/notesSlides/notesSlide3.xml><?xml version="1.0" encoding="utf-8"?>
 <p:notes xmlns:a="http://schemas.openxmlformats.org/drawingml/2006/main" xmlns:r="http://schemas.openxmlformats.org/officeDocument/2006/relationships" xmlns:p="http://schemas.openxmlformats.org/presentationml/2006/main">
   <p:cSld>
     <p:spTree>
@@ -11895,6 +11814,716 @@
           <a:p>
             <a:r>
               <a:rPr lang="en-US" dirty="0" smtClean="0"/>
+              <a:t>Calling SignalR with Knockout objects</a:t>
+            </a:r>
+            <a:endParaRPr lang="en-US" dirty="0"/>
+          </a:p>
+        </p:txBody>
+      </p:sp>
+      <p:sp>
+        <p:nvSpPr>
+          <p:cNvPr id="3" name="Content Placeholder 2"/>
+          <p:cNvSpPr>
+            <a:spLocks noGrp="1"/>
+          </p:cNvSpPr>
+          <p:nvPr>
+            <p:ph sz="quarter" idx="10"/>
+          </p:nvPr>
+        </p:nvSpPr>
+        <p:spPr/>
+        <p:txBody>
+          <a:bodyPr/>
+          <a:lstStyle/>
+          <a:p>
+            <a:r>
+              <a:rPr lang="en-US" dirty="0" smtClean="0"/>
+              <a:t>SignalR automatically serializes JavaScript objects</a:t>
+            </a:r>
+          </a:p>
+          <a:p>
+            <a:r>
+              <a:rPr lang="en-US" dirty="0" err="1" smtClean="0"/>
+              <a:t>ko.toJSON</a:t>
+            </a:r>
+            <a:r>
+              <a:rPr lang="en-US" dirty="0" smtClean="0"/>
+              <a:t> converts an object to JSON string</a:t>
+            </a:r>
+          </a:p>
+          <a:p>
+            <a:pPr lvl="1"/>
+            <a:r>
+              <a:rPr lang="en-US" dirty="0" smtClean="0"/>
+              <a:t>SignalR doesn’t want JSON, it just wants the object</a:t>
+            </a:r>
+          </a:p>
+          <a:p>
+            <a:r>
+              <a:rPr lang="en-US" dirty="0" err="1" smtClean="0"/>
+              <a:t>ko.toJS</a:t>
+            </a:r>
+            <a:r>
+              <a:rPr lang="en-US" dirty="0" smtClean="0"/>
+              <a:t> converts a Knockout object to a JavaScript object</a:t>
+            </a:r>
+          </a:p>
+        </p:txBody>
+      </p:sp>
+    </p:spTree>
+    <p:extLst>
+      <p:ext uri="{BB962C8B-B14F-4D97-AF65-F5344CB8AC3E}">
+        <p14:creationId xmlns:p14="http://schemas.microsoft.com/office/powerpoint/2010/main" val="1971219988"/>
+      </p:ext>
+    </p:extLst>
+  </p:cSld>
+  <p:clrMapOvr>
+    <a:masterClrMapping/>
+  </p:clrMapOvr>
+</p:sld>
+</file>
+
+<file path=ppt/slides/slide16.xml><?xml version="1.0" encoding="utf-8"?>
+<p:sld xmlns:a="http://schemas.openxmlformats.org/drawingml/2006/main" xmlns:r="http://schemas.openxmlformats.org/officeDocument/2006/relationships" xmlns:p="http://schemas.openxmlformats.org/presentationml/2006/main">
+  <p:cSld>
+    <p:spTree>
+      <p:nvGrpSpPr>
+        <p:cNvPr id="1" name=""/>
+        <p:cNvGrpSpPr/>
+        <p:nvPr/>
+      </p:nvGrpSpPr>
+      <p:grpSpPr>
+        <a:xfrm>
+          <a:off x="0" y="0"/>
+          <a:ext cx="0" cy="0"/>
+          <a:chOff x="0" y="0"/>
+          <a:chExt cx="0" cy="0"/>
+        </a:xfrm>
+      </p:grpSpPr>
+      <p:sp>
+        <p:nvSpPr>
+          <p:cNvPr id="2" name="Title 1"/>
+          <p:cNvSpPr>
+            <a:spLocks noGrp="1"/>
+          </p:cNvSpPr>
+          <p:nvPr>
+            <p:ph type="title"/>
+          </p:nvPr>
+        </p:nvSpPr>
+        <p:spPr/>
+        <p:txBody>
+          <a:bodyPr/>
+          <a:lstStyle/>
+          <a:p>
+            <a:r>
+              <a:rPr lang="en-US" dirty="0" smtClean="0"/>
+              <a:t>Knockout and SignalR serialization</a:t>
+            </a:r>
+            <a:endParaRPr lang="en-US" dirty="0"/>
+          </a:p>
+        </p:txBody>
+      </p:sp>
+      <p:sp>
+        <p:nvSpPr>
+          <p:cNvPr id="3" name="Content Placeholder 2"/>
+          <p:cNvSpPr>
+            <a:spLocks noGrp="1"/>
+          </p:cNvSpPr>
+          <p:nvPr>
+            <p:ph sz="quarter" idx="10"/>
+          </p:nvPr>
+        </p:nvSpPr>
+        <p:spPr/>
+        <p:txBody>
+          <a:bodyPr/>
+          <a:lstStyle/>
+          <a:p>
+            <a:r>
+              <a:rPr lang="en-US" dirty="0" err="1"/>
+              <a:t>hub.server.save</a:t>
+            </a:r>
+            <a:r>
+              <a:rPr lang="en-US" dirty="0"/>
+              <a:t>(item</a:t>
+            </a:r>
+            <a:r>
+              <a:rPr lang="en-US" dirty="0" smtClean="0"/>
+              <a:t>);</a:t>
+            </a:r>
+          </a:p>
+          <a:p>
+            <a:pPr lvl="1"/>
+            <a:r>
+              <a:rPr lang="en-US" dirty="0" smtClean="0">
+                <a:solidFill>
+                  <a:srgbClr val="FF0000"/>
+                </a:solidFill>
+              </a:rPr>
+              <a:t>FAIL!</a:t>
+            </a:r>
+          </a:p>
+          <a:p>
+            <a:pPr lvl="1"/>
+            <a:r>
+              <a:rPr lang="en-US" dirty="0" smtClean="0"/>
+              <a:t>You’re trying to upload a wrapped object</a:t>
+            </a:r>
+            <a:endParaRPr lang="en-US" dirty="0"/>
+          </a:p>
+          <a:p>
+            <a:r>
+              <a:rPr lang="en-US" dirty="0" err="1"/>
+              <a:t>hub.server.save</a:t>
+            </a:r>
+            <a:r>
+              <a:rPr lang="en-US" dirty="0"/>
+              <a:t>(</a:t>
+            </a:r>
+            <a:r>
+              <a:rPr lang="en-US" dirty="0" err="1"/>
+              <a:t>ko.toJSON</a:t>
+            </a:r>
+            <a:r>
+              <a:rPr lang="en-US" dirty="0"/>
+              <a:t>(item</a:t>
+            </a:r>
+            <a:r>
+              <a:rPr lang="en-US" dirty="0" smtClean="0"/>
+              <a:t>));</a:t>
+            </a:r>
+          </a:p>
+          <a:p>
+            <a:pPr lvl="1"/>
+            <a:r>
+              <a:rPr lang="en-US" dirty="0" smtClean="0">
+                <a:solidFill>
+                  <a:srgbClr val="FF0000"/>
+                </a:solidFill>
+              </a:rPr>
+              <a:t>FAIL!</a:t>
+            </a:r>
+          </a:p>
+          <a:p>
+            <a:pPr lvl="1"/>
+            <a:r>
+              <a:rPr lang="en-US" dirty="0" smtClean="0"/>
+              <a:t>SignalR wants the object, not a JSON string</a:t>
+            </a:r>
+            <a:endParaRPr lang="en-US" dirty="0"/>
+          </a:p>
+          <a:p>
+            <a:r>
+              <a:rPr lang="en-US" dirty="0" err="1"/>
+              <a:t>hub.server.save</a:t>
+            </a:r>
+            <a:r>
+              <a:rPr lang="en-US" dirty="0"/>
+              <a:t>(</a:t>
+            </a:r>
+            <a:r>
+              <a:rPr lang="en-US" dirty="0" err="1"/>
+              <a:t>ko.toJS</a:t>
+            </a:r>
+            <a:r>
+              <a:rPr lang="en-US" dirty="0"/>
+              <a:t>(item));</a:t>
+            </a:r>
+          </a:p>
+          <a:p>
+            <a:pPr lvl="1"/>
+            <a:r>
+              <a:rPr lang="en-US" dirty="0" smtClean="0">
+                <a:solidFill>
+                  <a:srgbClr val="00B050"/>
+                </a:solidFill>
+              </a:rPr>
+              <a:t>Success!!</a:t>
+            </a:r>
+            <a:endParaRPr lang="en-US" dirty="0">
+              <a:solidFill>
+                <a:srgbClr val="00B050"/>
+              </a:solidFill>
+            </a:endParaRPr>
+          </a:p>
+        </p:txBody>
+      </p:sp>
+    </p:spTree>
+    <p:extLst>
+      <p:ext uri="{BB962C8B-B14F-4D97-AF65-F5344CB8AC3E}">
+        <p14:creationId xmlns:p14="http://schemas.microsoft.com/office/powerpoint/2010/main" val="3635447189"/>
+      </p:ext>
+    </p:extLst>
+  </p:cSld>
+  <p:clrMapOvr>
+    <a:masterClrMapping/>
+  </p:clrMapOvr>
+  <p:timing>
+    <p:tnLst>
+      <p:par>
+        <p:cTn id="1" dur="indefinite" restart="never" nodeType="tmRoot">
+          <p:childTnLst>
+            <p:seq concurrent="1" nextAc="seek">
+              <p:cTn id="2" dur="indefinite" nodeType="mainSeq">
+                <p:childTnLst>
+                  <p:par>
+                    <p:cTn id="3" fill="hold">
+                      <p:stCondLst>
+                        <p:cond delay="indefinite"/>
+                      </p:stCondLst>
+                      <p:childTnLst>
+                        <p:par>
+                          <p:cTn id="4" fill="hold">
+                            <p:stCondLst>
+                              <p:cond delay="0"/>
+                            </p:stCondLst>
+                            <p:childTnLst>
+                              <p:par>
+                                <p:cTn id="5" presetID="10" presetClass="entr" presetSubtype="0" fill="hold" grpId="0" nodeType="clickEffect">
+                                  <p:stCondLst>
+                                    <p:cond delay="0"/>
+                                  </p:stCondLst>
+                                  <p:childTnLst>
+                                    <p:set>
+                                      <p:cBhvr>
+                                        <p:cTn id="6" dur="1" fill="hold">
+                                          <p:stCondLst>
+                                            <p:cond delay="0"/>
+                                          </p:stCondLst>
+                                        </p:cTn>
+                                        <p:tgtEl>
+                                          <p:spTgt spid="3">
+                                            <p:txEl>
+                                              <p:pRg st="0" end="0"/>
+                                            </p:txEl>
+                                          </p:spTgt>
+                                        </p:tgtEl>
+                                        <p:attrNameLst>
+                                          <p:attrName>style.visibility</p:attrName>
+                                        </p:attrNameLst>
+                                      </p:cBhvr>
+                                      <p:to>
+                                        <p:strVal val="visible"/>
+                                      </p:to>
+                                    </p:set>
+                                    <p:animEffect transition="in" filter="fade">
+                                      <p:cBhvr>
+                                        <p:cTn id="7" dur="500"/>
+                                        <p:tgtEl>
+                                          <p:spTgt spid="3">
+                                            <p:txEl>
+                                              <p:pRg st="0" end="0"/>
+                                            </p:txEl>
+                                          </p:spTgt>
+                                        </p:tgtEl>
+                                      </p:cBhvr>
+                                    </p:animEffect>
+                                  </p:childTnLst>
+                                </p:cTn>
+                              </p:par>
+                              <p:par>
+                                <p:cTn id="8" presetID="10" presetClass="entr" presetSubtype="0" fill="hold" grpId="0" nodeType="withEffect">
+                                  <p:stCondLst>
+                                    <p:cond delay="0"/>
+                                  </p:stCondLst>
+                                  <p:childTnLst>
+                                    <p:set>
+                                      <p:cBhvr>
+                                        <p:cTn id="9" dur="1" fill="hold">
+                                          <p:stCondLst>
+                                            <p:cond delay="0"/>
+                                          </p:stCondLst>
+                                        </p:cTn>
+                                        <p:tgtEl>
+                                          <p:spTgt spid="3">
+                                            <p:txEl>
+                                              <p:pRg st="1" end="1"/>
+                                            </p:txEl>
+                                          </p:spTgt>
+                                        </p:tgtEl>
+                                        <p:attrNameLst>
+                                          <p:attrName>style.visibility</p:attrName>
+                                        </p:attrNameLst>
+                                      </p:cBhvr>
+                                      <p:to>
+                                        <p:strVal val="visible"/>
+                                      </p:to>
+                                    </p:set>
+                                    <p:animEffect transition="in" filter="fade">
+                                      <p:cBhvr>
+                                        <p:cTn id="10" dur="500"/>
+                                        <p:tgtEl>
+                                          <p:spTgt spid="3">
+                                            <p:txEl>
+                                              <p:pRg st="1" end="1"/>
+                                            </p:txEl>
+                                          </p:spTgt>
+                                        </p:tgtEl>
+                                      </p:cBhvr>
+                                    </p:animEffect>
+                                  </p:childTnLst>
+                                </p:cTn>
+                              </p:par>
+                              <p:par>
+                                <p:cTn id="11" presetID="10" presetClass="entr" presetSubtype="0" fill="hold" grpId="0" nodeType="withEffect">
+                                  <p:stCondLst>
+                                    <p:cond delay="0"/>
+                                  </p:stCondLst>
+                                  <p:childTnLst>
+                                    <p:set>
+                                      <p:cBhvr>
+                                        <p:cTn id="12" dur="1" fill="hold">
+                                          <p:stCondLst>
+                                            <p:cond delay="0"/>
+                                          </p:stCondLst>
+                                        </p:cTn>
+                                        <p:tgtEl>
+                                          <p:spTgt spid="3">
+                                            <p:txEl>
+                                              <p:pRg st="2" end="2"/>
+                                            </p:txEl>
+                                          </p:spTgt>
+                                        </p:tgtEl>
+                                        <p:attrNameLst>
+                                          <p:attrName>style.visibility</p:attrName>
+                                        </p:attrNameLst>
+                                      </p:cBhvr>
+                                      <p:to>
+                                        <p:strVal val="visible"/>
+                                      </p:to>
+                                    </p:set>
+                                    <p:animEffect transition="in" filter="fade">
+                                      <p:cBhvr>
+                                        <p:cTn id="13" dur="500"/>
+                                        <p:tgtEl>
+                                          <p:spTgt spid="3">
+                                            <p:txEl>
+                                              <p:pRg st="2" end="2"/>
+                                            </p:txEl>
+                                          </p:spTgt>
+                                        </p:tgtEl>
+                                      </p:cBhvr>
+                                    </p:animEffect>
+                                  </p:childTnLst>
+                                </p:cTn>
+                              </p:par>
+                            </p:childTnLst>
+                          </p:cTn>
+                        </p:par>
+                      </p:childTnLst>
+                    </p:cTn>
+                  </p:par>
+                  <p:par>
+                    <p:cTn id="14" fill="hold">
+                      <p:stCondLst>
+                        <p:cond delay="indefinite"/>
+                      </p:stCondLst>
+                      <p:childTnLst>
+                        <p:par>
+                          <p:cTn id="15" fill="hold">
+                            <p:stCondLst>
+                              <p:cond delay="0"/>
+                            </p:stCondLst>
+                            <p:childTnLst>
+                              <p:par>
+                                <p:cTn id="16" presetID="10" presetClass="entr" presetSubtype="0" fill="hold" grpId="0" nodeType="clickEffect">
+                                  <p:stCondLst>
+                                    <p:cond delay="0"/>
+                                  </p:stCondLst>
+                                  <p:childTnLst>
+                                    <p:set>
+                                      <p:cBhvr>
+                                        <p:cTn id="17" dur="1" fill="hold">
+                                          <p:stCondLst>
+                                            <p:cond delay="0"/>
+                                          </p:stCondLst>
+                                        </p:cTn>
+                                        <p:tgtEl>
+                                          <p:spTgt spid="3">
+                                            <p:txEl>
+                                              <p:pRg st="3" end="3"/>
+                                            </p:txEl>
+                                          </p:spTgt>
+                                        </p:tgtEl>
+                                        <p:attrNameLst>
+                                          <p:attrName>style.visibility</p:attrName>
+                                        </p:attrNameLst>
+                                      </p:cBhvr>
+                                      <p:to>
+                                        <p:strVal val="visible"/>
+                                      </p:to>
+                                    </p:set>
+                                    <p:animEffect transition="in" filter="fade">
+                                      <p:cBhvr>
+                                        <p:cTn id="18" dur="500"/>
+                                        <p:tgtEl>
+                                          <p:spTgt spid="3">
+                                            <p:txEl>
+                                              <p:pRg st="3" end="3"/>
+                                            </p:txEl>
+                                          </p:spTgt>
+                                        </p:tgtEl>
+                                      </p:cBhvr>
+                                    </p:animEffect>
+                                  </p:childTnLst>
+                                </p:cTn>
+                              </p:par>
+                              <p:par>
+                                <p:cTn id="19" presetID="10" presetClass="entr" presetSubtype="0" fill="hold" grpId="0" nodeType="withEffect">
+                                  <p:stCondLst>
+                                    <p:cond delay="0"/>
+                                  </p:stCondLst>
+                                  <p:childTnLst>
+                                    <p:set>
+                                      <p:cBhvr>
+                                        <p:cTn id="20" dur="1" fill="hold">
+                                          <p:stCondLst>
+                                            <p:cond delay="0"/>
+                                          </p:stCondLst>
+                                        </p:cTn>
+                                        <p:tgtEl>
+                                          <p:spTgt spid="3">
+                                            <p:txEl>
+                                              <p:pRg st="4" end="4"/>
+                                            </p:txEl>
+                                          </p:spTgt>
+                                        </p:tgtEl>
+                                        <p:attrNameLst>
+                                          <p:attrName>style.visibility</p:attrName>
+                                        </p:attrNameLst>
+                                      </p:cBhvr>
+                                      <p:to>
+                                        <p:strVal val="visible"/>
+                                      </p:to>
+                                    </p:set>
+                                    <p:animEffect transition="in" filter="fade">
+                                      <p:cBhvr>
+                                        <p:cTn id="21" dur="500"/>
+                                        <p:tgtEl>
+                                          <p:spTgt spid="3">
+                                            <p:txEl>
+                                              <p:pRg st="4" end="4"/>
+                                            </p:txEl>
+                                          </p:spTgt>
+                                        </p:tgtEl>
+                                      </p:cBhvr>
+                                    </p:animEffect>
+                                  </p:childTnLst>
+                                </p:cTn>
+                              </p:par>
+                              <p:par>
+                                <p:cTn id="22" presetID="10" presetClass="entr" presetSubtype="0" fill="hold" grpId="0" nodeType="withEffect">
+                                  <p:stCondLst>
+                                    <p:cond delay="0"/>
+                                  </p:stCondLst>
+                                  <p:childTnLst>
+                                    <p:set>
+                                      <p:cBhvr>
+                                        <p:cTn id="23" dur="1" fill="hold">
+                                          <p:stCondLst>
+                                            <p:cond delay="0"/>
+                                          </p:stCondLst>
+                                        </p:cTn>
+                                        <p:tgtEl>
+                                          <p:spTgt spid="3">
+                                            <p:txEl>
+                                              <p:pRg st="5" end="5"/>
+                                            </p:txEl>
+                                          </p:spTgt>
+                                        </p:tgtEl>
+                                        <p:attrNameLst>
+                                          <p:attrName>style.visibility</p:attrName>
+                                        </p:attrNameLst>
+                                      </p:cBhvr>
+                                      <p:to>
+                                        <p:strVal val="visible"/>
+                                      </p:to>
+                                    </p:set>
+                                    <p:animEffect transition="in" filter="fade">
+                                      <p:cBhvr>
+                                        <p:cTn id="24" dur="500"/>
+                                        <p:tgtEl>
+                                          <p:spTgt spid="3">
+                                            <p:txEl>
+                                              <p:pRg st="5" end="5"/>
+                                            </p:txEl>
+                                          </p:spTgt>
+                                        </p:tgtEl>
+                                      </p:cBhvr>
+                                    </p:animEffect>
+                                  </p:childTnLst>
+                                </p:cTn>
+                              </p:par>
+                            </p:childTnLst>
+                          </p:cTn>
+                        </p:par>
+                      </p:childTnLst>
+                    </p:cTn>
+                  </p:par>
+                  <p:par>
+                    <p:cTn id="25" fill="hold">
+                      <p:stCondLst>
+                        <p:cond delay="indefinite"/>
+                      </p:stCondLst>
+                      <p:childTnLst>
+                        <p:par>
+                          <p:cTn id="26" fill="hold">
+                            <p:stCondLst>
+                              <p:cond delay="0"/>
+                            </p:stCondLst>
+                            <p:childTnLst>
+                              <p:par>
+                                <p:cTn id="27" presetID="10" presetClass="entr" presetSubtype="0" fill="hold" grpId="0" nodeType="clickEffect">
+                                  <p:stCondLst>
+                                    <p:cond delay="0"/>
+                                  </p:stCondLst>
+                                  <p:childTnLst>
+                                    <p:set>
+                                      <p:cBhvr>
+                                        <p:cTn id="28" dur="1" fill="hold">
+                                          <p:stCondLst>
+                                            <p:cond delay="0"/>
+                                          </p:stCondLst>
+                                        </p:cTn>
+                                        <p:tgtEl>
+                                          <p:spTgt spid="3">
+                                            <p:txEl>
+                                              <p:pRg st="6" end="6"/>
+                                            </p:txEl>
+                                          </p:spTgt>
+                                        </p:tgtEl>
+                                        <p:attrNameLst>
+                                          <p:attrName>style.visibility</p:attrName>
+                                        </p:attrNameLst>
+                                      </p:cBhvr>
+                                      <p:to>
+                                        <p:strVal val="visible"/>
+                                      </p:to>
+                                    </p:set>
+                                    <p:animEffect transition="in" filter="fade">
+                                      <p:cBhvr>
+                                        <p:cTn id="29" dur="500"/>
+                                        <p:tgtEl>
+                                          <p:spTgt spid="3">
+                                            <p:txEl>
+                                              <p:pRg st="6" end="6"/>
+                                            </p:txEl>
+                                          </p:spTgt>
+                                        </p:tgtEl>
+                                      </p:cBhvr>
+                                    </p:animEffect>
+                                  </p:childTnLst>
+                                </p:cTn>
+                              </p:par>
+                              <p:par>
+                                <p:cTn id="30" presetID="10" presetClass="entr" presetSubtype="0" fill="hold" grpId="0" nodeType="withEffect">
+                                  <p:stCondLst>
+                                    <p:cond delay="0"/>
+                                  </p:stCondLst>
+                                  <p:childTnLst>
+                                    <p:set>
+                                      <p:cBhvr>
+                                        <p:cTn id="31" dur="1" fill="hold">
+                                          <p:stCondLst>
+                                            <p:cond delay="0"/>
+                                          </p:stCondLst>
+                                        </p:cTn>
+                                        <p:tgtEl>
+                                          <p:spTgt spid="3">
+                                            <p:txEl>
+                                              <p:pRg st="7" end="7"/>
+                                            </p:txEl>
+                                          </p:spTgt>
+                                        </p:tgtEl>
+                                        <p:attrNameLst>
+                                          <p:attrName>style.visibility</p:attrName>
+                                        </p:attrNameLst>
+                                      </p:cBhvr>
+                                      <p:to>
+                                        <p:strVal val="visible"/>
+                                      </p:to>
+                                    </p:set>
+                                    <p:animEffect transition="in" filter="fade">
+                                      <p:cBhvr>
+                                        <p:cTn id="32" dur="500"/>
+                                        <p:tgtEl>
+                                          <p:spTgt spid="3">
+                                            <p:txEl>
+                                              <p:pRg st="7" end="7"/>
+                                            </p:txEl>
+                                          </p:spTgt>
+                                        </p:tgtEl>
+                                      </p:cBhvr>
+                                    </p:animEffect>
+                                  </p:childTnLst>
+                                </p:cTn>
+                              </p:par>
+                            </p:childTnLst>
+                          </p:cTn>
+                        </p:par>
+                      </p:childTnLst>
+                    </p:cTn>
+                  </p:par>
+                </p:childTnLst>
+              </p:cTn>
+              <p:prevCondLst>
+                <p:cond evt="onPrev" delay="0">
+                  <p:tgtEl>
+                    <p:sldTgt/>
+                  </p:tgtEl>
+                </p:cond>
+              </p:prevCondLst>
+              <p:nextCondLst>
+                <p:cond evt="onNext" delay="0">
+                  <p:tgtEl>
+                    <p:sldTgt/>
+                  </p:tgtEl>
+                </p:cond>
+              </p:nextCondLst>
+            </p:seq>
+          </p:childTnLst>
+        </p:cTn>
+      </p:par>
+    </p:tnLst>
+    <p:bldLst>
+      <p:bldP spid="3" grpId="0" build="p"/>
+    </p:bldLst>
+  </p:timing>
+</p:sld>
+</file>
+
+<file path=ppt/slides/slide17.xml><?xml version="1.0" encoding="utf-8"?>
+<p:sld xmlns:a="http://schemas.openxmlformats.org/drawingml/2006/main" xmlns:r="http://schemas.openxmlformats.org/officeDocument/2006/relationships" xmlns:p="http://schemas.openxmlformats.org/presentationml/2006/main">
+  <p:cSld>
+    <p:spTree>
+      <p:nvGrpSpPr>
+        <p:cNvPr id="1" name=""/>
+        <p:cNvGrpSpPr/>
+        <p:nvPr/>
+      </p:nvGrpSpPr>
+      <p:grpSpPr>
+        <a:xfrm>
+          <a:off x="0" y="0"/>
+          <a:ext cx="0" cy="0"/>
+          <a:chOff x="0" y="0"/>
+          <a:chExt cx="0" cy="0"/>
+        </a:xfrm>
+      </p:grpSpPr>
+      <p:sp>
+        <p:nvSpPr>
+          <p:cNvPr id="2" name="Title 1"/>
+          <p:cNvSpPr>
+            <a:spLocks noGrp="1"/>
+          </p:cNvSpPr>
+          <p:nvPr>
+            <p:ph type="title"/>
+          </p:nvPr>
+        </p:nvSpPr>
+        <p:spPr/>
+        <p:txBody>
+          <a:bodyPr/>
+          <a:lstStyle/>
+          <a:p>
+            <a:r>
+              <a:rPr lang="en-US" dirty="0" smtClean="0"/>
               <a:t>Saving and Updating via SignalR</a:t>
             </a:r>
             <a:endParaRPr lang="en-US" dirty="0"/>
@@ -11911,10 +12540,17 @@
   <p:clrMapOvr>
     <a:masterClrMapping/>
   </p:clrMapOvr>
+  <p:timing>
+    <p:tnLst>
+      <p:par>
+        <p:cTn id="1" dur="indefinite" restart="never" nodeType="tmRoot"/>
+      </p:par>
+    </p:tnLst>
+  </p:timing>
 </p:sld>
 </file>
 
-<file path=ppt/slides/slide16.xml><?xml version="1.0" encoding="utf-8"?>
+<file path=ppt/slides/slide18.xml><?xml version="1.0" encoding="utf-8"?>
 <p:sld xmlns:a="http://schemas.openxmlformats.org/drawingml/2006/main" xmlns:r="http://schemas.openxmlformats.org/officeDocument/2006/relationships" xmlns:p="http://schemas.openxmlformats.org/presentationml/2006/main">
   <p:cSld>
     <p:spTree>
@@ -11978,7 +12614,7 @@
       </p:grpSpPr>
       <p:sp>
         <p:nvSpPr>
-          <p:cNvPr id="2" name="Title 1"/>
+          <p:cNvPr id="4" name="Title 3"/>
           <p:cNvSpPr>
             <a:spLocks noGrp="1"/>
           </p:cNvSpPr>
@@ -11988,299 +12624,74 @@
         </p:nvSpPr>
         <p:spPr/>
         <p:txBody>
-          <a:bodyPr>
-            <a:normAutofit/>
-          </a:bodyPr>
+          <a:bodyPr/>
           <a:lstStyle/>
           <a:p>
-            <a:pPr lvl="0"/>
             <a:r>
               <a:rPr lang="en-US" dirty="0" smtClean="0"/>
-              <a:t>Course Topics</a:t>
+              <a:t>Making server calls and persisting data</a:t>
             </a:r>
             <a:endParaRPr lang="en-US" dirty="0"/>
           </a:p>
         </p:txBody>
       </p:sp>
-      <p:graphicFrame>
-        <p:nvGraphicFramePr>
-          <p:cNvPr id="4" name="Content Placeholder 3"/>
-          <p:cNvGraphicFramePr>
-            <a:graphicFrameLocks noGrp="1"/>
-          </p:cNvGraphicFramePr>
+      <p:sp>
+        <p:nvSpPr>
+          <p:cNvPr id="5" name="Content Placeholder 4"/>
+          <p:cNvSpPr>
+            <a:spLocks noGrp="1"/>
+          </p:cNvSpPr>
           <p:nvPr>
             <p:ph sz="quarter" idx="10"/>
-            <p:extLst>
-              <p:ext uri="{D42A27DB-BD31-4B8C-83A1-F6EECF244321}">
-                <p14:modId xmlns:p14="http://schemas.microsoft.com/office/powerpoint/2010/main" val="2430626509"/>
-              </p:ext>
-            </p:extLst>
           </p:nvPr>
-        </p:nvGraphicFramePr>
-        <p:xfrm>
-          <a:off x="379413" y="1417636"/>
-          <a:ext cx="11525250" cy="3070528"/>
-        </p:xfrm>
-        <a:graphic>
-          <a:graphicData uri="http://schemas.openxmlformats.org/drawingml/2006/table">
-            <a:tbl>
-              <a:tblPr firstRow="1" bandRow="1">
-                <a:tableStyleId>{5C22544A-7EE6-4342-B048-85BDC9FD1C3A}</a:tableStyleId>
-              </a:tblPr>
-              <a:tblGrid>
-                <a:gridCol w="5228907">
-                  <a:extLst>
-                    <a:ext uri="{9D8B030D-6E8A-4147-A177-3AD203B41FA5}">
-                      <a16:colId xmlns:a16="http://schemas.microsoft.com/office/drawing/2014/main" val="1632794655"/>
-                    </a:ext>
-                  </a:extLst>
-                </a:gridCol>
-                <a:gridCol w="6296343">
-                  <a:extLst>
-                    <a:ext uri="{9D8B030D-6E8A-4147-A177-3AD203B41FA5}">
-                      <a16:colId xmlns:a16="http://schemas.microsoft.com/office/drawing/2014/main" val="2011313899"/>
-                    </a:ext>
-                  </a:extLst>
-                </a:gridCol>
-              </a:tblGrid>
-              <a:tr h="767632">
-                <a:tc gridSpan="2">
-                  <a:txBody>
-                    <a:bodyPr/>
-                    <a:lstStyle/>
-                    <a:p>
-                      <a:r>
-                        <a:rPr lang="en-US" sz="3600" dirty="0" smtClean="0">
-                          <a:latin typeface="Segoe UI Light" panose="020B0502040204020203" pitchFamily="34" charset="0"/>
-                          <a:cs typeface="Segoe UI Light" panose="020B0502040204020203" pitchFamily="34" charset="0"/>
-                        </a:rPr>
-                        <a:t>Creating Dynamic Webpages With Knockout</a:t>
-                      </a:r>
-                      <a:endParaRPr lang="en-US" sz="3600" dirty="0">
-                        <a:latin typeface="Segoe UI Light" panose="020B0502040204020203" pitchFamily="34" charset="0"/>
-                        <a:cs typeface="Segoe UI Light" panose="020B0502040204020203" pitchFamily="34" charset="0"/>
-                      </a:endParaRPr>
-                    </a:p>
-                  </a:txBody>
-                  <a:tcPr anchor="ctr"/>
-                </a:tc>
-                <a:tc hMerge="1">
-                  <a:txBody>
-                    <a:bodyPr/>
-                    <a:lstStyle/>
-                    <a:p>
-                      <a:endParaRPr lang="en-US" dirty="0"/>
-                    </a:p>
-                  </a:txBody>
-                  <a:tcPr/>
-                </a:tc>
-                <a:extLst>
-                  <a:ext uri="{0D108BD9-81ED-4DB2-BD59-A6C34878D82A}">
-                    <a16:rowId xmlns:a16="http://schemas.microsoft.com/office/drawing/2014/main" val="1789177411"/>
-                  </a:ext>
-                </a:extLst>
-              </a:tr>
-              <a:tr h="767632">
-                <a:tc>
-                  <a:txBody>
-                    <a:bodyPr/>
-                    <a:lstStyle/>
-                    <a:p>
-                      <a:r>
-                        <a:rPr lang="en-US" sz="2400" dirty="0" smtClean="0">
-                          <a:latin typeface="Segoe UI Light" panose="020B0502040204020203" pitchFamily="34" charset="0"/>
-                          <a:cs typeface="Segoe UI Light" panose="020B0502040204020203" pitchFamily="34" charset="0"/>
-                        </a:rPr>
-                        <a:t>01 | Introducing</a:t>
-                      </a:r>
-                      <a:r>
-                        <a:rPr lang="en-US" sz="2400" baseline="0" dirty="0" smtClean="0">
-                          <a:latin typeface="Segoe UI Light" panose="020B0502040204020203" pitchFamily="34" charset="0"/>
-                          <a:cs typeface="Segoe UI Light" panose="020B0502040204020203" pitchFamily="34" charset="0"/>
-                        </a:rPr>
-                        <a:t> Knockout</a:t>
-                      </a:r>
-                      <a:endParaRPr lang="en-US" sz="2400" dirty="0">
-                        <a:latin typeface="Segoe UI Light" panose="020B0502040204020203" pitchFamily="34" charset="0"/>
-                        <a:cs typeface="Segoe UI Light" panose="020B0502040204020203" pitchFamily="34" charset="0"/>
-                      </a:endParaRPr>
-                    </a:p>
-                  </a:txBody>
-                  <a:tcPr anchor="ctr"/>
-                </a:tc>
-                <a:tc>
-                  <a:txBody>
-                    <a:bodyPr/>
-                    <a:lstStyle/>
-                    <a:p>
-                      <a:r>
-                        <a:rPr lang="en-US" sz="2400" dirty="0" smtClean="0">
-                          <a:latin typeface="Segoe UI Light" panose="020B0502040204020203" pitchFamily="34" charset="0"/>
-                          <a:cs typeface="Segoe UI Light" panose="020B0502040204020203" pitchFamily="34" charset="0"/>
-                        </a:rPr>
-                        <a:t>04 | Making</a:t>
-                      </a:r>
-                      <a:r>
-                        <a:rPr lang="en-US" sz="2400" baseline="0" dirty="0" smtClean="0">
-                          <a:latin typeface="Segoe UI Light" panose="020B0502040204020203" pitchFamily="34" charset="0"/>
-                          <a:cs typeface="Segoe UI Light" panose="020B0502040204020203" pitchFamily="34" charset="0"/>
-                        </a:rPr>
-                        <a:t> Server Calls and Persisting Data</a:t>
-                      </a:r>
-                      <a:endParaRPr lang="en-US" sz="2400" dirty="0">
-                        <a:latin typeface="Segoe UI Light" panose="020B0502040204020203" pitchFamily="34" charset="0"/>
-                        <a:cs typeface="Segoe UI Light" panose="020B0502040204020203" pitchFamily="34" charset="0"/>
-                      </a:endParaRPr>
-                    </a:p>
-                  </a:txBody>
-                  <a:tcPr anchor="ctr"/>
-                </a:tc>
-                <a:extLst>
-                  <a:ext uri="{0D108BD9-81ED-4DB2-BD59-A6C34878D82A}">
-                    <a16:rowId xmlns:a16="http://schemas.microsoft.com/office/drawing/2014/main" val="3842815335"/>
-                  </a:ext>
-                </a:extLst>
-              </a:tr>
-              <a:tr h="767632">
-                <a:tc>
-                  <a:txBody>
-                    <a:bodyPr/>
-                    <a:lstStyle/>
-                    <a:p>
-                      <a:r>
-                        <a:rPr lang="en-US" sz="2400" dirty="0" smtClean="0">
-                          <a:latin typeface="Segoe UI Light" panose="020B0502040204020203" pitchFamily="34" charset="0"/>
-                          <a:cs typeface="Segoe UI Light" panose="020B0502040204020203" pitchFamily="34" charset="0"/>
-                        </a:rPr>
-                        <a:t>02 | Binding and Models</a:t>
-                      </a:r>
-                      <a:endParaRPr lang="en-US" sz="2400" dirty="0">
-                        <a:latin typeface="Segoe UI Light" panose="020B0502040204020203" pitchFamily="34" charset="0"/>
-                        <a:cs typeface="Segoe UI Light" panose="020B0502040204020203" pitchFamily="34" charset="0"/>
-                      </a:endParaRPr>
-                    </a:p>
-                  </a:txBody>
-                  <a:tcPr anchor="ctr"/>
-                </a:tc>
-                <a:tc>
-                  <a:txBody>
-                    <a:bodyPr/>
-                    <a:lstStyle/>
-                    <a:p>
-                      <a:r>
-                        <a:rPr lang="en-US" sz="2400" dirty="0" smtClean="0">
-                          <a:latin typeface="Segoe UI Light" panose="020B0502040204020203" pitchFamily="34" charset="0"/>
-                          <a:cs typeface="Segoe UI Light" panose="020B0502040204020203" pitchFamily="34" charset="0"/>
-                        </a:rPr>
-                        <a:t>05 | Single Page Applications</a:t>
-                      </a:r>
-                      <a:endParaRPr lang="en-US" sz="2400" dirty="0">
-                        <a:latin typeface="Segoe UI Light" panose="020B0502040204020203" pitchFamily="34" charset="0"/>
-                        <a:cs typeface="Segoe UI Light" panose="020B0502040204020203" pitchFamily="34" charset="0"/>
-                      </a:endParaRPr>
-                    </a:p>
-                  </a:txBody>
-                  <a:tcPr anchor="ctr"/>
-                </a:tc>
-                <a:extLst>
-                  <a:ext uri="{0D108BD9-81ED-4DB2-BD59-A6C34878D82A}">
-                    <a16:rowId xmlns:a16="http://schemas.microsoft.com/office/drawing/2014/main" val="321066646"/>
-                  </a:ext>
-                </a:extLst>
-              </a:tr>
-              <a:tr h="767632">
-                <a:tc>
-                  <a:txBody>
-                    <a:bodyPr/>
-                    <a:lstStyle/>
-                    <a:p>
-                      <a:pPr marL="0" marR="0" indent="0" algn="l" defTabSz="914088" rtl="0" eaLnBrk="1" fontAlgn="auto" latinLnBrk="0" hangingPunct="1">
-                        <a:lnSpc>
-                          <a:spcPct val="100000"/>
-                        </a:lnSpc>
-                        <a:spcBef>
-                          <a:spcPts val="0"/>
-                        </a:spcBef>
-                        <a:spcAft>
-                          <a:spcPts val="0"/>
-                        </a:spcAft>
-                        <a:buClrTx/>
-                        <a:buSzTx/>
-                        <a:buFontTx/>
-                        <a:buNone/>
-                        <a:tabLst/>
-                        <a:defRPr/>
-                      </a:pPr>
-                      <a:r>
-                        <a:rPr lang="en-US" sz="2400" dirty="0" smtClean="0">
-                          <a:latin typeface="Segoe UI Light" panose="020B0502040204020203" pitchFamily="34" charset="0"/>
-                          <a:cs typeface="Segoe UI Light" panose="020B0502040204020203" pitchFamily="34" charset="0"/>
-                        </a:rPr>
-                        <a:t>03</a:t>
-                      </a:r>
-                      <a:r>
-                        <a:rPr lang="en-US" sz="2400" baseline="0" dirty="0" smtClean="0">
-                          <a:latin typeface="Segoe UI Light" panose="020B0502040204020203" pitchFamily="34" charset="0"/>
-                          <a:cs typeface="Segoe UI Light" panose="020B0502040204020203" pitchFamily="34" charset="0"/>
-                        </a:rPr>
-                        <a:t> | Components</a:t>
-                      </a:r>
-                      <a:endParaRPr lang="en-US" sz="2400" dirty="0" smtClean="0">
-                        <a:latin typeface="Segoe UI Light" panose="020B0502040204020203" pitchFamily="34" charset="0"/>
-                        <a:cs typeface="Segoe UI Light" panose="020B0502040204020203" pitchFamily="34" charset="0"/>
-                      </a:endParaRPr>
-                    </a:p>
-                  </a:txBody>
-                  <a:tcPr anchor="ctr"/>
-                </a:tc>
-                <a:tc>
-                  <a:txBody>
-                    <a:bodyPr/>
-                    <a:lstStyle/>
-                    <a:p>
-                      <a:endParaRPr lang="en-US" sz="2400" dirty="0">
-                        <a:latin typeface="Segoe UI Light" panose="020B0502040204020203" pitchFamily="34" charset="0"/>
-                        <a:cs typeface="Segoe UI Light" panose="020B0502040204020203" pitchFamily="34" charset="0"/>
-                      </a:endParaRPr>
-                    </a:p>
-                  </a:txBody>
-                  <a:tcPr anchor="ctr"/>
-                </a:tc>
-                <a:extLst>
-                  <a:ext uri="{0D108BD9-81ED-4DB2-BD59-A6C34878D82A}">
-                    <a16:rowId xmlns:a16="http://schemas.microsoft.com/office/drawing/2014/main" val="3812060533"/>
-                  </a:ext>
-                </a:extLst>
-              </a:tr>
-            </a:tbl>
-          </a:graphicData>
-        </a:graphic>
-      </p:graphicFrame>
+        </p:nvSpPr>
+        <p:spPr/>
+        <p:txBody>
+          <a:bodyPr/>
+          <a:lstStyle/>
+          <a:p>
+            <a:r>
+              <a:rPr lang="en-US" dirty="0" smtClean="0"/>
+              <a:t>Knockout and Ajax</a:t>
+            </a:r>
+          </a:p>
+          <a:p>
+            <a:r>
+              <a:rPr lang="en-US" dirty="0" smtClean="0"/>
+              <a:t>Entity Framework overview</a:t>
+            </a:r>
+          </a:p>
+          <a:p>
+            <a:r>
+              <a:rPr lang="en-US" dirty="0" smtClean="0"/>
+              <a:t>Loading data with Ajax</a:t>
+            </a:r>
+          </a:p>
+          <a:p>
+            <a:r>
+              <a:rPr lang="en-US" dirty="0" smtClean="0"/>
+              <a:t>Saving data with Ajax</a:t>
+            </a:r>
+          </a:p>
+          <a:p>
+            <a:r>
+              <a:rPr lang="en-US" dirty="0" smtClean="0"/>
+              <a:t>SignalR</a:t>
+            </a:r>
+            <a:endParaRPr lang="en-US" dirty="0"/>
+          </a:p>
+        </p:txBody>
+      </p:sp>
     </p:spTree>
     <p:extLst>
       <p:ext uri="{BB962C8B-B14F-4D97-AF65-F5344CB8AC3E}">
-        <p14:creationId xmlns:p14="http://schemas.microsoft.com/office/powerpoint/2010/main" val="3101442689"/>
+        <p14:creationId xmlns:p14="http://schemas.microsoft.com/office/powerpoint/2010/main" val="2757326653"/>
       </p:ext>
     </p:extLst>
   </p:cSld>
   <p:clrMapOvr>
     <a:masterClrMapping/>
   </p:clrMapOvr>
-  <mc:AlternateContent xmlns:mc="http://schemas.openxmlformats.org/markup-compatibility/2006" xmlns:p14="http://schemas.microsoft.com/office/powerpoint/2010/main">
-    <mc:Choice Requires="p14">
-      <p:transition spd="slow" p14:dur="2000"/>
-    </mc:Choice>
-    <mc:Fallback xmlns="">
-      <p:transition spd="slow"/>
-    </mc:Fallback>
-  </mc:AlternateContent>
-  <p:timing>
-    <p:tnLst>
-      <p:par>
-        <p:cTn id="1" dur="indefinite" restart="never" nodeType="tmRoot"/>
-      </p:par>
-    </p:tnLst>
-  </p:timing>
 </p:sld>
 </file>
 
@@ -12397,11 +12808,7 @@
           <a:p>
             <a:r>
               <a:rPr lang="en-US" dirty="0" smtClean="0"/>
-              <a:t>Entity </a:t>
-            </a:r>
-            <a:r>
-              <a:rPr lang="en-US" dirty="0" smtClean="0"/>
-              <a:t>Framework Overview</a:t>
+              <a:t>Entity Framework Overview</a:t>
             </a:r>
             <a:endParaRPr lang="en-US" dirty="0"/>
           </a:p>
